--- a/react-shopping-cart/public/work.pptx
+++ b/react-shopping-cart/public/work.pptx
@@ -25,242 +25,10 @@
     <p:sldId id="271" r:id="rId20"/>
     <p:sldId id="272" r:id="rId21"/>
     <p:sldId id="273" r:id="rId22"/>
-    <p:sldId id="274" r:id="rId23"/>
   </p:sldIdLst>
   <p:sldSz cx="9144000" cy="6858000"/>
   <p:notesSz cx="7559675" cy="10691812"/>
 </p:presentation>
-</file>
-
-<file path=ppt/charts/chart1.xml><?xml version="1.0" encoding="utf-8"?>
-<c:chartSpace xmlns:c="http://schemas.openxmlformats.org/drawingml/2006/chart" xmlns:a="http://schemas.openxmlformats.org/drawingml/2006/main" xmlns:r="http://schemas.openxmlformats.org/officeDocument/2006/relationships">
-  <c:lang val="en-US"/>
-  <c:chart>
-    <c:plotArea>
-      <c:layout/>
-      <c:barChart>
-        <c:barDir val="col"/>
-        <c:grouping val="clustered"/>
-        <c:ser>
-          <c:idx val="0"/>
-          <c:order val="0"/>
-          <c:spPr>
-            <a:solidFill>
-              <a:srgbClr val="4f81bd"/>
-            </a:solidFill>
-            <a:ln>
-              <a:noFill/>
-            </a:ln>
-          </c:spPr>
-          <c:cat>
-            <c:strRef>
-              <c:f>categories</c:f>
-              <c:strCache>
-                <c:ptCount val="15"/>
-                <c:pt idx="0">
-                  <c:v>2000</c:v>
-                </c:pt>
-                <c:pt idx="1">
-                  <c:v>2001</c:v>
-                </c:pt>
-                <c:pt idx="2">
-                  <c:v>2002</c:v>
-                </c:pt>
-                <c:pt idx="3">
-                  <c:v>2003</c:v>
-                </c:pt>
-                <c:pt idx="4">
-                  <c:v>2004</c:v>
-                </c:pt>
-                <c:pt idx="5">
-                  <c:v>2005</c:v>
-                </c:pt>
-                <c:pt idx="6">
-                  <c:v>2006</c:v>
-                </c:pt>
-                <c:pt idx="7">
-                  <c:v>2007</c:v>
-                </c:pt>
-                <c:pt idx="8">
-                  <c:v>2008</c:v>
-                </c:pt>
-                <c:pt idx="9">
-                  <c:v>2009</c:v>
-                </c:pt>
-                <c:pt idx="10">
-                  <c:v>2010</c:v>
-                </c:pt>
-                <c:pt idx="11">
-                  <c:v>2011</c:v>
-                </c:pt>
-                <c:pt idx="12">
-                  <c:v>2012</c:v>
-                </c:pt>
-                <c:pt idx="13">
-                  <c:v>2013</c:v>
-                </c:pt>
-                <c:pt idx="14">
-                  <c:v>2014</c:v>
-                </c:pt>
-              </c:strCache>
-            </c:strRef>
-          </c:cat>
-          <c:val>
-            <c:numRef>
-              <c:f>0</c:f>
-              <c:numCache>
-                <c:formatCode>General</c:formatCode>
-                <c:ptCount val="15"/>
-                <c:pt idx="0">
-                  <c:v>3000000</c:v>
-                </c:pt>
-                <c:pt idx="1">
-                  <c:v>4300000</c:v>
-                </c:pt>
-                <c:pt idx="2">
-                  <c:v>9600000</c:v>
-                </c:pt>
-                <c:pt idx="3">
-                  <c:v>11500000</c:v>
-                </c:pt>
-                <c:pt idx="4">
-                  <c:v>17000000</c:v>
-                </c:pt>
-                <c:pt idx="5">
-                  <c:v>21700000</c:v>
-                </c:pt>
-                <c:pt idx="6">
-                  <c:v>26000000</c:v>
-                </c:pt>
-                <c:pt idx="7">
-                  <c:v>29400000</c:v>
-                </c:pt>
-                <c:pt idx="8">
-                  <c:v>33700000</c:v>
-                </c:pt>
-                <c:pt idx="9">
-                  <c:v>42000000</c:v>
-                </c:pt>
-                <c:pt idx="10">
-                  <c:v>46000000</c:v>
-                </c:pt>
-                <c:pt idx="11">
-                  <c:v>54500000</c:v>
-                </c:pt>
-                <c:pt idx="12">
-                  <c:v>59000000</c:v>
-                </c:pt>
-                <c:pt idx="13">
-                  <c:v>66600000</c:v>
-                </c:pt>
-                <c:pt idx="14">
-                  <c:v>80000000</c:v>
-                </c:pt>
-              </c:numCache>
-            </c:numRef>
-          </c:val>
-        </c:ser>
-        <c:gapWidth val="150"/>
-        <c:axId val="90067659"/>
-        <c:axId val="37872826"/>
-      </c:barChart>
-      <c:catAx>
-        <c:axId val="90067659"/>
-        <c:scaling>
-          <c:orientation val="minMax"/>
-        </c:scaling>
-        <c:delete val="0"/>
-        <c:axPos val="b"/>
-        <c:title>
-          <c:tx>
-            <c:rich>
-              <a:bodyPr/>
-              <a:lstStyle/>
-              <a:p>
-                <a:pPr>
-                  <a:defRPr/>
-                </a:pPr>
-                <a:r>
-                  <a:rPr b="1" sz="1000">
-                    <a:solidFill>
-                      <a:srgbClr val="000000"/>
-                    </a:solidFill>
-                    <a:latin typeface="Calibri"/>
-                    <a:ea typeface="DejaVu Sans"/>
-                  </a:rPr>
-                  <a:t>Год</a:t>
-                </a:r>
-              </a:p>
-            </c:rich>
-          </c:tx>
-          <c:layout/>
-        </c:title>
-        <c:majorTickMark val="out"/>
-        <c:minorTickMark val="none"/>
-        <c:tickLblPos val="nextTo"/>
-        <c:spPr>
-          <a:ln w="9360">
-            <a:solidFill>
-              <a:srgbClr val="878787"/>
-            </a:solidFill>
-            <a:round/>
-          </a:ln>
-        </c:spPr>
-        <c:crossAx val="37872826"/>
-        <c:crosses val="autoZero"/>
-        <c:auto val="1"/>
-        <c:lblAlgn val="ctr"/>
-        <c:lblOffset val="100"/>
-      </c:catAx>
-      <c:valAx>
-        <c:axId val="37872826"/>
-        <c:scaling>
-          <c:orientation val="minMax"/>
-        </c:scaling>
-        <c:delete val="1"/>
-        <c:axPos val="l"/>
-        <c:majorGridlines>
-          <c:spPr>
-            <a:ln w="9360">
-              <a:solidFill>
-                <a:srgbClr val="878787"/>
-              </a:solidFill>
-              <a:round/>
-            </a:ln>
-          </c:spPr>
-        </c:majorGridlines>
-        <c:majorTickMark val="out"/>
-        <c:minorTickMark val="none"/>
-        <c:tickLblPos val="none"/>
-        <c:spPr>
-          <a:ln w="9360">
-            <a:solidFill>
-              <a:srgbClr val="878787"/>
-            </a:solidFill>
-            <a:round/>
-          </a:ln>
-        </c:spPr>
-        <c:crossAx val="90067659"/>
-        <c:crossesAt val="0"/>
-      </c:valAx>
-      <c:spPr>
-        <a:solidFill>
-          <a:srgbClr val="ffffff"/>
-        </a:solidFill>
-        <a:ln>
-          <a:noFill/>
-        </a:ln>
-      </c:spPr>
-    </c:plotArea>
-    <c:plotVisOnly val="1"/>
-  </c:chart>
-  <c:spPr>
-    <a:noFill/>
-    <a:ln>
-      <a:noFill/>
-    </a:ln>
-  </c:spPr>
-</c:chartSpace>
 </file>
 
 <file path=ppt/slideLayouts/slideLayout1.xml><?xml version="1.0" encoding="utf-8"?>
@@ -4335,7 +4103,7 @@
         <p:spPr>
           <a:xfrm>
             <a:off x="0" y="-48240"/>
-            <a:ext cx="9141480" cy="6904800"/>
+            <a:ext cx="9141120" cy="6904440"/>
           </a:xfrm>
           <a:prstGeom prst="rect">
             <a:avLst/>
@@ -4693,7 +4461,7 @@
                 <a:latin typeface="Times New Roman"/>
                 <a:ea typeface="Times New Roman"/>
               </a:rPr>
-              <a:t>Гуц А. К.  </a:t>
+              <a:t>д.ф. -м.н. Гуц А. К.  </a:t>
             </a:r>
             <a:endParaRPr/>
           </a:p>
@@ -4858,14 +4626,14 @@
       </p:grpSpPr>
       <p:sp>
         <p:nvSpPr>
-          <p:cNvPr id="122" name="CustomShape 1"/>
+          <p:cNvPr id="119" name="CustomShape 1"/>
           <p:cNvSpPr/>
           <p:nvPr/>
         </p:nvSpPr>
         <p:spPr>
           <a:xfrm>
             <a:off x="16560" y="337320"/>
-            <a:ext cx="9142560" cy="1140480"/>
+            <a:ext cx="9142200" cy="1140120"/>
           </a:xfrm>
           <a:prstGeom prst="rect">
             <a:avLst/>
@@ -4899,7 +4667,7 @@
       </p:sp>
       <p:pic>
         <p:nvPicPr>
-          <p:cNvPr id="123" name="" descr=""/>
+          <p:cNvPr id="120" name="" descr=""/>
           <p:cNvPicPr/>
           <p:nvPr/>
         </p:nvPicPr>
@@ -4912,7 +4680,7 @@
         <p:spPr>
           <a:xfrm>
             <a:off x="1296000" y="1349640"/>
-            <a:ext cx="3166560" cy="1708920"/>
+            <a:ext cx="3166200" cy="1708560"/>
           </a:xfrm>
           <a:prstGeom prst="rect">
             <a:avLst/>
@@ -4924,7 +4692,7 @@
       </p:pic>
       <p:pic>
         <p:nvPicPr>
-          <p:cNvPr id="124" name="" descr=""/>
+          <p:cNvPr id="121" name="" descr=""/>
           <p:cNvPicPr/>
           <p:nvPr/>
         </p:nvPicPr>
@@ -4937,7 +4705,7 @@
         <p:spPr>
           <a:xfrm>
             <a:off x="5832000" y="1351080"/>
-            <a:ext cx="1680120" cy="1779480"/>
+            <a:ext cx="1679760" cy="1779120"/>
           </a:xfrm>
           <a:prstGeom prst="rect">
             <a:avLst/>
@@ -4949,7 +4717,7 @@
       </p:pic>
       <p:pic>
         <p:nvPicPr>
-          <p:cNvPr id="125" name="" descr=""/>
+          <p:cNvPr id="122" name="" descr=""/>
           <p:cNvPicPr/>
           <p:nvPr/>
         </p:nvPicPr>
@@ -4962,7 +4730,7 @@
         <p:spPr>
           <a:xfrm>
             <a:off x="1044000" y="3636000"/>
-            <a:ext cx="3238560" cy="1086480"/>
+            <a:ext cx="3238200" cy="1086120"/>
           </a:xfrm>
           <a:prstGeom prst="rect">
             <a:avLst/>
@@ -4974,7 +4742,7 @@
       </p:pic>
       <p:pic>
         <p:nvPicPr>
-          <p:cNvPr id="126" name="" descr=""/>
+          <p:cNvPr id="123" name="" descr=""/>
           <p:cNvPicPr/>
           <p:nvPr/>
         </p:nvPicPr>
@@ -4987,7 +4755,7 @@
         <p:spPr>
           <a:xfrm>
             <a:off x="4320000" y="3240000"/>
-            <a:ext cx="4462560" cy="1877040"/>
+            <a:ext cx="4462200" cy="1876680"/>
           </a:xfrm>
           <a:prstGeom prst="rect">
             <a:avLst/>
@@ -5048,7 +4816,7 @@
       </p:grpSpPr>
       <p:pic>
         <p:nvPicPr>
-          <p:cNvPr id="127" name="" descr=""/>
+          <p:cNvPr id="124" name="" descr=""/>
           <p:cNvPicPr/>
           <p:nvPr/>
         </p:nvPicPr>
@@ -5061,7 +4829,7 @@
         <p:spPr>
           <a:xfrm>
             <a:off x="144000" y="1223640"/>
-            <a:ext cx="8856000" cy="4550400"/>
+            <a:ext cx="8855640" cy="4550040"/>
           </a:xfrm>
           <a:prstGeom prst="rect">
             <a:avLst/>
@@ -5073,14 +4841,14 @@
       </p:pic>
       <p:sp>
         <p:nvSpPr>
-          <p:cNvPr id="128" name="CustomShape 1"/>
+          <p:cNvPr id="125" name="CustomShape 1"/>
           <p:cNvSpPr/>
           <p:nvPr/>
         </p:nvSpPr>
         <p:spPr>
           <a:xfrm>
             <a:off x="16560" y="337320"/>
-            <a:ext cx="9142560" cy="1140480"/>
+            <a:ext cx="9142200" cy="1140120"/>
           </a:xfrm>
           <a:prstGeom prst="rect">
             <a:avLst/>
@@ -5163,7 +4931,7 @@
       </p:grpSpPr>
       <p:pic>
         <p:nvPicPr>
-          <p:cNvPr id="129" name="" descr=""/>
+          <p:cNvPr id="126" name="" descr=""/>
           <p:cNvPicPr/>
           <p:nvPr/>
         </p:nvPicPr>
@@ -5176,7 +4944,7 @@
         <p:spPr>
           <a:xfrm>
             <a:off x="1271520" y="36000"/>
-            <a:ext cx="6601320" cy="6784560"/>
+            <a:ext cx="6600960" cy="6784200"/>
           </a:xfrm>
           <a:prstGeom prst="rect">
             <a:avLst/>
@@ -5237,7 +5005,7 @@
       </p:grpSpPr>
       <p:pic>
         <p:nvPicPr>
-          <p:cNvPr id="130" name="Содержимое 3" descr=""/>
+          <p:cNvPr id="127" name="Содержимое 3" descr=""/>
           <p:cNvPicPr/>
           <p:nvPr/>
         </p:nvPicPr>
@@ -5245,7 +5013,7 @@
           <a:blip r:embed="rId1">
             <a:lum contrast="20000"/>
           </a:blip>
-          <a:srcRect l="406974" t="1893585" r="-1217704" b="286143"/>
+          <a:srcRect l="31831" t="-2385600" r="-10432" b="-1972482"/>
           <a:stretch>
             <a:fillRect/>
           </a:stretch>
@@ -5253,7 +5021,7 @@
         <p:spPr>
           <a:xfrm>
             <a:off x="1386720" y="1600200"/>
-            <a:ext cx="6368400" cy="4523400"/>
+            <a:ext cx="6368040" cy="4523040"/>
           </a:xfrm>
           <a:prstGeom prst="rect">
             <a:avLst/>
@@ -5265,7 +5033,7 @@
       </p:pic>
       <p:pic>
         <p:nvPicPr>
-          <p:cNvPr id="131" name="" descr=""/>
+          <p:cNvPr id="128" name="" descr=""/>
           <p:cNvPicPr/>
           <p:nvPr/>
         </p:nvPicPr>
@@ -5278,7 +5046,7 @@
         <p:spPr>
           <a:xfrm>
             <a:off x="5256000" y="3596400"/>
-            <a:ext cx="2865600" cy="2522520"/>
+            <a:ext cx="2865240" cy="2522160"/>
           </a:xfrm>
           <a:prstGeom prst="rect">
             <a:avLst/>
@@ -5290,7 +5058,7 @@
       </p:pic>
       <p:pic>
         <p:nvPicPr>
-          <p:cNvPr id="132" name="" descr=""/>
+          <p:cNvPr id="129" name="" descr=""/>
           <p:cNvPicPr/>
           <p:nvPr/>
         </p:nvPicPr>
@@ -5303,7 +5071,7 @@
         <p:spPr>
           <a:xfrm>
             <a:off x="307800" y="154440"/>
-            <a:ext cx="5163120" cy="3489120"/>
+            <a:ext cx="5162760" cy="3488760"/>
           </a:xfrm>
           <a:prstGeom prst="rect">
             <a:avLst/>
@@ -5364,13 +5132,13 @@
       </p:grpSpPr>
       <p:pic>
         <p:nvPicPr>
-          <p:cNvPr id="133" name="Содержимое 3" descr=""/>
+          <p:cNvPr id="130" name="Содержимое 3" descr=""/>
           <p:cNvPicPr/>
           <p:nvPr/>
         </p:nvPicPr>
         <p:blipFill>
           <a:blip r:embed="rId1"/>
-          <a:srcRect l="1033148" t="-1243820" r="-228358" b="2318600"/>
+          <a:srcRect l="495454" t="491078" r="-674040" b="-683194"/>
           <a:stretch>
             <a:fillRect/>
           </a:stretch>
@@ -5378,7 +5146,7 @@
         <p:spPr>
           <a:xfrm>
             <a:off x="1143000" y="928800"/>
-            <a:ext cx="7069680" cy="5667480"/>
+            <a:ext cx="7069320" cy="5667120"/>
           </a:xfrm>
           <a:prstGeom prst="rect">
             <a:avLst/>
@@ -5390,7 +5158,7 @@
       </p:pic>
       <p:pic>
         <p:nvPicPr>
-          <p:cNvPr id="134" name="" descr=""/>
+          <p:cNvPr id="131" name="" descr=""/>
           <p:cNvPicPr/>
           <p:nvPr/>
         </p:nvPicPr>
@@ -5403,7 +5171,7 @@
         <p:spPr>
           <a:xfrm>
             <a:off x="0" y="1215000"/>
-            <a:ext cx="9142560" cy="4426560"/>
+            <a:ext cx="9142200" cy="4426200"/>
           </a:xfrm>
           <a:prstGeom prst="rect">
             <a:avLst/>
@@ -5415,14 +5183,14 @@
       </p:pic>
       <p:sp>
         <p:nvSpPr>
-          <p:cNvPr id="135" name="CustomShape 1"/>
+          <p:cNvPr id="132" name="CustomShape 1"/>
           <p:cNvSpPr/>
           <p:nvPr/>
         </p:nvSpPr>
         <p:spPr>
           <a:xfrm>
             <a:off x="40320" y="354960"/>
-            <a:ext cx="9142560" cy="1140480"/>
+            <a:ext cx="9142200" cy="1140120"/>
           </a:xfrm>
           <a:prstGeom prst="rect">
             <a:avLst/>
@@ -5505,7 +5273,7 @@
       </p:grpSpPr>
       <p:pic>
         <p:nvPicPr>
-          <p:cNvPr id="136" name="" descr=""/>
+          <p:cNvPr id="133" name="" descr=""/>
           <p:cNvPicPr/>
           <p:nvPr/>
         </p:nvPicPr>
@@ -5518,7 +5286,7 @@
         <p:spPr>
           <a:xfrm>
             <a:off x="180000" y="247680"/>
-            <a:ext cx="8858160" cy="6303240"/>
+            <a:ext cx="8857800" cy="6302880"/>
           </a:xfrm>
           <a:prstGeom prst="rect">
             <a:avLst/>
@@ -5577,47 +5345,132 @@
           <a:chExt cx="0" cy="0"/>
         </a:xfrm>
       </p:grpSpPr>
-      <p:sp>
-        <p:nvSpPr>
-          <p:cNvPr id="137" name="CustomShape 1"/>
-          <p:cNvSpPr/>
+      <p:pic>
+        <p:nvPicPr>
+          <p:cNvPr id="134" name="Содержимое 3" descr=""/>
+          <p:cNvPicPr/>
           <p:nvPr/>
-        </p:nvSpPr>
-        <p:spPr>
-          <a:xfrm>
-            <a:off x="0" y="612000"/>
-            <a:ext cx="9143640" cy="1151640"/>
-          </a:xfrm>
-          <a:prstGeom prst="rect">
-            <a:avLst/>
-          </a:prstGeom>
-          <a:noFill/>
+        </p:nvPicPr>
+        <p:blipFill>
+          <a:blip r:embed="rId1"/>
+          <a:srcRect l="-741004" t="1310106" r="228564" b="-1841074"/>
+          <a:stretch>
+            <a:fillRect/>
+          </a:stretch>
+        </p:blipFill>
+        <p:spPr>
+          <a:xfrm>
+            <a:off x="1000080" y="1285920"/>
+            <a:ext cx="7283880" cy="5283720"/>
+          </a:xfrm>
+          <a:prstGeom prst="rect">
+            <a:avLst/>
+          </a:prstGeom>
           <a:ln>
             <a:noFill/>
           </a:ln>
         </p:spPr>
-        <p:txBody>
-          <a:bodyPr lIns="90000" rIns="90000" tIns="45000" bIns="45000"/>
-          <a:p>
-            <a:pPr algn="ctr">
-              <a:lnSpc>
-                <a:spcPct val="100000"/>
-              </a:lnSpc>
-            </a:pPr>
-            <a:r>
-              <a:rPr lang="ru-RU" sz="2800">
-                <a:solidFill>
-                  <a:srgbClr val="000000"/>
-                </a:solidFill>
-                <a:latin typeface="Times New Roman"/>
-                <a:ea typeface="DejaVu Sans"/>
-              </a:rPr>
-              <a:t>Схема работы платежной системы</a:t>
-            </a:r>
-            <a:endParaRPr/>
-          </a:p>
-        </p:txBody>
-      </p:sp>
+      </p:pic>
+      <p:pic>
+        <p:nvPicPr>
+          <p:cNvPr id="135" name="" descr=""/>
+          <p:cNvPicPr/>
+          <p:nvPr/>
+        </p:nvPicPr>
+        <p:blipFill>
+          <a:blip r:embed="rId2"/>
+          <a:stretch>
+            <a:fillRect/>
+          </a:stretch>
+        </p:blipFill>
+        <p:spPr>
+          <a:xfrm>
+            <a:off x="144000" y="222120"/>
+            <a:ext cx="4379760" cy="1360440"/>
+          </a:xfrm>
+          <a:prstGeom prst="rect">
+            <a:avLst/>
+          </a:prstGeom>
+          <a:ln>
+            <a:noFill/>
+          </a:ln>
+        </p:spPr>
+      </p:pic>
+      <p:pic>
+        <p:nvPicPr>
+          <p:cNvPr id="136" name="" descr=""/>
+          <p:cNvPicPr/>
+          <p:nvPr/>
+        </p:nvPicPr>
+        <p:blipFill>
+          <a:blip r:embed="rId3"/>
+          <a:stretch>
+            <a:fillRect/>
+          </a:stretch>
+        </p:blipFill>
+        <p:spPr>
+          <a:xfrm>
+            <a:off x="288000" y="1285920"/>
+            <a:ext cx="3878280" cy="5120640"/>
+          </a:xfrm>
+          <a:prstGeom prst="rect">
+            <a:avLst/>
+          </a:prstGeom>
+          <a:ln>
+            <a:noFill/>
+          </a:ln>
+        </p:spPr>
+      </p:pic>
+      <p:pic>
+        <p:nvPicPr>
+          <p:cNvPr id="137" name="" descr=""/>
+          <p:cNvPicPr/>
+          <p:nvPr/>
+        </p:nvPicPr>
+        <p:blipFill>
+          <a:blip r:embed="rId4"/>
+          <a:stretch>
+            <a:fillRect/>
+          </a:stretch>
+        </p:blipFill>
+        <p:spPr>
+          <a:xfrm>
+            <a:off x="4572000" y="1285920"/>
+            <a:ext cx="4284360" cy="5065560"/>
+          </a:xfrm>
+          <a:prstGeom prst="rect">
+            <a:avLst/>
+          </a:prstGeom>
+          <a:ln>
+            <a:noFill/>
+          </a:ln>
+        </p:spPr>
+      </p:pic>
+      <p:pic>
+        <p:nvPicPr>
+          <p:cNvPr id="138" name="" descr=""/>
+          <p:cNvPicPr/>
+          <p:nvPr/>
+        </p:nvPicPr>
+        <p:blipFill>
+          <a:blip r:embed="rId5"/>
+          <a:stretch>
+            <a:fillRect/>
+          </a:stretch>
+        </p:blipFill>
+        <p:spPr>
+          <a:xfrm>
+            <a:off x="6192000" y="288000"/>
+            <a:ext cx="2617560" cy="817200"/>
+          </a:xfrm>
+          <a:prstGeom prst="rect">
+            <a:avLst/>
+          </a:prstGeom>
+          <a:ln>
+            <a:noFill/>
+          </a:ln>
+        </p:spPr>
+      </p:pic>
     </p:spTree>
   </p:cSld>
   <p:timing>
@@ -5669,21 +5522,20 @@
       </p:grpSpPr>
       <p:pic>
         <p:nvPicPr>
-          <p:cNvPr id="138" name="Содержимое 3" descr=""/>
+          <p:cNvPr id="139" name="" descr=""/>
           <p:cNvPicPr/>
           <p:nvPr/>
         </p:nvPicPr>
         <p:blipFill>
           <a:blip r:embed="rId1"/>
-          <a:srcRect l="1189307" t="1131549" r="-600018" b="110769"/>
           <a:stretch>
             <a:fillRect/>
           </a:stretch>
         </p:blipFill>
         <p:spPr>
           <a:xfrm>
-            <a:off x="1000080" y="1285920"/>
-            <a:ext cx="7284240" cy="5284080"/>
+            <a:off x="1419480" y="1400400"/>
+            <a:ext cx="6412680" cy="4106160"/>
           </a:xfrm>
           <a:prstGeom prst="rect">
             <a:avLst/>
@@ -5693,106 +5545,47 @@
           </a:ln>
         </p:spPr>
       </p:pic>
-      <p:pic>
-        <p:nvPicPr>
-          <p:cNvPr id="139" name="" descr=""/>
-          <p:cNvPicPr/>
+      <p:sp>
+        <p:nvSpPr>
+          <p:cNvPr id="140" name="CustomShape 1"/>
+          <p:cNvSpPr/>
           <p:nvPr/>
-        </p:nvPicPr>
-        <p:blipFill>
-          <a:blip r:embed="rId2"/>
-          <a:stretch>
-            <a:fillRect/>
-          </a:stretch>
-        </p:blipFill>
-        <p:spPr>
-          <a:xfrm>
-            <a:off x="144000" y="222120"/>
-            <a:ext cx="4380120" cy="1360800"/>
-          </a:xfrm>
-          <a:prstGeom prst="rect">
-            <a:avLst/>
-          </a:prstGeom>
+        </p:nvSpPr>
+        <p:spPr>
+          <a:xfrm>
+            <a:off x="31680" y="291240"/>
+            <a:ext cx="9142200" cy="1140120"/>
+          </a:xfrm>
+          <a:prstGeom prst="rect">
+            <a:avLst/>
+          </a:prstGeom>
+          <a:noFill/>
           <a:ln>
             <a:noFill/>
           </a:ln>
         </p:spPr>
-      </p:pic>
-      <p:pic>
-        <p:nvPicPr>
-          <p:cNvPr id="140" name="" descr=""/>
-          <p:cNvPicPr/>
-          <p:nvPr/>
-        </p:nvPicPr>
-        <p:blipFill>
-          <a:blip r:embed="rId3"/>
-          <a:stretch>
-            <a:fillRect/>
-          </a:stretch>
-        </p:blipFill>
-        <p:spPr>
-          <a:xfrm>
-            <a:off x="288000" y="1285920"/>
-            <a:ext cx="3878640" cy="5121000"/>
-          </a:xfrm>
-          <a:prstGeom prst="rect">
-            <a:avLst/>
-          </a:prstGeom>
-          <a:ln>
-            <a:noFill/>
-          </a:ln>
-        </p:spPr>
-      </p:pic>
-      <p:pic>
-        <p:nvPicPr>
-          <p:cNvPr id="141" name="" descr=""/>
-          <p:cNvPicPr/>
-          <p:nvPr/>
-        </p:nvPicPr>
-        <p:blipFill>
-          <a:blip r:embed="rId4"/>
-          <a:stretch>
-            <a:fillRect/>
-          </a:stretch>
-        </p:blipFill>
-        <p:spPr>
-          <a:xfrm>
-            <a:off x="4572000" y="1285920"/>
-            <a:ext cx="4284720" cy="5065920"/>
-          </a:xfrm>
-          <a:prstGeom prst="rect">
-            <a:avLst/>
-          </a:prstGeom>
-          <a:ln>
-            <a:noFill/>
-          </a:ln>
-        </p:spPr>
-      </p:pic>
-      <p:pic>
-        <p:nvPicPr>
-          <p:cNvPr id="142" name="" descr=""/>
-          <p:cNvPicPr/>
-          <p:nvPr/>
-        </p:nvPicPr>
-        <p:blipFill>
-          <a:blip r:embed="rId5"/>
-          <a:stretch>
-            <a:fillRect/>
-          </a:stretch>
-        </p:blipFill>
-        <p:spPr>
-          <a:xfrm>
-            <a:off x="6192000" y="288000"/>
-            <a:ext cx="2617920" cy="817560"/>
-          </a:xfrm>
-          <a:prstGeom prst="rect">
-            <a:avLst/>
-          </a:prstGeom>
-          <a:ln>
-            <a:noFill/>
-          </a:ln>
-        </p:spPr>
-      </p:pic>
+        <p:txBody>
+          <a:bodyPr lIns="90000" rIns="90000" tIns="45000" bIns="45000" anchor="ctr"/>
+          <a:p>
+            <a:pPr algn="ctr">
+              <a:lnSpc>
+                <a:spcPct val="100000"/>
+              </a:lnSpc>
+            </a:pPr>
+            <a:r>
+              <a:rPr lang="ru-RU" sz="2800">
+                <a:solidFill>
+                  <a:srgbClr val="000000"/>
+                </a:solidFill>
+                <a:latin typeface="Times New Roman"/>
+                <a:ea typeface="DejaVu Sans"/>
+              </a:rPr>
+              <a:t>Пример письма с заказом</a:t>
+            </a:r>
+            <a:endParaRPr/>
+          </a:p>
+        </p:txBody>
+      </p:sp>
     </p:spTree>
   </p:cSld>
   <p:timing>
@@ -5842,41 +5635,16 @@
           <a:chExt cx="0" cy="0"/>
         </a:xfrm>
       </p:grpSpPr>
-      <p:pic>
-        <p:nvPicPr>
-          <p:cNvPr id="143" name="" descr=""/>
-          <p:cNvPicPr/>
-          <p:nvPr/>
-        </p:nvPicPr>
-        <p:blipFill>
-          <a:blip r:embed="rId1"/>
-          <a:stretch>
-            <a:fillRect/>
-          </a:stretch>
-        </p:blipFill>
-        <p:spPr>
-          <a:xfrm>
-            <a:off x="1419480" y="1400400"/>
-            <a:ext cx="6413040" cy="4106520"/>
-          </a:xfrm>
-          <a:prstGeom prst="rect">
-            <a:avLst/>
-          </a:prstGeom>
-          <a:ln>
-            <a:noFill/>
-          </a:ln>
-        </p:spPr>
-      </p:pic>
-      <p:sp>
-        <p:nvSpPr>
-          <p:cNvPr id="144" name="CustomShape 1"/>
+      <p:sp>
+        <p:nvSpPr>
+          <p:cNvPr id="141" name="CustomShape 1"/>
           <p:cNvSpPr/>
           <p:nvPr/>
         </p:nvSpPr>
         <p:spPr>
           <a:xfrm>
-            <a:off x="31680" y="291240"/>
-            <a:ext cx="9142560" cy="1140480"/>
+            <a:off x="40320" y="354960"/>
+            <a:ext cx="9142200" cy="1140120"/>
           </a:xfrm>
           <a:prstGeom prst="rect">
             <a:avLst/>
@@ -5902,7 +5670,7 @@
                 <a:latin typeface="Times New Roman"/>
                 <a:ea typeface="DejaVu Sans"/>
               </a:rPr>
-              <a:t>Пример письма с заказом</a:t>
+              <a:t>Заключение</a:t>
             </a:r>
             <a:endParaRPr/>
           </a:p>
@@ -5940,69 +5708,6 @@
 </p:sld>
 </file>
 
-<file path=ppt/slides/slide19.xml><?xml version="1.0" encoding="utf-8"?>
-<p:sld xmlns:a="http://schemas.openxmlformats.org/drawingml/2006/main" xmlns:p="http://schemas.openxmlformats.org/presentationml/2006/main" xmlns:r="http://schemas.openxmlformats.org/officeDocument/2006/relationships">
-  <p:cSld>
-    <p:spTree>
-      <p:nvGrpSpPr>
-        <p:cNvPr id="1" name=""/>
-        <p:cNvGrpSpPr/>
-        <p:nvPr/>
-      </p:nvGrpSpPr>
-      <p:grpSpPr>
-        <a:xfrm>
-          <a:off x="0" y="0"/>
-          <a:ext cx="0" cy="0"/>
-          <a:chOff x="0" y="0"/>
-          <a:chExt cx="0" cy="0"/>
-        </a:xfrm>
-      </p:grpSpPr>
-      <p:sp>
-        <p:nvSpPr>
-          <p:cNvPr id="145" name="CustomShape 1"/>
-          <p:cNvSpPr/>
-          <p:nvPr/>
-        </p:nvSpPr>
-        <p:spPr>
-          <a:xfrm>
-            <a:off x="40320" y="354960"/>
-            <a:ext cx="9142560" cy="1140480"/>
-          </a:xfrm>
-          <a:prstGeom prst="rect">
-            <a:avLst/>
-          </a:prstGeom>
-          <a:noFill/>
-          <a:ln>
-            <a:noFill/>
-          </a:ln>
-        </p:spPr>
-        <p:txBody>
-          <a:bodyPr lIns="90000" rIns="90000" tIns="45000" bIns="45000" anchor="ctr"/>
-          <a:p>
-            <a:pPr algn="ctr">
-              <a:lnSpc>
-                <a:spcPct val="100000"/>
-              </a:lnSpc>
-            </a:pPr>
-            <a:r>
-              <a:rPr lang="ru-RU" sz="2800">
-                <a:solidFill>
-                  <a:srgbClr val="000000"/>
-                </a:solidFill>
-                <a:latin typeface="Times New Roman"/>
-                <a:ea typeface="DejaVu Sans"/>
-              </a:rPr>
-              <a:t>Заключение</a:t>
-            </a:r>
-            <a:endParaRPr/>
-          </a:p>
-        </p:txBody>
-      </p:sp>
-    </p:spTree>
-  </p:cSld>
-</p:sld>
-</file>
-
 <file path=ppt/slides/slide2.xml><?xml version="1.0" encoding="utf-8"?>
 <p:sld xmlns:a="http://schemas.openxmlformats.org/drawingml/2006/main" xmlns:p="http://schemas.openxmlformats.org/presentationml/2006/main" xmlns:r="http://schemas.openxmlformats.org/officeDocument/2006/relationships">
   <p:cSld>
@@ -6029,7 +5734,7 @@
         <p:spPr>
           <a:xfrm>
             <a:off x="266760" y="648000"/>
-            <a:ext cx="8227080" cy="4523400"/>
+            <a:ext cx="8226720" cy="4523040"/>
           </a:xfrm>
           <a:prstGeom prst="rect">
             <a:avLst/>
@@ -6057,7 +5762,7 @@
                 <a:latin typeface="Times New Roman"/>
                 <a:ea typeface="DejaVu Sans"/>
               </a:rPr>
-              <a:t>Целью данной  дипломной работы является разработка проекта Интернет-магазина по продаже мобильных телефонов</a:t>
+              <a:t>Целью данной  дипломной работы является разработка web-сайта Интернет-магазина по продаже мобильных телефонов.</a:t>
             </a:r>
             <a:endParaRPr/>
           </a:p>
@@ -6121,7 +5826,7 @@
         <p:spPr>
           <a:xfrm>
             <a:off x="357120" y="214200"/>
-            <a:ext cx="8570160" cy="6069600"/>
+            <a:ext cx="8569800" cy="6069240"/>
           </a:xfrm>
           <a:prstGeom prst="rect">
             <a:avLst/>
@@ -6165,7 +5870,7 @@
                 <a:latin typeface="Times New Roman"/>
                 <a:ea typeface="DejaVu Sans"/>
               </a:rPr>
-              <a:t>изучить принципы построения Интернет-магазинов и особенности тех, которые по продаже электроники;</a:t>
+              <a:t>- изучить принципы построения Интернет-магазинов и особенности тех, которые специализируются по продаже электроники;</a:t>
             </a:r>
             <a:endParaRPr/>
           </a:p>
@@ -6178,7 +5883,7 @@
                 <a:latin typeface="Times New Roman"/>
                 <a:ea typeface="DejaVu Sans"/>
               </a:rPr>
-              <a:t>исследовать структуру электронного магазина;</a:t>
+              <a:t>- исследовать структуру интернет-магазинов;</a:t>
             </a:r>
             <a:endParaRPr/>
           </a:p>
@@ -6191,7 +5896,7 @@
                 <a:latin typeface="Times New Roman"/>
                 <a:ea typeface="DejaVu Sans"/>
               </a:rPr>
-              <a:t>выполнить сравнительный анализ программных средств создания электронных магазинов;</a:t>
+              <a:t>- выполнить сравнительный анализ программных средств создания web-сайтов;</a:t>
             </a:r>
             <a:endParaRPr/>
           </a:p>
@@ -6204,7 +5909,7 @@
                 <a:latin typeface="Times New Roman"/>
                 <a:ea typeface="DejaVu Sans"/>
               </a:rPr>
-              <a:t>разработать основные функции интернет-магазина</a:t>
+              <a:t>- разработать основные функции интернет-магазина</a:t>
             </a:r>
             <a:endParaRPr/>
           </a:p>
@@ -6276,7 +5981,7 @@
         <p:spPr>
           <a:xfrm>
             <a:off x="216000" y="936000"/>
-            <a:ext cx="8641440" cy="4069440"/>
+            <a:ext cx="8641080" cy="4069080"/>
           </a:xfrm>
           <a:prstGeom prst="rect">
             <a:avLst/>
@@ -6293,7 +5998,7 @@
           </a:p>
           <a:p>
             <a:r>
-              <a:rPr lang="ru-RU" sz="3200">
+              <a:rPr lang="ru-RU" sz="2800">
                 <a:solidFill>
                   <a:srgbClr val="000000"/>
                 </a:solidFill>
@@ -6309,7 +6014,7 @@
           </a:p>
           <a:p>
             <a:r>
-              <a:rPr lang="ru-RU" sz="3200">
+              <a:rPr lang="ru-RU" sz="2800">
                 <a:solidFill>
                   <a:srgbClr val="000000"/>
                 </a:solidFill>
@@ -6319,7 +6024,7 @@
               <a:t> </a:t>
             </a:r>
             <a:r>
-              <a:rPr lang="ru-RU" sz="3200">
+              <a:rPr lang="ru-RU" sz="2800">
                 <a:solidFill>
                   <a:srgbClr val="000000"/>
                 </a:solidFill>
@@ -6404,7 +6109,7 @@
         <p:spPr>
           <a:xfrm>
             <a:off x="822960" y="914400"/>
-            <a:ext cx="7753320" cy="4479840"/>
+            <a:ext cx="7752960" cy="4479480"/>
           </a:xfrm>
           <a:prstGeom prst="rect">
             <a:avLst/>
@@ -6463,115 +6168,31 @@
           <a:chExt cx="0" cy="0"/>
         </a:xfrm>
       </p:grpSpPr>
-      <p:sp>
-        <p:nvSpPr>
-          <p:cNvPr id="113" name="CustomShape 1"/>
-          <p:cNvSpPr/>
+      <p:pic>
+        <p:nvPicPr>
+          <p:cNvPr id="113" name="" descr=""/>
+          <p:cNvPicPr/>
           <p:nvPr/>
-        </p:nvSpPr>
-        <p:spPr>
-          <a:xfrm>
-            <a:off x="457200" y="274680"/>
-            <a:ext cx="8227080" cy="1140480"/>
-          </a:xfrm>
-          <a:prstGeom prst="rect">
-            <a:avLst/>
-          </a:prstGeom>
-          <a:noFill/>
+        </p:nvPicPr>
+        <p:blipFill>
+          <a:blip r:embed="rId1"/>
+          <a:stretch>
+            <a:fillRect/>
+          </a:stretch>
+        </p:blipFill>
+        <p:spPr>
+          <a:xfrm>
+            <a:off x="216000" y="878760"/>
+            <a:ext cx="8677080" cy="5061240"/>
+          </a:xfrm>
+          <a:prstGeom prst="rect">
+            <a:avLst/>
+          </a:prstGeom>
           <a:ln>
             <a:noFill/>
           </a:ln>
         </p:spPr>
-        <p:txBody>
-          <a:bodyPr lIns="90000" rIns="90000" tIns="45000" bIns="45000" anchor="ctr"/>
-          <a:p>
-            <a:r>
-              <a:rPr b="1" lang="ru-RU" sz="2400">
-                <a:solidFill>
-                  <a:srgbClr val="000000"/>
-                </a:solidFill>
-                <a:latin typeface="Times New Roman"/>
-                <a:ea typeface="DejaVu Sans"/>
-              </a:rPr>
-              <a:t>График 1. Количество пользователей интернета в России с 2000 по 2014 год.</a:t>
-            </a:r>
-            <a:endParaRPr/>
-          </a:p>
-          <a:p>
-            <a:pPr algn="ctr">
-              <a:lnSpc>
-                <a:spcPct val="100000"/>
-              </a:lnSpc>
-            </a:pPr>
-            <a:endParaRPr/>
-          </a:p>
-        </p:txBody>
-      </p:sp>
-      <p:graphicFrame>
-        <p:nvGraphicFramePr>
-          <p:cNvPr id="114" name="Содержимое 3"/>
-          <p:cNvGraphicFramePr/>
-          <p:nvPr/>
-        </p:nvGraphicFramePr>
-        <p:xfrm>
-          <a:off x="214200" y="2592000"/>
-          <a:ext cx="8713080" cy="4263480"/>
-        </p:xfrm>
-        <a:graphic>
-          <a:graphicData uri="http://schemas.openxmlformats.org/drawingml/2006/chart">
-            <c:chart xmlns:c="http://schemas.openxmlformats.org/drawingml/2006/chart" xmlns:r="http://schemas.openxmlformats.org/officeDocument/2006/relationships" r:id="rId1"/>
-          </a:graphicData>
-        </a:graphic>
-      </p:graphicFrame>
-      <p:sp>
-        <p:nvSpPr>
-          <p:cNvPr id="115" name="CustomShape 2"/>
-          <p:cNvSpPr/>
-          <p:nvPr/>
-        </p:nvSpPr>
-        <p:spPr>
-          <a:xfrm>
-            <a:off x="428760" y="1071720"/>
-            <a:ext cx="8498520" cy="1764000"/>
-          </a:xfrm>
-          <a:prstGeom prst="rect">
-            <a:avLst/>
-          </a:prstGeom>
-          <a:noFill/>
-          <a:ln>
-            <a:noFill/>
-          </a:ln>
-        </p:spPr>
-        <p:txBody>
-          <a:bodyPr lIns="90000" rIns="90000" tIns="45000" bIns="45000"/>
-          <a:p>
-            <a:pPr>
-              <a:lnSpc>
-                <a:spcPct val="100000"/>
-              </a:lnSpc>
-            </a:pPr>
-            <a:r>
-              <a:rPr lang="ru-RU" sz="2200">
-                <a:solidFill>
-                  <a:srgbClr val="000000"/>
-                </a:solidFill>
-                <a:latin typeface="Times New Roman"/>
-                <a:ea typeface="DejaVu Sans"/>
-              </a:rPr>
-              <a:t>Онлайн-покупки в России 2014 г. ежемесячно совершают более 29 миллионов человек, что составляет 71% активной интернет-аудитории, сообщается в исследовании аналитического агентства Markswebb Rank &amp; Report.</a:t>
-            </a:r>
-            <a:endParaRPr/>
-          </a:p>
-          <a:p>
-            <a:pPr>
-              <a:lnSpc>
-                <a:spcPct val="100000"/>
-              </a:lnSpc>
-            </a:pPr>
-            <a:endParaRPr/>
-          </a:p>
-        </p:txBody>
-      </p:sp>
+      </p:pic>
     </p:spTree>
   </p:cSld>
   <p:timing>
@@ -6621,97 +6242,27 @@
           <a:chExt cx="0" cy="0"/>
         </a:xfrm>
       </p:grpSpPr>
-      <p:sp>
-        <p:nvSpPr>
-          <p:cNvPr id="116" name="CustomShape 1"/>
-          <p:cNvSpPr/>
-          <p:nvPr/>
-        </p:nvSpPr>
-        <p:spPr>
-          <a:xfrm>
-            <a:off x="428760" y="1071720"/>
-            <a:ext cx="8227080" cy="1140480"/>
-          </a:xfrm>
-          <a:prstGeom prst="rect">
-            <a:avLst/>
-          </a:prstGeom>
-          <a:noFill/>
-          <a:ln>
-            <a:noFill/>
-          </a:ln>
-        </p:spPr>
-        <p:txBody>
-          <a:bodyPr lIns="90000" rIns="90000" tIns="45000" bIns="45000" anchor="ctr"/>
-          <a:p>
-            <a:pPr algn="ctr">
-              <a:lnSpc>
-                <a:spcPct val="100000"/>
-              </a:lnSpc>
-            </a:pPr>
-            <a:r>
-              <a:rPr lang="ru-RU" sz="2400">
-                <a:solidFill>
-                  <a:srgbClr val="000000"/>
-                </a:solidFill>
-                <a:latin typeface="Times New Roman"/>
-                <a:ea typeface="DejaVu Sans"/>
-              </a:rPr>
-              <a:t>Российский рынок электронной коммерции 2013 г.</a:t>
-            </a:r>
-            <a:endParaRPr/>
-          </a:p>
-          <a:p>
-            <a:pPr algn="ctr">
-              <a:lnSpc>
-                <a:spcPct val="100000"/>
-              </a:lnSpc>
-            </a:pPr>
-            <a:r>
-              <a:rPr lang="ru-RU" sz="2400">
-                <a:solidFill>
-                  <a:srgbClr val="000000"/>
-                </a:solidFill>
-                <a:latin typeface="Times New Roman"/>
-                <a:ea typeface="DejaVu Sans"/>
-              </a:rPr>
-              <a:t> </a:t>
-            </a:r>
-            <a:r>
-              <a:rPr lang="ru-RU" sz="2400">
-                <a:solidFill>
-                  <a:srgbClr val="000000"/>
-                </a:solidFill>
-                <a:latin typeface="Times New Roman"/>
-                <a:ea typeface="DejaVu Sans"/>
-              </a:rPr>
-              <a:t>Общий объем рынка электронной коммерции в России по итогам 2013 г. превысил 2 трлн руб. Прирост по отношению к 2012 г. составил 23%. </a:t>
-            </a:r>
-            <a:endParaRPr/>
-          </a:p>
-        </p:txBody>
-      </p:sp>
       <p:pic>
         <p:nvPicPr>
-          <p:cNvPr id="117" name="Содержимое 5" descr=""/>
+          <p:cNvPr id="114" name="" descr=""/>
           <p:cNvPicPr/>
           <p:nvPr/>
         </p:nvPicPr>
         <p:blipFill>
           <a:blip r:embed="rId1"/>
-          <a:srcRect l="1388" t="16315" r="1921" b="7424"/>
           <a:stretch>
             <a:fillRect/>
           </a:stretch>
         </p:blipFill>
         <p:spPr>
           <a:xfrm>
-            <a:off x="1285920" y="2786040"/>
-            <a:ext cx="6588360" cy="2652480"/>
-          </a:xfrm>
-          <a:prstGeom prst="rect">
-            <a:avLst/>
-          </a:prstGeom>
-          <a:ln w="9360">
+            <a:off x="279720" y="736560"/>
+            <a:ext cx="8612280" cy="5023440"/>
+          </a:xfrm>
+          <a:prstGeom prst="rect">
+            <a:avLst/>
+          </a:prstGeom>
+          <a:ln>
             <a:noFill/>
           </a:ln>
         </p:spPr>
@@ -6767,14 +6318,14 @@
       </p:grpSpPr>
       <p:sp>
         <p:nvSpPr>
-          <p:cNvPr id="118" name="CustomShape 1"/>
+          <p:cNvPr id="115" name="CustomShape 1"/>
           <p:cNvSpPr/>
           <p:nvPr/>
         </p:nvSpPr>
         <p:spPr>
           <a:xfrm>
             <a:off x="16560" y="336960"/>
-            <a:ext cx="9142560" cy="1140480"/>
+            <a:ext cx="9142200" cy="1140120"/>
           </a:xfrm>
           <a:prstGeom prst="rect">
             <a:avLst/>
@@ -6808,7 +6359,7 @@
       </p:sp>
       <p:pic>
         <p:nvPicPr>
-          <p:cNvPr id="119" name="" descr=""/>
+          <p:cNvPr id="116" name="" descr=""/>
           <p:cNvPicPr/>
           <p:nvPr/>
         </p:nvPicPr>
@@ -6821,7 +6372,7 @@
         <p:spPr>
           <a:xfrm>
             <a:off x="450000" y="1860120"/>
-            <a:ext cx="8404920" cy="3295800"/>
+            <a:ext cx="8404560" cy="3295440"/>
           </a:xfrm>
           <a:prstGeom prst="rect">
             <a:avLst/>
@@ -6882,14 +6433,14 @@
       </p:grpSpPr>
       <p:sp>
         <p:nvSpPr>
-          <p:cNvPr id="120" name="CustomShape 1"/>
+          <p:cNvPr id="117" name="CustomShape 1"/>
           <p:cNvSpPr/>
           <p:nvPr/>
         </p:nvSpPr>
         <p:spPr>
           <a:xfrm>
             <a:off x="0" y="274680"/>
-            <a:ext cx="9142560" cy="1140480"/>
+            <a:ext cx="9142200" cy="1140120"/>
           </a:xfrm>
           <a:prstGeom prst="rect">
             <a:avLst/>
@@ -6923,7 +6474,7 @@
       </p:sp>
       <p:pic>
         <p:nvPicPr>
-          <p:cNvPr id="121" name="" descr=""/>
+          <p:cNvPr id="118" name="" descr=""/>
           <p:cNvPicPr/>
           <p:nvPr/>
         </p:nvPicPr>
@@ -6936,7 +6487,7 @@
         <p:spPr>
           <a:xfrm>
             <a:off x="457200" y="1828800"/>
-            <a:ext cx="8323200" cy="2396880"/>
+            <a:ext cx="8322840" cy="2396520"/>
           </a:xfrm>
           <a:prstGeom prst="rect">
             <a:avLst/>

--- a/react-shopping-cart/public/work.pptx
+++ b/react-shopping-cart/public/work.pptx
@@ -1,6 +1,6 @@
 
 <file path=ppt/presentation.xml><?xml version="1.0" encoding="utf-8"?>
-<p:presentation xmlns:a="http://schemas.openxmlformats.org/drawingml/2006/main" xmlns:p="http://schemas.openxmlformats.org/presentationml/2006/main" xmlns:r="http://schemas.openxmlformats.org/officeDocument/2006/relationships">
+<p:presentation xmlns:a="http://schemas.openxmlformats.org/drawingml/2006/main" xmlns:p="http://schemas.openxmlformats.org/presentationml/2006/main" xmlns:r="http://schemas.openxmlformats.org/officeDocument/2006/relationships" xmlns:p14="http://schemas.microsoft.com/office/powerpoint/2010/main" xmlns:p15="http://schemas.microsoft.com/office/powerpoint/2012/main" xmlns:mc="http://schemas.openxmlformats.org/markup-compatibility/2006">
   <p:sldMasterIdLst>
     <p:sldMasterId id="2147483648" r:id="rId2"/>
     <p:sldMasterId id="2147483661" r:id="rId3"/>
@@ -32,7 +32,7 @@
 </file>
 
 <file path=ppt/slideLayouts/slideLayout1.xml><?xml version="1.0" encoding="utf-8"?>
-<p:sldLayout xmlns:a="http://schemas.openxmlformats.org/drawingml/2006/main" xmlns:p="http://schemas.openxmlformats.org/presentationml/2006/main" xmlns:r="http://schemas.openxmlformats.org/officeDocument/2006/relationships" type="blank" preserve="1">
+<p:sldLayout xmlns:a="http://schemas.openxmlformats.org/drawingml/2006/main" xmlns:p="http://schemas.openxmlformats.org/presentationml/2006/main" xmlns:r="http://schemas.openxmlformats.org/officeDocument/2006/relationships" xmlns:p14="http://schemas.microsoft.com/office/powerpoint/2010/main" xmlns:p15="http://schemas.microsoft.com/office/powerpoint/2012/main" xmlns:mc="http://schemas.openxmlformats.org/markup-compatibility/2006" type="blank" preserve="1">
   <p:cSld name="Blank Slide">
     <p:spTree>
       <p:nvGrpSpPr>
@@ -54,7 +54,7 @@
 </file>
 
 <file path=ppt/slideLayouts/slideLayout10.xml><?xml version="1.0" encoding="utf-8"?>
-<p:sldLayout xmlns:a="http://schemas.openxmlformats.org/drawingml/2006/main" xmlns:p="http://schemas.openxmlformats.org/presentationml/2006/main" xmlns:r="http://schemas.openxmlformats.org/officeDocument/2006/relationships" type="objOverTx" preserve="1">
+<p:sldLayout xmlns:a="http://schemas.openxmlformats.org/drawingml/2006/main" xmlns:p="http://schemas.openxmlformats.org/presentationml/2006/main" xmlns:r="http://schemas.openxmlformats.org/officeDocument/2006/relationships" xmlns:p14="http://schemas.microsoft.com/office/powerpoint/2010/main" xmlns:p15="http://schemas.microsoft.com/office/powerpoint/2012/main" xmlns:mc="http://schemas.openxmlformats.org/markup-compatibility/2006" type="objOverTx" preserve="1">
   <p:cSld name="Title, Content over Content">
     <p:spTree>
       <p:nvGrpSpPr>
@@ -82,8 +82,8 @@
         </p:nvSpPr>
         <p:spPr>
           <a:xfrm>
-            <a:off x="457200" y="219600"/>
-            <a:ext cx="8229240" cy="1253160"/>
+            <a:off x="457200" y="273600"/>
+            <a:ext cx="8229240" cy="1144800"/>
           </a:xfrm>
           <a:prstGeom prst="rect">
             <a:avLst/>
@@ -93,7 +93,17 @@
           <a:bodyPr lIns="0" rIns="0" tIns="0" bIns="0" anchor="ctr"/>
           <a:p>
             <a:pPr algn="ctr"/>
-            <a:endParaRPr/>
+            <a:endParaRPr b="0" lang="en-US" sz="4400" spc="-1" strike="noStrike">
+              <a:solidFill>
+                <a:srgbClr val="000000"/>
+              </a:solidFill>
+              <a:uFill>
+                <a:solidFill>
+                  <a:srgbClr val="ffffff"/>
+                </a:solidFill>
+              </a:uFill>
+              <a:latin typeface="Arial"/>
+            </a:endParaRPr>
           </a:p>
         </p:txBody>
       </p:sp>
@@ -119,7 +129,17 @@
         <p:txBody>
           <a:bodyPr lIns="0" rIns="0" tIns="0" bIns="0"/>
           <a:p>
-            <a:endParaRPr/>
+            <a:endParaRPr b="0" lang="en-US" sz="3200" spc="-1" strike="noStrike">
+              <a:solidFill>
+                <a:srgbClr val="000000"/>
+              </a:solidFill>
+              <a:uFill>
+                <a:solidFill>
+                  <a:srgbClr val="ffffff"/>
+                </a:solidFill>
+              </a:uFill>
+              <a:latin typeface="Arial"/>
+            </a:endParaRPr>
           </a:p>
         </p:txBody>
       </p:sp>
@@ -145,7 +165,17 @@
         <p:txBody>
           <a:bodyPr lIns="0" rIns="0" tIns="0" bIns="0"/>
           <a:p>
-            <a:endParaRPr/>
+            <a:endParaRPr b="0" lang="en-US" sz="3200" spc="-1" strike="noStrike">
+              <a:solidFill>
+                <a:srgbClr val="000000"/>
+              </a:solidFill>
+              <a:uFill>
+                <a:solidFill>
+                  <a:srgbClr val="ffffff"/>
+                </a:solidFill>
+              </a:uFill>
+              <a:latin typeface="Arial"/>
+            </a:endParaRPr>
           </a:p>
         </p:txBody>
       </p:sp>
@@ -155,7 +185,7 @@
 </file>
 
 <file path=ppt/slideLayouts/slideLayout11.xml><?xml version="1.0" encoding="utf-8"?>
-<p:sldLayout xmlns:a="http://schemas.openxmlformats.org/drawingml/2006/main" xmlns:p="http://schemas.openxmlformats.org/presentationml/2006/main" xmlns:r="http://schemas.openxmlformats.org/officeDocument/2006/relationships" type="fourObj" preserve="1">
+<p:sldLayout xmlns:a="http://schemas.openxmlformats.org/drawingml/2006/main" xmlns:p="http://schemas.openxmlformats.org/presentationml/2006/main" xmlns:r="http://schemas.openxmlformats.org/officeDocument/2006/relationships" xmlns:p14="http://schemas.microsoft.com/office/powerpoint/2010/main" xmlns:p15="http://schemas.microsoft.com/office/powerpoint/2012/main" xmlns:mc="http://schemas.openxmlformats.org/markup-compatibility/2006" type="fourObj" preserve="1">
   <p:cSld name="Title, 4 Content">
     <p:spTree>
       <p:nvGrpSpPr>
@@ -183,8 +213,8 @@
         </p:nvSpPr>
         <p:spPr>
           <a:xfrm>
-            <a:off x="457200" y="219600"/>
-            <a:ext cx="8229240" cy="1253160"/>
+            <a:off x="457200" y="273600"/>
+            <a:ext cx="8229240" cy="1144800"/>
           </a:xfrm>
           <a:prstGeom prst="rect">
             <a:avLst/>
@@ -194,7 +224,17 @@
           <a:bodyPr lIns="0" rIns="0" tIns="0" bIns="0" anchor="ctr"/>
           <a:p>
             <a:pPr algn="ctr"/>
-            <a:endParaRPr/>
+            <a:endParaRPr b="0" lang="en-US" sz="4400" spc="-1" strike="noStrike">
+              <a:solidFill>
+                <a:srgbClr val="000000"/>
+              </a:solidFill>
+              <a:uFill>
+                <a:solidFill>
+                  <a:srgbClr val="ffffff"/>
+                </a:solidFill>
+              </a:uFill>
+              <a:latin typeface="Arial"/>
+            </a:endParaRPr>
           </a:p>
         </p:txBody>
       </p:sp>
@@ -220,7 +260,17 @@
         <p:txBody>
           <a:bodyPr lIns="0" rIns="0" tIns="0" bIns="0"/>
           <a:p>
-            <a:endParaRPr/>
+            <a:endParaRPr b="0" lang="en-US" sz="3200" spc="-1" strike="noStrike">
+              <a:solidFill>
+                <a:srgbClr val="000000"/>
+              </a:solidFill>
+              <a:uFill>
+                <a:solidFill>
+                  <a:srgbClr val="ffffff"/>
+                </a:solidFill>
+              </a:uFill>
+              <a:latin typeface="Arial"/>
+            </a:endParaRPr>
           </a:p>
         </p:txBody>
       </p:sp>
@@ -246,7 +296,17 @@
         <p:txBody>
           <a:bodyPr lIns="0" rIns="0" tIns="0" bIns="0"/>
           <a:p>
-            <a:endParaRPr/>
+            <a:endParaRPr b="0" lang="en-US" sz="3200" spc="-1" strike="noStrike">
+              <a:solidFill>
+                <a:srgbClr val="000000"/>
+              </a:solidFill>
+              <a:uFill>
+                <a:solidFill>
+                  <a:srgbClr val="ffffff"/>
+                </a:solidFill>
+              </a:uFill>
+              <a:latin typeface="Arial"/>
+            </a:endParaRPr>
           </a:p>
         </p:txBody>
       </p:sp>
@@ -272,7 +332,17 @@
         <p:txBody>
           <a:bodyPr lIns="0" rIns="0" tIns="0" bIns="0"/>
           <a:p>
-            <a:endParaRPr/>
+            <a:endParaRPr b="0" lang="en-US" sz="3200" spc="-1" strike="noStrike">
+              <a:solidFill>
+                <a:srgbClr val="000000"/>
+              </a:solidFill>
+              <a:uFill>
+                <a:solidFill>
+                  <a:srgbClr val="ffffff"/>
+                </a:solidFill>
+              </a:uFill>
+              <a:latin typeface="Arial"/>
+            </a:endParaRPr>
           </a:p>
         </p:txBody>
       </p:sp>
@@ -298,7 +368,17 @@
         <p:txBody>
           <a:bodyPr lIns="0" rIns="0" tIns="0" bIns="0"/>
           <a:p>
-            <a:endParaRPr/>
+            <a:endParaRPr b="0" lang="en-US" sz="3200" spc="-1" strike="noStrike">
+              <a:solidFill>
+                <a:srgbClr val="000000"/>
+              </a:solidFill>
+              <a:uFill>
+                <a:solidFill>
+                  <a:srgbClr val="ffffff"/>
+                </a:solidFill>
+              </a:uFill>
+              <a:latin typeface="Arial"/>
+            </a:endParaRPr>
           </a:p>
         </p:txBody>
       </p:sp>
@@ -308,7 +388,7 @@
 </file>
 
 <file path=ppt/slideLayouts/slideLayout12.xml><?xml version="1.0" encoding="utf-8"?>
-<p:sldLayout xmlns:a="http://schemas.openxmlformats.org/drawingml/2006/main" xmlns:p="http://schemas.openxmlformats.org/presentationml/2006/main" xmlns:r="http://schemas.openxmlformats.org/officeDocument/2006/relationships" type="blank" preserve="1">
+<p:sldLayout xmlns:a="http://schemas.openxmlformats.org/drawingml/2006/main" xmlns:p="http://schemas.openxmlformats.org/presentationml/2006/main" xmlns:r="http://schemas.openxmlformats.org/officeDocument/2006/relationships" xmlns:p14="http://schemas.microsoft.com/office/powerpoint/2010/main" xmlns:p15="http://schemas.microsoft.com/office/powerpoint/2012/main" xmlns:mc="http://schemas.openxmlformats.org/markup-compatibility/2006" type="blank" preserve="1">
   <p:cSld name="Title, 6 Content">
     <p:spTree>
       <p:nvGrpSpPr>
@@ -336,8 +416,8 @@
         </p:nvSpPr>
         <p:spPr>
           <a:xfrm>
-            <a:off x="457200" y="219600"/>
-            <a:ext cx="8229240" cy="1253160"/>
+            <a:off x="457200" y="273600"/>
+            <a:ext cx="8229240" cy="1144800"/>
           </a:xfrm>
           <a:prstGeom prst="rect">
             <a:avLst/>
@@ -347,7 +427,17 @@
           <a:bodyPr lIns="0" rIns="0" tIns="0" bIns="0" anchor="ctr"/>
           <a:p>
             <a:pPr algn="ctr"/>
-            <a:endParaRPr/>
+            <a:endParaRPr b="0" lang="en-US" sz="4400" spc="-1" strike="noStrike">
+              <a:solidFill>
+                <a:srgbClr val="000000"/>
+              </a:solidFill>
+              <a:uFill>
+                <a:solidFill>
+                  <a:srgbClr val="ffffff"/>
+                </a:solidFill>
+              </a:uFill>
+              <a:latin typeface="Arial"/>
+            </a:endParaRPr>
           </a:p>
         </p:txBody>
       </p:sp>
@@ -364,7 +454,7 @@
         <p:spPr>
           <a:xfrm>
             <a:off x="457200" y="1604520"/>
-            <a:ext cx="8229240" cy="3977280"/>
+            <a:ext cx="2649600" cy="1896840"/>
           </a:xfrm>
           <a:prstGeom prst="rect">
             <a:avLst/>
@@ -373,7 +463,17 @@
         <p:txBody>
           <a:bodyPr lIns="0" rIns="0" tIns="0" bIns="0"/>
           <a:p>
-            <a:endParaRPr/>
+            <a:endParaRPr b="0" lang="en-US" sz="3200" spc="-1" strike="noStrike">
+              <a:solidFill>
+                <a:srgbClr val="000000"/>
+              </a:solidFill>
+              <a:uFill>
+                <a:solidFill>
+                  <a:srgbClr val="ffffff"/>
+                </a:solidFill>
+              </a:uFill>
+              <a:latin typeface="Arial"/>
+            </a:endParaRPr>
           </a:p>
         </p:txBody>
       </p:sp>
@@ -389,8 +489,8 @@
         </p:nvSpPr>
         <p:spPr>
           <a:xfrm>
-            <a:off x="457200" y="1604520"/>
-            <a:ext cx="8229240" cy="3977280"/>
+            <a:off x="3239640" y="1604520"/>
+            <a:ext cx="2649600" cy="1896840"/>
           </a:xfrm>
           <a:prstGeom prst="rect">
             <a:avLst/>
@@ -399,67 +499,171 @@
         <p:txBody>
           <a:bodyPr lIns="0" rIns="0" tIns="0" bIns="0"/>
           <a:p>
-            <a:endParaRPr/>
-          </a:p>
-        </p:txBody>
-      </p:sp>
-      <p:pic>
-        <p:nvPicPr>
-          <p:cNvPr id="34" name="" descr=""/>
-          <p:cNvPicPr/>
-          <p:nvPr/>
-        </p:nvPicPr>
-        <p:blipFill>
-          <a:blip r:embed="rId2"/>
-          <a:stretch>
-            <a:fillRect/>
-          </a:stretch>
-        </p:blipFill>
-        <p:spPr>
-          <a:xfrm>
-            <a:off x="2079000" y="1604520"/>
-            <a:ext cx="4984920" cy="3977280"/>
-          </a:xfrm>
-          <a:prstGeom prst="rect">
-            <a:avLst/>
-          </a:prstGeom>
-          <a:ln>
-            <a:noFill/>
-          </a:ln>
-        </p:spPr>
-      </p:pic>
-      <p:pic>
-        <p:nvPicPr>
-          <p:cNvPr id="35" name="" descr=""/>
-          <p:cNvPicPr/>
-          <p:nvPr/>
-        </p:nvPicPr>
-        <p:blipFill>
-          <a:blip r:embed="rId3"/>
-          <a:stretch>
-            <a:fillRect/>
-          </a:stretch>
-        </p:blipFill>
-        <p:spPr>
-          <a:xfrm>
-            <a:off x="2079000" y="1604520"/>
-            <a:ext cx="4984920" cy="3977280"/>
-          </a:xfrm>
-          <a:prstGeom prst="rect">
-            <a:avLst/>
-          </a:prstGeom>
-          <a:ln>
-            <a:noFill/>
-          </a:ln>
-        </p:spPr>
-      </p:pic>
+            <a:endParaRPr b="0" lang="en-US" sz="3200" spc="-1" strike="noStrike">
+              <a:solidFill>
+                <a:srgbClr val="000000"/>
+              </a:solidFill>
+              <a:uFill>
+                <a:solidFill>
+                  <a:srgbClr val="ffffff"/>
+                </a:solidFill>
+              </a:uFill>
+              <a:latin typeface="Arial"/>
+            </a:endParaRPr>
+          </a:p>
+        </p:txBody>
+      </p:sp>
+      <p:sp>
+        <p:nvSpPr>
+          <p:cNvPr id="34" name="PlaceHolder 4"/>
+          <p:cNvSpPr>
+            <a:spLocks noGrp="1"/>
+          </p:cNvSpPr>
+          <p:nvPr>
+            <p:ph type="body"/>
+          </p:nvPr>
+        </p:nvSpPr>
+        <p:spPr>
+          <a:xfrm>
+            <a:off x="6022080" y="1604520"/>
+            <a:ext cx="2649600" cy="1896840"/>
+          </a:xfrm>
+          <a:prstGeom prst="rect">
+            <a:avLst/>
+          </a:prstGeom>
+        </p:spPr>
+        <p:txBody>
+          <a:bodyPr lIns="0" rIns="0" tIns="0" bIns="0"/>
+          <a:p>
+            <a:endParaRPr b="0" lang="en-US" sz="3200" spc="-1" strike="noStrike">
+              <a:solidFill>
+                <a:srgbClr val="000000"/>
+              </a:solidFill>
+              <a:uFill>
+                <a:solidFill>
+                  <a:srgbClr val="ffffff"/>
+                </a:solidFill>
+              </a:uFill>
+              <a:latin typeface="Arial"/>
+            </a:endParaRPr>
+          </a:p>
+        </p:txBody>
+      </p:sp>
+      <p:sp>
+        <p:nvSpPr>
+          <p:cNvPr id="35" name="PlaceHolder 5"/>
+          <p:cNvSpPr>
+            <a:spLocks noGrp="1"/>
+          </p:cNvSpPr>
+          <p:nvPr>
+            <p:ph type="body"/>
+          </p:nvPr>
+        </p:nvSpPr>
+        <p:spPr>
+          <a:xfrm>
+            <a:off x="6022080" y="3682080"/>
+            <a:ext cx="2649600" cy="1896840"/>
+          </a:xfrm>
+          <a:prstGeom prst="rect">
+            <a:avLst/>
+          </a:prstGeom>
+        </p:spPr>
+        <p:txBody>
+          <a:bodyPr lIns="0" rIns="0" tIns="0" bIns="0"/>
+          <a:p>
+            <a:endParaRPr b="0" lang="en-US" sz="3200" spc="-1" strike="noStrike">
+              <a:solidFill>
+                <a:srgbClr val="000000"/>
+              </a:solidFill>
+              <a:uFill>
+                <a:solidFill>
+                  <a:srgbClr val="ffffff"/>
+                </a:solidFill>
+              </a:uFill>
+              <a:latin typeface="Arial"/>
+            </a:endParaRPr>
+          </a:p>
+        </p:txBody>
+      </p:sp>
+      <p:sp>
+        <p:nvSpPr>
+          <p:cNvPr id="36" name="PlaceHolder 6"/>
+          <p:cNvSpPr>
+            <a:spLocks noGrp="1"/>
+          </p:cNvSpPr>
+          <p:nvPr>
+            <p:ph type="body"/>
+          </p:nvPr>
+        </p:nvSpPr>
+        <p:spPr>
+          <a:xfrm>
+            <a:off x="3239640" y="3682080"/>
+            <a:ext cx="2649600" cy="1896840"/>
+          </a:xfrm>
+          <a:prstGeom prst="rect">
+            <a:avLst/>
+          </a:prstGeom>
+        </p:spPr>
+        <p:txBody>
+          <a:bodyPr lIns="0" rIns="0" tIns="0" bIns="0"/>
+          <a:p>
+            <a:endParaRPr b="0" lang="en-US" sz="3200" spc="-1" strike="noStrike">
+              <a:solidFill>
+                <a:srgbClr val="000000"/>
+              </a:solidFill>
+              <a:uFill>
+                <a:solidFill>
+                  <a:srgbClr val="ffffff"/>
+                </a:solidFill>
+              </a:uFill>
+              <a:latin typeface="Arial"/>
+            </a:endParaRPr>
+          </a:p>
+        </p:txBody>
+      </p:sp>
+      <p:sp>
+        <p:nvSpPr>
+          <p:cNvPr id="37" name="PlaceHolder 7"/>
+          <p:cNvSpPr>
+            <a:spLocks noGrp="1"/>
+          </p:cNvSpPr>
+          <p:nvPr>
+            <p:ph type="body"/>
+          </p:nvPr>
+        </p:nvSpPr>
+        <p:spPr>
+          <a:xfrm>
+            <a:off x="457200" y="3682080"/>
+            <a:ext cx="2649600" cy="1896840"/>
+          </a:xfrm>
+          <a:prstGeom prst="rect">
+            <a:avLst/>
+          </a:prstGeom>
+        </p:spPr>
+        <p:txBody>
+          <a:bodyPr lIns="0" rIns="0" tIns="0" bIns="0"/>
+          <a:p>
+            <a:endParaRPr b="0" lang="en-US" sz="3200" spc="-1" strike="noStrike">
+              <a:solidFill>
+                <a:srgbClr val="000000"/>
+              </a:solidFill>
+              <a:uFill>
+                <a:solidFill>
+                  <a:srgbClr val="ffffff"/>
+                </a:solidFill>
+              </a:uFill>
+              <a:latin typeface="Arial"/>
+            </a:endParaRPr>
+          </a:p>
+        </p:txBody>
+      </p:sp>
     </p:spTree>
   </p:cSld>
 </p:sldLayout>
 </file>
 
 <file path=ppt/slideLayouts/slideLayout13.xml><?xml version="1.0" encoding="utf-8"?>
-<p:sldLayout xmlns:a="http://schemas.openxmlformats.org/drawingml/2006/main" xmlns:p="http://schemas.openxmlformats.org/presentationml/2006/main" xmlns:r="http://schemas.openxmlformats.org/officeDocument/2006/relationships" type="blank" preserve="1">
+<p:sldLayout xmlns:a="http://schemas.openxmlformats.org/drawingml/2006/main" xmlns:p="http://schemas.openxmlformats.org/presentationml/2006/main" xmlns:r="http://schemas.openxmlformats.org/officeDocument/2006/relationships" xmlns:p14="http://schemas.microsoft.com/office/powerpoint/2010/main" xmlns:p15="http://schemas.microsoft.com/office/powerpoint/2012/main" xmlns:mc="http://schemas.openxmlformats.org/markup-compatibility/2006" type="blank" preserve="1">
   <p:cSld name="Blank Slide">
     <p:spTree>
       <p:nvGrpSpPr>
@@ -481,7 +685,7 @@
 </file>
 
 <file path=ppt/slideLayouts/slideLayout14.xml><?xml version="1.0" encoding="utf-8"?>
-<p:sldLayout xmlns:a="http://schemas.openxmlformats.org/drawingml/2006/main" xmlns:p="http://schemas.openxmlformats.org/presentationml/2006/main" xmlns:r="http://schemas.openxmlformats.org/officeDocument/2006/relationships" type="tx" preserve="1">
+<p:sldLayout xmlns:a="http://schemas.openxmlformats.org/drawingml/2006/main" xmlns:p="http://schemas.openxmlformats.org/presentationml/2006/main" xmlns:r="http://schemas.openxmlformats.org/officeDocument/2006/relationships" xmlns:p14="http://schemas.microsoft.com/office/powerpoint/2010/main" xmlns:p15="http://schemas.microsoft.com/office/powerpoint/2012/main" xmlns:mc="http://schemas.openxmlformats.org/markup-compatibility/2006" type="tx" preserve="1">
   <p:cSld name="Title Slide">
     <p:spTree>
       <p:nvGrpSpPr>
@@ -499,7 +703,7 @@
       </p:grpSpPr>
       <p:sp>
         <p:nvSpPr>
-          <p:cNvPr id="38" name="PlaceHolder 1"/>
+          <p:cNvPr id="40" name="PlaceHolder 1"/>
           <p:cNvSpPr>
             <a:spLocks noGrp="1"/>
           </p:cNvSpPr>
@@ -509,8 +713,8 @@
         </p:nvSpPr>
         <p:spPr>
           <a:xfrm>
-            <a:off x="457200" y="219600"/>
-            <a:ext cx="8229240" cy="1253160"/>
+            <a:off x="457200" y="273600"/>
+            <a:ext cx="8229240" cy="1144800"/>
           </a:xfrm>
           <a:prstGeom prst="rect">
             <a:avLst/>
@@ -520,13 +724,23 @@
           <a:bodyPr lIns="0" rIns="0" tIns="0" bIns="0" anchor="ctr"/>
           <a:p>
             <a:pPr algn="ctr"/>
-            <a:endParaRPr/>
-          </a:p>
-        </p:txBody>
-      </p:sp>
-      <p:sp>
-        <p:nvSpPr>
-          <p:cNvPr id="39" name="PlaceHolder 2"/>
+            <a:endParaRPr b="0" lang="en-US" sz="4400" spc="-1" strike="noStrike">
+              <a:solidFill>
+                <a:srgbClr val="000000"/>
+              </a:solidFill>
+              <a:uFill>
+                <a:solidFill>
+                  <a:srgbClr val="ffffff"/>
+                </a:solidFill>
+              </a:uFill>
+              <a:latin typeface="Arial"/>
+            </a:endParaRPr>
+          </a:p>
+        </p:txBody>
+      </p:sp>
+      <p:sp>
+        <p:nvSpPr>
+          <p:cNvPr id="41" name="PlaceHolder 2"/>
           <p:cNvSpPr>
             <a:spLocks noGrp="1"/>
           </p:cNvSpPr>
@@ -537,7 +751,7 @@
         <p:spPr>
           <a:xfrm>
             <a:off x="457200" y="1604520"/>
-            <a:ext cx="8229240" cy="3977640"/>
+            <a:ext cx="8229240" cy="3977280"/>
           </a:xfrm>
           <a:prstGeom prst="rect">
             <a:avLst/>
@@ -547,7 +761,17 @@
           <a:bodyPr lIns="0" rIns="0" tIns="0" bIns="0" anchor="ctr"/>
           <a:p>
             <a:pPr algn="ctr"/>
-            <a:endParaRPr/>
+            <a:endParaRPr b="0" lang="en-US" sz="3200" spc="-1" strike="noStrike">
+              <a:solidFill>
+                <a:srgbClr val="000000"/>
+              </a:solidFill>
+              <a:uFill>
+                <a:solidFill>
+                  <a:srgbClr val="ffffff"/>
+                </a:solidFill>
+              </a:uFill>
+              <a:latin typeface="Arial"/>
+            </a:endParaRPr>
           </a:p>
         </p:txBody>
       </p:sp>
@@ -557,7 +781,7 @@
 </file>
 
 <file path=ppt/slideLayouts/slideLayout15.xml><?xml version="1.0" encoding="utf-8"?>
-<p:sldLayout xmlns:a="http://schemas.openxmlformats.org/drawingml/2006/main" xmlns:p="http://schemas.openxmlformats.org/presentationml/2006/main" xmlns:r="http://schemas.openxmlformats.org/officeDocument/2006/relationships" type="obj" preserve="1">
+<p:sldLayout xmlns:a="http://schemas.openxmlformats.org/drawingml/2006/main" xmlns:p="http://schemas.openxmlformats.org/presentationml/2006/main" xmlns:r="http://schemas.openxmlformats.org/officeDocument/2006/relationships" xmlns:p14="http://schemas.microsoft.com/office/powerpoint/2010/main" xmlns:p15="http://schemas.microsoft.com/office/powerpoint/2012/main" xmlns:mc="http://schemas.openxmlformats.org/markup-compatibility/2006" type="obj" preserve="1">
   <p:cSld name="Title, Content">
     <p:spTree>
       <p:nvGrpSpPr>
@@ -575,7 +799,7 @@
       </p:grpSpPr>
       <p:sp>
         <p:nvSpPr>
-          <p:cNvPr id="40" name="PlaceHolder 1"/>
+          <p:cNvPr id="42" name="PlaceHolder 1"/>
           <p:cNvSpPr>
             <a:spLocks noGrp="1"/>
           </p:cNvSpPr>
@@ -585,8 +809,8 @@
         </p:nvSpPr>
         <p:spPr>
           <a:xfrm>
-            <a:off x="457200" y="219600"/>
-            <a:ext cx="8229240" cy="1253160"/>
+            <a:off x="457200" y="273600"/>
+            <a:ext cx="8229240" cy="1144800"/>
           </a:xfrm>
           <a:prstGeom prst="rect">
             <a:avLst/>
@@ -596,13 +820,23 @@
           <a:bodyPr lIns="0" rIns="0" tIns="0" bIns="0" anchor="ctr"/>
           <a:p>
             <a:pPr algn="ctr"/>
-            <a:endParaRPr/>
-          </a:p>
-        </p:txBody>
-      </p:sp>
-      <p:sp>
-        <p:nvSpPr>
-          <p:cNvPr id="41" name="PlaceHolder 2"/>
+            <a:endParaRPr b="0" lang="en-US" sz="4400" spc="-1" strike="noStrike">
+              <a:solidFill>
+                <a:srgbClr val="000000"/>
+              </a:solidFill>
+              <a:uFill>
+                <a:solidFill>
+                  <a:srgbClr val="ffffff"/>
+                </a:solidFill>
+              </a:uFill>
+              <a:latin typeface="Arial"/>
+            </a:endParaRPr>
+          </a:p>
+        </p:txBody>
+      </p:sp>
+      <p:sp>
+        <p:nvSpPr>
+          <p:cNvPr id="43" name="PlaceHolder 2"/>
           <p:cNvSpPr>
             <a:spLocks noGrp="1"/>
           </p:cNvSpPr>
@@ -622,7 +856,17 @@
         <p:txBody>
           <a:bodyPr lIns="0" rIns="0" tIns="0" bIns="0"/>
           <a:p>
-            <a:endParaRPr/>
+            <a:endParaRPr b="0" lang="en-US" sz="3200" spc="-1" strike="noStrike">
+              <a:solidFill>
+                <a:srgbClr val="000000"/>
+              </a:solidFill>
+              <a:uFill>
+                <a:solidFill>
+                  <a:srgbClr val="ffffff"/>
+                </a:solidFill>
+              </a:uFill>
+              <a:latin typeface="Arial"/>
+            </a:endParaRPr>
           </a:p>
         </p:txBody>
       </p:sp>
@@ -632,7 +876,7 @@
 </file>
 
 <file path=ppt/slideLayouts/slideLayout16.xml><?xml version="1.0" encoding="utf-8"?>
-<p:sldLayout xmlns:a="http://schemas.openxmlformats.org/drawingml/2006/main" xmlns:p="http://schemas.openxmlformats.org/presentationml/2006/main" xmlns:r="http://schemas.openxmlformats.org/officeDocument/2006/relationships" type="twoObj" preserve="1">
+<p:sldLayout xmlns:a="http://schemas.openxmlformats.org/drawingml/2006/main" xmlns:p="http://schemas.openxmlformats.org/presentationml/2006/main" xmlns:r="http://schemas.openxmlformats.org/officeDocument/2006/relationships" xmlns:p14="http://schemas.microsoft.com/office/powerpoint/2010/main" xmlns:p15="http://schemas.microsoft.com/office/powerpoint/2012/main" xmlns:mc="http://schemas.openxmlformats.org/markup-compatibility/2006" type="twoObj" preserve="1">
   <p:cSld name="Title, 2 Content">
     <p:spTree>
       <p:nvGrpSpPr>
@@ -650,7 +894,7 @@
       </p:grpSpPr>
       <p:sp>
         <p:nvSpPr>
-          <p:cNvPr id="42" name="PlaceHolder 1"/>
+          <p:cNvPr id="44" name="PlaceHolder 1"/>
           <p:cNvSpPr>
             <a:spLocks noGrp="1"/>
           </p:cNvSpPr>
@@ -660,8 +904,8 @@
         </p:nvSpPr>
         <p:spPr>
           <a:xfrm>
-            <a:off x="457200" y="219600"/>
-            <a:ext cx="8229240" cy="1253160"/>
+            <a:off x="457200" y="273600"/>
+            <a:ext cx="8229240" cy="1144800"/>
           </a:xfrm>
           <a:prstGeom prst="rect">
             <a:avLst/>
@@ -671,13 +915,23 @@
           <a:bodyPr lIns="0" rIns="0" tIns="0" bIns="0" anchor="ctr"/>
           <a:p>
             <a:pPr algn="ctr"/>
-            <a:endParaRPr/>
-          </a:p>
-        </p:txBody>
-      </p:sp>
-      <p:sp>
-        <p:nvSpPr>
-          <p:cNvPr id="43" name="PlaceHolder 2"/>
+            <a:endParaRPr b="0" lang="en-US" sz="4400" spc="-1" strike="noStrike">
+              <a:solidFill>
+                <a:srgbClr val="000000"/>
+              </a:solidFill>
+              <a:uFill>
+                <a:solidFill>
+                  <a:srgbClr val="ffffff"/>
+                </a:solidFill>
+              </a:uFill>
+              <a:latin typeface="Arial"/>
+            </a:endParaRPr>
+          </a:p>
+        </p:txBody>
+      </p:sp>
+      <p:sp>
+        <p:nvSpPr>
+          <p:cNvPr id="45" name="PlaceHolder 2"/>
           <p:cNvSpPr>
             <a:spLocks noGrp="1"/>
           </p:cNvSpPr>
@@ -697,13 +951,23 @@
         <p:txBody>
           <a:bodyPr lIns="0" rIns="0" tIns="0" bIns="0"/>
           <a:p>
-            <a:endParaRPr/>
-          </a:p>
-        </p:txBody>
-      </p:sp>
-      <p:sp>
-        <p:nvSpPr>
-          <p:cNvPr id="44" name="PlaceHolder 3"/>
+            <a:endParaRPr b="0" lang="en-US" sz="3200" spc="-1" strike="noStrike">
+              <a:solidFill>
+                <a:srgbClr val="000000"/>
+              </a:solidFill>
+              <a:uFill>
+                <a:solidFill>
+                  <a:srgbClr val="ffffff"/>
+                </a:solidFill>
+              </a:uFill>
+              <a:latin typeface="Arial"/>
+            </a:endParaRPr>
+          </a:p>
+        </p:txBody>
+      </p:sp>
+      <p:sp>
+        <p:nvSpPr>
+          <p:cNvPr id="46" name="PlaceHolder 3"/>
           <p:cNvSpPr>
             <a:spLocks noGrp="1"/>
           </p:cNvSpPr>
@@ -723,7 +987,17 @@
         <p:txBody>
           <a:bodyPr lIns="0" rIns="0" tIns="0" bIns="0"/>
           <a:p>
-            <a:endParaRPr/>
+            <a:endParaRPr b="0" lang="en-US" sz="3200" spc="-1" strike="noStrike">
+              <a:solidFill>
+                <a:srgbClr val="000000"/>
+              </a:solidFill>
+              <a:uFill>
+                <a:solidFill>
+                  <a:srgbClr val="ffffff"/>
+                </a:solidFill>
+              </a:uFill>
+              <a:latin typeface="Arial"/>
+            </a:endParaRPr>
           </a:p>
         </p:txBody>
       </p:sp>
@@ -733,7 +1007,7 @@
 </file>
 
 <file path=ppt/slideLayouts/slideLayout17.xml><?xml version="1.0" encoding="utf-8"?>
-<p:sldLayout xmlns:a="http://schemas.openxmlformats.org/drawingml/2006/main" xmlns:p="http://schemas.openxmlformats.org/presentationml/2006/main" xmlns:r="http://schemas.openxmlformats.org/officeDocument/2006/relationships" type="titleOnly" preserve="1">
+<p:sldLayout xmlns:a="http://schemas.openxmlformats.org/drawingml/2006/main" xmlns:p="http://schemas.openxmlformats.org/presentationml/2006/main" xmlns:r="http://schemas.openxmlformats.org/officeDocument/2006/relationships" xmlns:p14="http://schemas.microsoft.com/office/powerpoint/2010/main" xmlns:p15="http://schemas.microsoft.com/office/powerpoint/2012/main" xmlns:mc="http://schemas.openxmlformats.org/markup-compatibility/2006" type="titleOnly" preserve="1">
   <p:cSld name="Title Only">
     <p:spTree>
       <p:nvGrpSpPr>
@@ -751,7 +1025,7 @@
       </p:grpSpPr>
       <p:sp>
         <p:nvSpPr>
-          <p:cNvPr id="45" name="PlaceHolder 1"/>
+          <p:cNvPr id="47" name="PlaceHolder 1"/>
           <p:cNvSpPr>
             <a:spLocks noGrp="1"/>
           </p:cNvSpPr>
@@ -761,8 +1035,8 @@
         </p:nvSpPr>
         <p:spPr>
           <a:xfrm>
-            <a:off x="457200" y="219600"/>
-            <a:ext cx="8229240" cy="1253160"/>
+            <a:off x="457200" y="273600"/>
+            <a:ext cx="8229240" cy="1144800"/>
           </a:xfrm>
           <a:prstGeom prst="rect">
             <a:avLst/>
@@ -772,7 +1046,17 @@
           <a:bodyPr lIns="0" rIns="0" tIns="0" bIns="0" anchor="ctr"/>
           <a:p>
             <a:pPr algn="ctr"/>
-            <a:endParaRPr/>
+            <a:endParaRPr b="0" lang="en-US" sz="4400" spc="-1" strike="noStrike">
+              <a:solidFill>
+                <a:srgbClr val="000000"/>
+              </a:solidFill>
+              <a:uFill>
+                <a:solidFill>
+                  <a:srgbClr val="ffffff"/>
+                </a:solidFill>
+              </a:uFill>
+              <a:latin typeface="Arial"/>
+            </a:endParaRPr>
           </a:p>
         </p:txBody>
       </p:sp>
@@ -782,7 +1066,7 @@
 </file>
 
 <file path=ppt/slideLayouts/slideLayout18.xml><?xml version="1.0" encoding="utf-8"?>
-<p:sldLayout xmlns:a="http://schemas.openxmlformats.org/drawingml/2006/main" xmlns:p="http://schemas.openxmlformats.org/presentationml/2006/main" xmlns:r="http://schemas.openxmlformats.org/officeDocument/2006/relationships" type="objOnly" preserve="1">
+<p:sldLayout xmlns:a="http://schemas.openxmlformats.org/drawingml/2006/main" xmlns:p="http://schemas.openxmlformats.org/presentationml/2006/main" xmlns:r="http://schemas.openxmlformats.org/officeDocument/2006/relationships" xmlns:p14="http://schemas.microsoft.com/office/powerpoint/2010/main" xmlns:p15="http://schemas.microsoft.com/office/powerpoint/2012/main" xmlns:mc="http://schemas.openxmlformats.org/markup-compatibility/2006" type="objOnly" preserve="1">
   <p:cSld name="Centered Text">
     <p:spTree>
       <p:nvGrpSpPr>
@@ -800,7 +1084,7 @@
       </p:grpSpPr>
       <p:sp>
         <p:nvSpPr>
-          <p:cNvPr id="46" name="PlaceHolder 1"/>
+          <p:cNvPr id="48" name="PlaceHolder 1"/>
           <p:cNvSpPr>
             <a:spLocks noGrp="1"/>
           </p:cNvSpPr>
@@ -811,7 +1095,7 @@
         <p:spPr>
           <a:xfrm>
             <a:off x="457200" y="273600"/>
-            <a:ext cx="8229240" cy="5308200"/>
+            <a:ext cx="8229240" cy="5307840"/>
           </a:xfrm>
           <a:prstGeom prst="rect">
             <a:avLst/>
@@ -821,7 +1105,17 @@
           <a:bodyPr lIns="0" rIns="0" tIns="0" bIns="0" anchor="ctr"/>
           <a:p>
             <a:pPr algn="ctr"/>
-            <a:endParaRPr/>
+            <a:endParaRPr b="0" lang="en-US" sz="3200" spc="-1" strike="noStrike">
+              <a:solidFill>
+                <a:srgbClr val="000000"/>
+              </a:solidFill>
+              <a:uFill>
+                <a:solidFill>
+                  <a:srgbClr val="ffffff"/>
+                </a:solidFill>
+              </a:uFill>
+              <a:latin typeface="Arial"/>
+            </a:endParaRPr>
           </a:p>
         </p:txBody>
       </p:sp>
@@ -831,7 +1125,7 @@
 </file>
 
 <file path=ppt/slideLayouts/slideLayout19.xml><?xml version="1.0" encoding="utf-8"?>
-<p:sldLayout xmlns:a="http://schemas.openxmlformats.org/drawingml/2006/main" xmlns:p="http://schemas.openxmlformats.org/presentationml/2006/main" xmlns:r="http://schemas.openxmlformats.org/officeDocument/2006/relationships" type="twoObjAndObj" preserve="1">
+<p:sldLayout xmlns:a="http://schemas.openxmlformats.org/drawingml/2006/main" xmlns:p="http://schemas.openxmlformats.org/presentationml/2006/main" xmlns:r="http://schemas.openxmlformats.org/officeDocument/2006/relationships" xmlns:p14="http://schemas.microsoft.com/office/powerpoint/2010/main" xmlns:p15="http://schemas.microsoft.com/office/powerpoint/2012/main" xmlns:mc="http://schemas.openxmlformats.org/markup-compatibility/2006" type="twoObjAndObj" preserve="1">
   <p:cSld name="Title, 2 Content and Content">
     <p:spTree>
       <p:nvGrpSpPr>
@@ -849,7 +1143,7 @@
       </p:grpSpPr>
       <p:sp>
         <p:nvSpPr>
-          <p:cNvPr id="47" name="PlaceHolder 1"/>
+          <p:cNvPr id="49" name="PlaceHolder 1"/>
           <p:cNvSpPr>
             <a:spLocks noGrp="1"/>
           </p:cNvSpPr>
@@ -859,8 +1153,8 @@
         </p:nvSpPr>
         <p:spPr>
           <a:xfrm>
-            <a:off x="457200" y="219600"/>
-            <a:ext cx="8229240" cy="1253160"/>
+            <a:off x="457200" y="273600"/>
+            <a:ext cx="8229240" cy="1144800"/>
           </a:xfrm>
           <a:prstGeom prst="rect">
             <a:avLst/>
@@ -870,13 +1164,23 @@
           <a:bodyPr lIns="0" rIns="0" tIns="0" bIns="0" anchor="ctr"/>
           <a:p>
             <a:pPr algn="ctr"/>
-            <a:endParaRPr/>
-          </a:p>
-        </p:txBody>
-      </p:sp>
-      <p:sp>
-        <p:nvSpPr>
-          <p:cNvPr id="48" name="PlaceHolder 2"/>
+            <a:endParaRPr b="0" lang="en-US" sz="4400" spc="-1" strike="noStrike">
+              <a:solidFill>
+                <a:srgbClr val="000000"/>
+              </a:solidFill>
+              <a:uFill>
+                <a:solidFill>
+                  <a:srgbClr val="ffffff"/>
+                </a:solidFill>
+              </a:uFill>
+              <a:latin typeface="Arial"/>
+            </a:endParaRPr>
+          </a:p>
+        </p:txBody>
+      </p:sp>
+      <p:sp>
+        <p:nvSpPr>
+          <p:cNvPr id="50" name="PlaceHolder 2"/>
           <p:cNvSpPr>
             <a:spLocks noGrp="1"/>
           </p:cNvSpPr>
@@ -896,13 +1200,23 @@
         <p:txBody>
           <a:bodyPr lIns="0" rIns="0" tIns="0" bIns="0"/>
           <a:p>
-            <a:endParaRPr/>
-          </a:p>
-        </p:txBody>
-      </p:sp>
-      <p:sp>
-        <p:nvSpPr>
-          <p:cNvPr id="49" name="PlaceHolder 3"/>
+            <a:endParaRPr b="0" lang="en-US" sz="3200" spc="-1" strike="noStrike">
+              <a:solidFill>
+                <a:srgbClr val="000000"/>
+              </a:solidFill>
+              <a:uFill>
+                <a:solidFill>
+                  <a:srgbClr val="ffffff"/>
+                </a:solidFill>
+              </a:uFill>
+              <a:latin typeface="Arial"/>
+            </a:endParaRPr>
+          </a:p>
+        </p:txBody>
+      </p:sp>
+      <p:sp>
+        <p:nvSpPr>
+          <p:cNvPr id="51" name="PlaceHolder 3"/>
           <p:cNvSpPr>
             <a:spLocks noGrp="1"/>
           </p:cNvSpPr>
@@ -922,13 +1236,23 @@
         <p:txBody>
           <a:bodyPr lIns="0" rIns="0" tIns="0" bIns="0"/>
           <a:p>
-            <a:endParaRPr/>
-          </a:p>
-        </p:txBody>
-      </p:sp>
-      <p:sp>
-        <p:nvSpPr>
-          <p:cNvPr id="50" name="PlaceHolder 4"/>
+            <a:endParaRPr b="0" lang="en-US" sz="3200" spc="-1" strike="noStrike">
+              <a:solidFill>
+                <a:srgbClr val="000000"/>
+              </a:solidFill>
+              <a:uFill>
+                <a:solidFill>
+                  <a:srgbClr val="ffffff"/>
+                </a:solidFill>
+              </a:uFill>
+              <a:latin typeface="Arial"/>
+            </a:endParaRPr>
+          </a:p>
+        </p:txBody>
+      </p:sp>
+      <p:sp>
+        <p:nvSpPr>
+          <p:cNvPr id="52" name="PlaceHolder 4"/>
           <p:cNvSpPr>
             <a:spLocks noGrp="1"/>
           </p:cNvSpPr>
@@ -948,7 +1272,17 @@
         <p:txBody>
           <a:bodyPr lIns="0" rIns="0" tIns="0" bIns="0"/>
           <a:p>
-            <a:endParaRPr/>
+            <a:endParaRPr b="0" lang="en-US" sz="3200" spc="-1" strike="noStrike">
+              <a:solidFill>
+                <a:srgbClr val="000000"/>
+              </a:solidFill>
+              <a:uFill>
+                <a:solidFill>
+                  <a:srgbClr val="ffffff"/>
+                </a:solidFill>
+              </a:uFill>
+              <a:latin typeface="Arial"/>
+            </a:endParaRPr>
           </a:p>
         </p:txBody>
       </p:sp>
@@ -958,7 +1292,7 @@
 </file>
 
 <file path=ppt/slideLayouts/slideLayout2.xml><?xml version="1.0" encoding="utf-8"?>
-<p:sldLayout xmlns:a="http://schemas.openxmlformats.org/drawingml/2006/main" xmlns:p="http://schemas.openxmlformats.org/presentationml/2006/main" xmlns:r="http://schemas.openxmlformats.org/officeDocument/2006/relationships" type="tx" preserve="1">
+<p:sldLayout xmlns:a="http://schemas.openxmlformats.org/drawingml/2006/main" xmlns:p="http://schemas.openxmlformats.org/presentationml/2006/main" xmlns:r="http://schemas.openxmlformats.org/officeDocument/2006/relationships" xmlns:p14="http://schemas.microsoft.com/office/powerpoint/2010/main" xmlns:p15="http://schemas.microsoft.com/office/powerpoint/2012/main" xmlns:mc="http://schemas.openxmlformats.org/markup-compatibility/2006" type="tx" preserve="1">
   <p:cSld name="Title Slide">
     <p:spTree>
       <p:nvGrpSpPr>
@@ -986,8 +1320,8 @@
         </p:nvSpPr>
         <p:spPr>
           <a:xfrm>
-            <a:off x="457200" y="219600"/>
-            <a:ext cx="8229240" cy="1253160"/>
+            <a:off x="457200" y="273600"/>
+            <a:ext cx="8229240" cy="1144800"/>
           </a:xfrm>
           <a:prstGeom prst="rect">
             <a:avLst/>
@@ -997,7 +1331,17 @@
           <a:bodyPr lIns="0" rIns="0" tIns="0" bIns="0" anchor="ctr"/>
           <a:p>
             <a:pPr algn="ctr"/>
-            <a:endParaRPr/>
+            <a:endParaRPr b="0" lang="en-US" sz="4400" spc="-1" strike="noStrike">
+              <a:solidFill>
+                <a:srgbClr val="000000"/>
+              </a:solidFill>
+              <a:uFill>
+                <a:solidFill>
+                  <a:srgbClr val="ffffff"/>
+                </a:solidFill>
+              </a:uFill>
+              <a:latin typeface="Arial"/>
+            </a:endParaRPr>
           </a:p>
         </p:txBody>
       </p:sp>
@@ -1014,7 +1358,7 @@
         <p:spPr>
           <a:xfrm>
             <a:off x="457200" y="1604520"/>
-            <a:ext cx="8229240" cy="3977640"/>
+            <a:ext cx="8229240" cy="3977280"/>
           </a:xfrm>
           <a:prstGeom prst="rect">
             <a:avLst/>
@@ -1024,7 +1368,17 @@
           <a:bodyPr lIns="0" rIns="0" tIns="0" bIns="0" anchor="ctr"/>
           <a:p>
             <a:pPr algn="ctr"/>
-            <a:endParaRPr/>
+            <a:endParaRPr b="0" lang="en-US" sz="3200" spc="-1" strike="noStrike">
+              <a:solidFill>
+                <a:srgbClr val="000000"/>
+              </a:solidFill>
+              <a:uFill>
+                <a:solidFill>
+                  <a:srgbClr val="ffffff"/>
+                </a:solidFill>
+              </a:uFill>
+              <a:latin typeface="Arial"/>
+            </a:endParaRPr>
           </a:p>
         </p:txBody>
       </p:sp>
@@ -1034,7 +1388,7 @@
 </file>
 
 <file path=ppt/slideLayouts/slideLayout20.xml><?xml version="1.0" encoding="utf-8"?>
-<p:sldLayout xmlns:a="http://schemas.openxmlformats.org/drawingml/2006/main" xmlns:p="http://schemas.openxmlformats.org/presentationml/2006/main" xmlns:r="http://schemas.openxmlformats.org/officeDocument/2006/relationships" type="objAndTwoObj" preserve="1">
+<p:sldLayout xmlns:a="http://schemas.openxmlformats.org/drawingml/2006/main" xmlns:p="http://schemas.openxmlformats.org/presentationml/2006/main" xmlns:r="http://schemas.openxmlformats.org/officeDocument/2006/relationships" xmlns:p14="http://schemas.microsoft.com/office/powerpoint/2010/main" xmlns:p15="http://schemas.microsoft.com/office/powerpoint/2012/main" xmlns:mc="http://schemas.openxmlformats.org/markup-compatibility/2006" type="objAndTwoObj" preserve="1">
   <p:cSld name="Title Content and 2 Content">
     <p:spTree>
       <p:nvGrpSpPr>
@@ -1052,7 +1406,7 @@
       </p:grpSpPr>
       <p:sp>
         <p:nvSpPr>
-          <p:cNvPr id="51" name="PlaceHolder 1"/>
+          <p:cNvPr id="53" name="PlaceHolder 1"/>
           <p:cNvSpPr>
             <a:spLocks noGrp="1"/>
           </p:cNvSpPr>
@@ -1062,8 +1416,8 @@
         </p:nvSpPr>
         <p:spPr>
           <a:xfrm>
-            <a:off x="457200" y="219600"/>
-            <a:ext cx="8229240" cy="1253160"/>
+            <a:off x="457200" y="273600"/>
+            <a:ext cx="8229240" cy="1144800"/>
           </a:xfrm>
           <a:prstGeom prst="rect">
             <a:avLst/>
@@ -1073,13 +1427,23 @@
           <a:bodyPr lIns="0" rIns="0" tIns="0" bIns="0" anchor="ctr"/>
           <a:p>
             <a:pPr algn="ctr"/>
-            <a:endParaRPr/>
-          </a:p>
-        </p:txBody>
-      </p:sp>
-      <p:sp>
-        <p:nvSpPr>
-          <p:cNvPr id="52" name="PlaceHolder 2"/>
+            <a:endParaRPr b="0" lang="en-US" sz="4400" spc="-1" strike="noStrike">
+              <a:solidFill>
+                <a:srgbClr val="000000"/>
+              </a:solidFill>
+              <a:uFill>
+                <a:solidFill>
+                  <a:srgbClr val="ffffff"/>
+                </a:solidFill>
+              </a:uFill>
+              <a:latin typeface="Arial"/>
+            </a:endParaRPr>
+          </a:p>
+        </p:txBody>
+      </p:sp>
+      <p:sp>
+        <p:nvSpPr>
+          <p:cNvPr id="54" name="PlaceHolder 2"/>
           <p:cNvSpPr>
             <a:spLocks noGrp="1"/>
           </p:cNvSpPr>
@@ -1099,13 +1463,23 @@
         <p:txBody>
           <a:bodyPr lIns="0" rIns="0" tIns="0" bIns="0"/>
           <a:p>
-            <a:endParaRPr/>
-          </a:p>
-        </p:txBody>
-      </p:sp>
-      <p:sp>
-        <p:nvSpPr>
-          <p:cNvPr id="53" name="PlaceHolder 3"/>
+            <a:endParaRPr b="0" lang="en-US" sz="3200" spc="-1" strike="noStrike">
+              <a:solidFill>
+                <a:srgbClr val="000000"/>
+              </a:solidFill>
+              <a:uFill>
+                <a:solidFill>
+                  <a:srgbClr val="ffffff"/>
+                </a:solidFill>
+              </a:uFill>
+              <a:latin typeface="Arial"/>
+            </a:endParaRPr>
+          </a:p>
+        </p:txBody>
+      </p:sp>
+      <p:sp>
+        <p:nvSpPr>
+          <p:cNvPr id="55" name="PlaceHolder 3"/>
           <p:cNvSpPr>
             <a:spLocks noGrp="1"/>
           </p:cNvSpPr>
@@ -1125,13 +1499,23 @@
         <p:txBody>
           <a:bodyPr lIns="0" rIns="0" tIns="0" bIns="0"/>
           <a:p>
-            <a:endParaRPr/>
-          </a:p>
-        </p:txBody>
-      </p:sp>
-      <p:sp>
-        <p:nvSpPr>
-          <p:cNvPr id="54" name="PlaceHolder 4"/>
+            <a:endParaRPr b="0" lang="en-US" sz="3200" spc="-1" strike="noStrike">
+              <a:solidFill>
+                <a:srgbClr val="000000"/>
+              </a:solidFill>
+              <a:uFill>
+                <a:solidFill>
+                  <a:srgbClr val="ffffff"/>
+                </a:solidFill>
+              </a:uFill>
+              <a:latin typeface="Arial"/>
+            </a:endParaRPr>
+          </a:p>
+        </p:txBody>
+      </p:sp>
+      <p:sp>
+        <p:nvSpPr>
+          <p:cNvPr id="56" name="PlaceHolder 4"/>
           <p:cNvSpPr>
             <a:spLocks noGrp="1"/>
           </p:cNvSpPr>
@@ -1151,7 +1535,17 @@
         <p:txBody>
           <a:bodyPr lIns="0" rIns="0" tIns="0" bIns="0"/>
           <a:p>
-            <a:endParaRPr/>
+            <a:endParaRPr b="0" lang="en-US" sz="3200" spc="-1" strike="noStrike">
+              <a:solidFill>
+                <a:srgbClr val="000000"/>
+              </a:solidFill>
+              <a:uFill>
+                <a:solidFill>
+                  <a:srgbClr val="ffffff"/>
+                </a:solidFill>
+              </a:uFill>
+              <a:latin typeface="Arial"/>
+            </a:endParaRPr>
           </a:p>
         </p:txBody>
       </p:sp>
@@ -1161,7 +1555,7 @@
 </file>
 
 <file path=ppt/slideLayouts/slideLayout21.xml><?xml version="1.0" encoding="utf-8"?>
-<p:sldLayout xmlns:a="http://schemas.openxmlformats.org/drawingml/2006/main" xmlns:p="http://schemas.openxmlformats.org/presentationml/2006/main" xmlns:r="http://schemas.openxmlformats.org/officeDocument/2006/relationships" type="twoObjOverTx" preserve="1">
+<p:sldLayout xmlns:a="http://schemas.openxmlformats.org/drawingml/2006/main" xmlns:p="http://schemas.openxmlformats.org/presentationml/2006/main" xmlns:r="http://schemas.openxmlformats.org/officeDocument/2006/relationships" xmlns:p14="http://schemas.microsoft.com/office/powerpoint/2010/main" xmlns:p15="http://schemas.microsoft.com/office/powerpoint/2012/main" xmlns:mc="http://schemas.openxmlformats.org/markup-compatibility/2006" type="twoObjOverTx" preserve="1">
   <p:cSld name="Title, 2 Content over Content">
     <p:spTree>
       <p:nvGrpSpPr>
@@ -1179,7 +1573,7 @@
       </p:grpSpPr>
       <p:sp>
         <p:nvSpPr>
-          <p:cNvPr id="55" name="PlaceHolder 1"/>
+          <p:cNvPr id="57" name="PlaceHolder 1"/>
           <p:cNvSpPr>
             <a:spLocks noGrp="1"/>
           </p:cNvSpPr>
@@ -1189,8 +1583,8 @@
         </p:nvSpPr>
         <p:spPr>
           <a:xfrm>
-            <a:off x="457200" y="219600"/>
-            <a:ext cx="8229240" cy="1253160"/>
+            <a:off x="457200" y="273600"/>
+            <a:ext cx="8229240" cy="1144800"/>
           </a:xfrm>
           <a:prstGeom prst="rect">
             <a:avLst/>
@@ -1200,13 +1594,23 @@
           <a:bodyPr lIns="0" rIns="0" tIns="0" bIns="0" anchor="ctr"/>
           <a:p>
             <a:pPr algn="ctr"/>
-            <a:endParaRPr/>
-          </a:p>
-        </p:txBody>
-      </p:sp>
-      <p:sp>
-        <p:nvSpPr>
-          <p:cNvPr id="56" name="PlaceHolder 2"/>
+            <a:endParaRPr b="0" lang="en-US" sz="4400" spc="-1" strike="noStrike">
+              <a:solidFill>
+                <a:srgbClr val="000000"/>
+              </a:solidFill>
+              <a:uFill>
+                <a:solidFill>
+                  <a:srgbClr val="ffffff"/>
+                </a:solidFill>
+              </a:uFill>
+              <a:latin typeface="Arial"/>
+            </a:endParaRPr>
+          </a:p>
+        </p:txBody>
+      </p:sp>
+      <p:sp>
+        <p:nvSpPr>
+          <p:cNvPr id="58" name="PlaceHolder 2"/>
           <p:cNvSpPr>
             <a:spLocks noGrp="1"/>
           </p:cNvSpPr>
@@ -1226,13 +1630,23 @@
         <p:txBody>
           <a:bodyPr lIns="0" rIns="0" tIns="0" bIns="0"/>
           <a:p>
-            <a:endParaRPr/>
-          </a:p>
-        </p:txBody>
-      </p:sp>
-      <p:sp>
-        <p:nvSpPr>
-          <p:cNvPr id="57" name="PlaceHolder 3"/>
+            <a:endParaRPr b="0" lang="en-US" sz="3200" spc="-1" strike="noStrike">
+              <a:solidFill>
+                <a:srgbClr val="000000"/>
+              </a:solidFill>
+              <a:uFill>
+                <a:solidFill>
+                  <a:srgbClr val="ffffff"/>
+                </a:solidFill>
+              </a:uFill>
+              <a:latin typeface="Arial"/>
+            </a:endParaRPr>
+          </a:p>
+        </p:txBody>
+      </p:sp>
+      <p:sp>
+        <p:nvSpPr>
+          <p:cNvPr id="59" name="PlaceHolder 3"/>
           <p:cNvSpPr>
             <a:spLocks noGrp="1"/>
           </p:cNvSpPr>
@@ -1252,13 +1666,23 @@
         <p:txBody>
           <a:bodyPr lIns="0" rIns="0" tIns="0" bIns="0"/>
           <a:p>
-            <a:endParaRPr/>
-          </a:p>
-        </p:txBody>
-      </p:sp>
-      <p:sp>
-        <p:nvSpPr>
-          <p:cNvPr id="58" name="PlaceHolder 4"/>
+            <a:endParaRPr b="0" lang="en-US" sz="3200" spc="-1" strike="noStrike">
+              <a:solidFill>
+                <a:srgbClr val="000000"/>
+              </a:solidFill>
+              <a:uFill>
+                <a:solidFill>
+                  <a:srgbClr val="ffffff"/>
+                </a:solidFill>
+              </a:uFill>
+              <a:latin typeface="Arial"/>
+            </a:endParaRPr>
+          </a:p>
+        </p:txBody>
+      </p:sp>
+      <p:sp>
+        <p:nvSpPr>
+          <p:cNvPr id="60" name="PlaceHolder 4"/>
           <p:cNvSpPr>
             <a:spLocks noGrp="1"/>
           </p:cNvSpPr>
@@ -1278,7 +1702,17 @@
         <p:txBody>
           <a:bodyPr lIns="0" rIns="0" tIns="0" bIns="0"/>
           <a:p>
-            <a:endParaRPr/>
+            <a:endParaRPr b="0" lang="en-US" sz="3200" spc="-1" strike="noStrike">
+              <a:solidFill>
+                <a:srgbClr val="000000"/>
+              </a:solidFill>
+              <a:uFill>
+                <a:solidFill>
+                  <a:srgbClr val="ffffff"/>
+                </a:solidFill>
+              </a:uFill>
+              <a:latin typeface="Arial"/>
+            </a:endParaRPr>
           </a:p>
         </p:txBody>
       </p:sp>
@@ -1288,7 +1722,7 @@
 </file>
 
 <file path=ppt/slideLayouts/slideLayout22.xml><?xml version="1.0" encoding="utf-8"?>
-<p:sldLayout xmlns:a="http://schemas.openxmlformats.org/drawingml/2006/main" xmlns:p="http://schemas.openxmlformats.org/presentationml/2006/main" xmlns:r="http://schemas.openxmlformats.org/officeDocument/2006/relationships" type="objOverTx" preserve="1">
+<p:sldLayout xmlns:a="http://schemas.openxmlformats.org/drawingml/2006/main" xmlns:p="http://schemas.openxmlformats.org/presentationml/2006/main" xmlns:r="http://schemas.openxmlformats.org/officeDocument/2006/relationships" xmlns:p14="http://schemas.microsoft.com/office/powerpoint/2010/main" xmlns:p15="http://schemas.microsoft.com/office/powerpoint/2012/main" xmlns:mc="http://schemas.openxmlformats.org/markup-compatibility/2006" type="objOverTx" preserve="1">
   <p:cSld name="Title, Content over Content">
     <p:spTree>
       <p:nvGrpSpPr>
@@ -1306,7 +1740,7 @@
       </p:grpSpPr>
       <p:sp>
         <p:nvSpPr>
-          <p:cNvPr id="59" name="PlaceHolder 1"/>
+          <p:cNvPr id="61" name="PlaceHolder 1"/>
           <p:cNvSpPr>
             <a:spLocks noGrp="1"/>
           </p:cNvSpPr>
@@ -1316,8 +1750,8 @@
         </p:nvSpPr>
         <p:spPr>
           <a:xfrm>
-            <a:off x="457200" y="219600"/>
-            <a:ext cx="8229240" cy="1253160"/>
+            <a:off x="457200" y="273600"/>
+            <a:ext cx="8229240" cy="1144800"/>
           </a:xfrm>
           <a:prstGeom prst="rect">
             <a:avLst/>
@@ -1327,13 +1761,23 @@
           <a:bodyPr lIns="0" rIns="0" tIns="0" bIns="0" anchor="ctr"/>
           <a:p>
             <a:pPr algn="ctr"/>
-            <a:endParaRPr/>
-          </a:p>
-        </p:txBody>
-      </p:sp>
-      <p:sp>
-        <p:nvSpPr>
-          <p:cNvPr id="60" name="PlaceHolder 2"/>
+            <a:endParaRPr b="0" lang="en-US" sz="4400" spc="-1" strike="noStrike">
+              <a:solidFill>
+                <a:srgbClr val="000000"/>
+              </a:solidFill>
+              <a:uFill>
+                <a:solidFill>
+                  <a:srgbClr val="ffffff"/>
+                </a:solidFill>
+              </a:uFill>
+              <a:latin typeface="Arial"/>
+            </a:endParaRPr>
+          </a:p>
+        </p:txBody>
+      </p:sp>
+      <p:sp>
+        <p:nvSpPr>
+          <p:cNvPr id="62" name="PlaceHolder 2"/>
           <p:cNvSpPr>
             <a:spLocks noGrp="1"/>
           </p:cNvSpPr>
@@ -1353,13 +1797,23 @@
         <p:txBody>
           <a:bodyPr lIns="0" rIns="0" tIns="0" bIns="0"/>
           <a:p>
-            <a:endParaRPr/>
-          </a:p>
-        </p:txBody>
-      </p:sp>
-      <p:sp>
-        <p:nvSpPr>
-          <p:cNvPr id="61" name="PlaceHolder 3"/>
+            <a:endParaRPr b="0" lang="en-US" sz="3200" spc="-1" strike="noStrike">
+              <a:solidFill>
+                <a:srgbClr val="000000"/>
+              </a:solidFill>
+              <a:uFill>
+                <a:solidFill>
+                  <a:srgbClr val="ffffff"/>
+                </a:solidFill>
+              </a:uFill>
+              <a:latin typeface="Arial"/>
+            </a:endParaRPr>
+          </a:p>
+        </p:txBody>
+      </p:sp>
+      <p:sp>
+        <p:nvSpPr>
+          <p:cNvPr id="63" name="PlaceHolder 3"/>
           <p:cNvSpPr>
             <a:spLocks noGrp="1"/>
           </p:cNvSpPr>
@@ -1379,7 +1833,17 @@
         <p:txBody>
           <a:bodyPr lIns="0" rIns="0" tIns="0" bIns="0"/>
           <a:p>
-            <a:endParaRPr/>
+            <a:endParaRPr b="0" lang="en-US" sz="3200" spc="-1" strike="noStrike">
+              <a:solidFill>
+                <a:srgbClr val="000000"/>
+              </a:solidFill>
+              <a:uFill>
+                <a:solidFill>
+                  <a:srgbClr val="ffffff"/>
+                </a:solidFill>
+              </a:uFill>
+              <a:latin typeface="Arial"/>
+            </a:endParaRPr>
           </a:p>
         </p:txBody>
       </p:sp>
@@ -1389,7 +1853,7 @@
 </file>
 
 <file path=ppt/slideLayouts/slideLayout23.xml><?xml version="1.0" encoding="utf-8"?>
-<p:sldLayout xmlns:a="http://schemas.openxmlformats.org/drawingml/2006/main" xmlns:p="http://schemas.openxmlformats.org/presentationml/2006/main" xmlns:r="http://schemas.openxmlformats.org/officeDocument/2006/relationships" type="fourObj" preserve="1">
+<p:sldLayout xmlns:a="http://schemas.openxmlformats.org/drawingml/2006/main" xmlns:p="http://schemas.openxmlformats.org/presentationml/2006/main" xmlns:r="http://schemas.openxmlformats.org/officeDocument/2006/relationships" xmlns:p14="http://schemas.microsoft.com/office/powerpoint/2010/main" xmlns:p15="http://schemas.microsoft.com/office/powerpoint/2012/main" xmlns:mc="http://schemas.openxmlformats.org/markup-compatibility/2006" type="fourObj" preserve="1">
   <p:cSld name="Title, 4 Content">
     <p:spTree>
       <p:nvGrpSpPr>
@@ -1407,7 +1871,7 @@
       </p:grpSpPr>
       <p:sp>
         <p:nvSpPr>
-          <p:cNvPr id="62" name="PlaceHolder 1"/>
+          <p:cNvPr id="64" name="PlaceHolder 1"/>
           <p:cNvSpPr>
             <a:spLocks noGrp="1"/>
           </p:cNvSpPr>
@@ -1417,8 +1881,8 @@
         </p:nvSpPr>
         <p:spPr>
           <a:xfrm>
-            <a:off x="457200" y="219600"/>
-            <a:ext cx="8229240" cy="1253160"/>
+            <a:off x="457200" y="273600"/>
+            <a:ext cx="8229240" cy="1144800"/>
           </a:xfrm>
           <a:prstGeom prst="rect">
             <a:avLst/>
@@ -1428,13 +1892,23 @@
           <a:bodyPr lIns="0" rIns="0" tIns="0" bIns="0" anchor="ctr"/>
           <a:p>
             <a:pPr algn="ctr"/>
-            <a:endParaRPr/>
-          </a:p>
-        </p:txBody>
-      </p:sp>
-      <p:sp>
-        <p:nvSpPr>
-          <p:cNvPr id="63" name="PlaceHolder 2"/>
+            <a:endParaRPr b="0" lang="en-US" sz="4400" spc="-1" strike="noStrike">
+              <a:solidFill>
+                <a:srgbClr val="000000"/>
+              </a:solidFill>
+              <a:uFill>
+                <a:solidFill>
+                  <a:srgbClr val="ffffff"/>
+                </a:solidFill>
+              </a:uFill>
+              <a:latin typeface="Arial"/>
+            </a:endParaRPr>
+          </a:p>
+        </p:txBody>
+      </p:sp>
+      <p:sp>
+        <p:nvSpPr>
+          <p:cNvPr id="65" name="PlaceHolder 2"/>
           <p:cNvSpPr>
             <a:spLocks noGrp="1"/>
           </p:cNvSpPr>
@@ -1454,13 +1928,23 @@
         <p:txBody>
           <a:bodyPr lIns="0" rIns="0" tIns="0" bIns="0"/>
           <a:p>
-            <a:endParaRPr/>
-          </a:p>
-        </p:txBody>
-      </p:sp>
-      <p:sp>
-        <p:nvSpPr>
-          <p:cNvPr id="64" name="PlaceHolder 3"/>
+            <a:endParaRPr b="0" lang="en-US" sz="3200" spc="-1" strike="noStrike">
+              <a:solidFill>
+                <a:srgbClr val="000000"/>
+              </a:solidFill>
+              <a:uFill>
+                <a:solidFill>
+                  <a:srgbClr val="ffffff"/>
+                </a:solidFill>
+              </a:uFill>
+              <a:latin typeface="Arial"/>
+            </a:endParaRPr>
+          </a:p>
+        </p:txBody>
+      </p:sp>
+      <p:sp>
+        <p:nvSpPr>
+          <p:cNvPr id="66" name="PlaceHolder 3"/>
           <p:cNvSpPr>
             <a:spLocks noGrp="1"/>
           </p:cNvSpPr>
@@ -1480,13 +1964,23 @@
         <p:txBody>
           <a:bodyPr lIns="0" rIns="0" tIns="0" bIns="0"/>
           <a:p>
-            <a:endParaRPr/>
-          </a:p>
-        </p:txBody>
-      </p:sp>
-      <p:sp>
-        <p:nvSpPr>
-          <p:cNvPr id="65" name="PlaceHolder 4"/>
+            <a:endParaRPr b="0" lang="en-US" sz="3200" spc="-1" strike="noStrike">
+              <a:solidFill>
+                <a:srgbClr val="000000"/>
+              </a:solidFill>
+              <a:uFill>
+                <a:solidFill>
+                  <a:srgbClr val="ffffff"/>
+                </a:solidFill>
+              </a:uFill>
+              <a:latin typeface="Arial"/>
+            </a:endParaRPr>
+          </a:p>
+        </p:txBody>
+      </p:sp>
+      <p:sp>
+        <p:nvSpPr>
+          <p:cNvPr id="67" name="PlaceHolder 4"/>
           <p:cNvSpPr>
             <a:spLocks noGrp="1"/>
           </p:cNvSpPr>
@@ -1506,13 +2000,23 @@
         <p:txBody>
           <a:bodyPr lIns="0" rIns="0" tIns="0" bIns="0"/>
           <a:p>
-            <a:endParaRPr/>
-          </a:p>
-        </p:txBody>
-      </p:sp>
-      <p:sp>
-        <p:nvSpPr>
-          <p:cNvPr id="66" name="PlaceHolder 5"/>
+            <a:endParaRPr b="0" lang="en-US" sz="3200" spc="-1" strike="noStrike">
+              <a:solidFill>
+                <a:srgbClr val="000000"/>
+              </a:solidFill>
+              <a:uFill>
+                <a:solidFill>
+                  <a:srgbClr val="ffffff"/>
+                </a:solidFill>
+              </a:uFill>
+              <a:latin typeface="Arial"/>
+            </a:endParaRPr>
+          </a:p>
+        </p:txBody>
+      </p:sp>
+      <p:sp>
+        <p:nvSpPr>
+          <p:cNvPr id="68" name="PlaceHolder 5"/>
           <p:cNvSpPr>
             <a:spLocks noGrp="1"/>
           </p:cNvSpPr>
@@ -1532,7 +2036,17 @@
         <p:txBody>
           <a:bodyPr lIns="0" rIns="0" tIns="0" bIns="0"/>
           <a:p>
-            <a:endParaRPr/>
+            <a:endParaRPr b="0" lang="en-US" sz="3200" spc="-1" strike="noStrike">
+              <a:solidFill>
+                <a:srgbClr val="000000"/>
+              </a:solidFill>
+              <a:uFill>
+                <a:solidFill>
+                  <a:srgbClr val="ffffff"/>
+                </a:solidFill>
+              </a:uFill>
+              <a:latin typeface="Arial"/>
+            </a:endParaRPr>
           </a:p>
         </p:txBody>
       </p:sp>
@@ -1542,7 +2056,7 @@
 </file>
 
 <file path=ppt/slideLayouts/slideLayout24.xml><?xml version="1.0" encoding="utf-8"?>
-<p:sldLayout xmlns:a="http://schemas.openxmlformats.org/drawingml/2006/main" xmlns:p="http://schemas.openxmlformats.org/presentationml/2006/main" xmlns:r="http://schemas.openxmlformats.org/officeDocument/2006/relationships" type="blank" preserve="1">
+<p:sldLayout xmlns:a="http://schemas.openxmlformats.org/drawingml/2006/main" xmlns:p="http://schemas.openxmlformats.org/presentationml/2006/main" xmlns:r="http://schemas.openxmlformats.org/officeDocument/2006/relationships" xmlns:p14="http://schemas.microsoft.com/office/powerpoint/2010/main" xmlns:p15="http://schemas.microsoft.com/office/powerpoint/2012/main" xmlns:mc="http://schemas.openxmlformats.org/markup-compatibility/2006" type="blank" preserve="1">
   <p:cSld name="Title, 6 Content">
     <p:spTree>
       <p:nvGrpSpPr>
@@ -1560,7 +2074,7 @@
       </p:grpSpPr>
       <p:sp>
         <p:nvSpPr>
-          <p:cNvPr id="67" name="PlaceHolder 1"/>
+          <p:cNvPr id="69" name="PlaceHolder 1"/>
           <p:cNvSpPr>
             <a:spLocks noGrp="1"/>
           </p:cNvSpPr>
@@ -1570,8 +2084,8 @@
         </p:nvSpPr>
         <p:spPr>
           <a:xfrm>
-            <a:off x="457200" y="219600"/>
-            <a:ext cx="8229240" cy="1253160"/>
+            <a:off x="457200" y="273600"/>
+            <a:ext cx="8229240" cy="1144800"/>
           </a:xfrm>
           <a:prstGeom prst="rect">
             <a:avLst/>
@@ -1581,13 +2095,23 @@
           <a:bodyPr lIns="0" rIns="0" tIns="0" bIns="0" anchor="ctr"/>
           <a:p>
             <a:pPr algn="ctr"/>
-            <a:endParaRPr/>
-          </a:p>
-        </p:txBody>
-      </p:sp>
-      <p:sp>
-        <p:nvSpPr>
-          <p:cNvPr id="68" name="PlaceHolder 2"/>
+            <a:endParaRPr b="0" lang="en-US" sz="4400" spc="-1" strike="noStrike">
+              <a:solidFill>
+                <a:srgbClr val="000000"/>
+              </a:solidFill>
+              <a:uFill>
+                <a:solidFill>
+                  <a:srgbClr val="ffffff"/>
+                </a:solidFill>
+              </a:uFill>
+              <a:latin typeface="Arial"/>
+            </a:endParaRPr>
+          </a:p>
+        </p:txBody>
+      </p:sp>
+      <p:sp>
+        <p:nvSpPr>
+          <p:cNvPr id="70" name="PlaceHolder 2"/>
           <p:cNvSpPr>
             <a:spLocks noGrp="1"/>
           </p:cNvSpPr>
@@ -1598,7 +2122,7 @@
         <p:spPr>
           <a:xfrm>
             <a:off x="457200" y="1604520"/>
-            <a:ext cx="8229240" cy="3977280"/>
+            <a:ext cx="2649600" cy="1896840"/>
           </a:xfrm>
           <a:prstGeom prst="rect">
             <a:avLst/>
@@ -1607,13 +2131,23 @@
         <p:txBody>
           <a:bodyPr lIns="0" rIns="0" tIns="0" bIns="0"/>
           <a:p>
-            <a:endParaRPr/>
-          </a:p>
-        </p:txBody>
-      </p:sp>
-      <p:sp>
-        <p:nvSpPr>
-          <p:cNvPr id="69" name="PlaceHolder 3"/>
+            <a:endParaRPr b="0" lang="en-US" sz="3200" spc="-1" strike="noStrike">
+              <a:solidFill>
+                <a:srgbClr val="000000"/>
+              </a:solidFill>
+              <a:uFill>
+                <a:solidFill>
+                  <a:srgbClr val="ffffff"/>
+                </a:solidFill>
+              </a:uFill>
+              <a:latin typeface="Arial"/>
+            </a:endParaRPr>
+          </a:p>
+        </p:txBody>
+      </p:sp>
+      <p:sp>
+        <p:nvSpPr>
+          <p:cNvPr id="71" name="PlaceHolder 3"/>
           <p:cNvSpPr>
             <a:spLocks noGrp="1"/>
           </p:cNvSpPr>
@@ -1623,8 +2157,8 @@
         </p:nvSpPr>
         <p:spPr>
           <a:xfrm>
-            <a:off x="457200" y="1604520"/>
-            <a:ext cx="8229240" cy="3977280"/>
+            <a:off x="3239640" y="1604520"/>
+            <a:ext cx="2649600" cy="1896840"/>
           </a:xfrm>
           <a:prstGeom prst="rect">
             <a:avLst/>
@@ -1633,67 +2167,171 @@
         <p:txBody>
           <a:bodyPr lIns="0" rIns="0" tIns="0" bIns="0"/>
           <a:p>
-            <a:endParaRPr/>
-          </a:p>
-        </p:txBody>
-      </p:sp>
-      <p:pic>
-        <p:nvPicPr>
-          <p:cNvPr id="70" name="" descr=""/>
-          <p:cNvPicPr/>
-          <p:nvPr/>
-        </p:nvPicPr>
-        <p:blipFill>
-          <a:blip r:embed="rId2"/>
-          <a:stretch>
-            <a:fillRect/>
-          </a:stretch>
-        </p:blipFill>
-        <p:spPr>
-          <a:xfrm>
-            <a:off x="2079000" y="1604520"/>
-            <a:ext cx="4984920" cy="3977280"/>
-          </a:xfrm>
-          <a:prstGeom prst="rect">
-            <a:avLst/>
-          </a:prstGeom>
-          <a:ln>
-            <a:noFill/>
-          </a:ln>
-        </p:spPr>
-      </p:pic>
-      <p:pic>
-        <p:nvPicPr>
-          <p:cNvPr id="71" name="" descr=""/>
-          <p:cNvPicPr/>
-          <p:nvPr/>
-        </p:nvPicPr>
-        <p:blipFill>
-          <a:blip r:embed="rId3"/>
-          <a:stretch>
-            <a:fillRect/>
-          </a:stretch>
-        </p:blipFill>
-        <p:spPr>
-          <a:xfrm>
-            <a:off x="2079000" y="1604520"/>
-            <a:ext cx="4984920" cy="3977280"/>
-          </a:xfrm>
-          <a:prstGeom prst="rect">
-            <a:avLst/>
-          </a:prstGeom>
-          <a:ln>
-            <a:noFill/>
-          </a:ln>
-        </p:spPr>
-      </p:pic>
+            <a:endParaRPr b="0" lang="en-US" sz="3200" spc="-1" strike="noStrike">
+              <a:solidFill>
+                <a:srgbClr val="000000"/>
+              </a:solidFill>
+              <a:uFill>
+                <a:solidFill>
+                  <a:srgbClr val="ffffff"/>
+                </a:solidFill>
+              </a:uFill>
+              <a:latin typeface="Arial"/>
+            </a:endParaRPr>
+          </a:p>
+        </p:txBody>
+      </p:sp>
+      <p:sp>
+        <p:nvSpPr>
+          <p:cNvPr id="72" name="PlaceHolder 4"/>
+          <p:cNvSpPr>
+            <a:spLocks noGrp="1"/>
+          </p:cNvSpPr>
+          <p:nvPr>
+            <p:ph type="body"/>
+          </p:nvPr>
+        </p:nvSpPr>
+        <p:spPr>
+          <a:xfrm>
+            <a:off x="6022080" y="1604520"/>
+            <a:ext cx="2649600" cy="1896840"/>
+          </a:xfrm>
+          <a:prstGeom prst="rect">
+            <a:avLst/>
+          </a:prstGeom>
+        </p:spPr>
+        <p:txBody>
+          <a:bodyPr lIns="0" rIns="0" tIns="0" bIns="0"/>
+          <a:p>
+            <a:endParaRPr b="0" lang="en-US" sz="3200" spc="-1" strike="noStrike">
+              <a:solidFill>
+                <a:srgbClr val="000000"/>
+              </a:solidFill>
+              <a:uFill>
+                <a:solidFill>
+                  <a:srgbClr val="ffffff"/>
+                </a:solidFill>
+              </a:uFill>
+              <a:latin typeface="Arial"/>
+            </a:endParaRPr>
+          </a:p>
+        </p:txBody>
+      </p:sp>
+      <p:sp>
+        <p:nvSpPr>
+          <p:cNvPr id="73" name="PlaceHolder 5"/>
+          <p:cNvSpPr>
+            <a:spLocks noGrp="1"/>
+          </p:cNvSpPr>
+          <p:nvPr>
+            <p:ph type="body"/>
+          </p:nvPr>
+        </p:nvSpPr>
+        <p:spPr>
+          <a:xfrm>
+            <a:off x="6022080" y="3682080"/>
+            <a:ext cx="2649600" cy="1896840"/>
+          </a:xfrm>
+          <a:prstGeom prst="rect">
+            <a:avLst/>
+          </a:prstGeom>
+        </p:spPr>
+        <p:txBody>
+          <a:bodyPr lIns="0" rIns="0" tIns="0" bIns="0"/>
+          <a:p>
+            <a:endParaRPr b="0" lang="en-US" sz="3200" spc="-1" strike="noStrike">
+              <a:solidFill>
+                <a:srgbClr val="000000"/>
+              </a:solidFill>
+              <a:uFill>
+                <a:solidFill>
+                  <a:srgbClr val="ffffff"/>
+                </a:solidFill>
+              </a:uFill>
+              <a:latin typeface="Arial"/>
+            </a:endParaRPr>
+          </a:p>
+        </p:txBody>
+      </p:sp>
+      <p:sp>
+        <p:nvSpPr>
+          <p:cNvPr id="74" name="PlaceHolder 6"/>
+          <p:cNvSpPr>
+            <a:spLocks noGrp="1"/>
+          </p:cNvSpPr>
+          <p:nvPr>
+            <p:ph type="body"/>
+          </p:nvPr>
+        </p:nvSpPr>
+        <p:spPr>
+          <a:xfrm>
+            <a:off x="3239640" y="3682080"/>
+            <a:ext cx="2649600" cy="1896840"/>
+          </a:xfrm>
+          <a:prstGeom prst="rect">
+            <a:avLst/>
+          </a:prstGeom>
+        </p:spPr>
+        <p:txBody>
+          <a:bodyPr lIns="0" rIns="0" tIns="0" bIns="0"/>
+          <a:p>
+            <a:endParaRPr b="0" lang="en-US" sz="3200" spc="-1" strike="noStrike">
+              <a:solidFill>
+                <a:srgbClr val="000000"/>
+              </a:solidFill>
+              <a:uFill>
+                <a:solidFill>
+                  <a:srgbClr val="ffffff"/>
+                </a:solidFill>
+              </a:uFill>
+              <a:latin typeface="Arial"/>
+            </a:endParaRPr>
+          </a:p>
+        </p:txBody>
+      </p:sp>
+      <p:sp>
+        <p:nvSpPr>
+          <p:cNvPr id="75" name="PlaceHolder 7"/>
+          <p:cNvSpPr>
+            <a:spLocks noGrp="1"/>
+          </p:cNvSpPr>
+          <p:nvPr>
+            <p:ph type="body"/>
+          </p:nvPr>
+        </p:nvSpPr>
+        <p:spPr>
+          <a:xfrm>
+            <a:off x="457200" y="3682080"/>
+            <a:ext cx="2649600" cy="1896840"/>
+          </a:xfrm>
+          <a:prstGeom prst="rect">
+            <a:avLst/>
+          </a:prstGeom>
+        </p:spPr>
+        <p:txBody>
+          <a:bodyPr lIns="0" rIns="0" tIns="0" bIns="0"/>
+          <a:p>
+            <a:endParaRPr b="0" lang="en-US" sz="3200" spc="-1" strike="noStrike">
+              <a:solidFill>
+                <a:srgbClr val="000000"/>
+              </a:solidFill>
+              <a:uFill>
+                <a:solidFill>
+                  <a:srgbClr val="ffffff"/>
+                </a:solidFill>
+              </a:uFill>
+              <a:latin typeface="Arial"/>
+            </a:endParaRPr>
+          </a:p>
+        </p:txBody>
+      </p:sp>
     </p:spTree>
   </p:cSld>
 </p:sldLayout>
 </file>
 
 <file path=ppt/slideLayouts/slideLayout25.xml><?xml version="1.0" encoding="utf-8"?>
-<p:sldLayout xmlns:a="http://schemas.openxmlformats.org/drawingml/2006/main" xmlns:p="http://schemas.openxmlformats.org/presentationml/2006/main" xmlns:r="http://schemas.openxmlformats.org/officeDocument/2006/relationships" type="blank" preserve="1">
+<p:sldLayout xmlns:a="http://schemas.openxmlformats.org/drawingml/2006/main" xmlns:p="http://schemas.openxmlformats.org/presentationml/2006/main" xmlns:r="http://schemas.openxmlformats.org/officeDocument/2006/relationships" xmlns:p14="http://schemas.microsoft.com/office/powerpoint/2010/main" xmlns:p15="http://schemas.microsoft.com/office/powerpoint/2012/main" xmlns:mc="http://schemas.openxmlformats.org/markup-compatibility/2006" type="blank" preserve="1">
   <p:cSld name="Blank Slide">
     <p:spTree>
       <p:nvGrpSpPr>
@@ -1715,7 +2353,7 @@
 </file>
 
 <file path=ppt/slideLayouts/slideLayout26.xml><?xml version="1.0" encoding="utf-8"?>
-<p:sldLayout xmlns:a="http://schemas.openxmlformats.org/drawingml/2006/main" xmlns:p="http://schemas.openxmlformats.org/presentationml/2006/main" xmlns:r="http://schemas.openxmlformats.org/officeDocument/2006/relationships" type="tx" preserve="1">
+<p:sldLayout xmlns:a="http://schemas.openxmlformats.org/drawingml/2006/main" xmlns:p="http://schemas.openxmlformats.org/presentationml/2006/main" xmlns:r="http://schemas.openxmlformats.org/officeDocument/2006/relationships" xmlns:p14="http://schemas.microsoft.com/office/powerpoint/2010/main" xmlns:p15="http://schemas.microsoft.com/office/powerpoint/2012/main" xmlns:mc="http://schemas.openxmlformats.org/markup-compatibility/2006" type="tx" preserve="1">
   <p:cSld name="Title Slide">
     <p:spTree>
       <p:nvGrpSpPr>
@@ -1733,7 +2371,7 @@
       </p:grpSpPr>
       <p:sp>
         <p:nvSpPr>
-          <p:cNvPr id="74" name="PlaceHolder 1"/>
+          <p:cNvPr id="78" name="PlaceHolder 1"/>
           <p:cNvSpPr>
             <a:spLocks noGrp="1"/>
           </p:cNvSpPr>
@@ -1743,8 +2381,8 @@
         </p:nvSpPr>
         <p:spPr>
           <a:xfrm>
-            <a:off x="457200" y="219600"/>
-            <a:ext cx="8229240" cy="1253160"/>
+            <a:off x="457200" y="273600"/>
+            <a:ext cx="8229240" cy="1144800"/>
           </a:xfrm>
           <a:prstGeom prst="rect">
             <a:avLst/>
@@ -1754,13 +2392,23 @@
           <a:bodyPr lIns="0" rIns="0" tIns="0" bIns="0" anchor="ctr"/>
           <a:p>
             <a:pPr algn="ctr"/>
-            <a:endParaRPr/>
-          </a:p>
-        </p:txBody>
-      </p:sp>
-      <p:sp>
-        <p:nvSpPr>
-          <p:cNvPr id="75" name="PlaceHolder 2"/>
+            <a:endParaRPr b="0" lang="en-US" sz="4400" spc="-1" strike="noStrike">
+              <a:solidFill>
+                <a:srgbClr val="000000"/>
+              </a:solidFill>
+              <a:uFill>
+                <a:solidFill>
+                  <a:srgbClr val="ffffff"/>
+                </a:solidFill>
+              </a:uFill>
+              <a:latin typeface="Arial"/>
+            </a:endParaRPr>
+          </a:p>
+        </p:txBody>
+      </p:sp>
+      <p:sp>
+        <p:nvSpPr>
+          <p:cNvPr id="79" name="PlaceHolder 2"/>
           <p:cNvSpPr>
             <a:spLocks noGrp="1"/>
           </p:cNvSpPr>
@@ -1771,7 +2419,7 @@
         <p:spPr>
           <a:xfrm>
             <a:off x="457200" y="1604520"/>
-            <a:ext cx="8229240" cy="3977640"/>
+            <a:ext cx="8229240" cy="3977280"/>
           </a:xfrm>
           <a:prstGeom prst="rect">
             <a:avLst/>
@@ -1781,7 +2429,17 @@
           <a:bodyPr lIns="0" rIns="0" tIns="0" bIns="0" anchor="ctr"/>
           <a:p>
             <a:pPr algn="ctr"/>
-            <a:endParaRPr/>
+            <a:endParaRPr b="0" lang="en-US" sz="3200" spc="-1" strike="noStrike">
+              <a:solidFill>
+                <a:srgbClr val="000000"/>
+              </a:solidFill>
+              <a:uFill>
+                <a:solidFill>
+                  <a:srgbClr val="ffffff"/>
+                </a:solidFill>
+              </a:uFill>
+              <a:latin typeface="Arial"/>
+            </a:endParaRPr>
           </a:p>
         </p:txBody>
       </p:sp>
@@ -1791,7 +2449,7 @@
 </file>
 
 <file path=ppt/slideLayouts/slideLayout27.xml><?xml version="1.0" encoding="utf-8"?>
-<p:sldLayout xmlns:a="http://schemas.openxmlformats.org/drawingml/2006/main" xmlns:p="http://schemas.openxmlformats.org/presentationml/2006/main" xmlns:r="http://schemas.openxmlformats.org/officeDocument/2006/relationships" type="obj" preserve="1">
+<p:sldLayout xmlns:a="http://schemas.openxmlformats.org/drawingml/2006/main" xmlns:p="http://schemas.openxmlformats.org/presentationml/2006/main" xmlns:r="http://schemas.openxmlformats.org/officeDocument/2006/relationships" xmlns:p14="http://schemas.microsoft.com/office/powerpoint/2010/main" xmlns:p15="http://schemas.microsoft.com/office/powerpoint/2012/main" xmlns:mc="http://schemas.openxmlformats.org/markup-compatibility/2006" type="obj" preserve="1">
   <p:cSld name="Title, Content">
     <p:spTree>
       <p:nvGrpSpPr>
@@ -1809,7 +2467,7 @@
       </p:grpSpPr>
       <p:sp>
         <p:nvSpPr>
-          <p:cNvPr id="76" name="PlaceHolder 1"/>
+          <p:cNvPr id="80" name="PlaceHolder 1"/>
           <p:cNvSpPr>
             <a:spLocks noGrp="1"/>
           </p:cNvSpPr>
@@ -1819,8 +2477,8 @@
         </p:nvSpPr>
         <p:spPr>
           <a:xfrm>
-            <a:off x="457200" y="219600"/>
-            <a:ext cx="8229240" cy="1253160"/>
+            <a:off x="457200" y="273600"/>
+            <a:ext cx="8229240" cy="1144800"/>
           </a:xfrm>
           <a:prstGeom prst="rect">
             <a:avLst/>
@@ -1830,13 +2488,23 @@
           <a:bodyPr lIns="0" rIns="0" tIns="0" bIns="0" anchor="ctr"/>
           <a:p>
             <a:pPr algn="ctr"/>
-            <a:endParaRPr/>
-          </a:p>
-        </p:txBody>
-      </p:sp>
-      <p:sp>
-        <p:nvSpPr>
-          <p:cNvPr id="77" name="PlaceHolder 2"/>
+            <a:endParaRPr b="0" lang="en-US" sz="4400" spc="-1" strike="noStrike">
+              <a:solidFill>
+                <a:srgbClr val="000000"/>
+              </a:solidFill>
+              <a:uFill>
+                <a:solidFill>
+                  <a:srgbClr val="ffffff"/>
+                </a:solidFill>
+              </a:uFill>
+              <a:latin typeface="Arial"/>
+            </a:endParaRPr>
+          </a:p>
+        </p:txBody>
+      </p:sp>
+      <p:sp>
+        <p:nvSpPr>
+          <p:cNvPr id="81" name="PlaceHolder 2"/>
           <p:cNvSpPr>
             <a:spLocks noGrp="1"/>
           </p:cNvSpPr>
@@ -1856,7 +2524,17 @@
         <p:txBody>
           <a:bodyPr lIns="0" rIns="0" tIns="0" bIns="0"/>
           <a:p>
-            <a:endParaRPr/>
+            <a:endParaRPr b="0" lang="en-US" sz="3200" spc="-1" strike="noStrike">
+              <a:solidFill>
+                <a:srgbClr val="000000"/>
+              </a:solidFill>
+              <a:uFill>
+                <a:solidFill>
+                  <a:srgbClr val="ffffff"/>
+                </a:solidFill>
+              </a:uFill>
+              <a:latin typeface="Arial"/>
+            </a:endParaRPr>
           </a:p>
         </p:txBody>
       </p:sp>
@@ -1866,7 +2544,7 @@
 </file>
 
 <file path=ppt/slideLayouts/slideLayout28.xml><?xml version="1.0" encoding="utf-8"?>
-<p:sldLayout xmlns:a="http://schemas.openxmlformats.org/drawingml/2006/main" xmlns:p="http://schemas.openxmlformats.org/presentationml/2006/main" xmlns:r="http://schemas.openxmlformats.org/officeDocument/2006/relationships" type="twoObj" preserve="1">
+<p:sldLayout xmlns:a="http://schemas.openxmlformats.org/drawingml/2006/main" xmlns:p="http://schemas.openxmlformats.org/presentationml/2006/main" xmlns:r="http://schemas.openxmlformats.org/officeDocument/2006/relationships" xmlns:p14="http://schemas.microsoft.com/office/powerpoint/2010/main" xmlns:p15="http://schemas.microsoft.com/office/powerpoint/2012/main" xmlns:mc="http://schemas.openxmlformats.org/markup-compatibility/2006" type="twoObj" preserve="1">
   <p:cSld name="Title, 2 Content">
     <p:spTree>
       <p:nvGrpSpPr>
@@ -1884,7 +2562,7 @@
       </p:grpSpPr>
       <p:sp>
         <p:nvSpPr>
-          <p:cNvPr id="78" name="PlaceHolder 1"/>
+          <p:cNvPr id="82" name="PlaceHolder 1"/>
           <p:cNvSpPr>
             <a:spLocks noGrp="1"/>
           </p:cNvSpPr>
@@ -1894,8 +2572,8 @@
         </p:nvSpPr>
         <p:spPr>
           <a:xfrm>
-            <a:off x="457200" y="219600"/>
-            <a:ext cx="8229240" cy="1253160"/>
+            <a:off x="457200" y="273600"/>
+            <a:ext cx="8229240" cy="1144800"/>
           </a:xfrm>
           <a:prstGeom prst="rect">
             <a:avLst/>
@@ -1905,13 +2583,23 @@
           <a:bodyPr lIns="0" rIns="0" tIns="0" bIns="0" anchor="ctr"/>
           <a:p>
             <a:pPr algn="ctr"/>
-            <a:endParaRPr/>
-          </a:p>
-        </p:txBody>
-      </p:sp>
-      <p:sp>
-        <p:nvSpPr>
-          <p:cNvPr id="79" name="PlaceHolder 2"/>
+            <a:endParaRPr b="0" lang="en-US" sz="4400" spc="-1" strike="noStrike">
+              <a:solidFill>
+                <a:srgbClr val="000000"/>
+              </a:solidFill>
+              <a:uFill>
+                <a:solidFill>
+                  <a:srgbClr val="ffffff"/>
+                </a:solidFill>
+              </a:uFill>
+              <a:latin typeface="Arial"/>
+            </a:endParaRPr>
+          </a:p>
+        </p:txBody>
+      </p:sp>
+      <p:sp>
+        <p:nvSpPr>
+          <p:cNvPr id="83" name="PlaceHolder 2"/>
           <p:cNvSpPr>
             <a:spLocks noGrp="1"/>
           </p:cNvSpPr>
@@ -1931,13 +2619,23 @@
         <p:txBody>
           <a:bodyPr lIns="0" rIns="0" tIns="0" bIns="0"/>
           <a:p>
-            <a:endParaRPr/>
-          </a:p>
-        </p:txBody>
-      </p:sp>
-      <p:sp>
-        <p:nvSpPr>
-          <p:cNvPr id="80" name="PlaceHolder 3"/>
+            <a:endParaRPr b="0" lang="en-US" sz="3200" spc="-1" strike="noStrike">
+              <a:solidFill>
+                <a:srgbClr val="000000"/>
+              </a:solidFill>
+              <a:uFill>
+                <a:solidFill>
+                  <a:srgbClr val="ffffff"/>
+                </a:solidFill>
+              </a:uFill>
+              <a:latin typeface="Arial"/>
+            </a:endParaRPr>
+          </a:p>
+        </p:txBody>
+      </p:sp>
+      <p:sp>
+        <p:nvSpPr>
+          <p:cNvPr id="84" name="PlaceHolder 3"/>
           <p:cNvSpPr>
             <a:spLocks noGrp="1"/>
           </p:cNvSpPr>
@@ -1957,7 +2655,17 @@
         <p:txBody>
           <a:bodyPr lIns="0" rIns="0" tIns="0" bIns="0"/>
           <a:p>
-            <a:endParaRPr/>
+            <a:endParaRPr b="0" lang="en-US" sz="3200" spc="-1" strike="noStrike">
+              <a:solidFill>
+                <a:srgbClr val="000000"/>
+              </a:solidFill>
+              <a:uFill>
+                <a:solidFill>
+                  <a:srgbClr val="ffffff"/>
+                </a:solidFill>
+              </a:uFill>
+              <a:latin typeface="Arial"/>
+            </a:endParaRPr>
           </a:p>
         </p:txBody>
       </p:sp>
@@ -1967,7 +2675,7 @@
 </file>
 
 <file path=ppt/slideLayouts/slideLayout29.xml><?xml version="1.0" encoding="utf-8"?>
-<p:sldLayout xmlns:a="http://schemas.openxmlformats.org/drawingml/2006/main" xmlns:p="http://schemas.openxmlformats.org/presentationml/2006/main" xmlns:r="http://schemas.openxmlformats.org/officeDocument/2006/relationships" type="titleOnly" preserve="1">
+<p:sldLayout xmlns:a="http://schemas.openxmlformats.org/drawingml/2006/main" xmlns:p="http://schemas.openxmlformats.org/presentationml/2006/main" xmlns:r="http://schemas.openxmlformats.org/officeDocument/2006/relationships" xmlns:p14="http://schemas.microsoft.com/office/powerpoint/2010/main" xmlns:p15="http://schemas.microsoft.com/office/powerpoint/2012/main" xmlns:mc="http://schemas.openxmlformats.org/markup-compatibility/2006" type="titleOnly" preserve="1">
   <p:cSld name="Title Only">
     <p:spTree>
       <p:nvGrpSpPr>
@@ -1985,7 +2693,7 @@
       </p:grpSpPr>
       <p:sp>
         <p:nvSpPr>
-          <p:cNvPr id="81" name="PlaceHolder 1"/>
+          <p:cNvPr id="85" name="PlaceHolder 1"/>
           <p:cNvSpPr>
             <a:spLocks noGrp="1"/>
           </p:cNvSpPr>
@@ -1995,8 +2703,8 @@
         </p:nvSpPr>
         <p:spPr>
           <a:xfrm>
-            <a:off x="457200" y="219600"/>
-            <a:ext cx="8229240" cy="1253160"/>
+            <a:off x="457200" y="273600"/>
+            <a:ext cx="8229240" cy="1144800"/>
           </a:xfrm>
           <a:prstGeom prst="rect">
             <a:avLst/>
@@ -2006,7 +2714,17 @@
           <a:bodyPr lIns="0" rIns="0" tIns="0" bIns="0" anchor="ctr"/>
           <a:p>
             <a:pPr algn="ctr"/>
-            <a:endParaRPr/>
+            <a:endParaRPr b="0" lang="en-US" sz="4400" spc="-1" strike="noStrike">
+              <a:solidFill>
+                <a:srgbClr val="000000"/>
+              </a:solidFill>
+              <a:uFill>
+                <a:solidFill>
+                  <a:srgbClr val="ffffff"/>
+                </a:solidFill>
+              </a:uFill>
+              <a:latin typeface="Arial"/>
+            </a:endParaRPr>
           </a:p>
         </p:txBody>
       </p:sp>
@@ -2016,7 +2734,7 @@
 </file>
 
 <file path=ppt/slideLayouts/slideLayout3.xml><?xml version="1.0" encoding="utf-8"?>
-<p:sldLayout xmlns:a="http://schemas.openxmlformats.org/drawingml/2006/main" xmlns:p="http://schemas.openxmlformats.org/presentationml/2006/main" xmlns:r="http://schemas.openxmlformats.org/officeDocument/2006/relationships" type="obj" preserve="1">
+<p:sldLayout xmlns:a="http://schemas.openxmlformats.org/drawingml/2006/main" xmlns:p="http://schemas.openxmlformats.org/presentationml/2006/main" xmlns:r="http://schemas.openxmlformats.org/officeDocument/2006/relationships" xmlns:p14="http://schemas.microsoft.com/office/powerpoint/2010/main" xmlns:p15="http://schemas.microsoft.com/office/powerpoint/2012/main" xmlns:mc="http://schemas.openxmlformats.org/markup-compatibility/2006" type="obj" preserve="1">
   <p:cSld name="Title, Content">
     <p:spTree>
       <p:nvGrpSpPr>
@@ -2044,8 +2762,8 @@
         </p:nvSpPr>
         <p:spPr>
           <a:xfrm>
-            <a:off x="457200" y="219600"/>
-            <a:ext cx="8229240" cy="1253160"/>
+            <a:off x="457200" y="273600"/>
+            <a:ext cx="8229240" cy="1144800"/>
           </a:xfrm>
           <a:prstGeom prst="rect">
             <a:avLst/>
@@ -2055,7 +2773,17 @@
           <a:bodyPr lIns="0" rIns="0" tIns="0" bIns="0" anchor="ctr"/>
           <a:p>
             <a:pPr algn="ctr"/>
-            <a:endParaRPr/>
+            <a:endParaRPr b="0" lang="en-US" sz="4400" spc="-1" strike="noStrike">
+              <a:solidFill>
+                <a:srgbClr val="000000"/>
+              </a:solidFill>
+              <a:uFill>
+                <a:solidFill>
+                  <a:srgbClr val="ffffff"/>
+                </a:solidFill>
+              </a:uFill>
+              <a:latin typeface="Arial"/>
+            </a:endParaRPr>
           </a:p>
         </p:txBody>
       </p:sp>
@@ -2081,7 +2809,17 @@
         <p:txBody>
           <a:bodyPr lIns="0" rIns="0" tIns="0" bIns="0"/>
           <a:p>
-            <a:endParaRPr/>
+            <a:endParaRPr b="0" lang="en-US" sz="3200" spc="-1" strike="noStrike">
+              <a:solidFill>
+                <a:srgbClr val="000000"/>
+              </a:solidFill>
+              <a:uFill>
+                <a:solidFill>
+                  <a:srgbClr val="ffffff"/>
+                </a:solidFill>
+              </a:uFill>
+              <a:latin typeface="Arial"/>
+            </a:endParaRPr>
           </a:p>
         </p:txBody>
       </p:sp>
@@ -2091,7 +2829,7 @@
 </file>
 
 <file path=ppt/slideLayouts/slideLayout30.xml><?xml version="1.0" encoding="utf-8"?>
-<p:sldLayout xmlns:a="http://schemas.openxmlformats.org/drawingml/2006/main" xmlns:p="http://schemas.openxmlformats.org/presentationml/2006/main" xmlns:r="http://schemas.openxmlformats.org/officeDocument/2006/relationships" type="objOnly" preserve="1">
+<p:sldLayout xmlns:a="http://schemas.openxmlformats.org/drawingml/2006/main" xmlns:p="http://schemas.openxmlformats.org/presentationml/2006/main" xmlns:r="http://schemas.openxmlformats.org/officeDocument/2006/relationships" xmlns:p14="http://schemas.microsoft.com/office/powerpoint/2010/main" xmlns:p15="http://schemas.microsoft.com/office/powerpoint/2012/main" xmlns:mc="http://schemas.openxmlformats.org/markup-compatibility/2006" type="objOnly" preserve="1">
   <p:cSld name="Centered Text">
     <p:spTree>
       <p:nvGrpSpPr>
@@ -2109,7 +2847,7 @@
       </p:grpSpPr>
       <p:sp>
         <p:nvSpPr>
-          <p:cNvPr id="82" name="PlaceHolder 1"/>
+          <p:cNvPr id="86" name="PlaceHolder 1"/>
           <p:cNvSpPr>
             <a:spLocks noGrp="1"/>
           </p:cNvSpPr>
@@ -2120,7 +2858,7 @@
         <p:spPr>
           <a:xfrm>
             <a:off x="457200" y="273600"/>
-            <a:ext cx="8229240" cy="5308200"/>
+            <a:ext cx="8229240" cy="5307840"/>
           </a:xfrm>
           <a:prstGeom prst="rect">
             <a:avLst/>
@@ -2130,7 +2868,17 @@
           <a:bodyPr lIns="0" rIns="0" tIns="0" bIns="0" anchor="ctr"/>
           <a:p>
             <a:pPr algn="ctr"/>
-            <a:endParaRPr/>
+            <a:endParaRPr b="0" lang="en-US" sz="3200" spc="-1" strike="noStrike">
+              <a:solidFill>
+                <a:srgbClr val="000000"/>
+              </a:solidFill>
+              <a:uFill>
+                <a:solidFill>
+                  <a:srgbClr val="ffffff"/>
+                </a:solidFill>
+              </a:uFill>
+              <a:latin typeface="Arial"/>
+            </a:endParaRPr>
           </a:p>
         </p:txBody>
       </p:sp>
@@ -2140,7 +2888,7 @@
 </file>
 
 <file path=ppt/slideLayouts/slideLayout31.xml><?xml version="1.0" encoding="utf-8"?>
-<p:sldLayout xmlns:a="http://schemas.openxmlformats.org/drawingml/2006/main" xmlns:p="http://schemas.openxmlformats.org/presentationml/2006/main" xmlns:r="http://schemas.openxmlformats.org/officeDocument/2006/relationships" type="twoObjAndObj" preserve="1">
+<p:sldLayout xmlns:a="http://schemas.openxmlformats.org/drawingml/2006/main" xmlns:p="http://schemas.openxmlformats.org/presentationml/2006/main" xmlns:r="http://schemas.openxmlformats.org/officeDocument/2006/relationships" xmlns:p14="http://schemas.microsoft.com/office/powerpoint/2010/main" xmlns:p15="http://schemas.microsoft.com/office/powerpoint/2012/main" xmlns:mc="http://schemas.openxmlformats.org/markup-compatibility/2006" type="twoObjAndObj" preserve="1">
   <p:cSld name="Title, 2 Content and Content">
     <p:spTree>
       <p:nvGrpSpPr>
@@ -2158,7 +2906,7 @@
       </p:grpSpPr>
       <p:sp>
         <p:nvSpPr>
-          <p:cNvPr id="83" name="PlaceHolder 1"/>
+          <p:cNvPr id="87" name="PlaceHolder 1"/>
           <p:cNvSpPr>
             <a:spLocks noGrp="1"/>
           </p:cNvSpPr>
@@ -2168,8 +2916,8 @@
         </p:nvSpPr>
         <p:spPr>
           <a:xfrm>
-            <a:off x="457200" y="219600"/>
-            <a:ext cx="8229240" cy="1253160"/>
+            <a:off x="457200" y="273600"/>
+            <a:ext cx="8229240" cy="1144800"/>
           </a:xfrm>
           <a:prstGeom prst="rect">
             <a:avLst/>
@@ -2179,13 +2927,23 @@
           <a:bodyPr lIns="0" rIns="0" tIns="0" bIns="0" anchor="ctr"/>
           <a:p>
             <a:pPr algn="ctr"/>
-            <a:endParaRPr/>
-          </a:p>
-        </p:txBody>
-      </p:sp>
-      <p:sp>
-        <p:nvSpPr>
-          <p:cNvPr id="84" name="PlaceHolder 2"/>
+            <a:endParaRPr b="0" lang="en-US" sz="4400" spc="-1" strike="noStrike">
+              <a:solidFill>
+                <a:srgbClr val="000000"/>
+              </a:solidFill>
+              <a:uFill>
+                <a:solidFill>
+                  <a:srgbClr val="ffffff"/>
+                </a:solidFill>
+              </a:uFill>
+              <a:latin typeface="Arial"/>
+            </a:endParaRPr>
+          </a:p>
+        </p:txBody>
+      </p:sp>
+      <p:sp>
+        <p:nvSpPr>
+          <p:cNvPr id="88" name="PlaceHolder 2"/>
           <p:cNvSpPr>
             <a:spLocks noGrp="1"/>
           </p:cNvSpPr>
@@ -2205,13 +2963,23 @@
         <p:txBody>
           <a:bodyPr lIns="0" rIns="0" tIns="0" bIns="0"/>
           <a:p>
-            <a:endParaRPr/>
-          </a:p>
-        </p:txBody>
-      </p:sp>
-      <p:sp>
-        <p:nvSpPr>
-          <p:cNvPr id="85" name="PlaceHolder 3"/>
+            <a:endParaRPr b="0" lang="en-US" sz="3200" spc="-1" strike="noStrike">
+              <a:solidFill>
+                <a:srgbClr val="000000"/>
+              </a:solidFill>
+              <a:uFill>
+                <a:solidFill>
+                  <a:srgbClr val="ffffff"/>
+                </a:solidFill>
+              </a:uFill>
+              <a:latin typeface="Arial"/>
+            </a:endParaRPr>
+          </a:p>
+        </p:txBody>
+      </p:sp>
+      <p:sp>
+        <p:nvSpPr>
+          <p:cNvPr id="89" name="PlaceHolder 3"/>
           <p:cNvSpPr>
             <a:spLocks noGrp="1"/>
           </p:cNvSpPr>
@@ -2231,13 +2999,23 @@
         <p:txBody>
           <a:bodyPr lIns="0" rIns="0" tIns="0" bIns="0"/>
           <a:p>
-            <a:endParaRPr/>
-          </a:p>
-        </p:txBody>
-      </p:sp>
-      <p:sp>
-        <p:nvSpPr>
-          <p:cNvPr id="86" name="PlaceHolder 4"/>
+            <a:endParaRPr b="0" lang="en-US" sz="3200" spc="-1" strike="noStrike">
+              <a:solidFill>
+                <a:srgbClr val="000000"/>
+              </a:solidFill>
+              <a:uFill>
+                <a:solidFill>
+                  <a:srgbClr val="ffffff"/>
+                </a:solidFill>
+              </a:uFill>
+              <a:latin typeface="Arial"/>
+            </a:endParaRPr>
+          </a:p>
+        </p:txBody>
+      </p:sp>
+      <p:sp>
+        <p:nvSpPr>
+          <p:cNvPr id="90" name="PlaceHolder 4"/>
           <p:cNvSpPr>
             <a:spLocks noGrp="1"/>
           </p:cNvSpPr>
@@ -2257,7 +3035,17 @@
         <p:txBody>
           <a:bodyPr lIns="0" rIns="0" tIns="0" bIns="0"/>
           <a:p>
-            <a:endParaRPr/>
+            <a:endParaRPr b="0" lang="en-US" sz="3200" spc="-1" strike="noStrike">
+              <a:solidFill>
+                <a:srgbClr val="000000"/>
+              </a:solidFill>
+              <a:uFill>
+                <a:solidFill>
+                  <a:srgbClr val="ffffff"/>
+                </a:solidFill>
+              </a:uFill>
+              <a:latin typeface="Arial"/>
+            </a:endParaRPr>
           </a:p>
         </p:txBody>
       </p:sp>
@@ -2267,7 +3055,7 @@
 </file>
 
 <file path=ppt/slideLayouts/slideLayout32.xml><?xml version="1.0" encoding="utf-8"?>
-<p:sldLayout xmlns:a="http://schemas.openxmlformats.org/drawingml/2006/main" xmlns:p="http://schemas.openxmlformats.org/presentationml/2006/main" xmlns:r="http://schemas.openxmlformats.org/officeDocument/2006/relationships" type="objAndTwoObj" preserve="1">
+<p:sldLayout xmlns:a="http://schemas.openxmlformats.org/drawingml/2006/main" xmlns:p="http://schemas.openxmlformats.org/presentationml/2006/main" xmlns:r="http://schemas.openxmlformats.org/officeDocument/2006/relationships" xmlns:p14="http://schemas.microsoft.com/office/powerpoint/2010/main" xmlns:p15="http://schemas.microsoft.com/office/powerpoint/2012/main" xmlns:mc="http://schemas.openxmlformats.org/markup-compatibility/2006" type="objAndTwoObj" preserve="1">
   <p:cSld name="Title Content and 2 Content">
     <p:spTree>
       <p:nvGrpSpPr>
@@ -2285,7 +3073,7 @@
       </p:grpSpPr>
       <p:sp>
         <p:nvSpPr>
-          <p:cNvPr id="87" name="PlaceHolder 1"/>
+          <p:cNvPr id="91" name="PlaceHolder 1"/>
           <p:cNvSpPr>
             <a:spLocks noGrp="1"/>
           </p:cNvSpPr>
@@ -2295,8 +3083,8 @@
         </p:nvSpPr>
         <p:spPr>
           <a:xfrm>
-            <a:off x="457200" y="219600"/>
-            <a:ext cx="8229240" cy="1253160"/>
+            <a:off x="457200" y="273600"/>
+            <a:ext cx="8229240" cy="1144800"/>
           </a:xfrm>
           <a:prstGeom prst="rect">
             <a:avLst/>
@@ -2306,13 +3094,23 @@
           <a:bodyPr lIns="0" rIns="0" tIns="0" bIns="0" anchor="ctr"/>
           <a:p>
             <a:pPr algn="ctr"/>
-            <a:endParaRPr/>
-          </a:p>
-        </p:txBody>
-      </p:sp>
-      <p:sp>
-        <p:nvSpPr>
-          <p:cNvPr id="88" name="PlaceHolder 2"/>
+            <a:endParaRPr b="0" lang="en-US" sz="4400" spc="-1" strike="noStrike">
+              <a:solidFill>
+                <a:srgbClr val="000000"/>
+              </a:solidFill>
+              <a:uFill>
+                <a:solidFill>
+                  <a:srgbClr val="ffffff"/>
+                </a:solidFill>
+              </a:uFill>
+              <a:latin typeface="Arial"/>
+            </a:endParaRPr>
+          </a:p>
+        </p:txBody>
+      </p:sp>
+      <p:sp>
+        <p:nvSpPr>
+          <p:cNvPr id="92" name="PlaceHolder 2"/>
           <p:cNvSpPr>
             <a:spLocks noGrp="1"/>
           </p:cNvSpPr>
@@ -2332,13 +3130,23 @@
         <p:txBody>
           <a:bodyPr lIns="0" rIns="0" tIns="0" bIns="0"/>
           <a:p>
-            <a:endParaRPr/>
-          </a:p>
-        </p:txBody>
-      </p:sp>
-      <p:sp>
-        <p:nvSpPr>
-          <p:cNvPr id="89" name="PlaceHolder 3"/>
+            <a:endParaRPr b="0" lang="en-US" sz="3200" spc="-1" strike="noStrike">
+              <a:solidFill>
+                <a:srgbClr val="000000"/>
+              </a:solidFill>
+              <a:uFill>
+                <a:solidFill>
+                  <a:srgbClr val="ffffff"/>
+                </a:solidFill>
+              </a:uFill>
+              <a:latin typeface="Arial"/>
+            </a:endParaRPr>
+          </a:p>
+        </p:txBody>
+      </p:sp>
+      <p:sp>
+        <p:nvSpPr>
+          <p:cNvPr id="93" name="PlaceHolder 3"/>
           <p:cNvSpPr>
             <a:spLocks noGrp="1"/>
           </p:cNvSpPr>
@@ -2358,13 +3166,23 @@
         <p:txBody>
           <a:bodyPr lIns="0" rIns="0" tIns="0" bIns="0"/>
           <a:p>
-            <a:endParaRPr/>
-          </a:p>
-        </p:txBody>
-      </p:sp>
-      <p:sp>
-        <p:nvSpPr>
-          <p:cNvPr id="90" name="PlaceHolder 4"/>
+            <a:endParaRPr b="0" lang="en-US" sz="3200" spc="-1" strike="noStrike">
+              <a:solidFill>
+                <a:srgbClr val="000000"/>
+              </a:solidFill>
+              <a:uFill>
+                <a:solidFill>
+                  <a:srgbClr val="ffffff"/>
+                </a:solidFill>
+              </a:uFill>
+              <a:latin typeface="Arial"/>
+            </a:endParaRPr>
+          </a:p>
+        </p:txBody>
+      </p:sp>
+      <p:sp>
+        <p:nvSpPr>
+          <p:cNvPr id="94" name="PlaceHolder 4"/>
           <p:cNvSpPr>
             <a:spLocks noGrp="1"/>
           </p:cNvSpPr>
@@ -2384,7 +3202,17 @@
         <p:txBody>
           <a:bodyPr lIns="0" rIns="0" tIns="0" bIns="0"/>
           <a:p>
-            <a:endParaRPr/>
+            <a:endParaRPr b="0" lang="en-US" sz="3200" spc="-1" strike="noStrike">
+              <a:solidFill>
+                <a:srgbClr val="000000"/>
+              </a:solidFill>
+              <a:uFill>
+                <a:solidFill>
+                  <a:srgbClr val="ffffff"/>
+                </a:solidFill>
+              </a:uFill>
+              <a:latin typeface="Arial"/>
+            </a:endParaRPr>
           </a:p>
         </p:txBody>
       </p:sp>
@@ -2394,7 +3222,7 @@
 </file>
 
 <file path=ppt/slideLayouts/slideLayout33.xml><?xml version="1.0" encoding="utf-8"?>
-<p:sldLayout xmlns:a="http://schemas.openxmlformats.org/drawingml/2006/main" xmlns:p="http://schemas.openxmlformats.org/presentationml/2006/main" xmlns:r="http://schemas.openxmlformats.org/officeDocument/2006/relationships" type="twoObjOverTx" preserve="1">
+<p:sldLayout xmlns:a="http://schemas.openxmlformats.org/drawingml/2006/main" xmlns:p="http://schemas.openxmlformats.org/presentationml/2006/main" xmlns:r="http://schemas.openxmlformats.org/officeDocument/2006/relationships" xmlns:p14="http://schemas.microsoft.com/office/powerpoint/2010/main" xmlns:p15="http://schemas.microsoft.com/office/powerpoint/2012/main" xmlns:mc="http://schemas.openxmlformats.org/markup-compatibility/2006" type="twoObjOverTx" preserve="1">
   <p:cSld name="Title, 2 Content over Content">
     <p:spTree>
       <p:nvGrpSpPr>
@@ -2412,7 +3240,7 @@
       </p:grpSpPr>
       <p:sp>
         <p:nvSpPr>
-          <p:cNvPr id="91" name="PlaceHolder 1"/>
+          <p:cNvPr id="95" name="PlaceHolder 1"/>
           <p:cNvSpPr>
             <a:spLocks noGrp="1"/>
           </p:cNvSpPr>
@@ -2422,8 +3250,8 @@
         </p:nvSpPr>
         <p:spPr>
           <a:xfrm>
-            <a:off x="457200" y="219600"/>
-            <a:ext cx="8229240" cy="1253160"/>
+            <a:off x="457200" y="273600"/>
+            <a:ext cx="8229240" cy="1144800"/>
           </a:xfrm>
           <a:prstGeom prst="rect">
             <a:avLst/>
@@ -2433,13 +3261,23 @@
           <a:bodyPr lIns="0" rIns="0" tIns="0" bIns="0" anchor="ctr"/>
           <a:p>
             <a:pPr algn="ctr"/>
-            <a:endParaRPr/>
-          </a:p>
-        </p:txBody>
-      </p:sp>
-      <p:sp>
-        <p:nvSpPr>
-          <p:cNvPr id="92" name="PlaceHolder 2"/>
+            <a:endParaRPr b="0" lang="en-US" sz="4400" spc="-1" strike="noStrike">
+              <a:solidFill>
+                <a:srgbClr val="000000"/>
+              </a:solidFill>
+              <a:uFill>
+                <a:solidFill>
+                  <a:srgbClr val="ffffff"/>
+                </a:solidFill>
+              </a:uFill>
+              <a:latin typeface="Arial"/>
+            </a:endParaRPr>
+          </a:p>
+        </p:txBody>
+      </p:sp>
+      <p:sp>
+        <p:nvSpPr>
+          <p:cNvPr id="96" name="PlaceHolder 2"/>
           <p:cNvSpPr>
             <a:spLocks noGrp="1"/>
           </p:cNvSpPr>
@@ -2459,13 +3297,23 @@
         <p:txBody>
           <a:bodyPr lIns="0" rIns="0" tIns="0" bIns="0"/>
           <a:p>
-            <a:endParaRPr/>
-          </a:p>
-        </p:txBody>
-      </p:sp>
-      <p:sp>
-        <p:nvSpPr>
-          <p:cNvPr id="93" name="PlaceHolder 3"/>
+            <a:endParaRPr b="0" lang="en-US" sz="3200" spc="-1" strike="noStrike">
+              <a:solidFill>
+                <a:srgbClr val="000000"/>
+              </a:solidFill>
+              <a:uFill>
+                <a:solidFill>
+                  <a:srgbClr val="ffffff"/>
+                </a:solidFill>
+              </a:uFill>
+              <a:latin typeface="Arial"/>
+            </a:endParaRPr>
+          </a:p>
+        </p:txBody>
+      </p:sp>
+      <p:sp>
+        <p:nvSpPr>
+          <p:cNvPr id="97" name="PlaceHolder 3"/>
           <p:cNvSpPr>
             <a:spLocks noGrp="1"/>
           </p:cNvSpPr>
@@ -2485,13 +3333,23 @@
         <p:txBody>
           <a:bodyPr lIns="0" rIns="0" tIns="0" bIns="0"/>
           <a:p>
-            <a:endParaRPr/>
-          </a:p>
-        </p:txBody>
-      </p:sp>
-      <p:sp>
-        <p:nvSpPr>
-          <p:cNvPr id="94" name="PlaceHolder 4"/>
+            <a:endParaRPr b="0" lang="en-US" sz="3200" spc="-1" strike="noStrike">
+              <a:solidFill>
+                <a:srgbClr val="000000"/>
+              </a:solidFill>
+              <a:uFill>
+                <a:solidFill>
+                  <a:srgbClr val="ffffff"/>
+                </a:solidFill>
+              </a:uFill>
+              <a:latin typeface="Arial"/>
+            </a:endParaRPr>
+          </a:p>
+        </p:txBody>
+      </p:sp>
+      <p:sp>
+        <p:nvSpPr>
+          <p:cNvPr id="98" name="PlaceHolder 4"/>
           <p:cNvSpPr>
             <a:spLocks noGrp="1"/>
           </p:cNvSpPr>
@@ -2511,7 +3369,17 @@
         <p:txBody>
           <a:bodyPr lIns="0" rIns="0" tIns="0" bIns="0"/>
           <a:p>
-            <a:endParaRPr/>
+            <a:endParaRPr b="0" lang="en-US" sz="3200" spc="-1" strike="noStrike">
+              <a:solidFill>
+                <a:srgbClr val="000000"/>
+              </a:solidFill>
+              <a:uFill>
+                <a:solidFill>
+                  <a:srgbClr val="ffffff"/>
+                </a:solidFill>
+              </a:uFill>
+              <a:latin typeface="Arial"/>
+            </a:endParaRPr>
           </a:p>
         </p:txBody>
       </p:sp>
@@ -2521,7 +3389,7 @@
 </file>
 
 <file path=ppt/slideLayouts/slideLayout34.xml><?xml version="1.0" encoding="utf-8"?>
-<p:sldLayout xmlns:a="http://schemas.openxmlformats.org/drawingml/2006/main" xmlns:p="http://schemas.openxmlformats.org/presentationml/2006/main" xmlns:r="http://schemas.openxmlformats.org/officeDocument/2006/relationships" type="objOverTx" preserve="1">
+<p:sldLayout xmlns:a="http://schemas.openxmlformats.org/drawingml/2006/main" xmlns:p="http://schemas.openxmlformats.org/presentationml/2006/main" xmlns:r="http://schemas.openxmlformats.org/officeDocument/2006/relationships" xmlns:p14="http://schemas.microsoft.com/office/powerpoint/2010/main" xmlns:p15="http://schemas.microsoft.com/office/powerpoint/2012/main" xmlns:mc="http://schemas.openxmlformats.org/markup-compatibility/2006" type="objOverTx" preserve="1">
   <p:cSld name="Title, Content over Content">
     <p:spTree>
       <p:nvGrpSpPr>
@@ -2539,7 +3407,7 @@
       </p:grpSpPr>
       <p:sp>
         <p:nvSpPr>
-          <p:cNvPr id="95" name="PlaceHolder 1"/>
+          <p:cNvPr id="99" name="PlaceHolder 1"/>
           <p:cNvSpPr>
             <a:spLocks noGrp="1"/>
           </p:cNvSpPr>
@@ -2549,8 +3417,8 @@
         </p:nvSpPr>
         <p:spPr>
           <a:xfrm>
-            <a:off x="457200" y="219600"/>
-            <a:ext cx="8229240" cy="1253160"/>
+            <a:off x="457200" y="273600"/>
+            <a:ext cx="8229240" cy="1144800"/>
           </a:xfrm>
           <a:prstGeom prst="rect">
             <a:avLst/>
@@ -2560,13 +3428,23 @@
           <a:bodyPr lIns="0" rIns="0" tIns="0" bIns="0" anchor="ctr"/>
           <a:p>
             <a:pPr algn="ctr"/>
-            <a:endParaRPr/>
-          </a:p>
-        </p:txBody>
-      </p:sp>
-      <p:sp>
-        <p:nvSpPr>
-          <p:cNvPr id="96" name="PlaceHolder 2"/>
+            <a:endParaRPr b="0" lang="en-US" sz="4400" spc="-1" strike="noStrike">
+              <a:solidFill>
+                <a:srgbClr val="000000"/>
+              </a:solidFill>
+              <a:uFill>
+                <a:solidFill>
+                  <a:srgbClr val="ffffff"/>
+                </a:solidFill>
+              </a:uFill>
+              <a:latin typeface="Arial"/>
+            </a:endParaRPr>
+          </a:p>
+        </p:txBody>
+      </p:sp>
+      <p:sp>
+        <p:nvSpPr>
+          <p:cNvPr id="100" name="PlaceHolder 2"/>
           <p:cNvSpPr>
             <a:spLocks noGrp="1"/>
           </p:cNvSpPr>
@@ -2586,13 +3464,23 @@
         <p:txBody>
           <a:bodyPr lIns="0" rIns="0" tIns="0" bIns="0"/>
           <a:p>
-            <a:endParaRPr/>
-          </a:p>
-        </p:txBody>
-      </p:sp>
-      <p:sp>
-        <p:nvSpPr>
-          <p:cNvPr id="97" name="PlaceHolder 3"/>
+            <a:endParaRPr b="0" lang="en-US" sz="3200" spc="-1" strike="noStrike">
+              <a:solidFill>
+                <a:srgbClr val="000000"/>
+              </a:solidFill>
+              <a:uFill>
+                <a:solidFill>
+                  <a:srgbClr val="ffffff"/>
+                </a:solidFill>
+              </a:uFill>
+              <a:latin typeface="Arial"/>
+            </a:endParaRPr>
+          </a:p>
+        </p:txBody>
+      </p:sp>
+      <p:sp>
+        <p:nvSpPr>
+          <p:cNvPr id="101" name="PlaceHolder 3"/>
           <p:cNvSpPr>
             <a:spLocks noGrp="1"/>
           </p:cNvSpPr>
@@ -2612,7 +3500,17 @@
         <p:txBody>
           <a:bodyPr lIns="0" rIns="0" tIns="0" bIns="0"/>
           <a:p>
-            <a:endParaRPr/>
+            <a:endParaRPr b="0" lang="en-US" sz="3200" spc="-1" strike="noStrike">
+              <a:solidFill>
+                <a:srgbClr val="000000"/>
+              </a:solidFill>
+              <a:uFill>
+                <a:solidFill>
+                  <a:srgbClr val="ffffff"/>
+                </a:solidFill>
+              </a:uFill>
+              <a:latin typeface="Arial"/>
+            </a:endParaRPr>
           </a:p>
         </p:txBody>
       </p:sp>
@@ -2622,7 +3520,7 @@
 </file>
 
 <file path=ppt/slideLayouts/slideLayout35.xml><?xml version="1.0" encoding="utf-8"?>
-<p:sldLayout xmlns:a="http://schemas.openxmlformats.org/drawingml/2006/main" xmlns:p="http://schemas.openxmlformats.org/presentationml/2006/main" xmlns:r="http://schemas.openxmlformats.org/officeDocument/2006/relationships" type="fourObj" preserve="1">
+<p:sldLayout xmlns:a="http://schemas.openxmlformats.org/drawingml/2006/main" xmlns:p="http://schemas.openxmlformats.org/presentationml/2006/main" xmlns:r="http://schemas.openxmlformats.org/officeDocument/2006/relationships" xmlns:p14="http://schemas.microsoft.com/office/powerpoint/2010/main" xmlns:p15="http://schemas.microsoft.com/office/powerpoint/2012/main" xmlns:mc="http://schemas.openxmlformats.org/markup-compatibility/2006" type="fourObj" preserve="1">
   <p:cSld name="Title, 4 Content">
     <p:spTree>
       <p:nvGrpSpPr>
@@ -2640,7 +3538,7 @@
       </p:grpSpPr>
       <p:sp>
         <p:nvSpPr>
-          <p:cNvPr id="98" name="PlaceHolder 1"/>
+          <p:cNvPr id="102" name="PlaceHolder 1"/>
           <p:cNvSpPr>
             <a:spLocks noGrp="1"/>
           </p:cNvSpPr>
@@ -2650,8 +3548,8 @@
         </p:nvSpPr>
         <p:spPr>
           <a:xfrm>
-            <a:off x="457200" y="219600"/>
-            <a:ext cx="8229240" cy="1253160"/>
+            <a:off x="457200" y="273600"/>
+            <a:ext cx="8229240" cy="1144800"/>
           </a:xfrm>
           <a:prstGeom prst="rect">
             <a:avLst/>
@@ -2661,13 +3559,23 @@
           <a:bodyPr lIns="0" rIns="0" tIns="0" bIns="0" anchor="ctr"/>
           <a:p>
             <a:pPr algn="ctr"/>
-            <a:endParaRPr/>
-          </a:p>
-        </p:txBody>
-      </p:sp>
-      <p:sp>
-        <p:nvSpPr>
-          <p:cNvPr id="99" name="PlaceHolder 2"/>
+            <a:endParaRPr b="0" lang="en-US" sz="4400" spc="-1" strike="noStrike">
+              <a:solidFill>
+                <a:srgbClr val="000000"/>
+              </a:solidFill>
+              <a:uFill>
+                <a:solidFill>
+                  <a:srgbClr val="ffffff"/>
+                </a:solidFill>
+              </a:uFill>
+              <a:latin typeface="Arial"/>
+            </a:endParaRPr>
+          </a:p>
+        </p:txBody>
+      </p:sp>
+      <p:sp>
+        <p:nvSpPr>
+          <p:cNvPr id="103" name="PlaceHolder 2"/>
           <p:cNvSpPr>
             <a:spLocks noGrp="1"/>
           </p:cNvSpPr>
@@ -2687,13 +3595,23 @@
         <p:txBody>
           <a:bodyPr lIns="0" rIns="0" tIns="0" bIns="0"/>
           <a:p>
-            <a:endParaRPr/>
-          </a:p>
-        </p:txBody>
-      </p:sp>
-      <p:sp>
-        <p:nvSpPr>
-          <p:cNvPr id="100" name="PlaceHolder 3"/>
+            <a:endParaRPr b="0" lang="en-US" sz="3200" spc="-1" strike="noStrike">
+              <a:solidFill>
+                <a:srgbClr val="000000"/>
+              </a:solidFill>
+              <a:uFill>
+                <a:solidFill>
+                  <a:srgbClr val="ffffff"/>
+                </a:solidFill>
+              </a:uFill>
+              <a:latin typeface="Arial"/>
+            </a:endParaRPr>
+          </a:p>
+        </p:txBody>
+      </p:sp>
+      <p:sp>
+        <p:nvSpPr>
+          <p:cNvPr id="104" name="PlaceHolder 3"/>
           <p:cNvSpPr>
             <a:spLocks noGrp="1"/>
           </p:cNvSpPr>
@@ -2713,13 +3631,23 @@
         <p:txBody>
           <a:bodyPr lIns="0" rIns="0" tIns="0" bIns="0"/>
           <a:p>
-            <a:endParaRPr/>
-          </a:p>
-        </p:txBody>
-      </p:sp>
-      <p:sp>
-        <p:nvSpPr>
-          <p:cNvPr id="101" name="PlaceHolder 4"/>
+            <a:endParaRPr b="0" lang="en-US" sz="3200" spc="-1" strike="noStrike">
+              <a:solidFill>
+                <a:srgbClr val="000000"/>
+              </a:solidFill>
+              <a:uFill>
+                <a:solidFill>
+                  <a:srgbClr val="ffffff"/>
+                </a:solidFill>
+              </a:uFill>
+              <a:latin typeface="Arial"/>
+            </a:endParaRPr>
+          </a:p>
+        </p:txBody>
+      </p:sp>
+      <p:sp>
+        <p:nvSpPr>
+          <p:cNvPr id="105" name="PlaceHolder 4"/>
           <p:cNvSpPr>
             <a:spLocks noGrp="1"/>
           </p:cNvSpPr>
@@ -2739,13 +3667,23 @@
         <p:txBody>
           <a:bodyPr lIns="0" rIns="0" tIns="0" bIns="0"/>
           <a:p>
-            <a:endParaRPr/>
-          </a:p>
-        </p:txBody>
-      </p:sp>
-      <p:sp>
-        <p:nvSpPr>
-          <p:cNvPr id="102" name="PlaceHolder 5"/>
+            <a:endParaRPr b="0" lang="en-US" sz="3200" spc="-1" strike="noStrike">
+              <a:solidFill>
+                <a:srgbClr val="000000"/>
+              </a:solidFill>
+              <a:uFill>
+                <a:solidFill>
+                  <a:srgbClr val="ffffff"/>
+                </a:solidFill>
+              </a:uFill>
+              <a:latin typeface="Arial"/>
+            </a:endParaRPr>
+          </a:p>
+        </p:txBody>
+      </p:sp>
+      <p:sp>
+        <p:nvSpPr>
+          <p:cNvPr id="106" name="PlaceHolder 5"/>
           <p:cNvSpPr>
             <a:spLocks noGrp="1"/>
           </p:cNvSpPr>
@@ -2765,7 +3703,17 @@
         <p:txBody>
           <a:bodyPr lIns="0" rIns="0" tIns="0" bIns="0"/>
           <a:p>
-            <a:endParaRPr/>
+            <a:endParaRPr b="0" lang="en-US" sz="3200" spc="-1" strike="noStrike">
+              <a:solidFill>
+                <a:srgbClr val="000000"/>
+              </a:solidFill>
+              <a:uFill>
+                <a:solidFill>
+                  <a:srgbClr val="ffffff"/>
+                </a:solidFill>
+              </a:uFill>
+              <a:latin typeface="Arial"/>
+            </a:endParaRPr>
           </a:p>
         </p:txBody>
       </p:sp>
@@ -2775,7 +3723,7 @@
 </file>
 
 <file path=ppt/slideLayouts/slideLayout36.xml><?xml version="1.0" encoding="utf-8"?>
-<p:sldLayout xmlns:a="http://schemas.openxmlformats.org/drawingml/2006/main" xmlns:p="http://schemas.openxmlformats.org/presentationml/2006/main" xmlns:r="http://schemas.openxmlformats.org/officeDocument/2006/relationships" type="blank" preserve="1">
+<p:sldLayout xmlns:a="http://schemas.openxmlformats.org/drawingml/2006/main" xmlns:p="http://schemas.openxmlformats.org/presentationml/2006/main" xmlns:r="http://schemas.openxmlformats.org/officeDocument/2006/relationships" xmlns:p14="http://schemas.microsoft.com/office/powerpoint/2010/main" xmlns:p15="http://schemas.microsoft.com/office/powerpoint/2012/main" xmlns:mc="http://schemas.openxmlformats.org/markup-compatibility/2006" type="blank" preserve="1">
   <p:cSld name="Title, 6 Content">
     <p:spTree>
       <p:nvGrpSpPr>
@@ -2793,7 +3741,7 @@
       </p:grpSpPr>
       <p:sp>
         <p:nvSpPr>
-          <p:cNvPr id="103" name="PlaceHolder 1"/>
+          <p:cNvPr id="107" name="PlaceHolder 1"/>
           <p:cNvSpPr>
             <a:spLocks noGrp="1"/>
           </p:cNvSpPr>
@@ -2803,8 +3751,8 @@
         </p:nvSpPr>
         <p:spPr>
           <a:xfrm>
-            <a:off x="457200" y="219600"/>
-            <a:ext cx="8229240" cy="1253160"/>
+            <a:off x="457200" y="273600"/>
+            <a:ext cx="8229240" cy="1144800"/>
           </a:xfrm>
           <a:prstGeom prst="rect">
             <a:avLst/>
@@ -2814,13 +3762,23 @@
           <a:bodyPr lIns="0" rIns="0" tIns="0" bIns="0" anchor="ctr"/>
           <a:p>
             <a:pPr algn="ctr"/>
-            <a:endParaRPr/>
-          </a:p>
-        </p:txBody>
-      </p:sp>
-      <p:sp>
-        <p:nvSpPr>
-          <p:cNvPr id="104" name="PlaceHolder 2"/>
+            <a:endParaRPr b="0" lang="en-US" sz="4400" spc="-1" strike="noStrike">
+              <a:solidFill>
+                <a:srgbClr val="000000"/>
+              </a:solidFill>
+              <a:uFill>
+                <a:solidFill>
+                  <a:srgbClr val="ffffff"/>
+                </a:solidFill>
+              </a:uFill>
+              <a:latin typeface="Arial"/>
+            </a:endParaRPr>
+          </a:p>
+        </p:txBody>
+      </p:sp>
+      <p:sp>
+        <p:nvSpPr>
+          <p:cNvPr id="108" name="PlaceHolder 2"/>
           <p:cNvSpPr>
             <a:spLocks noGrp="1"/>
           </p:cNvSpPr>
@@ -2831,7 +3789,7 @@
         <p:spPr>
           <a:xfrm>
             <a:off x="457200" y="1604520"/>
-            <a:ext cx="8229240" cy="3977280"/>
+            <a:ext cx="2649600" cy="1896840"/>
           </a:xfrm>
           <a:prstGeom prst="rect">
             <a:avLst/>
@@ -2840,13 +3798,23 @@
         <p:txBody>
           <a:bodyPr lIns="0" rIns="0" tIns="0" bIns="0"/>
           <a:p>
-            <a:endParaRPr/>
-          </a:p>
-        </p:txBody>
-      </p:sp>
-      <p:sp>
-        <p:nvSpPr>
-          <p:cNvPr id="105" name="PlaceHolder 3"/>
+            <a:endParaRPr b="0" lang="en-US" sz="3200" spc="-1" strike="noStrike">
+              <a:solidFill>
+                <a:srgbClr val="000000"/>
+              </a:solidFill>
+              <a:uFill>
+                <a:solidFill>
+                  <a:srgbClr val="ffffff"/>
+                </a:solidFill>
+              </a:uFill>
+              <a:latin typeface="Arial"/>
+            </a:endParaRPr>
+          </a:p>
+        </p:txBody>
+      </p:sp>
+      <p:sp>
+        <p:nvSpPr>
+          <p:cNvPr id="109" name="PlaceHolder 3"/>
           <p:cNvSpPr>
             <a:spLocks noGrp="1"/>
           </p:cNvSpPr>
@@ -2856,8 +3824,8 @@
         </p:nvSpPr>
         <p:spPr>
           <a:xfrm>
-            <a:off x="457200" y="1604520"/>
-            <a:ext cx="8229240" cy="3977280"/>
+            <a:off x="3239640" y="1604520"/>
+            <a:ext cx="2649600" cy="1896840"/>
           </a:xfrm>
           <a:prstGeom prst="rect">
             <a:avLst/>
@@ -2866,67 +3834,171 @@
         <p:txBody>
           <a:bodyPr lIns="0" rIns="0" tIns="0" bIns="0"/>
           <a:p>
-            <a:endParaRPr/>
-          </a:p>
-        </p:txBody>
-      </p:sp>
-      <p:pic>
-        <p:nvPicPr>
-          <p:cNvPr id="106" name="" descr=""/>
-          <p:cNvPicPr/>
-          <p:nvPr/>
-        </p:nvPicPr>
-        <p:blipFill>
-          <a:blip r:embed="rId2"/>
-          <a:stretch>
-            <a:fillRect/>
-          </a:stretch>
-        </p:blipFill>
-        <p:spPr>
-          <a:xfrm>
-            <a:off x="2079000" y="1604520"/>
-            <a:ext cx="4984920" cy="3977280"/>
-          </a:xfrm>
-          <a:prstGeom prst="rect">
-            <a:avLst/>
-          </a:prstGeom>
-          <a:ln>
-            <a:noFill/>
-          </a:ln>
-        </p:spPr>
-      </p:pic>
-      <p:pic>
-        <p:nvPicPr>
-          <p:cNvPr id="107" name="" descr=""/>
-          <p:cNvPicPr/>
-          <p:nvPr/>
-        </p:nvPicPr>
-        <p:blipFill>
-          <a:blip r:embed="rId3"/>
-          <a:stretch>
-            <a:fillRect/>
-          </a:stretch>
-        </p:blipFill>
-        <p:spPr>
-          <a:xfrm>
-            <a:off x="2079000" y="1604520"/>
-            <a:ext cx="4984920" cy="3977280"/>
-          </a:xfrm>
-          <a:prstGeom prst="rect">
-            <a:avLst/>
-          </a:prstGeom>
-          <a:ln>
-            <a:noFill/>
-          </a:ln>
-        </p:spPr>
-      </p:pic>
+            <a:endParaRPr b="0" lang="en-US" sz="3200" spc="-1" strike="noStrike">
+              <a:solidFill>
+                <a:srgbClr val="000000"/>
+              </a:solidFill>
+              <a:uFill>
+                <a:solidFill>
+                  <a:srgbClr val="ffffff"/>
+                </a:solidFill>
+              </a:uFill>
+              <a:latin typeface="Arial"/>
+            </a:endParaRPr>
+          </a:p>
+        </p:txBody>
+      </p:sp>
+      <p:sp>
+        <p:nvSpPr>
+          <p:cNvPr id="110" name="PlaceHolder 4"/>
+          <p:cNvSpPr>
+            <a:spLocks noGrp="1"/>
+          </p:cNvSpPr>
+          <p:nvPr>
+            <p:ph type="body"/>
+          </p:nvPr>
+        </p:nvSpPr>
+        <p:spPr>
+          <a:xfrm>
+            <a:off x="6022080" y="1604520"/>
+            <a:ext cx="2649600" cy="1896840"/>
+          </a:xfrm>
+          <a:prstGeom prst="rect">
+            <a:avLst/>
+          </a:prstGeom>
+        </p:spPr>
+        <p:txBody>
+          <a:bodyPr lIns="0" rIns="0" tIns="0" bIns="0"/>
+          <a:p>
+            <a:endParaRPr b="0" lang="en-US" sz="3200" spc="-1" strike="noStrike">
+              <a:solidFill>
+                <a:srgbClr val="000000"/>
+              </a:solidFill>
+              <a:uFill>
+                <a:solidFill>
+                  <a:srgbClr val="ffffff"/>
+                </a:solidFill>
+              </a:uFill>
+              <a:latin typeface="Arial"/>
+            </a:endParaRPr>
+          </a:p>
+        </p:txBody>
+      </p:sp>
+      <p:sp>
+        <p:nvSpPr>
+          <p:cNvPr id="111" name="PlaceHolder 5"/>
+          <p:cNvSpPr>
+            <a:spLocks noGrp="1"/>
+          </p:cNvSpPr>
+          <p:nvPr>
+            <p:ph type="body"/>
+          </p:nvPr>
+        </p:nvSpPr>
+        <p:spPr>
+          <a:xfrm>
+            <a:off x="6022080" y="3682080"/>
+            <a:ext cx="2649600" cy="1896840"/>
+          </a:xfrm>
+          <a:prstGeom prst="rect">
+            <a:avLst/>
+          </a:prstGeom>
+        </p:spPr>
+        <p:txBody>
+          <a:bodyPr lIns="0" rIns="0" tIns="0" bIns="0"/>
+          <a:p>
+            <a:endParaRPr b="0" lang="en-US" sz="3200" spc="-1" strike="noStrike">
+              <a:solidFill>
+                <a:srgbClr val="000000"/>
+              </a:solidFill>
+              <a:uFill>
+                <a:solidFill>
+                  <a:srgbClr val="ffffff"/>
+                </a:solidFill>
+              </a:uFill>
+              <a:latin typeface="Arial"/>
+            </a:endParaRPr>
+          </a:p>
+        </p:txBody>
+      </p:sp>
+      <p:sp>
+        <p:nvSpPr>
+          <p:cNvPr id="112" name="PlaceHolder 6"/>
+          <p:cNvSpPr>
+            <a:spLocks noGrp="1"/>
+          </p:cNvSpPr>
+          <p:nvPr>
+            <p:ph type="body"/>
+          </p:nvPr>
+        </p:nvSpPr>
+        <p:spPr>
+          <a:xfrm>
+            <a:off x="3239640" y="3682080"/>
+            <a:ext cx="2649600" cy="1896840"/>
+          </a:xfrm>
+          <a:prstGeom prst="rect">
+            <a:avLst/>
+          </a:prstGeom>
+        </p:spPr>
+        <p:txBody>
+          <a:bodyPr lIns="0" rIns="0" tIns="0" bIns="0"/>
+          <a:p>
+            <a:endParaRPr b="0" lang="en-US" sz="3200" spc="-1" strike="noStrike">
+              <a:solidFill>
+                <a:srgbClr val="000000"/>
+              </a:solidFill>
+              <a:uFill>
+                <a:solidFill>
+                  <a:srgbClr val="ffffff"/>
+                </a:solidFill>
+              </a:uFill>
+              <a:latin typeface="Arial"/>
+            </a:endParaRPr>
+          </a:p>
+        </p:txBody>
+      </p:sp>
+      <p:sp>
+        <p:nvSpPr>
+          <p:cNvPr id="113" name="PlaceHolder 7"/>
+          <p:cNvSpPr>
+            <a:spLocks noGrp="1"/>
+          </p:cNvSpPr>
+          <p:nvPr>
+            <p:ph type="body"/>
+          </p:nvPr>
+        </p:nvSpPr>
+        <p:spPr>
+          <a:xfrm>
+            <a:off x="457200" y="3682080"/>
+            <a:ext cx="2649600" cy="1896840"/>
+          </a:xfrm>
+          <a:prstGeom prst="rect">
+            <a:avLst/>
+          </a:prstGeom>
+        </p:spPr>
+        <p:txBody>
+          <a:bodyPr lIns="0" rIns="0" tIns="0" bIns="0"/>
+          <a:p>
+            <a:endParaRPr b="0" lang="en-US" sz="3200" spc="-1" strike="noStrike">
+              <a:solidFill>
+                <a:srgbClr val="000000"/>
+              </a:solidFill>
+              <a:uFill>
+                <a:solidFill>
+                  <a:srgbClr val="ffffff"/>
+                </a:solidFill>
+              </a:uFill>
+              <a:latin typeface="Arial"/>
+            </a:endParaRPr>
+          </a:p>
+        </p:txBody>
+      </p:sp>
     </p:spTree>
   </p:cSld>
 </p:sldLayout>
 </file>
 
 <file path=ppt/slideLayouts/slideLayout4.xml><?xml version="1.0" encoding="utf-8"?>
-<p:sldLayout xmlns:a="http://schemas.openxmlformats.org/drawingml/2006/main" xmlns:p="http://schemas.openxmlformats.org/presentationml/2006/main" xmlns:r="http://schemas.openxmlformats.org/officeDocument/2006/relationships" type="twoObj" preserve="1">
+<p:sldLayout xmlns:a="http://schemas.openxmlformats.org/drawingml/2006/main" xmlns:p="http://schemas.openxmlformats.org/presentationml/2006/main" xmlns:r="http://schemas.openxmlformats.org/officeDocument/2006/relationships" xmlns:p14="http://schemas.microsoft.com/office/powerpoint/2010/main" xmlns:p15="http://schemas.microsoft.com/office/powerpoint/2012/main" xmlns:mc="http://schemas.openxmlformats.org/markup-compatibility/2006" type="twoObj" preserve="1">
   <p:cSld name="Title, 2 Content">
     <p:spTree>
       <p:nvGrpSpPr>
@@ -2954,8 +4026,8 @@
         </p:nvSpPr>
         <p:spPr>
           <a:xfrm>
-            <a:off x="457200" y="219600"/>
-            <a:ext cx="8229240" cy="1253160"/>
+            <a:off x="457200" y="273600"/>
+            <a:ext cx="8229240" cy="1144800"/>
           </a:xfrm>
           <a:prstGeom prst="rect">
             <a:avLst/>
@@ -2965,7 +4037,17 @@
           <a:bodyPr lIns="0" rIns="0" tIns="0" bIns="0" anchor="ctr"/>
           <a:p>
             <a:pPr algn="ctr"/>
-            <a:endParaRPr/>
+            <a:endParaRPr b="0" lang="en-US" sz="4400" spc="-1" strike="noStrike">
+              <a:solidFill>
+                <a:srgbClr val="000000"/>
+              </a:solidFill>
+              <a:uFill>
+                <a:solidFill>
+                  <a:srgbClr val="ffffff"/>
+                </a:solidFill>
+              </a:uFill>
+              <a:latin typeface="Arial"/>
+            </a:endParaRPr>
           </a:p>
         </p:txBody>
       </p:sp>
@@ -2991,7 +4073,17 @@
         <p:txBody>
           <a:bodyPr lIns="0" rIns="0" tIns="0" bIns="0"/>
           <a:p>
-            <a:endParaRPr/>
+            <a:endParaRPr b="0" lang="en-US" sz="3200" spc="-1" strike="noStrike">
+              <a:solidFill>
+                <a:srgbClr val="000000"/>
+              </a:solidFill>
+              <a:uFill>
+                <a:solidFill>
+                  <a:srgbClr val="ffffff"/>
+                </a:solidFill>
+              </a:uFill>
+              <a:latin typeface="Arial"/>
+            </a:endParaRPr>
           </a:p>
         </p:txBody>
       </p:sp>
@@ -3017,7 +4109,17 @@
         <p:txBody>
           <a:bodyPr lIns="0" rIns="0" tIns="0" bIns="0"/>
           <a:p>
-            <a:endParaRPr/>
+            <a:endParaRPr b="0" lang="en-US" sz="3200" spc="-1" strike="noStrike">
+              <a:solidFill>
+                <a:srgbClr val="000000"/>
+              </a:solidFill>
+              <a:uFill>
+                <a:solidFill>
+                  <a:srgbClr val="ffffff"/>
+                </a:solidFill>
+              </a:uFill>
+              <a:latin typeface="Arial"/>
+            </a:endParaRPr>
           </a:p>
         </p:txBody>
       </p:sp>
@@ -3027,7 +4129,7 @@
 </file>
 
 <file path=ppt/slideLayouts/slideLayout5.xml><?xml version="1.0" encoding="utf-8"?>
-<p:sldLayout xmlns:a="http://schemas.openxmlformats.org/drawingml/2006/main" xmlns:p="http://schemas.openxmlformats.org/presentationml/2006/main" xmlns:r="http://schemas.openxmlformats.org/officeDocument/2006/relationships" type="titleOnly" preserve="1">
+<p:sldLayout xmlns:a="http://schemas.openxmlformats.org/drawingml/2006/main" xmlns:p="http://schemas.openxmlformats.org/presentationml/2006/main" xmlns:r="http://schemas.openxmlformats.org/officeDocument/2006/relationships" xmlns:p14="http://schemas.microsoft.com/office/powerpoint/2010/main" xmlns:p15="http://schemas.microsoft.com/office/powerpoint/2012/main" xmlns:mc="http://schemas.openxmlformats.org/markup-compatibility/2006" type="titleOnly" preserve="1">
   <p:cSld name="Title Only">
     <p:spTree>
       <p:nvGrpSpPr>
@@ -3055,8 +4157,8 @@
         </p:nvSpPr>
         <p:spPr>
           <a:xfrm>
-            <a:off x="457200" y="219600"/>
-            <a:ext cx="8229240" cy="1253160"/>
+            <a:off x="457200" y="273600"/>
+            <a:ext cx="8229240" cy="1144800"/>
           </a:xfrm>
           <a:prstGeom prst="rect">
             <a:avLst/>
@@ -3066,7 +4168,17 @@
           <a:bodyPr lIns="0" rIns="0" tIns="0" bIns="0" anchor="ctr"/>
           <a:p>
             <a:pPr algn="ctr"/>
-            <a:endParaRPr/>
+            <a:endParaRPr b="0" lang="en-US" sz="4400" spc="-1" strike="noStrike">
+              <a:solidFill>
+                <a:srgbClr val="000000"/>
+              </a:solidFill>
+              <a:uFill>
+                <a:solidFill>
+                  <a:srgbClr val="ffffff"/>
+                </a:solidFill>
+              </a:uFill>
+              <a:latin typeface="Arial"/>
+            </a:endParaRPr>
           </a:p>
         </p:txBody>
       </p:sp>
@@ -3076,7 +4188,7 @@
 </file>
 
 <file path=ppt/slideLayouts/slideLayout6.xml><?xml version="1.0" encoding="utf-8"?>
-<p:sldLayout xmlns:a="http://schemas.openxmlformats.org/drawingml/2006/main" xmlns:p="http://schemas.openxmlformats.org/presentationml/2006/main" xmlns:r="http://schemas.openxmlformats.org/officeDocument/2006/relationships" type="objOnly" preserve="1">
+<p:sldLayout xmlns:a="http://schemas.openxmlformats.org/drawingml/2006/main" xmlns:p="http://schemas.openxmlformats.org/presentationml/2006/main" xmlns:r="http://schemas.openxmlformats.org/officeDocument/2006/relationships" xmlns:p14="http://schemas.microsoft.com/office/powerpoint/2010/main" xmlns:p15="http://schemas.microsoft.com/office/powerpoint/2012/main" xmlns:mc="http://schemas.openxmlformats.org/markup-compatibility/2006" type="objOnly" preserve="1">
   <p:cSld name="Centered Text">
     <p:spTree>
       <p:nvGrpSpPr>
@@ -3105,7 +4217,7 @@
         <p:spPr>
           <a:xfrm>
             <a:off x="457200" y="273600"/>
-            <a:ext cx="8229240" cy="5308200"/>
+            <a:ext cx="8229240" cy="5307840"/>
           </a:xfrm>
           <a:prstGeom prst="rect">
             <a:avLst/>
@@ -3115,7 +4227,17 @@
           <a:bodyPr lIns="0" rIns="0" tIns="0" bIns="0" anchor="ctr"/>
           <a:p>
             <a:pPr algn="ctr"/>
-            <a:endParaRPr/>
+            <a:endParaRPr b="0" lang="en-US" sz="3200" spc="-1" strike="noStrike">
+              <a:solidFill>
+                <a:srgbClr val="000000"/>
+              </a:solidFill>
+              <a:uFill>
+                <a:solidFill>
+                  <a:srgbClr val="ffffff"/>
+                </a:solidFill>
+              </a:uFill>
+              <a:latin typeface="Arial"/>
+            </a:endParaRPr>
           </a:p>
         </p:txBody>
       </p:sp>
@@ -3125,7 +4247,7 @@
 </file>
 
 <file path=ppt/slideLayouts/slideLayout7.xml><?xml version="1.0" encoding="utf-8"?>
-<p:sldLayout xmlns:a="http://schemas.openxmlformats.org/drawingml/2006/main" xmlns:p="http://schemas.openxmlformats.org/presentationml/2006/main" xmlns:r="http://schemas.openxmlformats.org/officeDocument/2006/relationships" type="twoObjAndObj" preserve="1">
+<p:sldLayout xmlns:a="http://schemas.openxmlformats.org/drawingml/2006/main" xmlns:p="http://schemas.openxmlformats.org/presentationml/2006/main" xmlns:r="http://schemas.openxmlformats.org/officeDocument/2006/relationships" xmlns:p14="http://schemas.microsoft.com/office/powerpoint/2010/main" xmlns:p15="http://schemas.microsoft.com/office/powerpoint/2012/main" xmlns:mc="http://schemas.openxmlformats.org/markup-compatibility/2006" type="twoObjAndObj" preserve="1">
   <p:cSld name="Title, 2 Content and Content">
     <p:spTree>
       <p:nvGrpSpPr>
@@ -3153,8 +4275,8 @@
         </p:nvSpPr>
         <p:spPr>
           <a:xfrm>
-            <a:off x="457200" y="219600"/>
-            <a:ext cx="8229240" cy="1253160"/>
+            <a:off x="457200" y="273600"/>
+            <a:ext cx="8229240" cy="1144800"/>
           </a:xfrm>
           <a:prstGeom prst="rect">
             <a:avLst/>
@@ -3164,7 +4286,17 @@
           <a:bodyPr lIns="0" rIns="0" tIns="0" bIns="0" anchor="ctr"/>
           <a:p>
             <a:pPr algn="ctr"/>
-            <a:endParaRPr/>
+            <a:endParaRPr b="0" lang="en-US" sz="4400" spc="-1" strike="noStrike">
+              <a:solidFill>
+                <a:srgbClr val="000000"/>
+              </a:solidFill>
+              <a:uFill>
+                <a:solidFill>
+                  <a:srgbClr val="ffffff"/>
+                </a:solidFill>
+              </a:uFill>
+              <a:latin typeface="Arial"/>
+            </a:endParaRPr>
           </a:p>
         </p:txBody>
       </p:sp>
@@ -3190,7 +4322,17 @@
         <p:txBody>
           <a:bodyPr lIns="0" rIns="0" tIns="0" bIns="0"/>
           <a:p>
-            <a:endParaRPr/>
+            <a:endParaRPr b="0" lang="en-US" sz="3200" spc="-1" strike="noStrike">
+              <a:solidFill>
+                <a:srgbClr val="000000"/>
+              </a:solidFill>
+              <a:uFill>
+                <a:solidFill>
+                  <a:srgbClr val="ffffff"/>
+                </a:solidFill>
+              </a:uFill>
+              <a:latin typeface="Arial"/>
+            </a:endParaRPr>
           </a:p>
         </p:txBody>
       </p:sp>
@@ -3216,7 +4358,17 @@
         <p:txBody>
           <a:bodyPr lIns="0" rIns="0" tIns="0" bIns="0"/>
           <a:p>
-            <a:endParaRPr/>
+            <a:endParaRPr b="0" lang="en-US" sz="3200" spc="-1" strike="noStrike">
+              <a:solidFill>
+                <a:srgbClr val="000000"/>
+              </a:solidFill>
+              <a:uFill>
+                <a:solidFill>
+                  <a:srgbClr val="ffffff"/>
+                </a:solidFill>
+              </a:uFill>
+              <a:latin typeface="Arial"/>
+            </a:endParaRPr>
           </a:p>
         </p:txBody>
       </p:sp>
@@ -3242,7 +4394,17 @@
         <p:txBody>
           <a:bodyPr lIns="0" rIns="0" tIns="0" bIns="0"/>
           <a:p>
-            <a:endParaRPr/>
+            <a:endParaRPr b="0" lang="en-US" sz="3200" spc="-1" strike="noStrike">
+              <a:solidFill>
+                <a:srgbClr val="000000"/>
+              </a:solidFill>
+              <a:uFill>
+                <a:solidFill>
+                  <a:srgbClr val="ffffff"/>
+                </a:solidFill>
+              </a:uFill>
+              <a:latin typeface="Arial"/>
+            </a:endParaRPr>
           </a:p>
         </p:txBody>
       </p:sp>
@@ -3252,7 +4414,7 @@
 </file>
 
 <file path=ppt/slideLayouts/slideLayout8.xml><?xml version="1.0" encoding="utf-8"?>
-<p:sldLayout xmlns:a="http://schemas.openxmlformats.org/drawingml/2006/main" xmlns:p="http://schemas.openxmlformats.org/presentationml/2006/main" xmlns:r="http://schemas.openxmlformats.org/officeDocument/2006/relationships" type="objAndTwoObj" preserve="1">
+<p:sldLayout xmlns:a="http://schemas.openxmlformats.org/drawingml/2006/main" xmlns:p="http://schemas.openxmlformats.org/presentationml/2006/main" xmlns:r="http://schemas.openxmlformats.org/officeDocument/2006/relationships" xmlns:p14="http://schemas.microsoft.com/office/powerpoint/2010/main" xmlns:p15="http://schemas.microsoft.com/office/powerpoint/2012/main" xmlns:mc="http://schemas.openxmlformats.org/markup-compatibility/2006" type="objAndTwoObj" preserve="1">
   <p:cSld name="Title Content and 2 Content">
     <p:spTree>
       <p:nvGrpSpPr>
@@ -3280,8 +4442,8 @@
         </p:nvSpPr>
         <p:spPr>
           <a:xfrm>
-            <a:off x="457200" y="219600"/>
-            <a:ext cx="8229240" cy="1253160"/>
+            <a:off x="457200" y="273600"/>
+            <a:ext cx="8229240" cy="1144800"/>
           </a:xfrm>
           <a:prstGeom prst="rect">
             <a:avLst/>
@@ -3291,7 +4453,17 @@
           <a:bodyPr lIns="0" rIns="0" tIns="0" bIns="0" anchor="ctr"/>
           <a:p>
             <a:pPr algn="ctr"/>
-            <a:endParaRPr/>
+            <a:endParaRPr b="0" lang="en-US" sz="4400" spc="-1" strike="noStrike">
+              <a:solidFill>
+                <a:srgbClr val="000000"/>
+              </a:solidFill>
+              <a:uFill>
+                <a:solidFill>
+                  <a:srgbClr val="ffffff"/>
+                </a:solidFill>
+              </a:uFill>
+              <a:latin typeface="Arial"/>
+            </a:endParaRPr>
           </a:p>
         </p:txBody>
       </p:sp>
@@ -3317,7 +4489,17 @@
         <p:txBody>
           <a:bodyPr lIns="0" rIns="0" tIns="0" bIns="0"/>
           <a:p>
-            <a:endParaRPr/>
+            <a:endParaRPr b="0" lang="en-US" sz="3200" spc="-1" strike="noStrike">
+              <a:solidFill>
+                <a:srgbClr val="000000"/>
+              </a:solidFill>
+              <a:uFill>
+                <a:solidFill>
+                  <a:srgbClr val="ffffff"/>
+                </a:solidFill>
+              </a:uFill>
+              <a:latin typeface="Arial"/>
+            </a:endParaRPr>
           </a:p>
         </p:txBody>
       </p:sp>
@@ -3343,7 +4525,17 @@
         <p:txBody>
           <a:bodyPr lIns="0" rIns="0" tIns="0" bIns="0"/>
           <a:p>
-            <a:endParaRPr/>
+            <a:endParaRPr b="0" lang="en-US" sz="3200" spc="-1" strike="noStrike">
+              <a:solidFill>
+                <a:srgbClr val="000000"/>
+              </a:solidFill>
+              <a:uFill>
+                <a:solidFill>
+                  <a:srgbClr val="ffffff"/>
+                </a:solidFill>
+              </a:uFill>
+              <a:latin typeface="Arial"/>
+            </a:endParaRPr>
           </a:p>
         </p:txBody>
       </p:sp>
@@ -3369,7 +4561,17 @@
         <p:txBody>
           <a:bodyPr lIns="0" rIns="0" tIns="0" bIns="0"/>
           <a:p>
-            <a:endParaRPr/>
+            <a:endParaRPr b="0" lang="en-US" sz="3200" spc="-1" strike="noStrike">
+              <a:solidFill>
+                <a:srgbClr val="000000"/>
+              </a:solidFill>
+              <a:uFill>
+                <a:solidFill>
+                  <a:srgbClr val="ffffff"/>
+                </a:solidFill>
+              </a:uFill>
+              <a:latin typeface="Arial"/>
+            </a:endParaRPr>
           </a:p>
         </p:txBody>
       </p:sp>
@@ -3379,7 +4581,7 @@
 </file>
 
 <file path=ppt/slideLayouts/slideLayout9.xml><?xml version="1.0" encoding="utf-8"?>
-<p:sldLayout xmlns:a="http://schemas.openxmlformats.org/drawingml/2006/main" xmlns:p="http://schemas.openxmlformats.org/presentationml/2006/main" xmlns:r="http://schemas.openxmlformats.org/officeDocument/2006/relationships" type="twoObjOverTx" preserve="1">
+<p:sldLayout xmlns:a="http://schemas.openxmlformats.org/drawingml/2006/main" xmlns:p="http://schemas.openxmlformats.org/presentationml/2006/main" xmlns:r="http://schemas.openxmlformats.org/officeDocument/2006/relationships" xmlns:p14="http://schemas.microsoft.com/office/powerpoint/2010/main" xmlns:p15="http://schemas.microsoft.com/office/powerpoint/2012/main" xmlns:mc="http://schemas.openxmlformats.org/markup-compatibility/2006" type="twoObjOverTx" preserve="1">
   <p:cSld name="Title, 2 Content over Content">
     <p:spTree>
       <p:nvGrpSpPr>
@@ -3407,8 +4609,8 @@
         </p:nvSpPr>
         <p:spPr>
           <a:xfrm>
-            <a:off x="457200" y="219600"/>
-            <a:ext cx="8229240" cy="1253160"/>
+            <a:off x="457200" y="273600"/>
+            <a:ext cx="8229240" cy="1144800"/>
           </a:xfrm>
           <a:prstGeom prst="rect">
             <a:avLst/>
@@ -3418,7 +4620,17 @@
           <a:bodyPr lIns="0" rIns="0" tIns="0" bIns="0" anchor="ctr"/>
           <a:p>
             <a:pPr algn="ctr"/>
-            <a:endParaRPr/>
+            <a:endParaRPr b="0" lang="en-US" sz="4400" spc="-1" strike="noStrike">
+              <a:solidFill>
+                <a:srgbClr val="000000"/>
+              </a:solidFill>
+              <a:uFill>
+                <a:solidFill>
+                  <a:srgbClr val="ffffff"/>
+                </a:solidFill>
+              </a:uFill>
+              <a:latin typeface="Arial"/>
+            </a:endParaRPr>
           </a:p>
         </p:txBody>
       </p:sp>
@@ -3444,7 +4656,17 @@
         <p:txBody>
           <a:bodyPr lIns="0" rIns="0" tIns="0" bIns="0"/>
           <a:p>
-            <a:endParaRPr/>
+            <a:endParaRPr b="0" lang="en-US" sz="3200" spc="-1" strike="noStrike">
+              <a:solidFill>
+                <a:srgbClr val="000000"/>
+              </a:solidFill>
+              <a:uFill>
+                <a:solidFill>
+                  <a:srgbClr val="ffffff"/>
+                </a:solidFill>
+              </a:uFill>
+              <a:latin typeface="Arial"/>
+            </a:endParaRPr>
           </a:p>
         </p:txBody>
       </p:sp>
@@ -3470,7 +4692,17 @@
         <p:txBody>
           <a:bodyPr lIns="0" rIns="0" tIns="0" bIns="0"/>
           <a:p>
-            <a:endParaRPr/>
+            <a:endParaRPr b="0" lang="en-US" sz="3200" spc="-1" strike="noStrike">
+              <a:solidFill>
+                <a:srgbClr val="000000"/>
+              </a:solidFill>
+              <a:uFill>
+                <a:solidFill>
+                  <a:srgbClr val="ffffff"/>
+                </a:solidFill>
+              </a:uFill>
+              <a:latin typeface="Arial"/>
+            </a:endParaRPr>
           </a:p>
         </p:txBody>
       </p:sp>
@@ -3496,7 +4728,17 @@
         <p:txBody>
           <a:bodyPr lIns="0" rIns="0" tIns="0" bIns="0"/>
           <a:p>
-            <a:endParaRPr/>
+            <a:endParaRPr b="0" lang="en-US" sz="3200" spc="-1" strike="noStrike">
+              <a:solidFill>
+                <a:srgbClr val="000000"/>
+              </a:solidFill>
+              <a:uFill>
+                <a:solidFill>
+                  <a:srgbClr val="ffffff"/>
+                </a:solidFill>
+              </a:uFill>
+              <a:latin typeface="Arial"/>
+            </a:endParaRPr>
           </a:p>
         </p:txBody>
       </p:sp>
@@ -3506,7 +4748,7 @@
 </file>
 
 <file path=ppt/slideMasters/slideMaster1.xml><?xml version="1.0" encoding="utf-8"?>
-<p:sldMaster xmlns:a="http://schemas.openxmlformats.org/drawingml/2006/main" xmlns:p="http://schemas.openxmlformats.org/presentationml/2006/main" xmlns:r="http://schemas.openxmlformats.org/officeDocument/2006/relationships">
+<p:sldMaster xmlns:a="http://schemas.openxmlformats.org/drawingml/2006/main" xmlns:p="http://schemas.openxmlformats.org/presentationml/2006/main" xmlns:r="http://schemas.openxmlformats.org/officeDocument/2006/relationships" xmlns:p14="http://schemas.microsoft.com/office/powerpoint/2010/main" xmlns:p15="http://schemas.microsoft.com/office/powerpoint/2012/main" xmlns:mc="http://schemas.openxmlformats.org/markup-compatibility/2006">
   <p:cSld>
     <p:spTree>
       <p:nvGrpSpPr>
@@ -3546,12 +4788,30 @@
           <a:p>
             <a:pPr algn="ctr"/>
             <a:r>
-              <a:rPr lang="ru-RU" sz="4400">
+              <a:rPr b="0" lang="en-US" sz="4400" spc="-1" strike="noStrike">
+                <a:solidFill>
+                  <a:srgbClr val="000000"/>
+                </a:solidFill>
+                <a:uFill>
+                  <a:solidFill>
+                    <a:srgbClr val="ffffff"/>
+                  </a:solidFill>
+                </a:uFill>
                 <a:latin typeface="Arial"/>
               </a:rPr>
-              <a:t>Для правки текста заголовка щелкните мышью</a:t>
+              <a:t>Click to edit the title text format</a:t>
             </a:r>
-            <a:endParaRPr/>
+            <a:endParaRPr b="0" lang="en-US" sz="4400" spc="-1" strike="noStrike">
+              <a:solidFill>
+                <a:srgbClr val="000000"/>
+              </a:solidFill>
+              <a:uFill>
+                <a:solidFill>
+                  <a:srgbClr val="ffffff"/>
+                </a:solidFill>
+              </a:uFill>
+              <a:latin typeface="Arial"/>
+            </a:endParaRPr>
           </a:p>
         </p:txBody>
       </p:sp>
@@ -3577,102 +4837,270 @@
         <p:txBody>
           <a:bodyPr lIns="0" rIns="0" tIns="0" bIns="0"/>
           <a:p>
-            <a:pPr>
+            <a:pPr marL="432000" indent="-324000">
+              <a:spcBef>
+                <a:spcPts val="1417"/>
+              </a:spcBef>
+              <a:buClr>
+                <a:srgbClr val="000000"/>
+              </a:buClr>
               <a:buSzPct val="45000"/>
-              <a:buFont typeface="StarSymbol"/>
+              <a:buFont typeface="Wingdings" charset="2"/>
               <a:buChar char=""/>
             </a:pPr>
             <a:r>
-              <a:rPr lang="ru-RU" sz="3200">
+              <a:rPr b="0" lang="en-US" sz="3200" spc="-1" strike="noStrike">
+                <a:solidFill>
+                  <a:srgbClr val="000000"/>
+                </a:solidFill>
+                <a:uFill>
+                  <a:solidFill>
+                    <a:srgbClr val="ffffff"/>
+                  </a:solidFill>
+                </a:uFill>
                 <a:latin typeface="Arial"/>
               </a:rPr>
-              <a:t>Для правки структуры щелкните мышью</a:t>
+              <a:t>Click to edit the outline text format</a:t>
             </a:r>
-            <a:endParaRPr/>
-          </a:p>
-          <a:p>
-            <a:pPr lvl="1">
+            <a:endParaRPr b="0" lang="en-US" sz="3200" spc="-1" strike="noStrike">
+              <a:solidFill>
+                <a:srgbClr val="000000"/>
+              </a:solidFill>
+              <a:uFill>
+                <a:solidFill>
+                  <a:srgbClr val="ffffff"/>
+                </a:solidFill>
+              </a:uFill>
+              <a:latin typeface="Arial"/>
+            </a:endParaRPr>
+          </a:p>
+          <a:p>
+            <a:pPr lvl="1" marL="864000" indent="-324000">
+              <a:spcBef>
+                <a:spcPts val="1134"/>
+              </a:spcBef>
+              <a:buClr>
+                <a:srgbClr val="000000"/>
+              </a:buClr>
               <a:buSzPct val="75000"/>
-              <a:buFont typeface="StarSymbol"/>
+              <a:buFont typeface="Symbol" charset="2"/>
               <a:buChar char=""/>
             </a:pPr>
             <a:r>
-              <a:rPr lang="ru-RU" sz="2800">
+              <a:rPr b="0" lang="en-US" sz="2800" spc="-1" strike="noStrike">
+                <a:solidFill>
+                  <a:srgbClr val="000000"/>
+                </a:solidFill>
+                <a:uFill>
+                  <a:solidFill>
+                    <a:srgbClr val="ffffff"/>
+                  </a:solidFill>
+                </a:uFill>
                 <a:latin typeface="Arial"/>
               </a:rPr>
-              <a:t>Второй уровень структуры</a:t>
+              <a:t>Second Outline Level</a:t>
             </a:r>
-            <a:endParaRPr/>
-          </a:p>
-          <a:p>
-            <a:pPr lvl="2">
+            <a:endParaRPr b="0" lang="en-US" sz="2800" spc="-1" strike="noStrike">
+              <a:solidFill>
+                <a:srgbClr val="000000"/>
+              </a:solidFill>
+              <a:uFill>
+                <a:solidFill>
+                  <a:srgbClr val="ffffff"/>
+                </a:solidFill>
+              </a:uFill>
+              <a:latin typeface="Arial"/>
+            </a:endParaRPr>
+          </a:p>
+          <a:p>
+            <a:pPr lvl="2" marL="1296000" indent="-288000">
+              <a:spcBef>
+                <a:spcPts val="850"/>
+              </a:spcBef>
+              <a:buClr>
+                <a:srgbClr val="000000"/>
+              </a:buClr>
               <a:buSzPct val="45000"/>
-              <a:buFont typeface="StarSymbol"/>
+              <a:buFont typeface="Wingdings" charset="2"/>
               <a:buChar char=""/>
             </a:pPr>
             <a:r>
-              <a:rPr lang="ru-RU" sz="2400">
+              <a:rPr b="0" lang="en-US" sz="2400" spc="-1" strike="noStrike">
+                <a:solidFill>
+                  <a:srgbClr val="000000"/>
+                </a:solidFill>
+                <a:uFill>
+                  <a:solidFill>
+                    <a:srgbClr val="ffffff"/>
+                  </a:solidFill>
+                </a:uFill>
                 <a:latin typeface="Arial"/>
               </a:rPr>
-              <a:t>Третий уровень структуры</a:t>
+              <a:t>Third Outline Level</a:t>
             </a:r>
-            <a:endParaRPr/>
-          </a:p>
-          <a:p>
-            <a:pPr lvl="3">
+            <a:endParaRPr b="0" lang="en-US" sz="2400" spc="-1" strike="noStrike">
+              <a:solidFill>
+                <a:srgbClr val="000000"/>
+              </a:solidFill>
+              <a:uFill>
+                <a:solidFill>
+                  <a:srgbClr val="ffffff"/>
+                </a:solidFill>
+              </a:uFill>
+              <a:latin typeface="Arial"/>
+            </a:endParaRPr>
+          </a:p>
+          <a:p>
+            <a:pPr lvl="3" marL="1728000" indent="-216000">
+              <a:spcBef>
+                <a:spcPts val="567"/>
+              </a:spcBef>
+              <a:buClr>
+                <a:srgbClr val="000000"/>
+              </a:buClr>
               <a:buSzPct val="75000"/>
-              <a:buFont typeface="StarSymbol"/>
+              <a:buFont typeface="Symbol" charset="2"/>
               <a:buChar char=""/>
             </a:pPr>
             <a:r>
-              <a:rPr lang="ru-RU" sz="2000">
+              <a:rPr b="0" lang="en-US" sz="2000" spc="-1" strike="noStrike">
+                <a:solidFill>
+                  <a:srgbClr val="000000"/>
+                </a:solidFill>
+                <a:uFill>
+                  <a:solidFill>
+                    <a:srgbClr val="ffffff"/>
+                  </a:solidFill>
+                </a:uFill>
                 <a:latin typeface="Arial"/>
               </a:rPr>
-              <a:t>Четвёртый уровень структуры</a:t>
+              <a:t>Fourth Outline Level</a:t>
             </a:r>
-            <a:endParaRPr/>
-          </a:p>
-          <a:p>
-            <a:pPr lvl="4">
+            <a:endParaRPr b="0" lang="en-US" sz="2000" spc="-1" strike="noStrike">
+              <a:solidFill>
+                <a:srgbClr val="000000"/>
+              </a:solidFill>
+              <a:uFill>
+                <a:solidFill>
+                  <a:srgbClr val="ffffff"/>
+                </a:solidFill>
+              </a:uFill>
+              <a:latin typeface="Arial"/>
+            </a:endParaRPr>
+          </a:p>
+          <a:p>
+            <a:pPr lvl="4" marL="2160000" indent="-216000">
+              <a:spcBef>
+                <a:spcPts val="283"/>
+              </a:spcBef>
+              <a:buClr>
+                <a:srgbClr val="000000"/>
+              </a:buClr>
               <a:buSzPct val="45000"/>
-              <a:buFont typeface="StarSymbol"/>
+              <a:buFont typeface="Wingdings" charset="2"/>
               <a:buChar char=""/>
             </a:pPr>
             <a:r>
-              <a:rPr lang="ru-RU" sz="2000">
+              <a:rPr b="0" lang="en-US" sz="2000" spc="-1" strike="noStrike">
+                <a:solidFill>
+                  <a:srgbClr val="000000"/>
+                </a:solidFill>
+                <a:uFill>
+                  <a:solidFill>
+                    <a:srgbClr val="ffffff"/>
+                  </a:solidFill>
+                </a:uFill>
                 <a:latin typeface="Arial"/>
               </a:rPr>
-              <a:t>Пятый уровень структуры</a:t>
+              <a:t>Fifth Outline Level</a:t>
             </a:r>
-            <a:endParaRPr/>
-          </a:p>
-          <a:p>
-            <a:pPr lvl="5">
+            <a:endParaRPr b="0" lang="en-US" sz="2000" spc="-1" strike="noStrike">
+              <a:solidFill>
+                <a:srgbClr val="000000"/>
+              </a:solidFill>
+              <a:uFill>
+                <a:solidFill>
+                  <a:srgbClr val="ffffff"/>
+                </a:solidFill>
+              </a:uFill>
+              <a:latin typeface="Arial"/>
+            </a:endParaRPr>
+          </a:p>
+          <a:p>
+            <a:pPr lvl="5" marL="2592000" indent="-216000">
+              <a:spcBef>
+                <a:spcPts val="283"/>
+              </a:spcBef>
+              <a:buClr>
+                <a:srgbClr val="000000"/>
+              </a:buClr>
               <a:buSzPct val="45000"/>
-              <a:buFont typeface="StarSymbol"/>
+              <a:buFont typeface="Wingdings" charset="2"/>
               <a:buChar char=""/>
             </a:pPr>
             <a:r>
-              <a:rPr lang="ru-RU" sz="2000">
+              <a:rPr b="0" lang="en-US" sz="2000" spc="-1" strike="noStrike">
+                <a:solidFill>
+                  <a:srgbClr val="000000"/>
+                </a:solidFill>
+                <a:uFill>
+                  <a:solidFill>
+                    <a:srgbClr val="ffffff"/>
+                  </a:solidFill>
+                </a:uFill>
                 <a:latin typeface="Arial"/>
               </a:rPr>
-              <a:t>Шестой уровень структуры</a:t>
+              <a:t>Sixth Outline Level</a:t>
             </a:r>
-            <a:endParaRPr/>
-          </a:p>
-          <a:p>
-            <a:pPr lvl="6">
+            <a:endParaRPr b="0" lang="en-US" sz="2000" spc="-1" strike="noStrike">
+              <a:solidFill>
+                <a:srgbClr val="000000"/>
+              </a:solidFill>
+              <a:uFill>
+                <a:solidFill>
+                  <a:srgbClr val="ffffff"/>
+                </a:solidFill>
+              </a:uFill>
+              <a:latin typeface="Arial"/>
+            </a:endParaRPr>
+          </a:p>
+          <a:p>
+            <a:pPr lvl="6" marL="3024000" indent="-216000">
+              <a:spcBef>
+                <a:spcPts val="283"/>
+              </a:spcBef>
+              <a:buClr>
+                <a:srgbClr val="000000"/>
+              </a:buClr>
               <a:buSzPct val="45000"/>
-              <a:buFont typeface="StarSymbol"/>
+              <a:buFont typeface="Wingdings" charset="2"/>
               <a:buChar char=""/>
             </a:pPr>
             <a:r>
-              <a:rPr lang="ru-RU" sz="2000">
+              <a:rPr b="0" lang="en-US" sz="2000" spc="-1" strike="noStrike">
+                <a:solidFill>
+                  <a:srgbClr val="000000"/>
+                </a:solidFill>
+                <a:uFill>
+                  <a:solidFill>
+                    <a:srgbClr val="ffffff"/>
+                  </a:solidFill>
+                </a:uFill>
                 <a:latin typeface="Arial"/>
               </a:rPr>
-              <a:t>Седьмой уровень структуры</a:t>
+              <a:t>Seventh Outline Level</a:t>
             </a:r>
-            <a:endParaRPr/>
+            <a:endParaRPr b="0" lang="en-US" sz="2000" spc="-1" strike="noStrike">
+              <a:solidFill>
+                <a:srgbClr val="000000"/>
+              </a:solidFill>
+              <a:uFill>
+                <a:solidFill>
+                  <a:srgbClr val="ffffff"/>
+                </a:solidFill>
+              </a:uFill>
+              <a:latin typeface="Arial"/>
+            </a:endParaRPr>
           </a:p>
         </p:txBody>
       </p:sp>
@@ -3697,7 +5125,7 @@
 </file>
 
 <file path=ppt/slideMasters/slideMaster2.xml><?xml version="1.0" encoding="utf-8"?>
-<p:sldMaster xmlns:a="http://schemas.openxmlformats.org/drawingml/2006/main" xmlns:p="http://schemas.openxmlformats.org/presentationml/2006/main" xmlns:r="http://schemas.openxmlformats.org/officeDocument/2006/relationships">
+<p:sldMaster xmlns:a="http://schemas.openxmlformats.org/drawingml/2006/main" xmlns:p="http://schemas.openxmlformats.org/presentationml/2006/main" xmlns:r="http://schemas.openxmlformats.org/officeDocument/2006/relationships" xmlns:p14="http://schemas.microsoft.com/office/powerpoint/2010/main" xmlns:p15="http://schemas.microsoft.com/office/powerpoint/2012/main" xmlns:mc="http://schemas.openxmlformats.org/markup-compatibility/2006">
   <p:cSld>
     <p:spTree>
       <p:nvGrpSpPr>
@@ -3715,7 +5143,7 @@
       </p:grpSpPr>
       <p:sp>
         <p:nvSpPr>
-          <p:cNvPr id="36" name="PlaceHolder 1"/>
+          <p:cNvPr id="38" name="PlaceHolder 1"/>
           <p:cNvSpPr>
             <a:spLocks noGrp="1"/>
           </p:cNvSpPr>
@@ -3737,18 +5165,36 @@
           <a:p>
             <a:pPr algn="ctr"/>
             <a:r>
-              <a:rPr lang="ru-RU" sz="4400">
+              <a:rPr b="0" lang="en-US" sz="4400" spc="-1" strike="noStrike">
+                <a:solidFill>
+                  <a:srgbClr val="000000"/>
+                </a:solidFill>
+                <a:uFill>
+                  <a:solidFill>
+                    <a:srgbClr val="ffffff"/>
+                  </a:solidFill>
+                </a:uFill>
                 <a:latin typeface="Arial"/>
               </a:rPr>
-              <a:t>Для правки текста заголовка щелкните мышью</a:t>
+              <a:t>Click to edit the title text format</a:t>
             </a:r>
-            <a:endParaRPr/>
-          </a:p>
-        </p:txBody>
-      </p:sp>
-      <p:sp>
-        <p:nvSpPr>
-          <p:cNvPr id="37" name="PlaceHolder 2"/>
+            <a:endParaRPr b="0" lang="en-US" sz="4400" spc="-1" strike="noStrike">
+              <a:solidFill>
+                <a:srgbClr val="000000"/>
+              </a:solidFill>
+              <a:uFill>
+                <a:solidFill>
+                  <a:srgbClr val="ffffff"/>
+                </a:solidFill>
+              </a:uFill>
+              <a:latin typeface="Arial"/>
+            </a:endParaRPr>
+          </a:p>
+        </p:txBody>
+      </p:sp>
+      <p:sp>
+        <p:nvSpPr>
+          <p:cNvPr id="39" name="PlaceHolder 2"/>
           <p:cNvSpPr>
             <a:spLocks noGrp="1"/>
           </p:cNvSpPr>
@@ -3768,102 +5214,270 @@
         <p:txBody>
           <a:bodyPr lIns="0" rIns="0" tIns="0" bIns="0"/>
           <a:p>
-            <a:pPr>
+            <a:pPr marL="432000" indent="-324000">
+              <a:spcBef>
+                <a:spcPts val="1417"/>
+              </a:spcBef>
+              <a:buClr>
+                <a:srgbClr val="000000"/>
+              </a:buClr>
               <a:buSzPct val="45000"/>
-              <a:buFont typeface="StarSymbol"/>
+              <a:buFont typeface="Wingdings" charset="2"/>
               <a:buChar char=""/>
             </a:pPr>
             <a:r>
-              <a:rPr lang="ru-RU" sz="3200">
+              <a:rPr b="0" lang="en-US" sz="3200" spc="-1" strike="noStrike">
+                <a:solidFill>
+                  <a:srgbClr val="000000"/>
+                </a:solidFill>
+                <a:uFill>
+                  <a:solidFill>
+                    <a:srgbClr val="ffffff"/>
+                  </a:solidFill>
+                </a:uFill>
                 <a:latin typeface="Arial"/>
               </a:rPr>
-              <a:t>Для правки структуры щелкните мышью</a:t>
+              <a:t>Click to edit the outline text format</a:t>
             </a:r>
-            <a:endParaRPr/>
-          </a:p>
-          <a:p>
-            <a:pPr lvl="1">
+            <a:endParaRPr b="0" lang="en-US" sz="3200" spc="-1" strike="noStrike">
+              <a:solidFill>
+                <a:srgbClr val="000000"/>
+              </a:solidFill>
+              <a:uFill>
+                <a:solidFill>
+                  <a:srgbClr val="ffffff"/>
+                </a:solidFill>
+              </a:uFill>
+              <a:latin typeface="Arial"/>
+            </a:endParaRPr>
+          </a:p>
+          <a:p>
+            <a:pPr lvl="1" marL="864000" indent="-324000">
+              <a:spcBef>
+                <a:spcPts val="1134"/>
+              </a:spcBef>
+              <a:buClr>
+                <a:srgbClr val="000000"/>
+              </a:buClr>
               <a:buSzPct val="75000"/>
-              <a:buFont typeface="StarSymbol"/>
+              <a:buFont typeface="Symbol" charset="2"/>
               <a:buChar char=""/>
             </a:pPr>
             <a:r>
-              <a:rPr lang="ru-RU" sz="2800">
+              <a:rPr b="0" lang="en-US" sz="2800" spc="-1" strike="noStrike">
+                <a:solidFill>
+                  <a:srgbClr val="000000"/>
+                </a:solidFill>
+                <a:uFill>
+                  <a:solidFill>
+                    <a:srgbClr val="ffffff"/>
+                  </a:solidFill>
+                </a:uFill>
                 <a:latin typeface="Arial"/>
               </a:rPr>
-              <a:t>Второй уровень структуры</a:t>
+              <a:t>Second Outline Level</a:t>
             </a:r>
-            <a:endParaRPr/>
-          </a:p>
-          <a:p>
-            <a:pPr lvl="2">
+            <a:endParaRPr b="0" lang="en-US" sz="2800" spc="-1" strike="noStrike">
+              <a:solidFill>
+                <a:srgbClr val="000000"/>
+              </a:solidFill>
+              <a:uFill>
+                <a:solidFill>
+                  <a:srgbClr val="ffffff"/>
+                </a:solidFill>
+              </a:uFill>
+              <a:latin typeface="Arial"/>
+            </a:endParaRPr>
+          </a:p>
+          <a:p>
+            <a:pPr lvl="2" marL="1296000" indent="-288000">
+              <a:spcBef>
+                <a:spcPts val="850"/>
+              </a:spcBef>
+              <a:buClr>
+                <a:srgbClr val="000000"/>
+              </a:buClr>
               <a:buSzPct val="45000"/>
-              <a:buFont typeface="StarSymbol"/>
+              <a:buFont typeface="Wingdings" charset="2"/>
               <a:buChar char=""/>
             </a:pPr>
             <a:r>
-              <a:rPr lang="ru-RU" sz="2400">
+              <a:rPr b="0" lang="en-US" sz="2400" spc="-1" strike="noStrike">
+                <a:solidFill>
+                  <a:srgbClr val="000000"/>
+                </a:solidFill>
+                <a:uFill>
+                  <a:solidFill>
+                    <a:srgbClr val="ffffff"/>
+                  </a:solidFill>
+                </a:uFill>
                 <a:latin typeface="Arial"/>
               </a:rPr>
-              <a:t>Третий уровень структуры</a:t>
+              <a:t>Third Outline Level</a:t>
             </a:r>
-            <a:endParaRPr/>
-          </a:p>
-          <a:p>
-            <a:pPr lvl="3">
+            <a:endParaRPr b="0" lang="en-US" sz="2400" spc="-1" strike="noStrike">
+              <a:solidFill>
+                <a:srgbClr val="000000"/>
+              </a:solidFill>
+              <a:uFill>
+                <a:solidFill>
+                  <a:srgbClr val="ffffff"/>
+                </a:solidFill>
+              </a:uFill>
+              <a:latin typeface="Arial"/>
+            </a:endParaRPr>
+          </a:p>
+          <a:p>
+            <a:pPr lvl="3" marL="1728000" indent="-216000">
+              <a:spcBef>
+                <a:spcPts val="567"/>
+              </a:spcBef>
+              <a:buClr>
+                <a:srgbClr val="000000"/>
+              </a:buClr>
               <a:buSzPct val="75000"/>
-              <a:buFont typeface="StarSymbol"/>
+              <a:buFont typeface="Symbol" charset="2"/>
               <a:buChar char=""/>
             </a:pPr>
             <a:r>
-              <a:rPr lang="ru-RU" sz="2000">
+              <a:rPr b="0" lang="en-US" sz="2000" spc="-1" strike="noStrike">
+                <a:solidFill>
+                  <a:srgbClr val="000000"/>
+                </a:solidFill>
+                <a:uFill>
+                  <a:solidFill>
+                    <a:srgbClr val="ffffff"/>
+                  </a:solidFill>
+                </a:uFill>
                 <a:latin typeface="Arial"/>
               </a:rPr>
-              <a:t>Четвёртый уровень структуры</a:t>
+              <a:t>Fourth Outline Level</a:t>
             </a:r>
-            <a:endParaRPr/>
-          </a:p>
-          <a:p>
-            <a:pPr lvl="4">
+            <a:endParaRPr b="0" lang="en-US" sz="2000" spc="-1" strike="noStrike">
+              <a:solidFill>
+                <a:srgbClr val="000000"/>
+              </a:solidFill>
+              <a:uFill>
+                <a:solidFill>
+                  <a:srgbClr val="ffffff"/>
+                </a:solidFill>
+              </a:uFill>
+              <a:latin typeface="Arial"/>
+            </a:endParaRPr>
+          </a:p>
+          <a:p>
+            <a:pPr lvl="4" marL="2160000" indent="-216000">
+              <a:spcBef>
+                <a:spcPts val="283"/>
+              </a:spcBef>
+              <a:buClr>
+                <a:srgbClr val="000000"/>
+              </a:buClr>
               <a:buSzPct val="45000"/>
-              <a:buFont typeface="StarSymbol"/>
+              <a:buFont typeface="Wingdings" charset="2"/>
               <a:buChar char=""/>
             </a:pPr>
             <a:r>
-              <a:rPr lang="ru-RU" sz="2000">
+              <a:rPr b="0" lang="en-US" sz="2000" spc="-1" strike="noStrike">
+                <a:solidFill>
+                  <a:srgbClr val="000000"/>
+                </a:solidFill>
+                <a:uFill>
+                  <a:solidFill>
+                    <a:srgbClr val="ffffff"/>
+                  </a:solidFill>
+                </a:uFill>
                 <a:latin typeface="Arial"/>
               </a:rPr>
-              <a:t>Пятый уровень структуры</a:t>
+              <a:t>Fifth Outline Level</a:t>
             </a:r>
-            <a:endParaRPr/>
-          </a:p>
-          <a:p>
-            <a:pPr lvl="5">
+            <a:endParaRPr b="0" lang="en-US" sz="2000" spc="-1" strike="noStrike">
+              <a:solidFill>
+                <a:srgbClr val="000000"/>
+              </a:solidFill>
+              <a:uFill>
+                <a:solidFill>
+                  <a:srgbClr val="ffffff"/>
+                </a:solidFill>
+              </a:uFill>
+              <a:latin typeface="Arial"/>
+            </a:endParaRPr>
+          </a:p>
+          <a:p>
+            <a:pPr lvl="5" marL="2592000" indent="-216000">
+              <a:spcBef>
+                <a:spcPts val="283"/>
+              </a:spcBef>
+              <a:buClr>
+                <a:srgbClr val="000000"/>
+              </a:buClr>
               <a:buSzPct val="45000"/>
-              <a:buFont typeface="StarSymbol"/>
+              <a:buFont typeface="Wingdings" charset="2"/>
               <a:buChar char=""/>
             </a:pPr>
             <a:r>
-              <a:rPr lang="ru-RU" sz="2000">
+              <a:rPr b="0" lang="en-US" sz="2000" spc="-1" strike="noStrike">
+                <a:solidFill>
+                  <a:srgbClr val="000000"/>
+                </a:solidFill>
+                <a:uFill>
+                  <a:solidFill>
+                    <a:srgbClr val="ffffff"/>
+                  </a:solidFill>
+                </a:uFill>
                 <a:latin typeface="Arial"/>
               </a:rPr>
-              <a:t>Шестой уровень структуры</a:t>
+              <a:t>Sixth Outline Level</a:t>
             </a:r>
-            <a:endParaRPr/>
-          </a:p>
-          <a:p>
-            <a:pPr lvl="6">
+            <a:endParaRPr b="0" lang="en-US" sz="2000" spc="-1" strike="noStrike">
+              <a:solidFill>
+                <a:srgbClr val="000000"/>
+              </a:solidFill>
+              <a:uFill>
+                <a:solidFill>
+                  <a:srgbClr val="ffffff"/>
+                </a:solidFill>
+              </a:uFill>
+              <a:latin typeface="Arial"/>
+            </a:endParaRPr>
+          </a:p>
+          <a:p>
+            <a:pPr lvl="6" marL="3024000" indent="-216000">
+              <a:spcBef>
+                <a:spcPts val="283"/>
+              </a:spcBef>
+              <a:buClr>
+                <a:srgbClr val="000000"/>
+              </a:buClr>
               <a:buSzPct val="45000"/>
-              <a:buFont typeface="StarSymbol"/>
+              <a:buFont typeface="Wingdings" charset="2"/>
               <a:buChar char=""/>
             </a:pPr>
             <a:r>
-              <a:rPr lang="ru-RU" sz="2000">
+              <a:rPr b="0" lang="en-US" sz="2000" spc="-1" strike="noStrike">
+                <a:solidFill>
+                  <a:srgbClr val="000000"/>
+                </a:solidFill>
+                <a:uFill>
+                  <a:solidFill>
+                    <a:srgbClr val="ffffff"/>
+                  </a:solidFill>
+                </a:uFill>
                 <a:latin typeface="Arial"/>
               </a:rPr>
-              <a:t>Седьмой уровень структуры</a:t>
+              <a:t>Seventh Outline Level</a:t>
             </a:r>
-            <a:endParaRPr/>
+            <a:endParaRPr b="0" lang="en-US" sz="2000" spc="-1" strike="noStrike">
+              <a:solidFill>
+                <a:srgbClr val="000000"/>
+              </a:solidFill>
+              <a:uFill>
+                <a:solidFill>
+                  <a:srgbClr val="ffffff"/>
+                </a:solidFill>
+              </a:uFill>
+              <a:latin typeface="Arial"/>
+            </a:endParaRPr>
           </a:p>
         </p:txBody>
       </p:sp>
@@ -3888,7 +5502,7 @@
 </file>
 
 <file path=ppt/slideMasters/slideMaster3.xml><?xml version="1.0" encoding="utf-8"?>
-<p:sldMaster xmlns:a="http://schemas.openxmlformats.org/drawingml/2006/main" xmlns:p="http://schemas.openxmlformats.org/presentationml/2006/main" xmlns:r="http://schemas.openxmlformats.org/officeDocument/2006/relationships">
+<p:sldMaster xmlns:a="http://schemas.openxmlformats.org/drawingml/2006/main" xmlns:p="http://schemas.openxmlformats.org/presentationml/2006/main" xmlns:r="http://schemas.openxmlformats.org/officeDocument/2006/relationships" xmlns:p14="http://schemas.microsoft.com/office/powerpoint/2010/main" xmlns:p15="http://schemas.microsoft.com/office/powerpoint/2012/main" xmlns:mc="http://schemas.openxmlformats.org/markup-compatibility/2006">
   <p:cSld>
     <p:spTree>
       <p:nvGrpSpPr>
@@ -3906,7 +5520,7 @@
       </p:grpSpPr>
       <p:sp>
         <p:nvSpPr>
-          <p:cNvPr id="72" name="PlaceHolder 1"/>
+          <p:cNvPr id="76" name="PlaceHolder 1"/>
           <p:cNvSpPr>
             <a:spLocks noGrp="1"/>
           </p:cNvSpPr>
@@ -3927,18 +5541,36 @@
           <a:bodyPr lIns="0" rIns="0" tIns="0" bIns="0" anchor="ctr"/>
           <a:p>
             <a:r>
-              <a:rPr lang="ru-RU">
+              <a:rPr b="0" lang="en-US" sz="1800" spc="-1" strike="noStrike">
+                <a:solidFill>
+                  <a:srgbClr val="000000"/>
+                </a:solidFill>
+                <a:uFill>
+                  <a:solidFill>
+                    <a:srgbClr val="ffffff"/>
+                  </a:solidFill>
+                </a:uFill>
                 <a:latin typeface="Arial"/>
               </a:rPr>
-              <a:t>Для правки текста заголовка щелкните мышью</a:t>
+              <a:t>Click to edit the title text format</a:t>
             </a:r>
-            <a:endParaRPr/>
-          </a:p>
-        </p:txBody>
-      </p:sp>
-      <p:sp>
-        <p:nvSpPr>
-          <p:cNvPr id="73" name="PlaceHolder 2"/>
+            <a:endParaRPr b="0" lang="en-US" sz="1800" spc="-1" strike="noStrike">
+              <a:solidFill>
+                <a:srgbClr val="000000"/>
+              </a:solidFill>
+              <a:uFill>
+                <a:solidFill>
+                  <a:srgbClr val="ffffff"/>
+                </a:solidFill>
+              </a:uFill>
+              <a:latin typeface="Arial"/>
+            </a:endParaRPr>
+          </a:p>
+        </p:txBody>
+      </p:sp>
+      <p:sp>
+        <p:nvSpPr>
+          <p:cNvPr id="77" name="PlaceHolder 2"/>
           <p:cNvSpPr>
             <a:spLocks noGrp="1"/>
           </p:cNvSpPr>
@@ -3958,102 +5590,270 @@
         <p:txBody>
           <a:bodyPr lIns="0" rIns="0" tIns="0" bIns="0"/>
           <a:p>
-            <a:pPr>
+            <a:pPr marL="432000" indent="-324000">
+              <a:spcBef>
+                <a:spcPts val="1417"/>
+              </a:spcBef>
+              <a:buClr>
+                <a:srgbClr val="000000"/>
+              </a:buClr>
               <a:buSzPct val="45000"/>
-              <a:buFont typeface="StarSymbol"/>
+              <a:buFont typeface="Wingdings" charset="2"/>
               <a:buChar char=""/>
             </a:pPr>
             <a:r>
-              <a:rPr lang="ru-RU" sz="3200">
+              <a:rPr b="0" lang="en-US" sz="3200" spc="-1" strike="noStrike">
+                <a:solidFill>
+                  <a:srgbClr val="000000"/>
+                </a:solidFill>
+                <a:uFill>
+                  <a:solidFill>
+                    <a:srgbClr val="ffffff"/>
+                  </a:solidFill>
+                </a:uFill>
                 <a:latin typeface="Arial"/>
               </a:rPr>
-              <a:t>Для правки структуры щелкните мышью</a:t>
+              <a:t>Click to edit the outline text format</a:t>
             </a:r>
-            <a:endParaRPr/>
-          </a:p>
-          <a:p>
-            <a:pPr lvl="1">
+            <a:endParaRPr b="0" lang="en-US" sz="3200" spc="-1" strike="noStrike">
+              <a:solidFill>
+                <a:srgbClr val="000000"/>
+              </a:solidFill>
+              <a:uFill>
+                <a:solidFill>
+                  <a:srgbClr val="ffffff"/>
+                </a:solidFill>
+              </a:uFill>
+              <a:latin typeface="Arial"/>
+            </a:endParaRPr>
+          </a:p>
+          <a:p>
+            <a:pPr lvl="1" marL="864000" indent="-324000">
+              <a:spcBef>
+                <a:spcPts val="1134"/>
+              </a:spcBef>
+              <a:buClr>
+                <a:srgbClr val="000000"/>
+              </a:buClr>
               <a:buSzPct val="75000"/>
-              <a:buFont typeface="StarSymbol"/>
+              <a:buFont typeface="Symbol" charset="2"/>
               <a:buChar char=""/>
             </a:pPr>
             <a:r>
-              <a:rPr lang="ru-RU" sz="2800">
+              <a:rPr b="0" lang="en-US" sz="2800" spc="-1" strike="noStrike">
+                <a:solidFill>
+                  <a:srgbClr val="000000"/>
+                </a:solidFill>
+                <a:uFill>
+                  <a:solidFill>
+                    <a:srgbClr val="ffffff"/>
+                  </a:solidFill>
+                </a:uFill>
                 <a:latin typeface="Arial"/>
               </a:rPr>
-              <a:t>Второй уровень структуры</a:t>
+              <a:t>Second Outline Level</a:t>
             </a:r>
-            <a:endParaRPr/>
-          </a:p>
-          <a:p>
-            <a:pPr lvl="2">
+            <a:endParaRPr b="0" lang="en-US" sz="2800" spc="-1" strike="noStrike">
+              <a:solidFill>
+                <a:srgbClr val="000000"/>
+              </a:solidFill>
+              <a:uFill>
+                <a:solidFill>
+                  <a:srgbClr val="ffffff"/>
+                </a:solidFill>
+              </a:uFill>
+              <a:latin typeface="Arial"/>
+            </a:endParaRPr>
+          </a:p>
+          <a:p>
+            <a:pPr lvl="2" marL="1296000" indent="-288000">
+              <a:spcBef>
+                <a:spcPts val="850"/>
+              </a:spcBef>
+              <a:buClr>
+                <a:srgbClr val="000000"/>
+              </a:buClr>
               <a:buSzPct val="45000"/>
-              <a:buFont typeface="StarSymbol"/>
+              <a:buFont typeface="Wingdings" charset="2"/>
               <a:buChar char=""/>
             </a:pPr>
             <a:r>
-              <a:rPr lang="ru-RU" sz="2400">
+              <a:rPr b="0" lang="en-US" sz="2400" spc="-1" strike="noStrike">
+                <a:solidFill>
+                  <a:srgbClr val="000000"/>
+                </a:solidFill>
+                <a:uFill>
+                  <a:solidFill>
+                    <a:srgbClr val="ffffff"/>
+                  </a:solidFill>
+                </a:uFill>
                 <a:latin typeface="Arial"/>
               </a:rPr>
-              <a:t>Третий уровень структуры</a:t>
+              <a:t>Third Outline Level</a:t>
             </a:r>
-            <a:endParaRPr/>
-          </a:p>
-          <a:p>
-            <a:pPr lvl="3">
+            <a:endParaRPr b="0" lang="en-US" sz="2400" spc="-1" strike="noStrike">
+              <a:solidFill>
+                <a:srgbClr val="000000"/>
+              </a:solidFill>
+              <a:uFill>
+                <a:solidFill>
+                  <a:srgbClr val="ffffff"/>
+                </a:solidFill>
+              </a:uFill>
+              <a:latin typeface="Arial"/>
+            </a:endParaRPr>
+          </a:p>
+          <a:p>
+            <a:pPr lvl="3" marL="1728000" indent="-216000">
+              <a:spcBef>
+                <a:spcPts val="567"/>
+              </a:spcBef>
+              <a:buClr>
+                <a:srgbClr val="000000"/>
+              </a:buClr>
               <a:buSzPct val="75000"/>
-              <a:buFont typeface="StarSymbol"/>
+              <a:buFont typeface="Symbol" charset="2"/>
               <a:buChar char=""/>
             </a:pPr>
             <a:r>
-              <a:rPr lang="ru-RU" sz="2000">
+              <a:rPr b="0" lang="en-US" sz="2000" spc="-1" strike="noStrike">
+                <a:solidFill>
+                  <a:srgbClr val="000000"/>
+                </a:solidFill>
+                <a:uFill>
+                  <a:solidFill>
+                    <a:srgbClr val="ffffff"/>
+                  </a:solidFill>
+                </a:uFill>
                 <a:latin typeface="Arial"/>
               </a:rPr>
-              <a:t>Четвёртый уровень структуры</a:t>
+              <a:t>Fourth Outline Level</a:t>
             </a:r>
-            <a:endParaRPr/>
-          </a:p>
-          <a:p>
-            <a:pPr lvl="4">
+            <a:endParaRPr b="0" lang="en-US" sz="2000" spc="-1" strike="noStrike">
+              <a:solidFill>
+                <a:srgbClr val="000000"/>
+              </a:solidFill>
+              <a:uFill>
+                <a:solidFill>
+                  <a:srgbClr val="ffffff"/>
+                </a:solidFill>
+              </a:uFill>
+              <a:latin typeface="Arial"/>
+            </a:endParaRPr>
+          </a:p>
+          <a:p>
+            <a:pPr lvl="4" marL="2160000" indent="-216000">
+              <a:spcBef>
+                <a:spcPts val="283"/>
+              </a:spcBef>
+              <a:buClr>
+                <a:srgbClr val="000000"/>
+              </a:buClr>
               <a:buSzPct val="45000"/>
-              <a:buFont typeface="StarSymbol"/>
+              <a:buFont typeface="Wingdings" charset="2"/>
               <a:buChar char=""/>
             </a:pPr>
             <a:r>
-              <a:rPr lang="ru-RU" sz="2000">
+              <a:rPr b="0" lang="en-US" sz="2000" spc="-1" strike="noStrike">
+                <a:solidFill>
+                  <a:srgbClr val="000000"/>
+                </a:solidFill>
+                <a:uFill>
+                  <a:solidFill>
+                    <a:srgbClr val="ffffff"/>
+                  </a:solidFill>
+                </a:uFill>
                 <a:latin typeface="Arial"/>
               </a:rPr>
-              <a:t>Пятый уровень структуры</a:t>
+              <a:t>Fifth Outline Level</a:t>
             </a:r>
-            <a:endParaRPr/>
-          </a:p>
-          <a:p>
-            <a:pPr lvl="5">
+            <a:endParaRPr b="0" lang="en-US" sz="2000" spc="-1" strike="noStrike">
+              <a:solidFill>
+                <a:srgbClr val="000000"/>
+              </a:solidFill>
+              <a:uFill>
+                <a:solidFill>
+                  <a:srgbClr val="ffffff"/>
+                </a:solidFill>
+              </a:uFill>
+              <a:latin typeface="Arial"/>
+            </a:endParaRPr>
+          </a:p>
+          <a:p>
+            <a:pPr lvl="5" marL="2592000" indent="-216000">
+              <a:spcBef>
+                <a:spcPts val="283"/>
+              </a:spcBef>
+              <a:buClr>
+                <a:srgbClr val="000000"/>
+              </a:buClr>
               <a:buSzPct val="45000"/>
-              <a:buFont typeface="StarSymbol"/>
+              <a:buFont typeface="Wingdings" charset="2"/>
               <a:buChar char=""/>
             </a:pPr>
             <a:r>
-              <a:rPr lang="ru-RU" sz="2000">
+              <a:rPr b="0" lang="en-US" sz="2000" spc="-1" strike="noStrike">
+                <a:solidFill>
+                  <a:srgbClr val="000000"/>
+                </a:solidFill>
+                <a:uFill>
+                  <a:solidFill>
+                    <a:srgbClr val="ffffff"/>
+                  </a:solidFill>
+                </a:uFill>
                 <a:latin typeface="Arial"/>
               </a:rPr>
-              <a:t>Шестой уровень структуры</a:t>
+              <a:t>Sixth Outline Level</a:t>
             </a:r>
-            <a:endParaRPr/>
-          </a:p>
-          <a:p>
-            <a:pPr lvl="6">
+            <a:endParaRPr b="0" lang="en-US" sz="2000" spc="-1" strike="noStrike">
+              <a:solidFill>
+                <a:srgbClr val="000000"/>
+              </a:solidFill>
+              <a:uFill>
+                <a:solidFill>
+                  <a:srgbClr val="ffffff"/>
+                </a:solidFill>
+              </a:uFill>
+              <a:latin typeface="Arial"/>
+            </a:endParaRPr>
+          </a:p>
+          <a:p>
+            <a:pPr lvl="6" marL="3024000" indent="-216000">
+              <a:spcBef>
+                <a:spcPts val="283"/>
+              </a:spcBef>
+              <a:buClr>
+                <a:srgbClr val="000000"/>
+              </a:buClr>
               <a:buSzPct val="45000"/>
-              <a:buFont typeface="StarSymbol"/>
+              <a:buFont typeface="Wingdings" charset="2"/>
               <a:buChar char=""/>
             </a:pPr>
             <a:r>
-              <a:rPr lang="ru-RU" sz="2000">
+              <a:rPr b="0" lang="en-US" sz="2000" spc="-1" strike="noStrike">
+                <a:solidFill>
+                  <a:srgbClr val="000000"/>
+                </a:solidFill>
+                <a:uFill>
+                  <a:solidFill>
+                    <a:srgbClr val="ffffff"/>
+                  </a:solidFill>
+                </a:uFill>
                 <a:latin typeface="Arial"/>
               </a:rPr>
-              <a:t>Седьмой уровень структуры</a:t>
+              <a:t>Seventh Outline Level</a:t>
             </a:r>
-            <a:endParaRPr/>
+            <a:endParaRPr b="0" lang="en-US" sz="2000" spc="-1" strike="noStrike">
+              <a:solidFill>
+                <a:srgbClr val="000000"/>
+              </a:solidFill>
+              <a:uFill>
+                <a:solidFill>
+                  <a:srgbClr val="ffffff"/>
+                </a:solidFill>
+              </a:uFill>
+              <a:latin typeface="Arial"/>
+            </a:endParaRPr>
           </a:p>
         </p:txBody>
       </p:sp>
@@ -4078,7 +5878,7 @@
 </file>
 
 <file path=ppt/slides/slide1.xml><?xml version="1.0" encoding="utf-8"?>
-<p:sld xmlns:a="http://schemas.openxmlformats.org/drawingml/2006/main" xmlns:p="http://schemas.openxmlformats.org/presentationml/2006/main" xmlns:r="http://schemas.openxmlformats.org/officeDocument/2006/relationships">
+<p:sld xmlns:a="http://schemas.openxmlformats.org/drawingml/2006/main" xmlns:p="http://schemas.openxmlformats.org/presentationml/2006/main" xmlns:r="http://schemas.openxmlformats.org/officeDocument/2006/relationships" xmlns:p14="http://schemas.microsoft.com/office/powerpoint/2010/main" xmlns:p15="http://schemas.microsoft.com/office/powerpoint/2012/main" xmlns:mc="http://schemas.openxmlformats.org/markup-compatibility/2006">
   <p:cSld>
     <p:spTree>
       <p:nvGrpSpPr>
@@ -4096,14 +5896,14 @@
       </p:grpSpPr>
       <p:sp>
         <p:nvSpPr>
-          <p:cNvPr id="108" name="CustomShape 1"/>
+          <p:cNvPr id="114" name="CustomShape 1"/>
           <p:cNvSpPr/>
           <p:nvPr/>
         </p:nvSpPr>
         <p:spPr>
           <a:xfrm>
             <a:off x="0" y="-48240"/>
-            <a:ext cx="9141120" cy="6904440"/>
+            <a:ext cx="9140760" cy="6904080"/>
           </a:xfrm>
           <a:prstGeom prst="rect">
             <a:avLst/>
@@ -4113,6 +5913,12 @@
             <a:noFill/>
           </a:ln>
         </p:spPr>
+        <p:style>
+          <a:lnRef idx="0"/>
+          <a:fillRef idx="0"/>
+          <a:effectRef idx="0"/>
+          <a:fontRef idx="minor"/>
+        </p:style>
         <p:txBody>
           <a:bodyPr lIns="539640" rIns="90000" tIns="45000" bIns="45000" anchor="ctr"/>
           <a:p>
@@ -4121,7 +5927,17 @@
                 <a:spcPct val="100000"/>
               </a:lnSpc>
             </a:pPr>
-            <a:endParaRPr/>
+            <a:endParaRPr b="0" lang="en-US" sz="1800" spc="-1" strike="noStrike">
+              <a:solidFill>
+                <a:srgbClr val="000000"/>
+              </a:solidFill>
+              <a:uFill>
+                <a:solidFill>
+                  <a:srgbClr val="ffffff"/>
+                </a:solidFill>
+              </a:uFill>
+              <a:latin typeface="Arial"/>
+            </a:endParaRPr>
           </a:p>
           <a:p>
             <a:pPr algn="ctr">
@@ -4129,7 +5945,17 @@
                 <a:spcPct val="100000"/>
               </a:lnSpc>
             </a:pPr>
-            <a:endParaRPr/>
+            <a:endParaRPr b="0" lang="en-US" sz="1800" spc="-1" strike="noStrike">
+              <a:solidFill>
+                <a:srgbClr val="000000"/>
+              </a:solidFill>
+              <a:uFill>
+                <a:solidFill>
+                  <a:srgbClr val="ffffff"/>
+                </a:solidFill>
+              </a:uFill>
+              <a:latin typeface="Arial"/>
+            </a:endParaRPr>
           </a:p>
           <a:p>
             <a:pPr algn="ctr">
@@ -4137,7 +5963,17 @@
                 <a:spcPct val="100000"/>
               </a:lnSpc>
             </a:pPr>
-            <a:endParaRPr/>
+            <a:endParaRPr b="0" lang="en-US" sz="1800" spc="-1" strike="noStrike">
+              <a:solidFill>
+                <a:srgbClr val="000000"/>
+              </a:solidFill>
+              <a:uFill>
+                <a:solidFill>
+                  <a:srgbClr val="ffffff"/>
+                </a:solidFill>
+              </a:uFill>
+              <a:latin typeface="Arial"/>
+            </a:endParaRPr>
           </a:p>
           <a:p>
             <a:pPr algn="ctr">
@@ -4145,7 +5981,17 @@
                 <a:spcPct val="100000"/>
               </a:lnSpc>
             </a:pPr>
-            <a:endParaRPr/>
+            <a:endParaRPr b="0" lang="en-US" sz="1800" spc="-1" strike="noStrike">
+              <a:solidFill>
+                <a:srgbClr val="000000"/>
+              </a:solidFill>
+              <a:uFill>
+                <a:solidFill>
+                  <a:srgbClr val="ffffff"/>
+                </a:solidFill>
+              </a:uFill>
+              <a:latin typeface="Arial"/>
+            </a:endParaRPr>
           </a:p>
           <a:p>
             <a:pPr algn="ctr">
@@ -4154,16 +6000,31 @@
               </a:lnSpc>
             </a:pPr>
             <a:r>
-              <a:rPr lang="ru-RU">
+              <a:rPr b="0" lang="en-US" sz="1800" spc="-1" strike="noStrike">
                 <a:solidFill>
                   <a:srgbClr val="000000"/>
                 </a:solidFill>
+                <a:uFill>
+                  <a:solidFill>
+                    <a:srgbClr val="ffffff"/>
+                  </a:solidFill>
+                </a:uFill>
                 <a:latin typeface="Times New Roman"/>
                 <a:ea typeface="Calibri"/>
               </a:rPr>
               <a:t>МИНОБРНАУКИ РОССИИ</a:t>
             </a:r>
-            <a:endParaRPr/>
+            <a:endParaRPr b="0" lang="en-US" sz="1800" spc="-1" strike="noStrike">
+              <a:solidFill>
+                <a:srgbClr val="000000"/>
+              </a:solidFill>
+              <a:uFill>
+                <a:solidFill>
+                  <a:srgbClr val="ffffff"/>
+                </a:solidFill>
+              </a:uFill>
+              <a:latin typeface="Arial"/>
+            </a:endParaRPr>
           </a:p>
           <a:p>
             <a:pPr algn="ctr">
@@ -4172,16 +6033,31 @@
               </a:lnSpc>
             </a:pPr>
             <a:r>
-              <a:rPr lang="ru-RU">
+              <a:rPr b="0" lang="en-US" sz="1800" spc="-1" strike="noStrike">
                 <a:solidFill>
                   <a:srgbClr val="000000"/>
                 </a:solidFill>
+                <a:uFill>
+                  <a:solidFill>
+                    <a:srgbClr val="ffffff"/>
+                  </a:solidFill>
+                </a:uFill>
                 <a:latin typeface="Times New Roman"/>
                 <a:ea typeface="Calibri"/>
               </a:rPr>
               <a:t>федеральное государственное бюджетное образовательное</a:t>
             </a:r>
-            <a:endParaRPr/>
+            <a:endParaRPr b="0" lang="en-US" sz="1800" spc="-1" strike="noStrike">
+              <a:solidFill>
+                <a:srgbClr val="000000"/>
+              </a:solidFill>
+              <a:uFill>
+                <a:solidFill>
+                  <a:srgbClr val="ffffff"/>
+                </a:solidFill>
+              </a:uFill>
+              <a:latin typeface="Arial"/>
+            </a:endParaRPr>
           </a:p>
           <a:p>
             <a:pPr algn="ctr">
@@ -4190,16 +6066,31 @@
               </a:lnSpc>
             </a:pPr>
             <a:r>
-              <a:rPr lang="ru-RU">
+              <a:rPr b="0" lang="en-US" sz="1800" spc="-1" strike="noStrike">
                 <a:solidFill>
                   <a:srgbClr val="000000"/>
                 </a:solidFill>
+                <a:uFill>
+                  <a:solidFill>
+                    <a:srgbClr val="ffffff"/>
+                  </a:solidFill>
+                </a:uFill>
                 <a:latin typeface="Times New Roman"/>
                 <a:ea typeface="Calibri"/>
               </a:rPr>
               <a:t>учреждение высшего образования</a:t>
             </a:r>
-            <a:endParaRPr/>
+            <a:endParaRPr b="0" lang="en-US" sz="1800" spc="-1" strike="noStrike">
+              <a:solidFill>
+                <a:srgbClr val="000000"/>
+              </a:solidFill>
+              <a:uFill>
+                <a:solidFill>
+                  <a:srgbClr val="ffffff"/>
+                </a:solidFill>
+              </a:uFill>
+              <a:latin typeface="Arial"/>
+            </a:endParaRPr>
           </a:p>
           <a:p>
             <a:pPr algn="ctr">
@@ -4208,16 +6099,31 @@
               </a:lnSpc>
             </a:pPr>
             <a:r>
-              <a:rPr lang="ru-RU">
+              <a:rPr b="0" lang="en-US" sz="1800" spc="-1" strike="noStrike">
                 <a:solidFill>
                   <a:srgbClr val="000000"/>
                 </a:solidFill>
+                <a:uFill>
+                  <a:solidFill>
+                    <a:srgbClr val="ffffff"/>
+                  </a:solidFill>
+                </a:uFill>
                 <a:latin typeface="Times New Roman"/>
                 <a:ea typeface="Calibri"/>
               </a:rPr>
               <a:t>«Омский государственный университет им. Ф.М. Достоевского»</a:t>
             </a:r>
-            <a:endParaRPr/>
+            <a:endParaRPr b="0" lang="en-US" sz="1800" spc="-1" strike="noStrike">
+              <a:solidFill>
+                <a:srgbClr val="000000"/>
+              </a:solidFill>
+              <a:uFill>
+                <a:solidFill>
+                  <a:srgbClr val="ffffff"/>
+                </a:solidFill>
+              </a:uFill>
+              <a:latin typeface="Arial"/>
+            </a:endParaRPr>
           </a:p>
           <a:p>
             <a:pPr algn="ctr">
@@ -4226,16 +6132,31 @@
               </a:lnSpc>
             </a:pPr>
             <a:r>
-              <a:rPr lang="ru-RU">
+              <a:rPr b="0" lang="en-US" sz="1800" spc="-1" strike="noStrike">
                 <a:solidFill>
                   <a:srgbClr val="000000"/>
                 </a:solidFill>
+                <a:uFill>
+                  <a:solidFill>
+                    <a:srgbClr val="ffffff"/>
+                  </a:solidFill>
+                </a:uFill>
                 <a:latin typeface="Times New Roman"/>
                 <a:ea typeface="Calibri"/>
               </a:rPr>
               <a:t>Кафедра кибернетики</a:t>
             </a:r>
-            <a:endParaRPr/>
+            <a:endParaRPr b="0" lang="en-US" sz="1800" spc="-1" strike="noStrike">
+              <a:solidFill>
+                <a:srgbClr val="000000"/>
+              </a:solidFill>
+              <a:uFill>
+                <a:solidFill>
+                  <a:srgbClr val="ffffff"/>
+                </a:solidFill>
+              </a:uFill>
+              <a:latin typeface="Arial"/>
+            </a:endParaRPr>
           </a:p>
           <a:p>
             <a:pPr algn="ctr">
@@ -4243,7 +6164,17 @@
                 <a:spcPct val="100000"/>
               </a:lnSpc>
             </a:pPr>
-            <a:endParaRPr/>
+            <a:endParaRPr b="0" lang="en-US" sz="1800" spc="-1" strike="noStrike">
+              <a:solidFill>
+                <a:srgbClr val="000000"/>
+              </a:solidFill>
+              <a:uFill>
+                <a:solidFill>
+                  <a:srgbClr val="ffffff"/>
+                </a:solidFill>
+              </a:uFill>
+              <a:latin typeface="Arial"/>
+            </a:endParaRPr>
           </a:p>
           <a:p>
             <a:pPr>
@@ -4251,7 +6182,17 @@
                 <a:spcPct val="100000"/>
               </a:lnSpc>
             </a:pPr>
-            <a:endParaRPr/>
+            <a:endParaRPr b="0" lang="en-US" sz="1800" spc="-1" strike="noStrike">
+              <a:solidFill>
+                <a:srgbClr val="000000"/>
+              </a:solidFill>
+              <a:uFill>
+                <a:solidFill>
+                  <a:srgbClr val="ffffff"/>
+                </a:solidFill>
+              </a:uFill>
+              <a:latin typeface="Arial"/>
+            </a:endParaRPr>
           </a:p>
           <a:p>
             <a:pPr>
@@ -4259,7 +6200,17 @@
                 <a:spcPct val="100000"/>
               </a:lnSpc>
             </a:pPr>
-            <a:endParaRPr/>
+            <a:endParaRPr b="0" lang="en-US" sz="1800" spc="-1" strike="noStrike">
+              <a:solidFill>
+                <a:srgbClr val="000000"/>
+              </a:solidFill>
+              <a:uFill>
+                <a:solidFill>
+                  <a:srgbClr val="ffffff"/>
+                </a:solidFill>
+              </a:uFill>
+              <a:latin typeface="Arial"/>
+            </a:endParaRPr>
           </a:p>
           <a:p>
             <a:pPr>
@@ -4267,7 +6218,17 @@
                 <a:spcPct val="100000"/>
               </a:lnSpc>
             </a:pPr>
-            <a:endParaRPr/>
+            <a:endParaRPr b="0" lang="en-US" sz="1800" spc="-1" strike="noStrike">
+              <a:solidFill>
+                <a:srgbClr val="000000"/>
+              </a:solidFill>
+              <a:uFill>
+                <a:solidFill>
+                  <a:srgbClr val="ffffff"/>
+                </a:solidFill>
+              </a:uFill>
+              <a:latin typeface="Arial"/>
+            </a:endParaRPr>
           </a:p>
           <a:p>
             <a:pPr algn="ctr">
@@ -4276,16 +6237,31 @@
               </a:lnSpc>
             </a:pPr>
             <a:r>
-              <a:rPr lang="ru-RU" sz="2100">
+              <a:rPr b="0" lang="en-US" sz="2100" spc="-1" strike="noStrike">
                 <a:solidFill>
                   <a:srgbClr val="000000"/>
                 </a:solidFill>
+                <a:uFill>
+                  <a:solidFill>
+                    <a:srgbClr val="ffffff"/>
+                  </a:solidFill>
+                </a:uFill>
                 <a:latin typeface="Times New Roman"/>
                 <a:ea typeface="Calibri"/>
               </a:rPr>
               <a:t>Варфоломеев Владислав Александрович</a:t>
             </a:r>
-            <a:endParaRPr/>
+            <a:endParaRPr b="0" lang="en-US" sz="1800" spc="-1" strike="noStrike">
+              <a:solidFill>
+                <a:srgbClr val="000000"/>
+              </a:solidFill>
+              <a:uFill>
+                <a:solidFill>
+                  <a:srgbClr val="ffffff"/>
+                </a:solidFill>
+              </a:uFill>
+              <a:latin typeface="Arial"/>
+            </a:endParaRPr>
           </a:p>
           <a:p>
             <a:pPr algn="ctr">
@@ -4294,16 +6270,31 @@
               </a:lnSpc>
             </a:pPr>
             <a:r>
-              <a:rPr b="1" lang="ru-RU" sz="2400">
+              <a:rPr b="1" lang="en-US" sz="2400" spc="-1" strike="noStrike">
                 <a:solidFill>
                   <a:srgbClr val="000000"/>
                 </a:solidFill>
+                <a:uFill>
+                  <a:solidFill>
+                    <a:srgbClr val="ffffff"/>
+                  </a:solidFill>
+                </a:uFill>
                 <a:latin typeface="Times New Roman"/>
                 <a:ea typeface="Calibri"/>
               </a:rPr>
               <a:t>«Разработка интернет-магазина мобильных телефонов»</a:t>
             </a:r>
-            <a:endParaRPr/>
+            <a:endParaRPr b="0" lang="en-US" sz="1800" spc="-1" strike="noStrike">
+              <a:solidFill>
+                <a:srgbClr val="000000"/>
+              </a:solidFill>
+              <a:uFill>
+                <a:solidFill>
+                  <a:srgbClr val="ffffff"/>
+                </a:solidFill>
+              </a:uFill>
+              <a:latin typeface="Arial"/>
+            </a:endParaRPr>
           </a:p>
           <a:p>
             <a:pPr algn="ctr">
@@ -4312,16 +6303,31 @@
               </a:lnSpc>
             </a:pPr>
             <a:r>
-              <a:rPr lang="ru-RU" sz="2400">
+              <a:rPr b="0" lang="en-US" sz="2400" spc="-1" strike="noStrike">
                 <a:solidFill>
                   <a:srgbClr val="000000"/>
                 </a:solidFill>
+                <a:uFill>
+                  <a:solidFill>
+                    <a:srgbClr val="ffffff"/>
+                  </a:solidFill>
+                </a:uFill>
                 <a:latin typeface="Calibri"/>
                 <a:ea typeface="Calibri"/>
               </a:rPr>
               <a:t>Выпускная квалификационная работа</a:t>
             </a:r>
-            <a:endParaRPr/>
+            <a:endParaRPr b="0" lang="en-US" sz="1800" spc="-1" strike="noStrike">
+              <a:solidFill>
+                <a:srgbClr val="000000"/>
+              </a:solidFill>
+              <a:uFill>
+                <a:solidFill>
+                  <a:srgbClr val="ffffff"/>
+                </a:solidFill>
+              </a:uFill>
+              <a:latin typeface="Arial"/>
+            </a:endParaRPr>
           </a:p>
           <a:p>
             <a:pPr algn="ctr">
@@ -4330,16 +6336,31 @@
               </a:lnSpc>
             </a:pPr>
             <a:r>
-              <a:rPr lang="ru-RU" sz="2100">
+              <a:rPr b="0" lang="en-US" sz="2100" spc="-1" strike="noStrike">
                 <a:solidFill>
                   <a:srgbClr val="000000"/>
                 </a:solidFill>
+                <a:uFill>
+                  <a:solidFill>
+                    <a:srgbClr val="ffffff"/>
+                  </a:solidFill>
+                </a:uFill>
                 <a:latin typeface="Times New Roman"/>
                 <a:ea typeface="Calibri"/>
               </a:rPr>
               <a:t>cтудента группы СИБ-531-ЗИ-01, 4 курса заочной формы обучения</a:t>
             </a:r>
-            <a:endParaRPr/>
+            <a:endParaRPr b="0" lang="en-US" sz="1800" spc="-1" strike="noStrike">
+              <a:solidFill>
+                <a:srgbClr val="000000"/>
+              </a:solidFill>
+              <a:uFill>
+                <a:solidFill>
+                  <a:srgbClr val="ffffff"/>
+                </a:solidFill>
+              </a:uFill>
+              <a:latin typeface="Arial"/>
+            </a:endParaRPr>
           </a:p>
           <a:p>
             <a:pPr>
@@ -4347,7 +6368,17 @@
                 <a:spcPct val="100000"/>
               </a:lnSpc>
             </a:pPr>
-            <a:endParaRPr/>
+            <a:endParaRPr b="0" lang="en-US" sz="1800" spc="-1" strike="noStrike">
+              <a:solidFill>
+                <a:srgbClr val="000000"/>
+              </a:solidFill>
+              <a:uFill>
+                <a:solidFill>
+                  <a:srgbClr val="ffffff"/>
+                </a:solidFill>
+              </a:uFill>
+              <a:latin typeface="Arial"/>
+            </a:endParaRPr>
           </a:p>
           <a:p>
             <a:pPr>
@@ -4355,7 +6386,17 @@
                 <a:spcPct val="100000"/>
               </a:lnSpc>
             </a:pPr>
-            <a:endParaRPr/>
+            <a:endParaRPr b="0" lang="en-US" sz="1800" spc="-1" strike="noStrike">
+              <a:solidFill>
+                <a:srgbClr val="000000"/>
+              </a:solidFill>
+              <a:uFill>
+                <a:solidFill>
+                  <a:srgbClr val="ffffff"/>
+                </a:solidFill>
+              </a:uFill>
+              <a:latin typeface="Arial"/>
+            </a:endParaRPr>
           </a:p>
           <a:p>
             <a:pPr>
@@ -4363,7 +6404,17 @@
                 <a:spcPct val="100000"/>
               </a:lnSpc>
             </a:pPr>
-            <a:endParaRPr/>
+            <a:endParaRPr b="0" lang="en-US" sz="1800" spc="-1" strike="noStrike">
+              <a:solidFill>
+                <a:srgbClr val="000000"/>
+              </a:solidFill>
+              <a:uFill>
+                <a:solidFill>
+                  <a:srgbClr val="ffffff"/>
+                </a:solidFill>
+              </a:uFill>
+              <a:latin typeface="Arial"/>
+            </a:endParaRPr>
           </a:p>
           <a:p>
             <a:pPr>
@@ -4371,7 +6422,17 @@
                 <a:spcPct val="100000"/>
               </a:lnSpc>
             </a:pPr>
-            <a:endParaRPr/>
+            <a:endParaRPr b="0" lang="en-US" sz="1800" spc="-1" strike="noStrike">
+              <a:solidFill>
+                <a:srgbClr val="000000"/>
+              </a:solidFill>
+              <a:uFill>
+                <a:solidFill>
+                  <a:srgbClr val="ffffff"/>
+                </a:solidFill>
+              </a:uFill>
+              <a:latin typeface="Arial"/>
+            </a:endParaRPr>
           </a:p>
           <a:p>
             <a:pPr>
@@ -4380,16 +6441,31 @@
               </a:lnSpc>
             </a:pPr>
             <a:r>
-              <a:rPr lang="ru-RU" sz="1200">
+              <a:rPr b="0" lang="en-US" sz="1200" spc="-1" strike="noStrike">
                 <a:solidFill>
                   <a:srgbClr val="000000"/>
                 </a:solidFill>
+                <a:uFill>
+                  <a:solidFill>
+                    <a:srgbClr val="ffffff"/>
+                  </a:solidFill>
+                </a:uFill>
                 <a:latin typeface="Times New Roman"/>
                 <a:ea typeface="Calibri"/>
               </a:rPr>
               <a:t> </a:t>
             </a:r>
-            <a:endParaRPr/>
+            <a:endParaRPr b="0" lang="en-US" sz="1800" spc="-1" strike="noStrike">
+              <a:solidFill>
+                <a:srgbClr val="000000"/>
+              </a:solidFill>
+              <a:uFill>
+                <a:solidFill>
+                  <a:srgbClr val="ffffff"/>
+                </a:solidFill>
+              </a:uFill>
+              <a:latin typeface="Arial"/>
+            </a:endParaRPr>
           </a:p>
           <a:p>
             <a:pPr algn="r">
@@ -4398,46 +6474,76 @@
               </a:lnSpc>
             </a:pPr>
             <a:r>
-              <a:rPr lang="ru-RU" sz="2100">
+              <a:rPr b="0" lang="en-US" sz="2100" spc="-1" strike="noStrike">
                 <a:solidFill>
                   <a:srgbClr val="000000"/>
                 </a:solidFill>
+                <a:uFill>
+                  <a:solidFill>
+                    <a:srgbClr val="ffffff"/>
+                  </a:solidFill>
+                </a:uFill>
                 <a:latin typeface="Times New Roman"/>
                 <a:ea typeface="Calibri"/>
               </a:rPr>
               <a:t>	</a:t>
             </a:r>
             <a:r>
-              <a:rPr lang="ru-RU" sz="2100">
+              <a:rPr b="0" lang="en-US" sz="2100" spc="-1" strike="noStrike">
                 <a:solidFill>
                   <a:srgbClr val="000000"/>
                 </a:solidFill>
+                <a:uFill>
+                  <a:solidFill>
+                    <a:srgbClr val="ffffff"/>
+                  </a:solidFill>
+                </a:uFill>
                 <a:latin typeface="Times New Roman"/>
                 <a:ea typeface="Calibri"/>
               </a:rPr>
               <a:t>	</a:t>
             </a:r>
             <a:r>
-              <a:rPr lang="ru-RU" sz="2100">
+              <a:rPr b="0" lang="en-US" sz="2100" spc="-1" strike="noStrike">
                 <a:solidFill>
                   <a:srgbClr val="000000"/>
                 </a:solidFill>
+                <a:uFill>
+                  <a:solidFill>
+                    <a:srgbClr val="ffffff"/>
+                  </a:solidFill>
+                </a:uFill>
                 <a:latin typeface="Times New Roman"/>
                 <a:ea typeface="Calibri"/>
               </a:rPr>
               <a:t>	</a:t>
             </a:r>
             <a:r>
-              <a:rPr lang="ru-RU" sz="2100">
+              <a:rPr b="0" lang="en-US" sz="2100" spc="-1" strike="noStrike">
                 <a:solidFill>
                   <a:srgbClr val="000000"/>
                 </a:solidFill>
+                <a:uFill>
+                  <a:solidFill>
+                    <a:srgbClr val="ffffff"/>
+                  </a:solidFill>
+                </a:uFill>
                 <a:latin typeface="Times New Roman"/>
                 <a:ea typeface="Calibri"/>
               </a:rPr>
               <a:t>Научный руководитель   </a:t>
             </a:r>
-            <a:endParaRPr/>
+            <a:endParaRPr b="0" lang="en-US" sz="1800" spc="-1" strike="noStrike">
+              <a:solidFill>
+                <a:srgbClr val="000000"/>
+              </a:solidFill>
+              <a:uFill>
+                <a:solidFill>
+                  <a:srgbClr val="ffffff"/>
+                </a:solidFill>
+              </a:uFill>
+              <a:latin typeface="Arial"/>
+            </a:endParaRPr>
           </a:p>
           <a:p>
             <a:pPr>
@@ -4445,7 +6551,17 @@
                 <a:spcPct val="100000"/>
               </a:lnSpc>
             </a:pPr>
-            <a:endParaRPr/>
+            <a:endParaRPr b="0" lang="en-US" sz="1800" spc="-1" strike="noStrike">
+              <a:solidFill>
+                <a:srgbClr val="000000"/>
+              </a:solidFill>
+              <a:uFill>
+                <a:solidFill>
+                  <a:srgbClr val="ffffff"/>
+                </a:solidFill>
+              </a:uFill>
+              <a:latin typeface="Arial"/>
+            </a:endParaRPr>
           </a:p>
           <a:p>
             <a:pPr algn="r">
@@ -4454,16 +6570,31 @@
               </a:lnSpc>
             </a:pPr>
             <a:r>
-              <a:rPr lang="ru-RU" sz="2100">
+              <a:rPr b="0" lang="en-US" sz="2100" spc="-1" strike="noStrike">
                 <a:solidFill>
                   <a:srgbClr val="000000"/>
                 </a:solidFill>
+                <a:uFill>
+                  <a:solidFill>
+                    <a:srgbClr val="ffffff"/>
+                  </a:solidFill>
+                </a:uFill>
                 <a:latin typeface="Times New Roman"/>
                 <a:ea typeface="Times New Roman"/>
               </a:rPr>
               <a:t>д.ф. -м.н. Гуц А. К.  </a:t>
             </a:r>
-            <a:endParaRPr/>
+            <a:endParaRPr b="0" lang="en-US" sz="1800" spc="-1" strike="noStrike">
+              <a:solidFill>
+                <a:srgbClr val="000000"/>
+              </a:solidFill>
+              <a:uFill>
+                <a:solidFill>
+                  <a:srgbClr val="ffffff"/>
+                </a:solidFill>
+              </a:uFill>
+              <a:latin typeface="Arial"/>
+            </a:endParaRPr>
           </a:p>
           <a:p>
             <a:pPr>
@@ -4471,7 +6602,17 @@
                 <a:spcPct val="100000"/>
               </a:lnSpc>
             </a:pPr>
-            <a:endParaRPr/>
+            <a:endParaRPr b="0" lang="en-US" sz="1800" spc="-1" strike="noStrike">
+              <a:solidFill>
+                <a:srgbClr val="000000"/>
+              </a:solidFill>
+              <a:uFill>
+                <a:solidFill>
+                  <a:srgbClr val="ffffff"/>
+                </a:solidFill>
+              </a:uFill>
+              <a:latin typeface="Arial"/>
+            </a:endParaRPr>
           </a:p>
           <a:p>
             <a:pPr>
@@ -4479,7 +6620,17 @@
                 <a:spcPct val="100000"/>
               </a:lnSpc>
             </a:pPr>
-            <a:endParaRPr/>
+            <a:endParaRPr b="0" lang="en-US" sz="1800" spc="-1" strike="noStrike">
+              <a:solidFill>
+                <a:srgbClr val="000000"/>
+              </a:solidFill>
+              <a:uFill>
+                <a:solidFill>
+                  <a:srgbClr val="ffffff"/>
+                </a:solidFill>
+              </a:uFill>
+              <a:latin typeface="Arial"/>
+            </a:endParaRPr>
           </a:p>
           <a:p>
             <a:pPr>
@@ -4488,56 +6639,91 @@
               </a:lnSpc>
             </a:pPr>
             <a:r>
-              <a:rPr lang="ru-RU" sz="1200">
+              <a:rPr b="0" lang="en-US" sz="1200" spc="-1" strike="noStrike">
                 <a:solidFill>
                   <a:srgbClr val="000000"/>
                 </a:solidFill>
+                <a:uFill>
+                  <a:solidFill>
+                    <a:srgbClr val="ffffff"/>
+                  </a:solidFill>
+                </a:uFill>
                 <a:latin typeface="Times New Roman"/>
                 <a:ea typeface="Calibri"/>
               </a:rPr>
               <a:t>	</a:t>
             </a:r>
             <a:r>
-              <a:rPr lang="ru-RU" sz="1200">
+              <a:rPr b="0" lang="en-US" sz="1200" spc="-1" strike="noStrike">
                 <a:solidFill>
                   <a:srgbClr val="000000"/>
                 </a:solidFill>
+                <a:uFill>
+                  <a:solidFill>
+                    <a:srgbClr val="ffffff"/>
+                  </a:solidFill>
+                </a:uFill>
                 <a:latin typeface="Times New Roman"/>
                 <a:ea typeface="Calibri"/>
               </a:rPr>
               <a:t>	</a:t>
             </a:r>
             <a:r>
-              <a:rPr lang="ru-RU" sz="1200">
+              <a:rPr b="0" lang="en-US" sz="1200" spc="-1" strike="noStrike">
                 <a:solidFill>
                   <a:srgbClr val="000000"/>
                 </a:solidFill>
+                <a:uFill>
+                  <a:solidFill>
+                    <a:srgbClr val="ffffff"/>
+                  </a:solidFill>
+                </a:uFill>
                 <a:latin typeface="Times New Roman"/>
                 <a:ea typeface="Calibri"/>
               </a:rPr>
               <a:t>	</a:t>
             </a:r>
             <a:r>
-              <a:rPr lang="ru-RU" sz="1200">
+              <a:rPr b="0" lang="en-US" sz="1200" spc="-1" strike="noStrike">
                 <a:solidFill>
                   <a:srgbClr val="000000"/>
                 </a:solidFill>
+                <a:uFill>
+                  <a:solidFill>
+                    <a:srgbClr val="ffffff"/>
+                  </a:solidFill>
+                </a:uFill>
                 <a:latin typeface="Times New Roman"/>
                 <a:ea typeface="Calibri"/>
               </a:rPr>
               <a:t>	</a:t>
             </a:r>
             <a:r>
-              <a:rPr lang="ru-RU" sz="1200">
+              <a:rPr b="0" lang="en-US" sz="1200" spc="-1" strike="noStrike">
                 <a:solidFill>
                   <a:srgbClr val="000000"/>
                 </a:solidFill>
+                <a:uFill>
+                  <a:solidFill>
+                    <a:srgbClr val="ffffff"/>
+                  </a:solidFill>
+                </a:uFill>
                 <a:latin typeface="Times New Roman"/>
                 <a:ea typeface="Calibri"/>
               </a:rPr>
               <a:t>	</a:t>
             </a:r>
-            <a:endParaRPr/>
+            <a:endParaRPr b="0" lang="en-US" sz="1800" spc="-1" strike="noStrike">
+              <a:solidFill>
+                <a:srgbClr val="000000"/>
+              </a:solidFill>
+              <a:uFill>
+                <a:solidFill>
+                  <a:srgbClr val="ffffff"/>
+                </a:solidFill>
+              </a:uFill>
+              <a:latin typeface="Arial"/>
+            </a:endParaRPr>
           </a:p>
           <a:p>
             <a:pPr algn="ctr">
@@ -4546,16 +6732,31 @@
               </a:lnSpc>
             </a:pPr>
             <a:r>
-              <a:rPr lang="ru-RU" sz="1200">
+              <a:rPr b="0" lang="en-US" sz="1200" spc="-1" strike="noStrike">
                 <a:solidFill>
                   <a:srgbClr val="000000"/>
                 </a:solidFill>
+                <a:uFill>
+                  <a:solidFill>
+                    <a:srgbClr val="ffffff"/>
+                  </a:solidFill>
+                </a:uFill>
                 <a:latin typeface="Arial"/>
                 <a:ea typeface="Times New Roman"/>
               </a:rPr>
               <a:t>Омск 2019</a:t>
             </a:r>
-            <a:endParaRPr/>
+            <a:endParaRPr b="0" lang="en-US" sz="1800" spc="-1" strike="noStrike">
+              <a:solidFill>
+                <a:srgbClr val="000000"/>
+              </a:solidFill>
+              <a:uFill>
+                <a:solidFill>
+                  <a:srgbClr val="ffffff"/>
+                </a:solidFill>
+              </a:uFill>
+              <a:latin typeface="Arial"/>
+            </a:endParaRPr>
           </a:p>
           <a:p>
             <a:pPr algn="ctr">
@@ -4563,7 +6764,17 @@
                 <a:spcPct val="100000"/>
               </a:lnSpc>
             </a:pPr>
-            <a:endParaRPr/>
+            <a:endParaRPr b="0" lang="en-US" sz="1800" spc="-1" strike="noStrike">
+              <a:solidFill>
+                <a:srgbClr val="000000"/>
+              </a:solidFill>
+              <a:uFill>
+                <a:solidFill>
+                  <a:srgbClr val="ffffff"/>
+                </a:solidFill>
+              </a:uFill>
+              <a:latin typeface="Arial"/>
+            </a:endParaRPr>
           </a:p>
           <a:p>
             <a:pPr>
@@ -4571,7 +6782,17 @@
                 <a:spcPct val="100000"/>
               </a:lnSpc>
             </a:pPr>
-            <a:endParaRPr/>
+            <a:endParaRPr b="0" lang="en-US" sz="1800" spc="-1" strike="noStrike">
+              <a:solidFill>
+                <a:srgbClr val="000000"/>
+              </a:solidFill>
+              <a:uFill>
+                <a:solidFill>
+                  <a:srgbClr val="ffffff"/>
+                </a:solidFill>
+              </a:uFill>
+              <a:latin typeface="Arial"/>
+            </a:endParaRPr>
           </a:p>
         </p:txBody>
       </p:sp>
@@ -4608,7 +6829,7 @@
 </file>
 
 <file path=ppt/slides/slide10.xml><?xml version="1.0" encoding="utf-8"?>
-<p:sld xmlns:a="http://schemas.openxmlformats.org/drawingml/2006/main" xmlns:p="http://schemas.openxmlformats.org/presentationml/2006/main" xmlns:r="http://schemas.openxmlformats.org/officeDocument/2006/relationships">
+<p:sld xmlns:a="http://schemas.openxmlformats.org/drawingml/2006/main" xmlns:p="http://schemas.openxmlformats.org/presentationml/2006/main" xmlns:r="http://schemas.openxmlformats.org/officeDocument/2006/relationships" xmlns:p14="http://schemas.microsoft.com/office/powerpoint/2010/main" xmlns:p15="http://schemas.microsoft.com/office/powerpoint/2012/main" xmlns:mc="http://schemas.openxmlformats.org/markup-compatibility/2006">
   <p:cSld>
     <p:spTree>
       <p:nvGrpSpPr>
@@ -4626,14 +6847,14 @@
       </p:grpSpPr>
       <p:sp>
         <p:nvSpPr>
-          <p:cNvPr id="119" name="CustomShape 1"/>
+          <p:cNvPr id="125" name="CustomShape 1"/>
           <p:cNvSpPr/>
           <p:nvPr/>
         </p:nvSpPr>
         <p:spPr>
           <a:xfrm>
             <a:off x="16560" y="337320"/>
-            <a:ext cx="9142200" cy="1140120"/>
+            <a:ext cx="9141840" cy="1139760"/>
           </a:xfrm>
           <a:prstGeom prst="rect">
             <a:avLst/>
@@ -4643,6 +6864,12 @@
             <a:noFill/>
           </a:ln>
         </p:spPr>
+        <p:style>
+          <a:lnRef idx="0"/>
+          <a:fillRef idx="0"/>
+          <a:effectRef idx="0"/>
+          <a:fontRef idx="minor"/>
+        </p:style>
         <p:txBody>
           <a:bodyPr lIns="90000" rIns="90000" tIns="45000" bIns="45000" anchor="ctr"/>
           <a:p>
@@ -4652,35 +6879,48 @@
               </a:lnSpc>
             </a:pPr>
             <a:r>
-              <a:rPr lang="ru-RU" sz="2800">
+              <a:rPr b="0" lang="en-US" sz="3600" spc="-1" strike="noStrike">
                 <a:solidFill>
                   <a:srgbClr val="000000"/>
                 </a:solidFill>
+                <a:uFill>
+                  <a:solidFill>
+                    <a:srgbClr val="ffffff"/>
+                  </a:solidFill>
+                </a:uFill>
                 <a:latin typeface="Times New Roman"/>
                 <a:ea typeface="DejaVu Sans"/>
               </a:rPr>
               <a:t>Используемые технологии</a:t>
             </a:r>
-            <a:endParaRPr/>
+            <a:endParaRPr b="0" lang="en-US" sz="3600" spc="-1" strike="noStrike">
+              <a:solidFill>
+                <a:srgbClr val="000000"/>
+              </a:solidFill>
+              <a:uFill>
+                <a:solidFill>
+                  <a:srgbClr val="ffffff"/>
+                </a:solidFill>
+              </a:uFill>
+              <a:latin typeface="Arial"/>
+            </a:endParaRPr>
           </a:p>
         </p:txBody>
       </p:sp>
       <p:pic>
         <p:nvPicPr>
-          <p:cNvPr id="120" name="" descr=""/>
+          <p:cNvPr id="126" name="" descr=""/>
           <p:cNvPicPr/>
           <p:nvPr/>
         </p:nvPicPr>
         <p:blipFill>
           <a:blip r:embed="rId1"/>
-          <a:stretch>
-            <a:fillRect/>
-          </a:stretch>
+          <a:stretch/>
         </p:blipFill>
         <p:spPr>
           <a:xfrm>
             <a:off x="1296000" y="1349640"/>
-            <a:ext cx="3166200" cy="1708560"/>
+            <a:ext cx="3165840" cy="1708200"/>
           </a:xfrm>
           <a:prstGeom prst="rect">
             <a:avLst/>
@@ -4692,20 +6932,18 @@
       </p:pic>
       <p:pic>
         <p:nvPicPr>
-          <p:cNvPr id="121" name="" descr=""/>
+          <p:cNvPr id="127" name="" descr=""/>
           <p:cNvPicPr/>
           <p:nvPr/>
         </p:nvPicPr>
         <p:blipFill>
           <a:blip r:embed="rId2"/>
-          <a:stretch>
-            <a:fillRect/>
-          </a:stretch>
+          <a:stretch/>
         </p:blipFill>
         <p:spPr>
           <a:xfrm>
             <a:off x="5832000" y="1351080"/>
-            <a:ext cx="1679760" cy="1779120"/>
+            <a:ext cx="1679400" cy="1778760"/>
           </a:xfrm>
           <a:prstGeom prst="rect">
             <a:avLst/>
@@ -4717,20 +6955,18 @@
       </p:pic>
       <p:pic>
         <p:nvPicPr>
-          <p:cNvPr id="122" name="" descr=""/>
+          <p:cNvPr id="128" name="" descr=""/>
           <p:cNvPicPr/>
           <p:nvPr/>
         </p:nvPicPr>
         <p:blipFill>
           <a:blip r:embed="rId3"/>
-          <a:stretch>
-            <a:fillRect/>
-          </a:stretch>
+          <a:stretch/>
         </p:blipFill>
         <p:spPr>
           <a:xfrm>
             <a:off x="1044000" y="3636000"/>
-            <a:ext cx="3238200" cy="1086120"/>
+            <a:ext cx="3237840" cy="1085760"/>
           </a:xfrm>
           <a:prstGeom prst="rect">
             <a:avLst/>
@@ -4742,20 +6978,18 @@
       </p:pic>
       <p:pic>
         <p:nvPicPr>
-          <p:cNvPr id="123" name="" descr=""/>
+          <p:cNvPr id="129" name="" descr=""/>
           <p:cNvPicPr/>
           <p:nvPr/>
         </p:nvPicPr>
         <p:blipFill>
           <a:blip r:embed="rId4"/>
-          <a:stretch>
-            <a:fillRect/>
-          </a:stretch>
+          <a:stretch/>
         </p:blipFill>
         <p:spPr>
           <a:xfrm>
             <a:off x="4320000" y="3240000"/>
-            <a:ext cx="4462200" cy="1876680"/>
+            <a:ext cx="4461840" cy="1876320"/>
           </a:xfrm>
           <a:prstGeom prst="rect">
             <a:avLst/>
@@ -4798,7 +7032,7 @@
 </file>
 
 <file path=ppt/slides/slide11.xml><?xml version="1.0" encoding="utf-8"?>
-<p:sld xmlns:a="http://schemas.openxmlformats.org/drawingml/2006/main" xmlns:p="http://schemas.openxmlformats.org/presentationml/2006/main" xmlns:r="http://schemas.openxmlformats.org/officeDocument/2006/relationships">
+<p:sld xmlns:a="http://schemas.openxmlformats.org/drawingml/2006/main" xmlns:p="http://schemas.openxmlformats.org/presentationml/2006/main" xmlns:r="http://schemas.openxmlformats.org/officeDocument/2006/relationships" xmlns:p14="http://schemas.microsoft.com/office/powerpoint/2010/main" xmlns:p15="http://schemas.microsoft.com/office/powerpoint/2012/main" xmlns:mc="http://schemas.openxmlformats.org/markup-compatibility/2006">
   <p:cSld>
     <p:spTree>
       <p:nvGrpSpPr>
@@ -4816,20 +7050,18 @@
       </p:grpSpPr>
       <p:pic>
         <p:nvPicPr>
-          <p:cNvPr id="124" name="" descr=""/>
+          <p:cNvPr id="130" name="" descr=""/>
           <p:cNvPicPr/>
           <p:nvPr/>
         </p:nvPicPr>
         <p:blipFill>
           <a:blip r:embed="rId1"/>
-          <a:stretch>
-            <a:fillRect/>
-          </a:stretch>
+          <a:stretch/>
         </p:blipFill>
         <p:spPr>
           <a:xfrm>
             <a:off x="144000" y="1223640"/>
-            <a:ext cx="8855640" cy="4550040"/>
+            <a:ext cx="8855280" cy="4549680"/>
           </a:xfrm>
           <a:prstGeom prst="rect">
             <a:avLst/>
@@ -4841,14 +7073,14 @@
       </p:pic>
       <p:sp>
         <p:nvSpPr>
-          <p:cNvPr id="125" name="CustomShape 1"/>
+          <p:cNvPr id="131" name="CustomShape 1"/>
           <p:cNvSpPr/>
           <p:nvPr/>
         </p:nvSpPr>
         <p:spPr>
           <a:xfrm>
             <a:off x="16560" y="337320"/>
-            <a:ext cx="9142200" cy="1140120"/>
+            <a:ext cx="9141840" cy="1139760"/>
           </a:xfrm>
           <a:prstGeom prst="rect">
             <a:avLst/>
@@ -4858,6 +7090,12 @@
             <a:noFill/>
           </a:ln>
         </p:spPr>
+        <p:style>
+          <a:lnRef idx="0"/>
+          <a:fillRef idx="0"/>
+          <a:effectRef idx="0"/>
+          <a:fontRef idx="minor"/>
+        </p:style>
         <p:txBody>
           <a:bodyPr lIns="90000" rIns="90000" tIns="45000" bIns="45000" anchor="ctr"/>
           <a:p>
@@ -4867,16 +7105,31 @@
               </a:lnSpc>
             </a:pPr>
             <a:r>
-              <a:rPr lang="ru-RU" sz="2800">
+              <a:rPr b="0" lang="en-US" sz="3600" spc="-1" strike="noStrike">
                 <a:solidFill>
                   <a:srgbClr val="000000"/>
                 </a:solidFill>
+                <a:uFill>
+                  <a:solidFill>
+                    <a:srgbClr val="ffffff"/>
+                  </a:solidFill>
+                </a:uFill>
                 <a:latin typeface="Times New Roman"/>
                 <a:ea typeface="DejaVu Sans"/>
               </a:rPr>
-              <a:t>Добавление товара через панель администратора</a:t>
+              <a:t>Интерфейс администратора</a:t>
             </a:r>
-            <a:endParaRPr/>
+            <a:endParaRPr b="0" lang="en-US" sz="3600" spc="-1" strike="noStrike">
+              <a:solidFill>
+                <a:srgbClr val="000000"/>
+              </a:solidFill>
+              <a:uFill>
+                <a:solidFill>
+                  <a:srgbClr val="ffffff"/>
+                </a:solidFill>
+              </a:uFill>
+              <a:latin typeface="Arial"/>
+            </a:endParaRPr>
           </a:p>
         </p:txBody>
       </p:sp>
@@ -4913,7 +7166,7 @@
 </file>
 
 <file path=ppt/slides/slide12.xml><?xml version="1.0" encoding="utf-8"?>
-<p:sld xmlns:a="http://schemas.openxmlformats.org/drawingml/2006/main" xmlns:p="http://schemas.openxmlformats.org/presentationml/2006/main" xmlns:r="http://schemas.openxmlformats.org/officeDocument/2006/relationships">
+<p:sld xmlns:a="http://schemas.openxmlformats.org/drawingml/2006/main" xmlns:p="http://schemas.openxmlformats.org/presentationml/2006/main" xmlns:r="http://schemas.openxmlformats.org/officeDocument/2006/relationships" xmlns:p14="http://schemas.microsoft.com/office/powerpoint/2010/main" xmlns:p15="http://schemas.microsoft.com/office/powerpoint/2012/main" xmlns:mc="http://schemas.openxmlformats.org/markup-compatibility/2006">
   <p:cSld>
     <p:spTree>
       <p:nvGrpSpPr>
@@ -4931,20 +7184,18 @@
       </p:grpSpPr>
       <p:pic>
         <p:nvPicPr>
-          <p:cNvPr id="126" name="" descr=""/>
+          <p:cNvPr id="132" name="" descr=""/>
           <p:cNvPicPr/>
           <p:nvPr/>
         </p:nvPicPr>
         <p:blipFill>
           <a:blip r:embed="rId1"/>
-          <a:stretch>
-            <a:fillRect/>
-          </a:stretch>
+          <a:stretch/>
         </p:blipFill>
         <p:spPr>
           <a:xfrm>
             <a:off x="1271520" y="36000"/>
-            <a:ext cx="6600960" cy="6784200"/>
+            <a:ext cx="6600600" cy="6783840"/>
           </a:xfrm>
           <a:prstGeom prst="rect">
             <a:avLst/>
@@ -4987,7 +7238,7 @@
 </file>
 
 <file path=ppt/slides/slide13.xml><?xml version="1.0" encoding="utf-8"?>
-<p:sld xmlns:a="http://schemas.openxmlformats.org/drawingml/2006/main" xmlns:p="http://schemas.openxmlformats.org/presentationml/2006/main" xmlns:r="http://schemas.openxmlformats.org/officeDocument/2006/relationships">
+<p:sld xmlns:a="http://schemas.openxmlformats.org/drawingml/2006/main" xmlns:p="http://schemas.openxmlformats.org/presentationml/2006/main" xmlns:r="http://schemas.openxmlformats.org/officeDocument/2006/relationships" xmlns:p14="http://schemas.microsoft.com/office/powerpoint/2010/main" xmlns:p15="http://schemas.microsoft.com/office/powerpoint/2012/main" xmlns:mc="http://schemas.openxmlformats.org/markup-compatibility/2006">
   <p:cSld>
     <p:spTree>
       <p:nvGrpSpPr>
@@ -5005,7 +7256,7 @@
       </p:grpSpPr>
       <p:pic>
         <p:nvPicPr>
-          <p:cNvPr id="127" name="Содержимое 3" descr=""/>
+          <p:cNvPr id="133" name="Содержимое 3" descr=""/>
           <p:cNvPicPr/>
           <p:nvPr/>
         </p:nvPicPr>
@@ -5013,15 +7264,13 @@
           <a:blip r:embed="rId1">
             <a:lum contrast="20000"/>
           </a:blip>
-          <a:srcRect l="31831" t="-2385600" r="-10432" b="-1972482"/>
-          <a:stretch>
-            <a:fillRect/>
-          </a:stretch>
+          <a:srcRect l="31836" t="-2385898" r="-10434" b="-1972729"/>
+          <a:stretch/>
         </p:blipFill>
         <p:spPr>
           <a:xfrm>
             <a:off x="1386720" y="1600200"/>
-            <a:ext cx="6368040" cy="4523040"/>
+            <a:ext cx="6367680" cy="4522680"/>
           </a:xfrm>
           <a:prstGeom prst="rect">
             <a:avLst/>
@@ -5033,20 +7282,18 @@
       </p:pic>
       <p:pic>
         <p:nvPicPr>
-          <p:cNvPr id="128" name="" descr=""/>
+          <p:cNvPr id="134" name="" descr=""/>
           <p:cNvPicPr/>
           <p:nvPr/>
         </p:nvPicPr>
         <p:blipFill>
           <a:blip r:embed="rId2"/>
-          <a:stretch>
-            <a:fillRect/>
-          </a:stretch>
+          <a:stretch/>
         </p:blipFill>
         <p:spPr>
           <a:xfrm>
             <a:off x="5256000" y="3596400"/>
-            <a:ext cx="2865240" cy="2522160"/>
+            <a:ext cx="2864880" cy="2521800"/>
           </a:xfrm>
           <a:prstGeom prst="rect">
             <a:avLst/>
@@ -5058,20 +7305,18 @@
       </p:pic>
       <p:pic>
         <p:nvPicPr>
-          <p:cNvPr id="129" name="" descr=""/>
+          <p:cNvPr id="135" name="" descr=""/>
           <p:cNvPicPr/>
           <p:nvPr/>
         </p:nvPicPr>
         <p:blipFill>
           <a:blip r:embed="rId3"/>
-          <a:stretch>
-            <a:fillRect/>
-          </a:stretch>
+          <a:stretch/>
         </p:blipFill>
         <p:spPr>
           <a:xfrm>
             <a:off x="307800" y="154440"/>
-            <a:ext cx="5162760" cy="3488760"/>
+            <a:ext cx="5162400" cy="3488400"/>
           </a:xfrm>
           <a:prstGeom prst="rect">
             <a:avLst/>
@@ -5114,7 +7359,7 @@
 </file>
 
 <file path=ppt/slides/slide14.xml><?xml version="1.0" encoding="utf-8"?>
-<p:sld xmlns:a="http://schemas.openxmlformats.org/drawingml/2006/main" xmlns:p="http://schemas.openxmlformats.org/presentationml/2006/main" xmlns:r="http://schemas.openxmlformats.org/officeDocument/2006/relationships">
+<p:sld xmlns:a="http://schemas.openxmlformats.org/drawingml/2006/main" xmlns:p="http://schemas.openxmlformats.org/presentationml/2006/main" xmlns:r="http://schemas.openxmlformats.org/officeDocument/2006/relationships" xmlns:p14="http://schemas.microsoft.com/office/powerpoint/2010/main" xmlns:p15="http://schemas.microsoft.com/office/powerpoint/2012/main" xmlns:mc="http://schemas.openxmlformats.org/markup-compatibility/2006">
   <p:cSld>
     <p:spTree>
       <p:nvGrpSpPr>
@@ -5132,21 +7377,19 @@
       </p:grpSpPr>
       <p:pic>
         <p:nvPicPr>
-          <p:cNvPr id="130" name="Содержимое 3" descr=""/>
+          <p:cNvPr id="136" name="Содержимое 3" descr=""/>
           <p:cNvPicPr/>
           <p:nvPr/>
         </p:nvPicPr>
         <p:blipFill>
           <a:blip r:embed="rId1"/>
-          <a:srcRect l="495454" t="491078" r="-674040" b="-683194"/>
-          <a:stretch>
-            <a:fillRect/>
-          </a:stretch>
+          <a:srcRect l="495524" t="491139" r="-674136" b="-683278"/>
+          <a:stretch/>
         </p:blipFill>
         <p:spPr>
           <a:xfrm>
             <a:off x="1143000" y="928800"/>
-            <a:ext cx="7069320" cy="5667120"/>
+            <a:ext cx="7068960" cy="5666760"/>
           </a:xfrm>
           <a:prstGeom prst="rect">
             <a:avLst/>
@@ -5158,20 +7401,18 @@
       </p:pic>
       <p:pic>
         <p:nvPicPr>
-          <p:cNvPr id="131" name="" descr=""/>
+          <p:cNvPr id="137" name="" descr=""/>
           <p:cNvPicPr/>
           <p:nvPr/>
         </p:nvPicPr>
         <p:blipFill>
           <a:blip r:embed="rId2"/>
-          <a:stretch>
-            <a:fillRect/>
-          </a:stretch>
+          <a:stretch/>
         </p:blipFill>
         <p:spPr>
           <a:xfrm>
             <a:off x="0" y="1215000"/>
-            <a:ext cx="9142200" cy="4426200"/>
+            <a:ext cx="9141840" cy="4425840"/>
           </a:xfrm>
           <a:prstGeom prst="rect">
             <a:avLst/>
@@ -5183,14 +7424,14 @@
       </p:pic>
       <p:sp>
         <p:nvSpPr>
-          <p:cNvPr id="132" name="CustomShape 1"/>
+          <p:cNvPr id="138" name="CustomShape 1"/>
           <p:cNvSpPr/>
           <p:nvPr/>
         </p:nvSpPr>
         <p:spPr>
           <a:xfrm>
             <a:off x="40320" y="354960"/>
-            <a:ext cx="9142200" cy="1140120"/>
+            <a:ext cx="9141840" cy="1139760"/>
           </a:xfrm>
           <a:prstGeom prst="rect">
             <a:avLst/>
@@ -5200,6 +7441,12 @@
             <a:noFill/>
           </a:ln>
         </p:spPr>
+        <p:style>
+          <a:lnRef idx="0"/>
+          <a:fillRef idx="0"/>
+          <a:effectRef idx="0"/>
+          <a:fontRef idx="minor"/>
+        </p:style>
         <p:txBody>
           <a:bodyPr lIns="90000" rIns="90000" tIns="45000" bIns="45000" anchor="ctr"/>
           <a:p>
@@ -5209,16 +7456,31 @@
               </a:lnSpc>
             </a:pPr>
             <a:r>
-              <a:rPr lang="ru-RU" sz="2800">
+              <a:rPr b="0" lang="en-US" sz="3600" spc="-1" strike="noStrike">
                 <a:solidFill>
                   <a:srgbClr val="000000"/>
                 </a:solidFill>
+                <a:uFill>
+                  <a:solidFill>
+                    <a:srgbClr val="ffffff"/>
+                  </a:solidFill>
+                </a:uFill>
                 <a:latin typeface="Times New Roman"/>
                 <a:ea typeface="DejaVu Sans"/>
               </a:rPr>
               <a:t>Страница с описанием товара</a:t>
             </a:r>
-            <a:endParaRPr/>
+            <a:endParaRPr b="0" lang="en-US" sz="3600" spc="-1" strike="noStrike">
+              <a:solidFill>
+                <a:srgbClr val="000000"/>
+              </a:solidFill>
+              <a:uFill>
+                <a:solidFill>
+                  <a:srgbClr val="ffffff"/>
+                </a:solidFill>
+              </a:uFill>
+              <a:latin typeface="Arial"/>
+            </a:endParaRPr>
           </a:p>
         </p:txBody>
       </p:sp>
@@ -5255,7 +7517,7 @@
 </file>
 
 <file path=ppt/slides/slide15.xml><?xml version="1.0" encoding="utf-8"?>
-<p:sld xmlns:a="http://schemas.openxmlformats.org/drawingml/2006/main" xmlns:p="http://schemas.openxmlformats.org/presentationml/2006/main" xmlns:r="http://schemas.openxmlformats.org/officeDocument/2006/relationships">
+<p:sld xmlns:a="http://schemas.openxmlformats.org/drawingml/2006/main" xmlns:p="http://schemas.openxmlformats.org/presentationml/2006/main" xmlns:r="http://schemas.openxmlformats.org/officeDocument/2006/relationships" xmlns:p14="http://schemas.microsoft.com/office/powerpoint/2010/main" xmlns:p15="http://schemas.microsoft.com/office/powerpoint/2012/main" xmlns:mc="http://schemas.openxmlformats.org/markup-compatibility/2006">
   <p:cSld>
     <p:spTree>
       <p:nvGrpSpPr>
@@ -5273,20 +7535,18 @@
       </p:grpSpPr>
       <p:pic>
         <p:nvPicPr>
-          <p:cNvPr id="133" name="" descr=""/>
+          <p:cNvPr id="139" name="" descr=""/>
           <p:cNvPicPr/>
           <p:nvPr/>
         </p:nvPicPr>
         <p:blipFill>
           <a:blip r:embed="rId1"/>
-          <a:stretch>
-            <a:fillRect/>
-          </a:stretch>
+          <a:stretch/>
         </p:blipFill>
         <p:spPr>
           <a:xfrm>
             <a:off x="180000" y="247680"/>
-            <a:ext cx="8857800" cy="6302880"/>
+            <a:ext cx="8857440" cy="6302520"/>
           </a:xfrm>
           <a:prstGeom prst="rect">
             <a:avLst/>
@@ -5329,7 +7589,7 @@
 </file>
 
 <file path=ppt/slides/slide16.xml><?xml version="1.0" encoding="utf-8"?>
-<p:sld xmlns:a="http://schemas.openxmlformats.org/drawingml/2006/main" xmlns:p="http://schemas.openxmlformats.org/presentationml/2006/main" xmlns:r="http://schemas.openxmlformats.org/officeDocument/2006/relationships">
+<p:sld xmlns:a="http://schemas.openxmlformats.org/drawingml/2006/main" xmlns:p="http://schemas.openxmlformats.org/presentationml/2006/main" xmlns:r="http://schemas.openxmlformats.org/officeDocument/2006/relationships" xmlns:p14="http://schemas.microsoft.com/office/powerpoint/2010/main" xmlns:p15="http://schemas.microsoft.com/office/powerpoint/2012/main" xmlns:mc="http://schemas.openxmlformats.org/markup-compatibility/2006">
   <p:cSld>
     <p:spTree>
       <p:nvGrpSpPr>
@@ -5347,21 +7607,19 @@
       </p:grpSpPr>
       <p:pic>
         <p:nvPicPr>
-          <p:cNvPr id="134" name="Содержимое 3" descr=""/>
+          <p:cNvPr id="140" name="Содержимое 3" descr=""/>
           <p:cNvPicPr/>
           <p:nvPr/>
         </p:nvPicPr>
         <p:blipFill>
           <a:blip r:embed="rId1"/>
-          <a:srcRect l="-741004" t="1310106" r="228564" b="-1841074"/>
-          <a:stretch>
-            <a:fillRect/>
-          </a:stretch>
+          <a:srcRect l="-741110" t="1310272" r="228597" b="-1841305"/>
+          <a:stretch/>
         </p:blipFill>
         <p:spPr>
           <a:xfrm>
             <a:off x="1000080" y="1285920"/>
-            <a:ext cx="7283880" cy="5283720"/>
+            <a:ext cx="7283520" cy="5283360"/>
           </a:xfrm>
           <a:prstGeom prst="rect">
             <a:avLst/>
@@ -5373,20 +7631,18 @@
       </p:pic>
       <p:pic>
         <p:nvPicPr>
-          <p:cNvPr id="135" name="" descr=""/>
+          <p:cNvPr id="141" name="" descr=""/>
           <p:cNvPicPr/>
           <p:nvPr/>
         </p:nvPicPr>
         <p:blipFill>
           <a:blip r:embed="rId2"/>
-          <a:stretch>
-            <a:fillRect/>
-          </a:stretch>
+          <a:stretch/>
         </p:blipFill>
         <p:spPr>
           <a:xfrm>
             <a:off x="144000" y="222120"/>
-            <a:ext cx="4379760" cy="1360440"/>
+            <a:ext cx="4379400" cy="1360080"/>
           </a:xfrm>
           <a:prstGeom prst="rect">
             <a:avLst/>
@@ -5398,20 +7654,18 @@
       </p:pic>
       <p:pic>
         <p:nvPicPr>
-          <p:cNvPr id="136" name="" descr=""/>
+          <p:cNvPr id="142" name="" descr=""/>
           <p:cNvPicPr/>
           <p:nvPr/>
         </p:nvPicPr>
         <p:blipFill>
           <a:blip r:embed="rId3"/>
-          <a:stretch>
-            <a:fillRect/>
-          </a:stretch>
+          <a:stretch/>
         </p:blipFill>
         <p:spPr>
           <a:xfrm>
             <a:off x="288000" y="1285920"/>
-            <a:ext cx="3878280" cy="5120640"/>
+            <a:ext cx="3877920" cy="5120280"/>
           </a:xfrm>
           <a:prstGeom prst="rect">
             <a:avLst/>
@@ -5423,20 +7677,18 @@
       </p:pic>
       <p:pic>
         <p:nvPicPr>
-          <p:cNvPr id="137" name="" descr=""/>
+          <p:cNvPr id="143" name="" descr=""/>
           <p:cNvPicPr/>
           <p:nvPr/>
         </p:nvPicPr>
         <p:blipFill>
           <a:blip r:embed="rId4"/>
-          <a:stretch>
-            <a:fillRect/>
-          </a:stretch>
+          <a:stretch/>
         </p:blipFill>
         <p:spPr>
           <a:xfrm>
             <a:off x="4572000" y="1285920"/>
-            <a:ext cx="4284360" cy="5065560"/>
+            <a:ext cx="4284000" cy="5065200"/>
           </a:xfrm>
           <a:prstGeom prst="rect">
             <a:avLst/>
@@ -5448,20 +7700,18 @@
       </p:pic>
       <p:pic>
         <p:nvPicPr>
-          <p:cNvPr id="138" name="" descr=""/>
+          <p:cNvPr id="144" name="" descr=""/>
           <p:cNvPicPr/>
           <p:nvPr/>
         </p:nvPicPr>
         <p:blipFill>
           <a:blip r:embed="rId5"/>
-          <a:stretch>
-            <a:fillRect/>
-          </a:stretch>
+          <a:stretch/>
         </p:blipFill>
         <p:spPr>
           <a:xfrm>
             <a:off x="6192000" y="288000"/>
-            <a:ext cx="2617560" cy="817200"/>
+            <a:ext cx="2617200" cy="816840"/>
           </a:xfrm>
           <a:prstGeom prst="rect">
             <a:avLst/>
@@ -5504,7 +7754,7 @@
 </file>
 
 <file path=ppt/slides/slide17.xml><?xml version="1.0" encoding="utf-8"?>
-<p:sld xmlns:a="http://schemas.openxmlformats.org/drawingml/2006/main" xmlns:p="http://schemas.openxmlformats.org/presentationml/2006/main" xmlns:r="http://schemas.openxmlformats.org/officeDocument/2006/relationships">
+<p:sld xmlns:a="http://schemas.openxmlformats.org/drawingml/2006/main" xmlns:p="http://schemas.openxmlformats.org/presentationml/2006/main" xmlns:r="http://schemas.openxmlformats.org/officeDocument/2006/relationships" xmlns:p14="http://schemas.microsoft.com/office/powerpoint/2010/main" xmlns:p15="http://schemas.microsoft.com/office/powerpoint/2012/main" xmlns:mc="http://schemas.openxmlformats.org/markup-compatibility/2006">
   <p:cSld>
     <p:spTree>
       <p:nvGrpSpPr>
@@ -5522,20 +7772,18 @@
       </p:grpSpPr>
       <p:pic>
         <p:nvPicPr>
-          <p:cNvPr id="139" name="" descr=""/>
+          <p:cNvPr id="145" name="" descr=""/>
           <p:cNvPicPr/>
           <p:nvPr/>
         </p:nvPicPr>
         <p:blipFill>
           <a:blip r:embed="rId1"/>
-          <a:stretch>
-            <a:fillRect/>
-          </a:stretch>
+          <a:stretch/>
         </p:blipFill>
         <p:spPr>
           <a:xfrm>
             <a:off x="1419480" y="1400400"/>
-            <a:ext cx="6412680" cy="4106160"/>
+            <a:ext cx="6412320" cy="4105800"/>
           </a:xfrm>
           <a:prstGeom prst="rect">
             <a:avLst/>
@@ -5547,14 +7795,14 @@
       </p:pic>
       <p:sp>
         <p:nvSpPr>
-          <p:cNvPr id="140" name="CustomShape 1"/>
+          <p:cNvPr id="146" name="CustomShape 1"/>
           <p:cNvSpPr/>
           <p:nvPr/>
         </p:nvSpPr>
         <p:spPr>
           <a:xfrm>
             <a:off x="31680" y="291240"/>
-            <a:ext cx="9142200" cy="1140120"/>
+            <a:ext cx="9141840" cy="1139760"/>
           </a:xfrm>
           <a:prstGeom prst="rect">
             <a:avLst/>
@@ -5564,6 +7812,12 @@
             <a:noFill/>
           </a:ln>
         </p:spPr>
+        <p:style>
+          <a:lnRef idx="0"/>
+          <a:fillRef idx="0"/>
+          <a:effectRef idx="0"/>
+          <a:fontRef idx="minor"/>
+        </p:style>
         <p:txBody>
           <a:bodyPr lIns="90000" rIns="90000" tIns="45000" bIns="45000" anchor="ctr"/>
           <a:p>
@@ -5573,16 +7827,31 @@
               </a:lnSpc>
             </a:pPr>
             <a:r>
-              <a:rPr lang="ru-RU" sz="2800">
+              <a:rPr b="0" lang="en-US" sz="3600" spc="-1" strike="noStrike">
                 <a:solidFill>
                   <a:srgbClr val="000000"/>
                 </a:solidFill>
+                <a:uFill>
+                  <a:solidFill>
+                    <a:srgbClr val="ffffff"/>
+                  </a:solidFill>
+                </a:uFill>
                 <a:latin typeface="Times New Roman"/>
                 <a:ea typeface="DejaVu Sans"/>
               </a:rPr>
               <a:t>Пример письма с заказом</a:t>
             </a:r>
-            <a:endParaRPr/>
+            <a:endParaRPr b="0" lang="en-US" sz="3600" spc="-1" strike="noStrike">
+              <a:solidFill>
+                <a:srgbClr val="000000"/>
+              </a:solidFill>
+              <a:uFill>
+                <a:solidFill>
+                  <a:srgbClr val="ffffff"/>
+                </a:solidFill>
+              </a:uFill>
+              <a:latin typeface="Arial"/>
+            </a:endParaRPr>
           </a:p>
         </p:txBody>
       </p:sp>
@@ -5619,7 +7888,7 @@
 </file>
 
 <file path=ppt/slides/slide18.xml><?xml version="1.0" encoding="utf-8"?>
-<p:sld xmlns:a="http://schemas.openxmlformats.org/drawingml/2006/main" xmlns:p="http://schemas.openxmlformats.org/presentationml/2006/main" xmlns:r="http://schemas.openxmlformats.org/officeDocument/2006/relationships">
+<p:sld xmlns:a="http://schemas.openxmlformats.org/drawingml/2006/main" xmlns:p="http://schemas.openxmlformats.org/presentationml/2006/main" xmlns:r="http://schemas.openxmlformats.org/officeDocument/2006/relationships" xmlns:p14="http://schemas.microsoft.com/office/powerpoint/2010/main" xmlns:p15="http://schemas.microsoft.com/office/powerpoint/2012/main" xmlns:mc="http://schemas.openxmlformats.org/markup-compatibility/2006">
   <p:cSld>
     <p:spTree>
       <p:nvGrpSpPr>
@@ -5637,14 +7906,14 @@
       </p:grpSpPr>
       <p:sp>
         <p:nvSpPr>
-          <p:cNvPr id="141" name="CustomShape 1"/>
+          <p:cNvPr id="147" name="CustomShape 1"/>
           <p:cNvSpPr/>
           <p:nvPr/>
         </p:nvSpPr>
         <p:spPr>
           <a:xfrm>
             <a:off x="40320" y="354960"/>
-            <a:ext cx="9142200" cy="1140120"/>
+            <a:ext cx="9141840" cy="1139760"/>
           </a:xfrm>
           <a:prstGeom prst="rect">
             <a:avLst/>
@@ -5654,6 +7923,12 @@
             <a:noFill/>
           </a:ln>
         </p:spPr>
+        <p:style>
+          <a:lnRef idx="0"/>
+          <a:fillRef idx="0"/>
+          <a:effectRef idx="0"/>
+          <a:fontRef idx="minor"/>
+        </p:style>
         <p:txBody>
           <a:bodyPr lIns="90000" rIns="90000" tIns="45000" bIns="45000" anchor="ctr"/>
           <a:p>
@@ -5663,16 +7938,162 @@
               </a:lnSpc>
             </a:pPr>
             <a:r>
-              <a:rPr lang="ru-RU" sz="2800">
+              <a:rPr b="0" lang="en-US" sz="3600" spc="-1" strike="noStrike">
                 <a:solidFill>
                   <a:srgbClr val="000000"/>
                 </a:solidFill>
+                <a:uFill>
+                  <a:solidFill>
+                    <a:srgbClr val="ffffff"/>
+                  </a:solidFill>
+                </a:uFill>
                 <a:latin typeface="Times New Roman"/>
                 <a:ea typeface="DejaVu Sans"/>
               </a:rPr>
-              <a:t>Заключение</a:t>
+              <a:t>Итоги работы</a:t>
             </a:r>
-            <a:endParaRPr/>
+            <a:endParaRPr b="0" lang="en-US" sz="3600" spc="-1" strike="noStrike">
+              <a:solidFill>
+                <a:srgbClr val="000000"/>
+              </a:solidFill>
+              <a:uFill>
+                <a:solidFill>
+                  <a:srgbClr val="ffffff"/>
+                </a:solidFill>
+              </a:uFill>
+              <a:latin typeface="Arial"/>
+            </a:endParaRPr>
+          </a:p>
+        </p:txBody>
+      </p:sp>
+      <p:sp>
+        <p:nvSpPr>
+          <p:cNvPr id="148" name="TextShape 2"/>
+          <p:cNvSpPr txBox="1"/>
+          <p:nvPr/>
+        </p:nvSpPr>
+        <p:spPr>
+          <a:xfrm>
+            <a:off x="40320" y="1230840"/>
+            <a:ext cx="9103680" cy="3615480"/>
+          </a:xfrm>
+          <a:prstGeom prst="rect">
+            <a:avLst/>
+          </a:prstGeom>
+          <a:noFill/>
+          <a:ln>
+            <a:noFill/>
+          </a:ln>
+        </p:spPr>
+        <p:txBody>
+          <a:bodyPr lIns="90000" rIns="90000" tIns="45000" bIns="45000"/>
+          <a:p>
+            <a:r>
+              <a:rPr b="0" lang="en-US" sz="2800" spc="-1" strike="noStrike">
+                <a:solidFill>
+                  <a:srgbClr val="000000"/>
+                </a:solidFill>
+                <a:uFill>
+                  <a:solidFill>
+                    <a:srgbClr val="ffffff"/>
+                  </a:solidFill>
+                </a:uFill>
+                <a:latin typeface="Times New Roman"/>
+              </a:rPr>
+              <a:t>- Изучил особенности принципы построения Интернет-магазинов;</a:t>
+            </a:r>
+            <a:endParaRPr b="0" lang="en-US" sz="2800" spc="-1" strike="noStrike">
+              <a:solidFill>
+                <a:srgbClr val="000000"/>
+              </a:solidFill>
+              <a:uFill>
+                <a:solidFill>
+                  <a:srgbClr val="ffffff"/>
+                </a:solidFill>
+              </a:uFill>
+              <a:latin typeface="Times New Roman"/>
+            </a:endParaRPr>
+          </a:p>
+          <a:p>
+            <a:r>
+              <a:rPr b="0" lang="en-US" sz="2800" spc="-1" strike="noStrike">
+                <a:solidFill>
+                  <a:srgbClr val="000000"/>
+                </a:solidFill>
+                <a:uFill>
+                  <a:solidFill>
+                    <a:srgbClr val="ffffff"/>
+                  </a:solidFill>
+                </a:uFill>
+                <a:latin typeface="Times New Roman"/>
+              </a:rPr>
+              <a:t>- Проанализировал рынок существующих электронных площадок;</a:t>
+            </a:r>
+            <a:endParaRPr b="0" lang="en-US" sz="2800" spc="-1" strike="noStrike">
+              <a:solidFill>
+                <a:srgbClr val="000000"/>
+              </a:solidFill>
+              <a:uFill>
+                <a:solidFill>
+                  <a:srgbClr val="ffffff"/>
+                </a:solidFill>
+              </a:uFill>
+              <a:latin typeface="Times New Roman"/>
+            </a:endParaRPr>
+          </a:p>
+          <a:p>
+            <a:r>
+              <a:rPr b="0" lang="en-US" sz="2800" spc="-1" strike="noStrike">
+                <a:solidFill>
+                  <a:srgbClr val="000000"/>
+                </a:solidFill>
+                <a:uFill>
+                  <a:solidFill>
+                    <a:srgbClr val="ffffff"/>
+                  </a:solidFill>
+                </a:uFill>
+                <a:latin typeface="Times New Roman"/>
+              </a:rPr>
+              <a:t>- Выявил наиболее подходящие технологии и инструменты для создания своего интернет-магазина;</a:t>
+            </a:r>
+            <a:endParaRPr b="0" lang="en-US" sz="2800" spc="-1" strike="noStrike">
+              <a:solidFill>
+                <a:srgbClr val="000000"/>
+              </a:solidFill>
+              <a:uFill>
+                <a:solidFill>
+                  <a:srgbClr val="ffffff"/>
+                </a:solidFill>
+              </a:uFill>
+              <a:latin typeface="Times New Roman"/>
+            </a:endParaRPr>
+          </a:p>
+          <a:p>
+            <a:r>
+              <a:rPr b="0" lang="en-US" sz="2800" spc="-1" strike="noStrike">
+                <a:solidFill>
+                  <a:srgbClr val="000000"/>
+                </a:solidFill>
+                <a:uFill>
+                  <a:solidFill>
+                    <a:srgbClr val="ffffff"/>
+                  </a:solidFill>
+                </a:uFill>
+                <a:latin typeface="Times New Roman"/>
+              </a:rPr>
+              <a:t>- Получил общее представление о работе и интеграции платёжных систем.</a:t>
+            </a:r>
+            <a:endParaRPr b="0" lang="en-US" sz="2800" spc="-1" strike="noStrike">
+              <a:solidFill>
+                <a:srgbClr val="000000"/>
+              </a:solidFill>
+              <a:uFill>
+                <a:solidFill>
+                  <a:srgbClr val="ffffff"/>
+                </a:solidFill>
+              </a:uFill>
+              <a:latin typeface="Times New Roman"/>
+            </a:endParaRPr>
           </a:p>
         </p:txBody>
       </p:sp>
@@ -5709,7 +8130,7 @@
 </file>
 
 <file path=ppt/slides/slide2.xml><?xml version="1.0" encoding="utf-8"?>
-<p:sld xmlns:a="http://schemas.openxmlformats.org/drawingml/2006/main" xmlns:p="http://schemas.openxmlformats.org/presentationml/2006/main" xmlns:r="http://schemas.openxmlformats.org/officeDocument/2006/relationships">
+<p:sld xmlns:a="http://schemas.openxmlformats.org/drawingml/2006/main" xmlns:p="http://schemas.openxmlformats.org/presentationml/2006/main" xmlns:r="http://schemas.openxmlformats.org/officeDocument/2006/relationships" xmlns:p14="http://schemas.microsoft.com/office/powerpoint/2010/main" xmlns:p15="http://schemas.microsoft.com/office/powerpoint/2012/main" xmlns:mc="http://schemas.openxmlformats.org/markup-compatibility/2006">
   <p:cSld>
     <p:spTree>
       <p:nvGrpSpPr>
@@ -5727,14 +8148,14 @@
       </p:grpSpPr>
       <p:sp>
         <p:nvSpPr>
-          <p:cNvPr id="109" name="CustomShape 1"/>
+          <p:cNvPr id="115" name="CustomShape 1"/>
           <p:cNvSpPr/>
           <p:nvPr/>
         </p:nvSpPr>
         <p:spPr>
           <a:xfrm>
             <a:off x="266760" y="648000"/>
-            <a:ext cx="8226720" cy="4523040"/>
+            <a:ext cx="8226360" cy="4522680"/>
           </a:xfrm>
           <a:prstGeom prst="rect">
             <a:avLst/>
@@ -5744,27 +8165,51 @@
             <a:noFill/>
           </a:ln>
         </p:spPr>
+        <p:style>
+          <a:lnRef idx="0"/>
+          <a:fillRef idx="0"/>
+          <a:effectRef idx="0"/>
+          <a:fontRef idx="minor"/>
+        </p:style>
         <p:txBody>
           <a:bodyPr lIns="90000" rIns="90000" tIns="45000" bIns="45000"/>
           <a:p>
-            <a:pPr>
+            <a:pPr marL="216000" indent="-216000">
               <a:lnSpc>
                 <a:spcPct val="100000"/>
               </a:lnSpc>
+              <a:buClr>
+                <a:srgbClr val="000000"/>
+              </a:buClr>
               <a:buFont typeface="Arial"/>
               <a:buChar char="•"/>
             </a:pPr>
             <a:r>
-              <a:rPr lang="ru-RU" sz="3200">
+              <a:rPr b="0" lang="en-US" sz="3200" spc="-1" strike="noStrike">
                 <a:solidFill>
                   <a:srgbClr val="000000"/>
                 </a:solidFill>
+                <a:uFill>
+                  <a:solidFill>
+                    <a:srgbClr val="ffffff"/>
+                  </a:solidFill>
+                </a:uFill>
                 <a:latin typeface="Times New Roman"/>
                 <a:ea typeface="DejaVu Sans"/>
               </a:rPr>
               <a:t>Целью данной  дипломной работы является разработка web-сайта Интернет-магазина по продаже мобильных телефонов.</a:t>
             </a:r>
-            <a:endParaRPr/>
+            <a:endParaRPr b="0" lang="en-US" sz="1800" spc="-1" strike="noStrike">
+              <a:solidFill>
+                <a:srgbClr val="000000"/>
+              </a:solidFill>
+              <a:uFill>
+                <a:solidFill>
+                  <a:srgbClr val="ffffff"/>
+                </a:solidFill>
+              </a:uFill>
+              <a:latin typeface="Arial"/>
+            </a:endParaRPr>
           </a:p>
         </p:txBody>
       </p:sp>
@@ -5801,7 +8246,7 @@
 </file>
 
 <file path=ppt/slides/slide3.xml><?xml version="1.0" encoding="utf-8"?>
-<p:sld xmlns:a="http://schemas.openxmlformats.org/drawingml/2006/main" xmlns:p="http://schemas.openxmlformats.org/presentationml/2006/main" xmlns:r="http://schemas.openxmlformats.org/officeDocument/2006/relationships">
+<p:sld xmlns:a="http://schemas.openxmlformats.org/drawingml/2006/main" xmlns:p="http://schemas.openxmlformats.org/presentationml/2006/main" xmlns:r="http://schemas.openxmlformats.org/officeDocument/2006/relationships" xmlns:p14="http://schemas.microsoft.com/office/powerpoint/2010/main" xmlns:p15="http://schemas.microsoft.com/office/powerpoint/2012/main" xmlns:mc="http://schemas.openxmlformats.org/markup-compatibility/2006">
   <p:cSld>
     <p:spTree>
       <p:nvGrpSpPr>
@@ -5819,14 +8264,14 @@
       </p:grpSpPr>
       <p:sp>
         <p:nvSpPr>
-          <p:cNvPr id="110" name="CustomShape 1"/>
+          <p:cNvPr id="116" name="CustomShape 1"/>
           <p:cNvSpPr/>
           <p:nvPr/>
         </p:nvSpPr>
         <p:spPr>
           <a:xfrm>
             <a:off x="357120" y="214200"/>
-            <a:ext cx="8569800" cy="6069240"/>
+            <a:ext cx="8569440" cy="6068880"/>
           </a:xfrm>
           <a:prstGeom prst="rect">
             <a:avLst/>
@@ -5836,82 +8281,168 @@
             <a:noFill/>
           </a:ln>
         </p:spPr>
+        <p:style>
+          <a:lnRef idx="0"/>
+          <a:fillRef idx="0"/>
+          <a:effectRef idx="0"/>
+          <a:fontRef idx="minor"/>
+        </p:style>
         <p:txBody>
           <a:bodyPr lIns="90000" rIns="90000" tIns="45000" bIns="45000" anchor="ctr"/>
           <a:p>
             <a:r>
-              <a:rPr lang="ru-RU" sz="2700">
+              <a:rPr b="0" lang="en-US" sz="2700" spc="-1" strike="noStrike">
                 <a:solidFill>
                   <a:srgbClr val="000000"/>
                 </a:solidFill>
+                <a:uFill>
+                  <a:solidFill>
+                    <a:srgbClr val="ffffff"/>
+                  </a:solidFill>
+                </a:uFill>
                 <a:latin typeface="Calibri"/>
                 <a:ea typeface="DejaVu Sans"/>
               </a:rPr>
               <a:t>	</a:t>
             </a:r>
             <a:r>
-              <a:rPr lang="ru-RU" sz="2700">
+              <a:rPr b="0" lang="en-US" sz="2700" spc="-1" strike="noStrike">
                 <a:solidFill>
                   <a:srgbClr val="000000"/>
                 </a:solidFill>
+                <a:uFill>
+                  <a:solidFill>
+                    <a:srgbClr val="ffffff"/>
+                  </a:solidFill>
+                </a:uFill>
                 <a:latin typeface="Times New Roman"/>
                 <a:ea typeface="DejaVu Sans"/>
               </a:rPr>
               <a:t>Для достижения поставленной цели необходимо решить следующие задачи:</a:t>
             </a:r>
-            <a:endParaRPr/>
+            <a:endParaRPr b="0" lang="en-US" sz="1800" spc="-1" strike="noStrike">
+              <a:solidFill>
+                <a:srgbClr val="000000"/>
+              </a:solidFill>
+              <a:uFill>
+                <a:solidFill>
+                  <a:srgbClr val="ffffff"/>
+                </a:solidFill>
+              </a:uFill>
+              <a:latin typeface="Arial"/>
+            </a:endParaRPr>
           </a:p>
           <a:p>
             <a:r>
-              <a:rPr lang="ru-RU" sz="2700">
+              <a:rPr b="0" lang="en-US" sz="2700" spc="-1" strike="noStrike">
                 <a:solidFill>
                   <a:srgbClr val="000000"/>
                 </a:solidFill>
+                <a:uFill>
+                  <a:solidFill>
+                    <a:srgbClr val="ffffff"/>
+                  </a:solidFill>
+                </a:uFill>
                 <a:latin typeface="Times New Roman"/>
                 <a:ea typeface="DejaVu Sans"/>
               </a:rPr>
               <a:t>- изучить принципы построения Интернет-магазинов и особенности тех, которые специализируются по продаже электроники;</a:t>
             </a:r>
-            <a:endParaRPr/>
+            <a:endParaRPr b="0" lang="en-US" sz="1800" spc="-1" strike="noStrike">
+              <a:solidFill>
+                <a:srgbClr val="000000"/>
+              </a:solidFill>
+              <a:uFill>
+                <a:solidFill>
+                  <a:srgbClr val="ffffff"/>
+                </a:solidFill>
+              </a:uFill>
+              <a:latin typeface="Arial"/>
+            </a:endParaRPr>
           </a:p>
           <a:p>
             <a:r>
-              <a:rPr lang="ru-RU" sz="2700">
+              <a:rPr b="0" lang="en-US" sz="2700" spc="-1" strike="noStrike">
                 <a:solidFill>
                   <a:srgbClr val="000000"/>
                 </a:solidFill>
+                <a:uFill>
+                  <a:solidFill>
+                    <a:srgbClr val="ffffff"/>
+                  </a:solidFill>
+                </a:uFill>
                 <a:latin typeface="Times New Roman"/>
                 <a:ea typeface="DejaVu Sans"/>
               </a:rPr>
               <a:t>- исследовать структуру интернет-магазинов;</a:t>
             </a:r>
-            <a:endParaRPr/>
+            <a:endParaRPr b="0" lang="en-US" sz="1800" spc="-1" strike="noStrike">
+              <a:solidFill>
+                <a:srgbClr val="000000"/>
+              </a:solidFill>
+              <a:uFill>
+                <a:solidFill>
+                  <a:srgbClr val="ffffff"/>
+                </a:solidFill>
+              </a:uFill>
+              <a:latin typeface="Arial"/>
+            </a:endParaRPr>
           </a:p>
           <a:p>
             <a:r>
-              <a:rPr lang="ru-RU" sz="2700">
+              <a:rPr b="0" lang="en-US" sz="2700" spc="-1" strike="noStrike">
                 <a:solidFill>
                   <a:srgbClr val="000000"/>
                 </a:solidFill>
+                <a:uFill>
+                  <a:solidFill>
+                    <a:srgbClr val="ffffff"/>
+                  </a:solidFill>
+                </a:uFill>
                 <a:latin typeface="Times New Roman"/>
                 <a:ea typeface="DejaVu Sans"/>
               </a:rPr>
               <a:t>- выполнить сравнительный анализ программных средств создания web-сайтов;</a:t>
             </a:r>
-            <a:endParaRPr/>
+            <a:endParaRPr b="0" lang="en-US" sz="1800" spc="-1" strike="noStrike">
+              <a:solidFill>
+                <a:srgbClr val="000000"/>
+              </a:solidFill>
+              <a:uFill>
+                <a:solidFill>
+                  <a:srgbClr val="ffffff"/>
+                </a:solidFill>
+              </a:uFill>
+              <a:latin typeface="Arial"/>
+            </a:endParaRPr>
           </a:p>
           <a:p>
             <a:r>
-              <a:rPr lang="ru-RU" sz="2700">
+              <a:rPr b="0" lang="en-US" sz="2700" spc="-1" strike="noStrike">
                 <a:solidFill>
                   <a:srgbClr val="000000"/>
                 </a:solidFill>
+                <a:uFill>
+                  <a:solidFill>
+                    <a:srgbClr val="ffffff"/>
+                  </a:solidFill>
+                </a:uFill>
                 <a:latin typeface="Times New Roman"/>
                 <a:ea typeface="DejaVu Sans"/>
               </a:rPr>
               <a:t>- разработать основные функции интернет-магазина</a:t>
             </a:r>
-            <a:endParaRPr/>
+            <a:endParaRPr b="0" lang="en-US" sz="1800" spc="-1" strike="noStrike">
+              <a:solidFill>
+                <a:srgbClr val="000000"/>
+              </a:solidFill>
+              <a:uFill>
+                <a:solidFill>
+                  <a:srgbClr val="ffffff"/>
+                </a:solidFill>
+              </a:uFill>
+              <a:latin typeface="Arial"/>
+            </a:endParaRPr>
           </a:p>
           <a:p>
             <a:pPr>
@@ -5919,7 +8450,17 @@
                 <a:spcPct val="100000"/>
               </a:lnSpc>
             </a:pPr>
-            <a:endParaRPr/>
+            <a:endParaRPr b="0" lang="en-US" sz="1800" spc="-1" strike="noStrike">
+              <a:solidFill>
+                <a:srgbClr val="000000"/>
+              </a:solidFill>
+              <a:uFill>
+                <a:solidFill>
+                  <a:srgbClr val="ffffff"/>
+                </a:solidFill>
+              </a:uFill>
+              <a:latin typeface="Arial"/>
+            </a:endParaRPr>
           </a:p>
         </p:txBody>
       </p:sp>
@@ -5956,7 +8497,7 @@
 </file>
 
 <file path=ppt/slides/slide4.xml><?xml version="1.0" encoding="utf-8"?>
-<p:sld xmlns:a="http://schemas.openxmlformats.org/drawingml/2006/main" xmlns:p="http://schemas.openxmlformats.org/presentationml/2006/main" xmlns:r="http://schemas.openxmlformats.org/officeDocument/2006/relationships">
+<p:sld xmlns:a="http://schemas.openxmlformats.org/drawingml/2006/main" xmlns:p="http://schemas.openxmlformats.org/presentationml/2006/main" xmlns:r="http://schemas.openxmlformats.org/officeDocument/2006/relationships" xmlns:p14="http://schemas.microsoft.com/office/powerpoint/2010/main" xmlns:p15="http://schemas.microsoft.com/office/powerpoint/2012/main" xmlns:mc="http://schemas.openxmlformats.org/markup-compatibility/2006">
   <p:cSld>
     <p:spTree>
       <p:nvGrpSpPr>
@@ -5974,14 +8515,14 @@
       </p:grpSpPr>
       <p:sp>
         <p:nvSpPr>
-          <p:cNvPr id="111" name="CustomShape 1"/>
+          <p:cNvPr id="117" name="CustomShape 1"/>
           <p:cNvSpPr/>
           <p:nvPr/>
         </p:nvSpPr>
         <p:spPr>
           <a:xfrm>
             <a:off x="216000" y="936000"/>
-            <a:ext cx="8641080" cy="4069080"/>
+            <a:ext cx="8640720" cy="4068720"/>
           </a:xfrm>
           <a:prstGeom prst="rect">
             <a:avLst/>
@@ -5991,49 +8532,110 @@
             <a:noFill/>
           </a:ln>
         </p:spPr>
+        <p:style>
+          <a:lnRef idx="0"/>
+          <a:fillRef idx="0"/>
+          <a:effectRef idx="0"/>
+          <a:fontRef idx="minor"/>
+        </p:style>
         <p:txBody>
           <a:bodyPr lIns="90000" rIns="90000" tIns="45000" bIns="45000" anchor="ctr"/>
           <a:p>
-            <a:endParaRPr/>
+            <a:endParaRPr b="0" lang="en-US" sz="1800" spc="-1" strike="noStrike">
+              <a:solidFill>
+                <a:srgbClr val="000000"/>
+              </a:solidFill>
+              <a:uFill>
+                <a:solidFill>
+                  <a:srgbClr val="ffffff"/>
+                </a:solidFill>
+              </a:uFill>
+              <a:latin typeface="Arial"/>
+            </a:endParaRPr>
           </a:p>
           <a:p>
             <a:r>
-              <a:rPr lang="ru-RU" sz="2800">
+              <a:rPr b="0" lang="en-US" sz="2800" spc="-1" strike="noStrike">
                 <a:solidFill>
                   <a:srgbClr val="000000"/>
                 </a:solidFill>
+                <a:uFill>
+                  <a:solidFill>
+                    <a:srgbClr val="ffffff"/>
+                  </a:solidFill>
+                </a:uFill>
                 <a:latin typeface="Times New Roman"/>
                 <a:ea typeface="DejaVu Sans"/>
               </a:rPr>
               <a:t>В ходе исследования первоначально был проведен анализ  рынка электронной торговли и более детально анализ моделей электронных магазинов с целью выявления их основных функций и используемых информационных технологий.</a:t>
             </a:r>
-            <a:endParaRPr/>
-          </a:p>
-          <a:p>
-            <a:endParaRPr/>
+            <a:endParaRPr b="0" lang="en-US" sz="1800" spc="-1" strike="noStrike">
+              <a:solidFill>
+                <a:srgbClr val="000000"/>
+              </a:solidFill>
+              <a:uFill>
+                <a:solidFill>
+                  <a:srgbClr val="ffffff"/>
+                </a:solidFill>
+              </a:uFill>
+              <a:latin typeface="Arial"/>
+            </a:endParaRPr>
+          </a:p>
+          <a:p>
+            <a:endParaRPr b="0" lang="en-US" sz="1800" spc="-1" strike="noStrike">
+              <a:solidFill>
+                <a:srgbClr val="000000"/>
+              </a:solidFill>
+              <a:uFill>
+                <a:solidFill>
+                  <a:srgbClr val="ffffff"/>
+                </a:solidFill>
+              </a:uFill>
+              <a:latin typeface="Arial"/>
+            </a:endParaRPr>
           </a:p>
           <a:p>
             <a:r>
-              <a:rPr lang="ru-RU" sz="2800">
+              <a:rPr b="0" lang="en-US" sz="2800" spc="-1" strike="noStrike">
                 <a:solidFill>
                   <a:srgbClr val="000000"/>
                 </a:solidFill>
+                <a:uFill>
+                  <a:solidFill>
+                    <a:srgbClr val="ffffff"/>
+                  </a:solidFill>
+                </a:uFill>
                 <a:latin typeface="Times New Roman"/>
                 <a:ea typeface="DejaVu Sans"/>
               </a:rPr>
               <a:t> </a:t>
             </a:r>
             <a:r>
-              <a:rPr lang="ru-RU" sz="2800">
+              <a:rPr b="0" lang="en-US" sz="2800" spc="-1" strike="noStrike">
                 <a:solidFill>
                   <a:srgbClr val="000000"/>
                 </a:solidFill>
+                <a:uFill>
+                  <a:solidFill>
+                    <a:srgbClr val="ffffff"/>
+                  </a:solidFill>
+                </a:uFill>
                 <a:latin typeface="Times New Roman"/>
                 <a:ea typeface="DejaVu Sans"/>
               </a:rPr>
               <a:t>Электронный магазин - это  специализированный Web-сайт, предлагающий своим посетителям приобрести какие-либо товары непосредственно в режиме онлайн.</a:t>
             </a:r>
-            <a:endParaRPr/>
+            <a:endParaRPr b="0" lang="en-US" sz="1800" spc="-1" strike="noStrike">
+              <a:solidFill>
+                <a:srgbClr val="000000"/>
+              </a:solidFill>
+              <a:uFill>
+                <a:solidFill>
+                  <a:srgbClr val="ffffff"/>
+                </a:solidFill>
+              </a:uFill>
+              <a:latin typeface="Arial"/>
+            </a:endParaRPr>
           </a:p>
           <a:p>
             <a:pPr>
@@ -6041,7 +8643,17 @@
                 <a:spcPct val="100000"/>
               </a:lnSpc>
             </a:pPr>
-            <a:endParaRPr/>
+            <a:endParaRPr b="0" lang="en-US" sz="1800" spc="-1" strike="noStrike">
+              <a:solidFill>
+                <a:srgbClr val="000000"/>
+              </a:solidFill>
+              <a:uFill>
+                <a:solidFill>
+                  <a:srgbClr val="ffffff"/>
+                </a:solidFill>
+              </a:uFill>
+              <a:latin typeface="Arial"/>
+            </a:endParaRPr>
           </a:p>
         </p:txBody>
       </p:sp>
@@ -6078,7 +8690,7 @@
 </file>
 
 <file path=ppt/slides/slide5.xml><?xml version="1.0" encoding="utf-8"?>
-<p:sld xmlns:a="http://schemas.openxmlformats.org/drawingml/2006/main" xmlns:p="http://schemas.openxmlformats.org/presentationml/2006/main" xmlns:r="http://schemas.openxmlformats.org/officeDocument/2006/relationships">
+<p:sld xmlns:a="http://schemas.openxmlformats.org/drawingml/2006/main" xmlns:p="http://schemas.openxmlformats.org/presentationml/2006/main" xmlns:r="http://schemas.openxmlformats.org/officeDocument/2006/relationships" xmlns:p14="http://schemas.microsoft.com/office/powerpoint/2010/main" xmlns:p15="http://schemas.microsoft.com/office/powerpoint/2012/main" xmlns:mc="http://schemas.openxmlformats.org/markup-compatibility/2006">
   <p:cSld>
     <p:spTree>
       <p:nvGrpSpPr>
@@ -6096,20 +8708,18 @@
       </p:grpSpPr>
       <p:pic>
         <p:nvPicPr>
-          <p:cNvPr id="112" name="" descr=""/>
+          <p:cNvPr id="118" name="" descr=""/>
           <p:cNvPicPr/>
           <p:nvPr/>
         </p:nvPicPr>
         <p:blipFill>
           <a:blip r:embed="rId1"/>
-          <a:stretch>
-            <a:fillRect/>
-          </a:stretch>
+          <a:stretch/>
         </p:blipFill>
         <p:spPr>
           <a:xfrm>
             <a:off x="822960" y="914400"/>
-            <a:ext cx="7752960" cy="4479480"/>
+            <a:ext cx="7752600" cy="4479120"/>
           </a:xfrm>
           <a:prstGeom prst="rect">
             <a:avLst/>
@@ -6152,7 +8762,7 @@
 </file>
 
 <file path=ppt/slides/slide6.xml><?xml version="1.0" encoding="utf-8"?>
-<p:sld xmlns:a="http://schemas.openxmlformats.org/drawingml/2006/main" xmlns:p="http://schemas.openxmlformats.org/presentationml/2006/main" xmlns:r="http://schemas.openxmlformats.org/officeDocument/2006/relationships">
+<p:sld xmlns:a="http://schemas.openxmlformats.org/drawingml/2006/main" xmlns:p="http://schemas.openxmlformats.org/presentationml/2006/main" xmlns:r="http://schemas.openxmlformats.org/officeDocument/2006/relationships" xmlns:p14="http://schemas.microsoft.com/office/powerpoint/2010/main" xmlns:p15="http://schemas.microsoft.com/office/powerpoint/2012/main" xmlns:mc="http://schemas.openxmlformats.org/markup-compatibility/2006">
   <p:cSld>
     <p:spTree>
       <p:nvGrpSpPr>
@@ -6170,20 +8780,18 @@
       </p:grpSpPr>
       <p:pic>
         <p:nvPicPr>
-          <p:cNvPr id="113" name="" descr=""/>
+          <p:cNvPr id="119" name="" descr=""/>
           <p:cNvPicPr/>
           <p:nvPr/>
         </p:nvPicPr>
         <p:blipFill>
           <a:blip r:embed="rId1"/>
-          <a:stretch>
-            <a:fillRect/>
-          </a:stretch>
+          <a:stretch/>
         </p:blipFill>
         <p:spPr>
           <a:xfrm>
             <a:off x="216000" y="878760"/>
-            <a:ext cx="8677080" cy="5061240"/>
+            <a:ext cx="8676720" cy="5060880"/>
           </a:xfrm>
           <a:prstGeom prst="rect">
             <a:avLst/>
@@ -6226,7 +8834,7 @@
 </file>
 
 <file path=ppt/slides/slide7.xml><?xml version="1.0" encoding="utf-8"?>
-<p:sld xmlns:a="http://schemas.openxmlformats.org/drawingml/2006/main" xmlns:p="http://schemas.openxmlformats.org/presentationml/2006/main" xmlns:r="http://schemas.openxmlformats.org/officeDocument/2006/relationships">
+<p:sld xmlns:a="http://schemas.openxmlformats.org/drawingml/2006/main" xmlns:p="http://schemas.openxmlformats.org/presentationml/2006/main" xmlns:r="http://schemas.openxmlformats.org/officeDocument/2006/relationships" xmlns:p14="http://schemas.microsoft.com/office/powerpoint/2010/main" xmlns:p15="http://schemas.microsoft.com/office/powerpoint/2012/main" xmlns:mc="http://schemas.openxmlformats.org/markup-compatibility/2006">
   <p:cSld>
     <p:spTree>
       <p:nvGrpSpPr>
@@ -6244,20 +8852,18 @@
       </p:grpSpPr>
       <p:pic>
         <p:nvPicPr>
-          <p:cNvPr id="114" name="" descr=""/>
+          <p:cNvPr id="120" name="" descr=""/>
           <p:cNvPicPr/>
           <p:nvPr/>
         </p:nvPicPr>
         <p:blipFill>
           <a:blip r:embed="rId1"/>
-          <a:stretch>
-            <a:fillRect/>
-          </a:stretch>
+          <a:stretch/>
         </p:blipFill>
         <p:spPr>
           <a:xfrm>
             <a:off x="279720" y="736560"/>
-            <a:ext cx="8612280" cy="5023440"/>
+            <a:ext cx="8611920" cy="5023080"/>
           </a:xfrm>
           <a:prstGeom prst="rect">
             <a:avLst/>
@@ -6300,7 +8906,7 @@
 </file>
 
 <file path=ppt/slides/slide8.xml><?xml version="1.0" encoding="utf-8"?>
-<p:sld xmlns:a="http://schemas.openxmlformats.org/drawingml/2006/main" xmlns:p="http://schemas.openxmlformats.org/presentationml/2006/main" xmlns:r="http://schemas.openxmlformats.org/officeDocument/2006/relationships">
+<p:sld xmlns:a="http://schemas.openxmlformats.org/drawingml/2006/main" xmlns:p="http://schemas.openxmlformats.org/presentationml/2006/main" xmlns:r="http://schemas.openxmlformats.org/officeDocument/2006/relationships" xmlns:p14="http://schemas.microsoft.com/office/powerpoint/2010/main" xmlns:p15="http://schemas.microsoft.com/office/powerpoint/2012/main" xmlns:mc="http://schemas.openxmlformats.org/markup-compatibility/2006">
   <p:cSld>
     <p:spTree>
       <p:nvGrpSpPr>
@@ -6318,14 +8924,14 @@
       </p:grpSpPr>
       <p:sp>
         <p:nvSpPr>
-          <p:cNvPr id="115" name="CustomShape 1"/>
+          <p:cNvPr id="121" name="CustomShape 1"/>
           <p:cNvSpPr/>
           <p:nvPr/>
         </p:nvSpPr>
         <p:spPr>
           <a:xfrm>
             <a:off x="16560" y="336960"/>
-            <a:ext cx="9142200" cy="1140120"/>
+            <a:ext cx="9141840" cy="1139760"/>
           </a:xfrm>
           <a:prstGeom prst="rect">
             <a:avLst/>
@@ -6335,6 +8941,12 @@
             <a:noFill/>
           </a:ln>
         </p:spPr>
+        <p:style>
+          <a:lnRef idx="0"/>
+          <a:fillRef idx="0"/>
+          <a:effectRef idx="0"/>
+          <a:fontRef idx="minor"/>
+        </p:style>
         <p:txBody>
           <a:bodyPr lIns="90000" rIns="90000" tIns="45000" bIns="45000" anchor="ctr"/>
           <a:p>
@@ -6344,35 +8956,48 @@
               </a:lnSpc>
             </a:pPr>
             <a:r>
-              <a:rPr lang="ru-RU" sz="2800">
+              <a:rPr b="0" lang="en-US" sz="3600" spc="-1" strike="noStrike">
                 <a:solidFill>
                   <a:srgbClr val="000000"/>
                 </a:solidFill>
+                <a:uFill>
+                  <a:solidFill>
+                    <a:srgbClr val="ffffff"/>
+                  </a:solidFill>
+                </a:uFill>
                 <a:latin typeface="Times New Roman"/>
                 <a:ea typeface="DejaVu Sans"/>
               </a:rPr>
               <a:t>Система в представлении клиента</a:t>
             </a:r>
-            <a:endParaRPr/>
+            <a:endParaRPr b="0" lang="en-US" sz="3600" spc="-1" strike="noStrike">
+              <a:solidFill>
+                <a:srgbClr val="000000"/>
+              </a:solidFill>
+              <a:uFill>
+                <a:solidFill>
+                  <a:srgbClr val="ffffff"/>
+                </a:solidFill>
+              </a:uFill>
+              <a:latin typeface="Arial"/>
+            </a:endParaRPr>
           </a:p>
         </p:txBody>
       </p:sp>
       <p:pic>
         <p:nvPicPr>
-          <p:cNvPr id="116" name="" descr=""/>
+          <p:cNvPr id="122" name="" descr=""/>
           <p:cNvPicPr/>
           <p:nvPr/>
         </p:nvPicPr>
         <p:blipFill>
           <a:blip r:embed="rId1"/>
-          <a:stretch>
-            <a:fillRect/>
-          </a:stretch>
+          <a:stretch/>
         </p:blipFill>
         <p:spPr>
           <a:xfrm>
             <a:off x="450000" y="1860120"/>
-            <a:ext cx="8404560" cy="3295440"/>
+            <a:ext cx="8404200" cy="3295080"/>
           </a:xfrm>
           <a:prstGeom prst="rect">
             <a:avLst/>
@@ -6415,7 +9040,7 @@
 </file>
 
 <file path=ppt/slides/slide9.xml><?xml version="1.0" encoding="utf-8"?>
-<p:sld xmlns:a="http://schemas.openxmlformats.org/drawingml/2006/main" xmlns:p="http://schemas.openxmlformats.org/presentationml/2006/main" xmlns:r="http://schemas.openxmlformats.org/officeDocument/2006/relationships">
+<p:sld xmlns:a="http://schemas.openxmlformats.org/drawingml/2006/main" xmlns:p="http://schemas.openxmlformats.org/presentationml/2006/main" xmlns:r="http://schemas.openxmlformats.org/officeDocument/2006/relationships" xmlns:p14="http://schemas.microsoft.com/office/powerpoint/2010/main" xmlns:p15="http://schemas.microsoft.com/office/powerpoint/2012/main" xmlns:mc="http://schemas.openxmlformats.org/markup-compatibility/2006">
   <p:cSld>
     <p:spTree>
       <p:nvGrpSpPr>
@@ -6433,14 +9058,14 @@
       </p:grpSpPr>
       <p:sp>
         <p:nvSpPr>
-          <p:cNvPr id="117" name="CustomShape 1"/>
+          <p:cNvPr id="123" name="CustomShape 1"/>
           <p:cNvSpPr/>
           <p:nvPr/>
         </p:nvSpPr>
         <p:spPr>
           <a:xfrm>
             <a:off x="0" y="274680"/>
-            <a:ext cx="9142200" cy="1140120"/>
+            <a:ext cx="9141840" cy="1139760"/>
           </a:xfrm>
           <a:prstGeom prst="rect">
             <a:avLst/>
@@ -6450,6 +9075,12 @@
             <a:noFill/>
           </a:ln>
         </p:spPr>
+        <p:style>
+          <a:lnRef idx="0"/>
+          <a:fillRef idx="0"/>
+          <a:effectRef idx="0"/>
+          <a:fontRef idx="minor"/>
+        </p:style>
         <p:txBody>
           <a:bodyPr lIns="90000" rIns="90000" tIns="45000" bIns="45000" anchor="ctr"/>
           <a:p>
@@ -6459,35 +9090,48 @@
               </a:lnSpc>
             </a:pPr>
             <a:r>
-              <a:rPr lang="ru-RU" sz="2800">
+              <a:rPr b="0" lang="en-US" sz="3600" spc="-1" strike="noStrike">
                 <a:solidFill>
                   <a:srgbClr val="000000"/>
                 </a:solidFill>
+                <a:uFill>
+                  <a:solidFill>
+                    <a:srgbClr val="ffffff"/>
+                  </a:solidFill>
+                </a:uFill>
                 <a:latin typeface="Times New Roman"/>
                 <a:ea typeface="DejaVu Sans"/>
               </a:rPr>
               <a:t>Система в представлении администратора</a:t>
             </a:r>
-            <a:endParaRPr/>
+            <a:endParaRPr b="0" lang="en-US" sz="3600" spc="-1" strike="noStrike">
+              <a:solidFill>
+                <a:srgbClr val="000000"/>
+              </a:solidFill>
+              <a:uFill>
+                <a:solidFill>
+                  <a:srgbClr val="ffffff"/>
+                </a:solidFill>
+              </a:uFill>
+              <a:latin typeface="Arial"/>
+            </a:endParaRPr>
           </a:p>
         </p:txBody>
       </p:sp>
       <p:pic>
         <p:nvPicPr>
-          <p:cNvPr id="118" name="" descr=""/>
+          <p:cNvPr id="124" name="" descr=""/>
           <p:cNvPicPr/>
           <p:nvPr/>
         </p:nvPicPr>
         <p:blipFill>
           <a:blip r:embed="rId1"/>
-          <a:stretch>
-            <a:fillRect/>
-          </a:stretch>
+          <a:stretch/>
         </p:blipFill>
         <p:spPr>
           <a:xfrm>
             <a:off x="457200" y="1828800"/>
-            <a:ext cx="8322840" cy="2396520"/>
+            <a:ext cx="8322480" cy="2396160"/>
           </a:xfrm>
           <a:prstGeom prst="rect">
             <a:avLst/>

--- a/react-shopping-cart/public/work.pptx
+++ b/react-shopping-cart/public/work.pptx
@@ -1,6 +1,6 @@
 
 <file path=ppt/presentation.xml><?xml version="1.0" encoding="utf-8"?>
-<p:presentation xmlns:a="http://schemas.openxmlformats.org/drawingml/2006/main" xmlns:p="http://schemas.openxmlformats.org/presentationml/2006/main" xmlns:r="http://schemas.openxmlformats.org/officeDocument/2006/relationships" xmlns:p14="http://schemas.microsoft.com/office/powerpoint/2010/main" xmlns:p15="http://schemas.microsoft.com/office/powerpoint/2012/main" xmlns:mc="http://schemas.openxmlformats.org/markup-compatibility/2006">
+<p:presentation xmlns:a="http://schemas.openxmlformats.org/drawingml/2006/main" xmlns:p="http://schemas.openxmlformats.org/presentationml/2006/main" xmlns:r="http://schemas.openxmlformats.org/officeDocument/2006/relationships">
   <p:sldMasterIdLst>
     <p:sldMasterId id="2147483648" r:id="rId2"/>
     <p:sldMasterId id="2147483661" r:id="rId3"/>
@@ -19,12 +19,6 @@
     <p:sldId id="265" r:id="rId14"/>
     <p:sldId id="266" r:id="rId15"/>
     <p:sldId id="267" r:id="rId16"/>
-    <p:sldId id="268" r:id="rId17"/>
-    <p:sldId id="269" r:id="rId18"/>
-    <p:sldId id="270" r:id="rId19"/>
-    <p:sldId id="271" r:id="rId20"/>
-    <p:sldId id="272" r:id="rId21"/>
-    <p:sldId id="273" r:id="rId22"/>
   </p:sldIdLst>
   <p:sldSz cx="9144000" cy="6858000"/>
   <p:notesSz cx="7559675" cy="10691812"/>
@@ -32,7 +26,7 @@
 </file>
 
 <file path=ppt/slideLayouts/slideLayout1.xml><?xml version="1.0" encoding="utf-8"?>
-<p:sldLayout xmlns:a="http://schemas.openxmlformats.org/drawingml/2006/main" xmlns:p="http://schemas.openxmlformats.org/presentationml/2006/main" xmlns:r="http://schemas.openxmlformats.org/officeDocument/2006/relationships" xmlns:p14="http://schemas.microsoft.com/office/powerpoint/2010/main" xmlns:p15="http://schemas.microsoft.com/office/powerpoint/2012/main" xmlns:mc="http://schemas.openxmlformats.org/markup-compatibility/2006" type="blank" preserve="1">
+<p:sldLayout xmlns:a="http://schemas.openxmlformats.org/drawingml/2006/main" xmlns:p="http://schemas.openxmlformats.org/presentationml/2006/main" xmlns:r="http://schemas.openxmlformats.org/officeDocument/2006/relationships" type="blank" preserve="1">
   <p:cSld name="Blank Slide">
     <p:spTree>
       <p:nvGrpSpPr>
@@ -54,7 +48,7 @@
 </file>
 
 <file path=ppt/slideLayouts/slideLayout10.xml><?xml version="1.0" encoding="utf-8"?>
-<p:sldLayout xmlns:a="http://schemas.openxmlformats.org/drawingml/2006/main" xmlns:p="http://schemas.openxmlformats.org/presentationml/2006/main" xmlns:r="http://schemas.openxmlformats.org/officeDocument/2006/relationships" xmlns:p14="http://schemas.microsoft.com/office/powerpoint/2010/main" xmlns:p15="http://schemas.microsoft.com/office/powerpoint/2012/main" xmlns:mc="http://schemas.openxmlformats.org/markup-compatibility/2006" type="objOverTx" preserve="1">
+<p:sldLayout xmlns:a="http://schemas.openxmlformats.org/drawingml/2006/main" xmlns:p="http://schemas.openxmlformats.org/presentationml/2006/main" xmlns:r="http://schemas.openxmlformats.org/officeDocument/2006/relationships" type="objOverTx" preserve="1">
   <p:cSld name="Title, Content over Content">
     <p:spTree>
       <p:nvGrpSpPr>
@@ -82,8 +76,8 @@
         </p:nvSpPr>
         <p:spPr>
           <a:xfrm>
-            <a:off x="457200" y="273600"/>
-            <a:ext cx="8229240" cy="1144800"/>
+            <a:off x="457200" y="219600"/>
+            <a:ext cx="8229240" cy="1253160"/>
           </a:xfrm>
           <a:prstGeom prst="rect">
             <a:avLst/>
@@ -93,17 +87,7 @@
           <a:bodyPr lIns="0" rIns="0" tIns="0" bIns="0" anchor="ctr"/>
           <a:p>
             <a:pPr algn="ctr"/>
-            <a:endParaRPr b="0" lang="en-US" sz="4400" spc="-1" strike="noStrike">
-              <a:solidFill>
-                <a:srgbClr val="000000"/>
-              </a:solidFill>
-              <a:uFill>
-                <a:solidFill>
-                  <a:srgbClr val="ffffff"/>
-                </a:solidFill>
-              </a:uFill>
-              <a:latin typeface="Arial"/>
-            </a:endParaRPr>
+            <a:endParaRPr/>
           </a:p>
         </p:txBody>
       </p:sp>
@@ -129,17 +113,7 @@
         <p:txBody>
           <a:bodyPr lIns="0" rIns="0" tIns="0" bIns="0"/>
           <a:p>
-            <a:endParaRPr b="0" lang="en-US" sz="3200" spc="-1" strike="noStrike">
-              <a:solidFill>
-                <a:srgbClr val="000000"/>
-              </a:solidFill>
-              <a:uFill>
-                <a:solidFill>
-                  <a:srgbClr val="ffffff"/>
-                </a:solidFill>
-              </a:uFill>
-              <a:latin typeface="Arial"/>
-            </a:endParaRPr>
+            <a:endParaRPr/>
           </a:p>
         </p:txBody>
       </p:sp>
@@ -165,17 +139,7 @@
         <p:txBody>
           <a:bodyPr lIns="0" rIns="0" tIns="0" bIns="0"/>
           <a:p>
-            <a:endParaRPr b="0" lang="en-US" sz="3200" spc="-1" strike="noStrike">
-              <a:solidFill>
-                <a:srgbClr val="000000"/>
-              </a:solidFill>
-              <a:uFill>
-                <a:solidFill>
-                  <a:srgbClr val="ffffff"/>
-                </a:solidFill>
-              </a:uFill>
-              <a:latin typeface="Arial"/>
-            </a:endParaRPr>
+            <a:endParaRPr/>
           </a:p>
         </p:txBody>
       </p:sp>
@@ -185,7 +149,7 @@
 </file>
 
 <file path=ppt/slideLayouts/slideLayout11.xml><?xml version="1.0" encoding="utf-8"?>
-<p:sldLayout xmlns:a="http://schemas.openxmlformats.org/drawingml/2006/main" xmlns:p="http://schemas.openxmlformats.org/presentationml/2006/main" xmlns:r="http://schemas.openxmlformats.org/officeDocument/2006/relationships" xmlns:p14="http://schemas.microsoft.com/office/powerpoint/2010/main" xmlns:p15="http://schemas.microsoft.com/office/powerpoint/2012/main" xmlns:mc="http://schemas.openxmlformats.org/markup-compatibility/2006" type="fourObj" preserve="1">
+<p:sldLayout xmlns:a="http://schemas.openxmlformats.org/drawingml/2006/main" xmlns:p="http://schemas.openxmlformats.org/presentationml/2006/main" xmlns:r="http://schemas.openxmlformats.org/officeDocument/2006/relationships" type="fourObj" preserve="1">
   <p:cSld name="Title, 4 Content">
     <p:spTree>
       <p:nvGrpSpPr>
@@ -213,8 +177,8 @@
         </p:nvSpPr>
         <p:spPr>
           <a:xfrm>
-            <a:off x="457200" y="273600"/>
-            <a:ext cx="8229240" cy="1144800"/>
+            <a:off x="457200" y="219600"/>
+            <a:ext cx="8229240" cy="1253160"/>
           </a:xfrm>
           <a:prstGeom prst="rect">
             <a:avLst/>
@@ -224,17 +188,7 @@
           <a:bodyPr lIns="0" rIns="0" tIns="0" bIns="0" anchor="ctr"/>
           <a:p>
             <a:pPr algn="ctr"/>
-            <a:endParaRPr b="0" lang="en-US" sz="4400" spc="-1" strike="noStrike">
-              <a:solidFill>
-                <a:srgbClr val="000000"/>
-              </a:solidFill>
-              <a:uFill>
-                <a:solidFill>
-                  <a:srgbClr val="ffffff"/>
-                </a:solidFill>
-              </a:uFill>
-              <a:latin typeface="Arial"/>
-            </a:endParaRPr>
+            <a:endParaRPr/>
           </a:p>
         </p:txBody>
       </p:sp>
@@ -260,17 +214,7 @@
         <p:txBody>
           <a:bodyPr lIns="0" rIns="0" tIns="0" bIns="0"/>
           <a:p>
-            <a:endParaRPr b="0" lang="en-US" sz="3200" spc="-1" strike="noStrike">
-              <a:solidFill>
-                <a:srgbClr val="000000"/>
-              </a:solidFill>
-              <a:uFill>
-                <a:solidFill>
-                  <a:srgbClr val="ffffff"/>
-                </a:solidFill>
-              </a:uFill>
-              <a:latin typeface="Arial"/>
-            </a:endParaRPr>
+            <a:endParaRPr/>
           </a:p>
         </p:txBody>
       </p:sp>
@@ -296,17 +240,7 @@
         <p:txBody>
           <a:bodyPr lIns="0" rIns="0" tIns="0" bIns="0"/>
           <a:p>
-            <a:endParaRPr b="0" lang="en-US" sz="3200" spc="-1" strike="noStrike">
-              <a:solidFill>
-                <a:srgbClr val="000000"/>
-              </a:solidFill>
-              <a:uFill>
-                <a:solidFill>
-                  <a:srgbClr val="ffffff"/>
-                </a:solidFill>
-              </a:uFill>
-              <a:latin typeface="Arial"/>
-            </a:endParaRPr>
+            <a:endParaRPr/>
           </a:p>
         </p:txBody>
       </p:sp>
@@ -332,17 +266,7 @@
         <p:txBody>
           <a:bodyPr lIns="0" rIns="0" tIns="0" bIns="0"/>
           <a:p>
-            <a:endParaRPr b="0" lang="en-US" sz="3200" spc="-1" strike="noStrike">
-              <a:solidFill>
-                <a:srgbClr val="000000"/>
-              </a:solidFill>
-              <a:uFill>
-                <a:solidFill>
-                  <a:srgbClr val="ffffff"/>
-                </a:solidFill>
-              </a:uFill>
-              <a:latin typeface="Arial"/>
-            </a:endParaRPr>
+            <a:endParaRPr/>
           </a:p>
         </p:txBody>
       </p:sp>
@@ -368,17 +292,7 @@
         <p:txBody>
           <a:bodyPr lIns="0" rIns="0" tIns="0" bIns="0"/>
           <a:p>
-            <a:endParaRPr b="0" lang="en-US" sz="3200" spc="-1" strike="noStrike">
-              <a:solidFill>
-                <a:srgbClr val="000000"/>
-              </a:solidFill>
-              <a:uFill>
-                <a:solidFill>
-                  <a:srgbClr val="ffffff"/>
-                </a:solidFill>
-              </a:uFill>
-              <a:latin typeface="Arial"/>
-            </a:endParaRPr>
+            <a:endParaRPr/>
           </a:p>
         </p:txBody>
       </p:sp>
@@ -388,7 +302,7 @@
 </file>
 
 <file path=ppt/slideLayouts/slideLayout12.xml><?xml version="1.0" encoding="utf-8"?>
-<p:sldLayout xmlns:a="http://schemas.openxmlformats.org/drawingml/2006/main" xmlns:p="http://schemas.openxmlformats.org/presentationml/2006/main" xmlns:r="http://schemas.openxmlformats.org/officeDocument/2006/relationships" xmlns:p14="http://schemas.microsoft.com/office/powerpoint/2010/main" xmlns:p15="http://schemas.microsoft.com/office/powerpoint/2012/main" xmlns:mc="http://schemas.openxmlformats.org/markup-compatibility/2006" type="blank" preserve="1">
+<p:sldLayout xmlns:a="http://schemas.openxmlformats.org/drawingml/2006/main" xmlns:p="http://schemas.openxmlformats.org/presentationml/2006/main" xmlns:r="http://schemas.openxmlformats.org/officeDocument/2006/relationships" type="blank" preserve="1">
   <p:cSld name="Title, 6 Content">
     <p:spTree>
       <p:nvGrpSpPr>
@@ -416,8 +330,8 @@
         </p:nvSpPr>
         <p:spPr>
           <a:xfrm>
-            <a:off x="457200" y="273600"/>
-            <a:ext cx="8229240" cy="1144800"/>
+            <a:off x="457200" y="219600"/>
+            <a:ext cx="8229240" cy="1253160"/>
           </a:xfrm>
           <a:prstGeom prst="rect">
             <a:avLst/>
@@ -427,17 +341,7 @@
           <a:bodyPr lIns="0" rIns="0" tIns="0" bIns="0" anchor="ctr"/>
           <a:p>
             <a:pPr algn="ctr"/>
-            <a:endParaRPr b="0" lang="en-US" sz="4400" spc="-1" strike="noStrike">
-              <a:solidFill>
-                <a:srgbClr val="000000"/>
-              </a:solidFill>
-              <a:uFill>
-                <a:solidFill>
-                  <a:srgbClr val="ffffff"/>
-                </a:solidFill>
-              </a:uFill>
-              <a:latin typeface="Arial"/>
-            </a:endParaRPr>
+            <a:endParaRPr/>
           </a:p>
         </p:txBody>
       </p:sp>
@@ -454,7 +358,7 @@
         <p:spPr>
           <a:xfrm>
             <a:off x="457200" y="1604520"/>
-            <a:ext cx="2649600" cy="1896840"/>
+            <a:ext cx="8229240" cy="3977280"/>
           </a:xfrm>
           <a:prstGeom prst="rect">
             <a:avLst/>
@@ -463,17 +367,7 @@
         <p:txBody>
           <a:bodyPr lIns="0" rIns="0" tIns="0" bIns="0"/>
           <a:p>
-            <a:endParaRPr b="0" lang="en-US" sz="3200" spc="-1" strike="noStrike">
-              <a:solidFill>
-                <a:srgbClr val="000000"/>
-              </a:solidFill>
-              <a:uFill>
-                <a:solidFill>
-                  <a:srgbClr val="ffffff"/>
-                </a:solidFill>
-              </a:uFill>
-              <a:latin typeface="Arial"/>
-            </a:endParaRPr>
+            <a:endParaRPr/>
           </a:p>
         </p:txBody>
       </p:sp>
@@ -489,8 +383,8 @@
         </p:nvSpPr>
         <p:spPr>
           <a:xfrm>
-            <a:off x="3239640" y="1604520"/>
-            <a:ext cx="2649600" cy="1896840"/>
+            <a:off x="457200" y="1604520"/>
+            <a:ext cx="8229240" cy="3977280"/>
           </a:xfrm>
           <a:prstGeom prst="rect">
             <a:avLst/>
@@ -499,171 +393,67 @@
         <p:txBody>
           <a:bodyPr lIns="0" rIns="0" tIns="0" bIns="0"/>
           <a:p>
-            <a:endParaRPr b="0" lang="en-US" sz="3200" spc="-1" strike="noStrike">
-              <a:solidFill>
-                <a:srgbClr val="000000"/>
-              </a:solidFill>
-              <a:uFill>
-                <a:solidFill>
-                  <a:srgbClr val="ffffff"/>
-                </a:solidFill>
-              </a:uFill>
-              <a:latin typeface="Arial"/>
-            </a:endParaRPr>
-          </a:p>
-        </p:txBody>
-      </p:sp>
-      <p:sp>
-        <p:nvSpPr>
-          <p:cNvPr id="34" name="PlaceHolder 4"/>
-          <p:cNvSpPr>
-            <a:spLocks noGrp="1"/>
-          </p:cNvSpPr>
-          <p:nvPr>
-            <p:ph type="body"/>
-          </p:nvPr>
-        </p:nvSpPr>
-        <p:spPr>
-          <a:xfrm>
-            <a:off x="6022080" y="1604520"/>
-            <a:ext cx="2649600" cy="1896840"/>
-          </a:xfrm>
-          <a:prstGeom prst="rect">
-            <a:avLst/>
-          </a:prstGeom>
-        </p:spPr>
-        <p:txBody>
-          <a:bodyPr lIns="0" rIns="0" tIns="0" bIns="0"/>
-          <a:p>
-            <a:endParaRPr b="0" lang="en-US" sz="3200" spc="-1" strike="noStrike">
-              <a:solidFill>
-                <a:srgbClr val="000000"/>
-              </a:solidFill>
-              <a:uFill>
-                <a:solidFill>
-                  <a:srgbClr val="ffffff"/>
-                </a:solidFill>
-              </a:uFill>
-              <a:latin typeface="Arial"/>
-            </a:endParaRPr>
-          </a:p>
-        </p:txBody>
-      </p:sp>
-      <p:sp>
-        <p:nvSpPr>
-          <p:cNvPr id="35" name="PlaceHolder 5"/>
-          <p:cNvSpPr>
-            <a:spLocks noGrp="1"/>
-          </p:cNvSpPr>
-          <p:nvPr>
-            <p:ph type="body"/>
-          </p:nvPr>
-        </p:nvSpPr>
-        <p:spPr>
-          <a:xfrm>
-            <a:off x="6022080" y="3682080"/>
-            <a:ext cx="2649600" cy="1896840"/>
-          </a:xfrm>
-          <a:prstGeom prst="rect">
-            <a:avLst/>
-          </a:prstGeom>
-        </p:spPr>
-        <p:txBody>
-          <a:bodyPr lIns="0" rIns="0" tIns="0" bIns="0"/>
-          <a:p>
-            <a:endParaRPr b="0" lang="en-US" sz="3200" spc="-1" strike="noStrike">
-              <a:solidFill>
-                <a:srgbClr val="000000"/>
-              </a:solidFill>
-              <a:uFill>
-                <a:solidFill>
-                  <a:srgbClr val="ffffff"/>
-                </a:solidFill>
-              </a:uFill>
-              <a:latin typeface="Arial"/>
-            </a:endParaRPr>
-          </a:p>
-        </p:txBody>
-      </p:sp>
-      <p:sp>
-        <p:nvSpPr>
-          <p:cNvPr id="36" name="PlaceHolder 6"/>
-          <p:cNvSpPr>
-            <a:spLocks noGrp="1"/>
-          </p:cNvSpPr>
-          <p:nvPr>
-            <p:ph type="body"/>
-          </p:nvPr>
-        </p:nvSpPr>
-        <p:spPr>
-          <a:xfrm>
-            <a:off x="3239640" y="3682080"/>
-            <a:ext cx="2649600" cy="1896840"/>
-          </a:xfrm>
-          <a:prstGeom prst="rect">
-            <a:avLst/>
-          </a:prstGeom>
-        </p:spPr>
-        <p:txBody>
-          <a:bodyPr lIns="0" rIns="0" tIns="0" bIns="0"/>
-          <a:p>
-            <a:endParaRPr b="0" lang="en-US" sz="3200" spc="-1" strike="noStrike">
-              <a:solidFill>
-                <a:srgbClr val="000000"/>
-              </a:solidFill>
-              <a:uFill>
-                <a:solidFill>
-                  <a:srgbClr val="ffffff"/>
-                </a:solidFill>
-              </a:uFill>
-              <a:latin typeface="Arial"/>
-            </a:endParaRPr>
-          </a:p>
-        </p:txBody>
-      </p:sp>
-      <p:sp>
-        <p:nvSpPr>
-          <p:cNvPr id="37" name="PlaceHolder 7"/>
-          <p:cNvSpPr>
-            <a:spLocks noGrp="1"/>
-          </p:cNvSpPr>
-          <p:nvPr>
-            <p:ph type="body"/>
-          </p:nvPr>
-        </p:nvSpPr>
-        <p:spPr>
-          <a:xfrm>
-            <a:off x="457200" y="3682080"/>
-            <a:ext cx="2649600" cy="1896840"/>
-          </a:xfrm>
-          <a:prstGeom prst="rect">
-            <a:avLst/>
-          </a:prstGeom>
-        </p:spPr>
-        <p:txBody>
-          <a:bodyPr lIns="0" rIns="0" tIns="0" bIns="0"/>
-          <a:p>
-            <a:endParaRPr b="0" lang="en-US" sz="3200" spc="-1" strike="noStrike">
-              <a:solidFill>
-                <a:srgbClr val="000000"/>
-              </a:solidFill>
-              <a:uFill>
-                <a:solidFill>
-                  <a:srgbClr val="ffffff"/>
-                </a:solidFill>
-              </a:uFill>
-              <a:latin typeface="Arial"/>
-            </a:endParaRPr>
-          </a:p>
-        </p:txBody>
-      </p:sp>
+            <a:endParaRPr/>
+          </a:p>
+        </p:txBody>
+      </p:sp>
+      <p:pic>
+        <p:nvPicPr>
+          <p:cNvPr id="34" name="" descr=""/>
+          <p:cNvPicPr/>
+          <p:nvPr/>
+        </p:nvPicPr>
+        <p:blipFill>
+          <a:blip r:embed="rId2"/>
+          <a:stretch>
+            <a:fillRect/>
+          </a:stretch>
+        </p:blipFill>
+        <p:spPr>
+          <a:xfrm>
+            <a:off x="2079000" y="1604520"/>
+            <a:ext cx="4984920" cy="3977280"/>
+          </a:xfrm>
+          <a:prstGeom prst="rect">
+            <a:avLst/>
+          </a:prstGeom>
+          <a:ln>
+            <a:noFill/>
+          </a:ln>
+        </p:spPr>
+      </p:pic>
+      <p:pic>
+        <p:nvPicPr>
+          <p:cNvPr id="35" name="" descr=""/>
+          <p:cNvPicPr/>
+          <p:nvPr/>
+        </p:nvPicPr>
+        <p:blipFill>
+          <a:blip r:embed="rId3"/>
+          <a:stretch>
+            <a:fillRect/>
+          </a:stretch>
+        </p:blipFill>
+        <p:spPr>
+          <a:xfrm>
+            <a:off x="2079000" y="1604520"/>
+            <a:ext cx="4984920" cy="3977280"/>
+          </a:xfrm>
+          <a:prstGeom prst="rect">
+            <a:avLst/>
+          </a:prstGeom>
+          <a:ln>
+            <a:noFill/>
+          </a:ln>
+        </p:spPr>
+      </p:pic>
     </p:spTree>
   </p:cSld>
 </p:sldLayout>
 </file>
 
 <file path=ppt/slideLayouts/slideLayout13.xml><?xml version="1.0" encoding="utf-8"?>
-<p:sldLayout xmlns:a="http://schemas.openxmlformats.org/drawingml/2006/main" xmlns:p="http://schemas.openxmlformats.org/presentationml/2006/main" xmlns:r="http://schemas.openxmlformats.org/officeDocument/2006/relationships" xmlns:p14="http://schemas.microsoft.com/office/powerpoint/2010/main" xmlns:p15="http://schemas.microsoft.com/office/powerpoint/2012/main" xmlns:mc="http://schemas.openxmlformats.org/markup-compatibility/2006" type="blank" preserve="1">
+<p:sldLayout xmlns:a="http://schemas.openxmlformats.org/drawingml/2006/main" xmlns:p="http://schemas.openxmlformats.org/presentationml/2006/main" xmlns:r="http://schemas.openxmlformats.org/officeDocument/2006/relationships" type="blank" preserve="1">
   <p:cSld name="Blank Slide">
     <p:spTree>
       <p:nvGrpSpPr>
@@ -685,7 +475,7 @@
 </file>
 
 <file path=ppt/slideLayouts/slideLayout14.xml><?xml version="1.0" encoding="utf-8"?>
-<p:sldLayout xmlns:a="http://schemas.openxmlformats.org/drawingml/2006/main" xmlns:p="http://schemas.openxmlformats.org/presentationml/2006/main" xmlns:r="http://schemas.openxmlformats.org/officeDocument/2006/relationships" xmlns:p14="http://schemas.microsoft.com/office/powerpoint/2010/main" xmlns:p15="http://schemas.microsoft.com/office/powerpoint/2012/main" xmlns:mc="http://schemas.openxmlformats.org/markup-compatibility/2006" type="tx" preserve="1">
+<p:sldLayout xmlns:a="http://schemas.openxmlformats.org/drawingml/2006/main" xmlns:p="http://schemas.openxmlformats.org/presentationml/2006/main" xmlns:r="http://schemas.openxmlformats.org/officeDocument/2006/relationships" type="tx" preserve="1">
   <p:cSld name="Title Slide">
     <p:spTree>
       <p:nvGrpSpPr>
@@ -703,7 +493,7 @@
       </p:grpSpPr>
       <p:sp>
         <p:nvSpPr>
-          <p:cNvPr id="40" name="PlaceHolder 1"/>
+          <p:cNvPr id="38" name="PlaceHolder 1"/>
           <p:cNvSpPr>
             <a:spLocks noGrp="1"/>
           </p:cNvSpPr>
@@ -713,8 +503,8 @@
         </p:nvSpPr>
         <p:spPr>
           <a:xfrm>
-            <a:off x="457200" y="273600"/>
-            <a:ext cx="8229240" cy="1144800"/>
+            <a:off x="457200" y="219600"/>
+            <a:ext cx="8229240" cy="1253160"/>
           </a:xfrm>
           <a:prstGeom prst="rect">
             <a:avLst/>
@@ -724,23 +514,13 @@
           <a:bodyPr lIns="0" rIns="0" tIns="0" bIns="0" anchor="ctr"/>
           <a:p>
             <a:pPr algn="ctr"/>
-            <a:endParaRPr b="0" lang="en-US" sz="4400" spc="-1" strike="noStrike">
-              <a:solidFill>
-                <a:srgbClr val="000000"/>
-              </a:solidFill>
-              <a:uFill>
-                <a:solidFill>
-                  <a:srgbClr val="ffffff"/>
-                </a:solidFill>
-              </a:uFill>
-              <a:latin typeface="Arial"/>
-            </a:endParaRPr>
-          </a:p>
-        </p:txBody>
-      </p:sp>
-      <p:sp>
-        <p:nvSpPr>
-          <p:cNvPr id="41" name="PlaceHolder 2"/>
+            <a:endParaRPr/>
+          </a:p>
+        </p:txBody>
+      </p:sp>
+      <p:sp>
+        <p:nvSpPr>
+          <p:cNvPr id="39" name="PlaceHolder 2"/>
           <p:cNvSpPr>
             <a:spLocks noGrp="1"/>
           </p:cNvSpPr>
@@ -751,7 +531,7 @@
         <p:spPr>
           <a:xfrm>
             <a:off x="457200" y="1604520"/>
-            <a:ext cx="8229240" cy="3977280"/>
+            <a:ext cx="8229240" cy="3977640"/>
           </a:xfrm>
           <a:prstGeom prst="rect">
             <a:avLst/>
@@ -761,17 +541,7 @@
           <a:bodyPr lIns="0" rIns="0" tIns="0" bIns="0" anchor="ctr"/>
           <a:p>
             <a:pPr algn="ctr"/>
-            <a:endParaRPr b="0" lang="en-US" sz="3200" spc="-1" strike="noStrike">
-              <a:solidFill>
-                <a:srgbClr val="000000"/>
-              </a:solidFill>
-              <a:uFill>
-                <a:solidFill>
-                  <a:srgbClr val="ffffff"/>
-                </a:solidFill>
-              </a:uFill>
-              <a:latin typeface="Arial"/>
-            </a:endParaRPr>
+            <a:endParaRPr/>
           </a:p>
         </p:txBody>
       </p:sp>
@@ -781,7 +551,7 @@
 </file>
 
 <file path=ppt/slideLayouts/slideLayout15.xml><?xml version="1.0" encoding="utf-8"?>
-<p:sldLayout xmlns:a="http://schemas.openxmlformats.org/drawingml/2006/main" xmlns:p="http://schemas.openxmlformats.org/presentationml/2006/main" xmlns:r="http://schemas.openxmlformats.org/officeDocument/2006/relationships" xmlns:p14="http://schemas.microsoft.com/office/powerpoint/2010/main" xmlns:p15="http://schemas.microsoft.com/office/powerpoint/2012/main" xmlns:mc="http://schemas.openxmlformats.org/markup-compatibility/2006" type="obj" preserve="1">
+<p:sldLayout xmlns:a="http://schemas.openxmlformats.org/drawingml/2006/main" xmlns:p="http://schemas.openxmlformats.org/presentationml/2006/main" xmlns:r="http://schemas.openxmlformats.org/officeDocument/2006/relationships" type="obj" preserve="1">
   <p:cSld name="Title, Content">
     <p:spTree>
       <p:nvGrpSpPr>
@@ -799,7 +569,7 @@
       </p:grpSpPr>
       <p:sp>
         <p:nvSpPr>
-          <p:cNvPr id="42" name="PlaceHolder 1"/>
+          <p:cNvPr id="40" name="PlaceHolder 1"/>
           <p:cNvSpPr>
             <a:spLocks noGrp="1"/>
           </p:cNvSpPr>
@@ -809,8 +579,8 @@
         </p:nvSpPr>
         <p:spPr>
           <a:xfrm>
-            <a:off x="457200" y="273600"/>
-            <a:ext cx="8229240" cy="1144800"/>
+            <a:off x="457200" y="219600"/>
+            <a:ext cx="8229240" cy="1253160"/>
           </a:xfrm>
           <a:prstGeom prst="rect">
             <a:avLst/>
@@ -820,23 +590,13 @@
           <a:bodyPr lIns="0" rIns="0" tIns="0" bIns="0" anchor="ctr"/>
           <a:p>
             <a:pPr algn="ctr"/>
-            <a:endParaRPr b="0" lang="en-US" sz="4400" spc="-1" strike="noStrike">
-              <a:solidFill>
-                <a:srgbClr val="000000"/>
-              </a:solidFill>
-              <a:uFill>
-                <a:solidFill>
-                  <a:srgbClr val="ffffff"/>
-                </a:solidFill>
-              </a:uFill>
-              <a:latin typeface="Arial"/>
-            </a:endParaRPr>
-          </a:p>
-        </p:txBody>
-      </p:sp>
-      <p:sp>
-        <p:nvSpPr>
-          <p:cNvPr id="43" name="PlaceHolder 2"/>
+            <a:endParaRPr/>
+          </a:p>
+        </p:txBody>
+      </p:sp>
+      <p:sp>
+        <p:nvSpPr>
+          <p:cNvPr id="41" name="PlaceHolder 2"/>
           <p:cNvSpPr>
             <a:spLocks noGrp="1"/>
           </p:cNvSpPr>
@@ -856,17 +616,7 @@
         <p:txBody>
           <a:bodyPr lIns="0" rIns="0" tIns="0" bIns="0"/>
           <a:p>
-            <a:endParaRPr b="0" lang="en-US" sz="3200" spc="-1" strike="noStrike">
-              <a:solidFill>
-                <a:srgbClr val="000000"/>
-              </a:solidFill>
-              <a:uFill>
-                <a:solidFill>
-                  <a:srgbClr val="ffffff"/>
-                </a:solidFill>
-              </a:uFill>
-              <a:latin typeface="Arial"/>
-            </a:endParaRPr>
+            <a:endParaRPr/>
           </a:p>
         </p:txBody>
       </p:sp>
@@ -876,7 +626,7 @@
 </file>
 
 <file path=ppt/slideLayouts/slideLayout16.xml><?xml version="1.0" encoding="utf-8"?>
-<p:sldLayout xmlns:a="http://schemas.openxmlformats.org/drawingml/2006/main" xmlns:p="http://schemas.openxmlformats.org/presentationml/2006/main" xmlns:r="http://schemas.openxmlformats.org/officeDocument/2006/relationships" xmlns:p14="http://schemas.microsoft.com/office/powerpoint/2010/main" xmlns:p15="http://schemas.microsoft.com/office/powerpoint/2012/main" xmlns:mc="http://schemas.openxmlformats.org/markup-compatibility/2006" type="twoObj" preserve="1">
+<p:sldLayout xmlns:a="http://schemas.openxmlformats.org/drawingml/2006/main" xmlns:p="http://schemas.openxmlformats.org/presentationml/2006/main" xmlns:r="http://schemas.openxmlformats.org/officeDocument/2006/relationships" type="twoObj" preserve="1">
   <p:cSld name="Title, 2 Content">
     <p:spTree>
       <p:nvGrpSpPr>
@@ -894,7 +644,7 @@
       </p:grpSpPr>
       <p:sp>
         <p:nvSpPr>
-          <p:cNvPr id="44" name="PlaceHolder 1"/>
+          <p:cNvPr id="42" name="PlaceHolder 1"/>
           <p:cNvSpPr>
             <a:spLocks noGrp="1"/>
           </p:cNvSpPr>
@@ -904,8 +654,8 @@
         </p:nvSpPr>
         <p:spPr>
           <a:xfrm>
-            <a:off x="457200" y="273600"/>
-            <a:ext cx="8229240" cy="1144800"/>
+            <a:off x="457200" y="219600"/>
+            <a:ext cx="8229240" cy="1253160"/>
           </a:xfrm>
           <a:prstGeom prst="rect">
             <a:avLst/>
@@ -915,23 +665,13 @@
           <a:bodyPr lIns="0" rIns="0" tIns="0" bIns="0" anchor="ctr"/>
           <a:p>
             <a:pPr algn="ctr"/>
-            <a:endParaRPr b="0" lang="en-US" sz="4400" spc="-1" strike="noStrike">
-              <a:solidFill>
-                <a:srgbClr val="000000"/>
-              </a:solidFill>
-              <a:uFill>
-                <a:solidFill>
-                  <a:srgbClr val="ffffff"/>
-                </a:solidFill>
-              </a:uFill>
-              <a:latin typeface="Arial"/>
-            </a:endParaRPr>
-          </a:p>
-        </p:txBody>
-      </p:sp>
-      <p:sp>
-        <p:nvSpPr>
-          <p:cNvPr id="45" name="PlaceHolder 2"/>
+            <a:endParaRPr/>
+          </a:p>
+        </p:txBody>
+      </p:sp>
+      <p:sp>
+        <p:nvSpPr>
+          <p:cNvPr id="43" name="PlaceHolder 2"/>
           <p:cNvSpPr>
             <a:spLocks noGrp="1"/>
           </p:cNvSpPr>
@@ -951,23 +691,13 @@
         <p:txBody>
           <a:bodyPr lIns="0" rIns="0" tIns="0" bIns="0"/>
           <a:p>
-            <a:endParaRPr b="0" lang="en-US" sz="3200" spc="-1" strike="noStrike">
-              <a:solidFill>
-                <a:srgbClr val="000000"/>
-              </a:solidFill>
-              <a:uFill>
-                <a:solidFill>
-                  <a:srgbClr val="ffffff"/>
-                </a:solidFill>
-              </a:uFill>
-              <a:latin typeface="Arial"/>
-            </a:endParaRPr>
-          </a:p>
-        </p:txBody>
-      </p:sp>
-      <p:sp>
-        <p:nvSpPr>
-          <p:cNvPr id="46" name="PlaceHolder 3"/>
+            <a:endParaRPr/>
+          </a:p>
+        </p:txBody>
+      </p:sp>
+      <p:sp>
+        <p:nvSpPr>
+          <p:cNvPr id="44" name="PlaceHolder 3"/>
           <p:cNvSpPr>
             <a:spLocks noGrp="1"/>
           </p:cNvSpPr>
@@ -987,17 +717,7 @@
         <p:txBody>
           <a:bodyPr lIns="0" rIns="0" tIns="0" bIns="0"/>
           <a:p>
-            <a:endParaRPr b="0" lang="en-US" sz="3200" spc="-1" strike="noStrike">
-              <a:solidFill>
-                <a:srgbClr val="000000"/>
-              </a:solidFill>
-              <a:uFill>
-                <a:solidFill>
-                  <a:srgbClr val="ffffff"/>
-                </a:solidFill>
-              </a:uFill>
-              <a:latin typeface="Arial"/>
-            </a:endParaRPr>
+            <a:endParaRPr/>
           </a:p>
         </p:txBody>
       </p:sp>
@@ -1007,7 +727,7 @@
 </file>
 
 <file path=ppt/slideLayouts/slideLayout17.xml><?xml version="1.0" encoding="utf-8"?>
-<p:sldLayout xmlns:a="http://schemas.openxmlformats.org/drawingml/2006/main" xmlns:p="http://schemas.openxmlformats.org/presentationml/2006/main" xmlns:r="http://schemas.openxmlformats.org/officeDocument/2006/relationships" xmlns:p14="http://schemas.microsoft.com/office/powerpoint/2010/main" xmlns:p15="http://schemas.microsoft.com/office/powerpoint/2012/main" xmlns:mc="http://schemas.openxmlformats.org/markup-compatibility/2006" type="titleOnly" preserve="1">
+<p:sldLayout xmlns:a="http://schemas.openxmlformats.org/drawingml/2006/main" xmlns:p="http://schemas.openxmlformats.org/presentationml/2006/main" xmlns:r="http://schemas.openxmlformats.org/officeDocument/2006/relationships" type="titleOnly" preserve="1">
   <p:cSld name="Title Only">
     <p:spTree>
       <p:nvGrpSpPr>
@@ -1025,7 +745,7 @@
       </p:grpSpPr>
       <p:sp>
         <p:nvSpPr>
-          <p:cNvPr id="47" name="PlaceHolder 1"/>
+          <p:cNvPr id="45" name="PlaceHolder 1"/>
           <p:cNvSpPr>
             <a:spLocks noGrp="1"/>
           </p:cNvSpPr>
@@ -1035,8 +755,8 @@
         </p:nvSpPr>
         <p:spPr>
           <a:xfrm>
-            <a:off x="457200" y="273600"/>
-            <a:ext cx="8229240" cy="1144800"/>
+            <a:off x="457200" y="219600"/>
+            <a:ext cx="8229240" cy="1253160"/>
           </a:xfrm>
           <a:prstGeom prst="rect">
             <a:avLst/>
@@ -1046,17 +766,7 @@
           <a:bodyPr lIns="0" rIns="0" tIns="0" bIns="0" anchor="ctr"/>
           <a:p>
             <a:pPr algn="ctr"/>
-            <a:endParaRPr b="0" lang="en-US" sz="4400" spc="-1" strike="noStrike">
-              <a:solidFill>
-                <a:srgbClr val="000000"/>
-              </a:solidFill>
-              <a:uFill>
-                <a:solidFill>
-                  <a:srgbClr val="ffffff"/>
-                </a:solidFill>
-              </a:uFill>
-              <a:latin typeface="Arial"/>
-            </a:endParaRPr>
+            <a:endParaRPr/>
           </a:p>
         </p:txBody>
       </p:sp>
@@ -1066,7 +776,7 @@
 </file>
 
 <file path=ppt/slideLayouts/slideLayout18.xml><?xml version="1.0" encoding="utf-8"?>
-<p:sldLayout xmlns:a="http://schemas.openxmlformats.org/drawingml/2006/main" xmlns:p="http://schemas.openxmlformats.org/presentationml/2006/main" xmlns:r="http://schemas.openxmlformats.org/officeDocument/2006/relationships" xmlns:p14="http://schemas.microsoft.com/office/powerpoint/2010/main" xmlns:p15="http://schemas.microsoft.com/office/powerpoint/2012/main" xmlns:mc="http://schemas.openxmlformats.org/markup-compatibility/2006" type="objOnly" preserve="1">
+<p:sldLayout xmlns:a="http://schemas.openxmlformats.org/drawingml/2006/main" xmlns:p="http://schemas.openxmlformats.org/presentationml/2006/main" xmlns:r="http://schemas.openxmlformats.org/officeDocument/2006/relationships" type="objOnly" preserve="1">
   <p:cSld name="Centered Text">
     <p:spTree>
       <p:nvGrpSpPr>
@@ -1084,7 +794,7 @@
       </p:grpSpPr>
       <p:sp>
         <p:nvSpPr>
-          <p:cNvPr id="48" name="PlaceHolder 1"/>
+          <p:cNvPr id="46" name="PlaceHolder 1"/>
           <p:cNvSpPr>
             <a:spLocks noGrp="1"/>
           </p:cNvSpPr>
@@ -1095,7 +805,7 @@
         <p:spPr>
           <a:xfrm>
             <a:off x="457200" y="273600"/>
-            <a:ext cx="8229240" cy="5307840"/>
+            <a:ext cx="8229240" cy="5308200"/>
           </a:xfrm>
           <a:prstGeom prst="rect">
             <a:avLst/>
@@ -1105,17 +815,7 @@
           <a:bodyPr lIns="0" rIns="0" tIns="0" bIns="0" anchor="ctr"/>
           <a:p>
             <a:pPr algn="ctr"/>
-            <a:endParaRPr b="0" lang="en-US" sz="3200" spc="-1" strike="noStrike">
-              <a:solidFill>
-                <a:srgbClr val="000000"/>
-              </a:solidFill>
-              <a:uFill>
-                <a:solidFill>
-                  <a:srgbClr val="ffffff"/>
-                </a:solidFill>
-              </a:uFill>
-              <a:latin typeface="Arial"/>
-            </a:endParaRPr>
+            <a:endParaRPr/>
           </a:p>
         </p:txBody>
       </p:sp>
@@ -1125,7 +825,7 @@
 </file>
 
 <file path=ppt/slideLayouts/slideLayout19.xml><?xml version="1.0" encoding="utf-8"?>
-<p:sldLayout xmlns:a="http://schemas.openxmlformats.org/drawingml/2006/main" xmlns:p="http://schemas.openxmlformats.org/presentationml/2006/main" xmlns:r="http://schemas.openxmlformats.org/officeDocument/2006/relationships" xmlns:p14="http://schemas.microsoft.com/office/powerpoint/2010/main" xmlns:p15="http://schemas.microsoft.com/office/powerpoint/2012/main" xmlns:mc="http://schemas.openxmlformats.org/markup-compatibility/2006" type="twoObjAndObj" preserve="1">
+<p:sldLayout xmlns:a="http://schemas.openxmlformats.org/drawingml/2006/main" xmlns:p="http://schemas.openxmlformats.org/presentationml/2006/main" xmlns:r="http://schemas.openxmlformats.org/officeDocument/2006/relationships" type="twoObjAndObj" preserve="1">
   <p:cSld name="Title, 2 Content and Content">
     <p:spTree>
       <p:nvGrpSpPr>
@@ -1143,7 +843,7 @@
       </p:grpSpPr>
       <p:sp>
         <p:nvSpPr>
-          <p:cNvPr id="49" name="PlaceHolder 1"/>
+          <p:cNvPr id="47" name="PlaceHolder 1"/>
           <p:cNvSpPr>
             <a:spLocks noGrp="1"/>
           </p:cNvSpPr>
@@ -1153,8 +853,8 @@
         </p:nvSpPr>
         <p:spPr>
           <a:xfrm>
-            <a:off x="457200" y="273600"/>
-            <a:ext cx="8229240" cy="1144800"/>
+            <a:off x="457200" y="219600"/>
+            <a:ext cx="8229240" cy="1253160"/>
           </a:xfrm>
           <a:prstGeom prst="rect">
             <a:avLst/>
@@ -1164,23 +864,13 @@
           <a:bodyPr lIns="0" rIns="0" tIns="0" bIns="0" anchor="ctr"/>
           <a:p>
             <a:pPr algn="ctr"/>
-            <a:endParaRPr b="0" lang="en-US" sz="4400" spc="-1" strike="noStrike">
-              <a:solidFill>
-                <a:srgbClr val="000000"/>
-              </a:solidFill>
-              <a:uFill>
-                <a:solidFill>
-                  <a:srgbClr val="ffffff"/>
-                </a:solidFill>
-              </a:uFill>
-              <a:latin typeface="Arial"/>
-            </a:endParaRPr>
-          </a:p>
-        </p:txBody>
-      </p:sp>
-      <p:sp>
-        <p:nvSpPr>
-          <p:cNvPr id="50" name="PlaceHolder 2"/>
+            <a:endParaRPr/>
+          </a:p>
+        </p:txBody>
+      </p:sp>
+      <p:sp>
+        <p:nvSpPr>
+          <p:cNvPr id="48" name="PlaceHolder 2"/>
           <p:cNvSpPr>
             <a:spLocks noGrp="1"/>
           </p:cNvSpPr>
@@ -1200,23 +890,13 @@
         <p:txBody>
           <a:bodyPr lIns="0" rIns="0" tIns="0" bIns="0"/>
           <a:p>
-            <a:endParaRPr b="0" lang="en-US" sz="3200" spc="-1" strike="noStrike">
-              <a:solidFill>
-                <a:srgbClr val="000000"/>
-              </a:solidFill>
-              <a:uFill>
-                <a:solidFill>
-                  <a:srgbClr val="ffffff"/>
-                </a:solidFill>
-              </a:uFill>
-              <a:latin typeface="Arial"/>
-            </a:endParaRPr>
-          </a:p>
-        </p:txBody>
-      </p:sp>
-      <p:sp>
-        <p:nvSpPr>
-          <p:cNvPr id="51" name="PlaceHolder 3"/>
+            <a:endParaRPr/>
+          </a:p>
+        </p:txBody>
+      </p:sp>
+      <p:sp>
+        <p:nvSpPr>
+          <p:cNvPr id="49" name="PlaceHolder 3"/>
           <p:cNvSpPr>
             <a:spLocks noGrp="1"/>
           </p:cNvSpPr>
@@ -1236,23 +916,13 @@
         <p:txBody>
           <a:bodyPr lIns="0" rIns="0" tIns="0" bIns="0"/>
           <a:p>
-            <a:endParaRPr b="0" lang="en-US" sz="3200" spc="-1" strike="noStrike">
-              <a:solidFill>
-                <a:srgbClr val="000000"/>
-              </a:solidFill>
-              <a:uFill>
-                <a:solidFill>
-                  <a:srgbClr val="ffffff"/>
-                </a:solidFill>
-              </a:uFill>
-              <a:latin typeface="Arial"/>
-            </a:endParaRPr>
-          </a:p>
-        </p:txBody>
-      </p:sp>
-      <p:sp>
-        <p:nvSpPr>
-          <p:cNvPr id="52" name="PlaceHolder 4"/>
+            <a:endParaRPr/>
+          </a:p>
+        </p:txBody>
+      </p:sp>
+      <p:sp>
+        <p:nvSpPr>
+          <p:cNvPr id="50" name="PlaceHolder 4"/>
           <p:cNvSpPr>
             <a:spLocks noGrp="1"/>
           </p:cNvSpPr>
@@ -1272,17 +942,7 @@
         <p:txBody>
           <a:bodyPr lIns="0" rIns="0" tIns="0" bIns="0"/>
           <a:p>
-            <a:endParaRPr b="0" lang="en-US" sz="3200" spc="-1" strike="noStrike">
-              <a:solidFill>
-                <a:srgbClr val="000000"/>
-              </a:solidFill>
-              <a:uFill>
-                <a:solidFill>
-                  <a:srgbClr val="ffffff"/>
-                </a:solidFill>
-              </a:uFill>
-              <a:latin typeface="Arial"/>
-            </a:endParaRPr>
+            <a:endParaRPr/>
           </a:p>
         </p:txBody>
       </p:sp>
@@ -1292,7 +952,7 @@
 </file>
 
 <file path=ppt/slideLayouts/slideLayout2.xml><?xml version="1.0" encoding="utf-8"?>
-<p:sldLayout xmlns:a="http://schemas.openxmlformats.org/drawingml/2006/main" xmlns:p="http://schemas.openxmlformats.org/presentationml/2006/main" xmlns:r="http://schemas.openxmlformats.org/officeDocument/2006/relationships" xmlns:p14="http://schemas.microsoft.com/office/powerpoint/2010/main" xmlns:p15="http://schemas.microsoft.com/office/powerpoint/2012/main" xmlns:mc="http://schemas.openxmlformats.org/markup-compatibility/2006" type="tx" preserve="1">
+<p:sldLayout xmlns:a="http://schemas.openxmlformats.org/drawingml/2006/main" xmlns:p="http://schemas.openxmlformats.org/presentationml/2006/main" xmlns:r="http://schemas.openxmlformats.org/officeDocument/2006/relationships" type="tx" preserve="1">
   <p:cSld name="Title Slide">
     <p:spTree>
       <p:nvGrpSpPr>
@@ -1320,8 +980,8 @@
         </p:nvSpPr>
         <p:spPr>
           <a:xfrm>
-            <a:off x="457200" y="273600"/>
-            <a:ext cx="8229240" cy="1144800"/>
+            <a:off x="457200" y="219600"/>
+            <a:ext cx="8229240" cy="1253160"/>
           </a:xfrm>
           <a:prstGeom prst="rect">
             <a:avLst/>
@@ -1331,17 +991,7 @@
           <a:bodyPr lIns="0" rIns="0" tIns="0" bIns="0" anchor="ctr"/>
           <a:p>
             <a:pPr algn="ctr"/>
-            <a:endParaRPr b="0" lang="en-US" sz="4400" spc="-1" strike="noStrike">
-              <a:solidFill>
-                <a:srgbClr val="000000"/>
-              </a:solidFill>
-              <a:uFill>
-                <a:solidFill>
-                  <a:srgbClr val="ffffff"/>
-                </a:solidFill>
-              </a:uFill>
-              <a:latin typeface="Arial"/>
-            </a:endParaRPr>
+            <a:endParaRPr/>
           </a:p>
         </p:txBody>
       </p:sp>
@@ -1358,7 +1008,7 @@
         <p:spPr>
           <a:xfrm>
             <a:off x="457200" y="1604520"/>
-            <a:ext cx="8229240" cy="3977280"/>
+            <a:ext cx="8229240" cy="3977640"/>
           </a:xfrm>
           <a:prstGeom prst="rect">
             <a:avLst/>
@@ -1368,17 +1018,7 @@
           <a:bodyPr lIns="0" rIns="0" tIns="0" bIns="0" anchor="ctr"/>
           <a:p>
             <a:pPr algn="ctr"/>
-            <a:endParaRPr b="0" lang="en-US" sz="3200" spc="-1" strike="noStrike">
-              <a:solidFill>
-                <a:srgbClr val="000000"/>
-              </a:solidFill>
-              <a:uFill>
-                <a:solidFill>
-                  <a:srgbClr val="ffffff"/>
-                </a:solidFill>
-              </a:uFill>
-              <a:latin typeface="Arial"/>
-            </a:endParaRPr>
+            <a:endParaRPr/>
           </a:p>
         </p:txBody>
       </p:sp>
@@ -1388,7 +1028,7 @@
 </file>
 
 <file path=ppt/slideLayouts/slideLayout20.xml><?xml version="1.0" encoding="utf-8"?>
-<p:sldLayout xmlns:a="http://schemas.openxmlformats.org/drawingml/2006/main" xmlns:p="http://schemas.openxmlformats.org/presentationml/2006/main" xmlns:r="http://schemas.openxmlformats.org/officeDocument/2006/relationships" xmlns:p14="http://schemas.microsoft.com/office/powerpoint/2010/main" xmlns:p15="http://schemas.microsoft.com/office/powerpoint/2012/main" xmlns:mc="http://schemas.openxmlformats.org/markup-compatibility/2006" type="objAndTwoObj" preserve="1">
+<p:sldLayout xmlns:a="http://schemas.openxmlformats.org/drawingml/2006/main" xmlns:p="http://schemas.openxmlformats.org/presentationml/2006/main" xmlns:r="http://schemas.openxmlformats.org/officeDocument/2006/relationships" type="objAndTwoObj" preserve="1">
   <p:cSld name="Title Content and 2 Content">
     <p:spTree>
       <p:nvGrpSpPr>
@@ -1406,7 +1046,7 @@
       </p:grpSpPr>
       <p:sp>
         <p:nvSpPr>
-          <p:cNvPr id="53" name="PlaceHolder 1"/>
+          <p:cNvPr id="51" name="PlaceHolder 1"/>
           <p:cNvSpPr>
             <a:spLocks noGrp="1"/>
           </p:cNvSpPr>
@@ -1416,8 +1056,8 @@
         </p:nvSpPr>
         <p:spPr>
           <a:xfrm>
-            <a:off x="457200" y="273600"/>
-            <a:ext cx="8229240" cy="1144800"/>
+            <a:off x="457200" y="219600"/>
+            <a:ext cx="8229240" cy="1253160"/>
           </a:xfrm>
           <a:prstGeom prst="rect">
             <a:avLst/>
@@ -1427,23 +1067,13 @@
           <a:bodyPr lIns="0" rIns="0" tIns="0" bIns="0" anchor="ctr"/>
           <a:p>
             <a:pPr algn="ctr"/>
-            <a:endParaRPr b="0" lang="en-US" sz="4400" spc="-1" strike="noStrike">
-              <a:solidFill>
-                <a:srgbClr val="000000"/>
-              </a:solidFill>
-              <a:uFill>
-                <a:solidFill>
-                  <a:srgbClr val="ffffff"/>
-                </a:solidFill>
-              </a:uFill>
-              <a:latin typeface="Arial"/>
-            </a:endParaRPr>
-          </a:p>
-        </p:txBody>
-      </p:sp>
-      <p:sp>
-        <p:nvSpPr>
-          <p:cNvPr id="54" name="PlaceHolder 2"/>
+            <a:endParaRPr/>
+          </a:p>
+        </p:txBody>
+      </p:sp>
+      <p:sp>
+        <p:nvSpPr>
+          <p:cNvPr id="52" name="PlaceHolder 2"/>
           <p:cNvSpPr>
             <a:spLocks noGrp="1"/>
           </p:cNvSpPr>
@@ -1463,23 +1093,13 @@
         <p:txBody>
           <a:bodyPr lIns="0" rIns="0" tIns="0" bIns="0"/>
           <a:p>
-            <a:endParaRPr b="0" lang="en-US" sz="3200" spc="-1" strike="noStrike">
-              <a:solidFill>
-                <a:srgbClr val="000000"/>
-              </a:solidFill>
-              <a:uFill>
-                <a:solidFill>
-                  <a:srgbClr val="ffffff"/>
-                </a:solidFill>
-              </a:uFill>
-              <a:latin typeface="Arial"/>
-            </a:endParaRPr>
-          </a:p>
-        </p:txBody>
-      </p:sp>
-      <p:sp>
-        <p:nvSpPr>
-          <p:cNvPr id="55" name="PlaceHolder 3"/>
+            <a:endParaRPr/>
+          </a:p>
+        </p:txBody>
+      </p:sp>
+      <p:sp>
+        <p:nvSpPr>
+          <p:cNvPr id="53" name="PlaceHolder 3"/>
           <p:cNvSpPr>
             <a:spLocks noGrp="1"/>
           </p:cNvSpPr>
@@ -1499,23 +1119,13 @@
         <p:txBody>
           <a:bodyPr lIns="0" rIns="0" tIns="0" bIns="0"/>
           <a:p>
-            <a:endParaRPr b="0" lang="en-US" sz="3200" spc="-1" strike="noStrike">
-              <a:solidFill>
-                <a:srgbClr val="000000"/>
-              </a:solidFill>
-              <a:uFill>
-                <a:solidFill>
-                  <a:srgbClr val="ffffff"/>
-                </a:solidFill>
-              </a:uFill>
-              <a:latin typeface="Arial"/>
-            </a:endParaRPr>
-          </a:p>
-        </p:txBody>
-      </p:sp>
-      <p:sp>
-        <p:nvSpPr>
-          <p:cNvPr id="56" name="PlaceHolder 4"/>
+            <a:endParaRPr/>
+          </a:p>
+        </p:txBody>
+      </p:sp>
+      <p:sp>
+        <p:nvSpPr>
+          <p:cNvPr id="54" name="PlaceHolder 4"/>
           <p:cNvSpPr>
             <a:spLocks noGrp="1"/>
           </p:cNvSpPr>
@@ -1535,17 +1145,7 @@
         <p:txBody>
           <a:bodyPr lIns="0" rIns="0" tIns="0" bIns="0"/>
           <a:p>
-            <a:endParaRPr b="0" lang="en-US" sz="3200" spc="-1" strike="noStrike">
-              <a:solidFill>
-                <a:srgbClr val="000000"/>
-              </a:solidFill>
-              <a:uFill>
-                <a:solidFill>
-                  <a:srgbClr val="ffffff"/>
-                </a:solidFill>
-              </a:uFill>
-              <a:latin typeface="Arial"/>
-            </a:endParaRPr>
+            <a:endParaRPr/>
           </a:p>
         </p:txBody>
       </p:sp>
@@ -1555,7 +1155,7 @@
 </file>
 
 <file path=ppt/slideLayouts/slideLayout21.xml><?xml version="1.0" encoding="utf-8"?>
-<p:sldLayout xmlns:a="http://schemas.openxmlformats.org/drawingml/2006/main" xmlns:p="http://schemas.openxmlformats.org/presentationml/2006/main" xmlns:r="http://schemas.openxmlformats.org/officeDocument/2006/relationships" xmlns:p14="http://schemas.microsoft.com/office/powerpoint/2010/main" xmlns:p15="http://schemas.microsoft.com/office/powerpoint/2012/main" xmlns:mc="http://schemas.openxmlformats.org/markup-compatibility/2006" type="twoObjOverTx" preserve="1">
+<p:sldLayout xmlns:a="http://schemas.openxmlformats.org/drawingml/2006/main" xmlns:p="http://schemas.openxmlformats.org/presentationml/2006/main" xmlns:r="http://schemas.openxmlformats.org/officeDocument/2006/relationships" type="twoObjOverTx" preserve="1">
   <p:cSld name="Title, 2 Content over Content">
     <p:spTree>
       <p:nvGrpSpPr>
@@ -1573,7 +1173,7 @@
       </p:grpSpPr>
       <p:sp>
         <p:nvSpPr>
-          <p:cNvPr id="57" name="PlaceHolder 1"/>
+          <p:cNvPr id="55" name="PlaceHolder 1"/>
           <p:cNvSpPr>
             <a:spLocks noGrp="1"/>
           </p:cNvSpPr>
@@ -1583,8 +1183,8 @@
         </p:nvSpPr>
         <p:spPr>
           <a:xfrm>
-            <a:off x="457200" y="273600"/>
-            <a:ext cx="8229240" cy="1144800"/>
+            <a:off x="457200" y="219600"/>
+            <a:ext cx="8229240" cy="1253160"/>
           </a:xfrm>
           <a:prstGeom prst="rect">
             <a:avLst/>
@@ -1594,23 +1194,13 @@
           <a:bodyPr lIns="0" rIns="0" tIns="0" bIns="0" anchor="ctr"/>
           <a:p>
             <a:pPr algn="ctr"/>
-            <a:endParaRPr b="0" lang="en-US" sz="4400" spc="-1" strike="noStrike">
-              <a:solidFill>
-                <a:srgbClr val="000000"/>
-              </a:solidFill>
-              <a:uFill>
-                <a:solidFill>
-                  <a:srgbClr val="ffffff"/>
-                </a:solidFill>
-              </a:uFill>
-              <a:latin typeface="Arial"/>
-            </a:endParaRPr>
-          </a:p>
-        </p:txBody>
-      </p:sp>
-      <p:sp>
-        <p:nvSpPr>
-          <p:cNvPr id="58" name="PlaceHolder 2"/>
+            <a:endParaRPr/>
+          </a:p>
+        </p:txBody>
+      </p:sp>
+      <p:sp>
+        <p:nvSpPr>
+          <p:cNvPr id="56" name="PlaceHolder 2"/>
           <p:cNvSpPr>
             <a:spLocks noGrp="1"/>
           </p:cNvSpPr>
@@ -1630,23 +1220,13 @@
         <p:txBody>
           <a:bodyPr lIns="0" rIns="0" tIns="0" bIns="0"/>
           <a:p>
-            <a:endParaRPr b="0" lang="en-US" sz="3200" spc="-1" strike="noStrike">
-              <a:solidFill>
-                <a:srgbClr val="000000"/>
-              </a:solidFill>
-              <a:uFill>
-                <a:solidFill>
-                  <a:srgbClr val="ffffff"/>
-                </a:solidFill>
-              </a:uFill>
-              <a:latin typeface="Arial"/>
-            </a:endParaRPr>
-          </a:p>
-        </p:txBody>
-      </p:sp>
-      <p:sp>
-        <p:nvSpPr>
-          <p:cNvPr id="59" name="PlaceHolder 3"/>
+            <a:endParaRPr/>
+          </a:p>
+        </p:txBody>
+      </p:sp>
+      <p:sp>
+        <p:nvSpPr>
+          <p:cNvPr id="57" name="PlaceHolder 3"/>
           <p:cNvSpPr>
             <a:spLocks noGrp="1"/>
           </p:cNvSpPr>
@@ -1666,23 +1246,13 @@
         <p:txBody>
           <a:bodyPr lIns="0" rIns="0" tIns="0" bIns="0"/>
           <a:p>
-            <a:endParaRPr b="0" lang="en-US" sz="3200" spc="-1" strike="noStrike">
-              <a:solidFill>
-                <a:srgbClr val="000000"/>
-              </a:solidFill>
-              <a:uFill>
-                <a:solidFill>
-                  <a:srgbClr val="ffffff"/>
-                </a:solidFill>
-              </a:uFill>
-              <a:latin typeface="Arial"/>
-            </a:endParaRPr>
-          </a:p>
-        </p:txBody>
-      </p:sp>
-      <p:sp>
-        <p:nvSpPr>
-          <p:cNvPr id="60" name="PlaceHolder 4"/>
+            <a:endParaRPr/>
+          </a:p>
+        </p:txBody>
+      </p:sp>
+      <p:sp>
+        <p:nvSpPr>
+          <p:cNvPr id="58" name="PlaceHolder 4"/>
           <p:cNvSpPr>
             <a:spLocks noGrp="1"/>
           </p:cNvSpPr>
@@ -1702,17 +1272,7 @@
         <p:txBody>
           <a:bodyPr lIns="0" rIns="0" tIns="0" bIns="0"/>
           <a:p>
-            <a:endParaRPr b="0" lang="en-US" sz="3200" spc="-1" strike="noStrike">
-              <a:solidFill>
-                <a:srgbClr val="000000"/>
-              </a:solidFill>
-              <a:uFill>
-                <a:solidFill>
-                  <a:srgbClr val="ffffff"/>
-                </a:solidFill>
-              </a:uFill>
-              <a:latin typeface="Arial"/>
-            </a:endParaRPr>
+            <a:endParaRPr/>
           </a:p>
         </p:txBody>
       </p:sp>
@@ -1722,7 +1282,7 @@
 </file>
 
 <file path=ppt/slideLayouts/slideLayout22.xml><?xml version="1.0" encoding="utf-8"?>
-<p:sldLayout xmlns:a="http://schemas.openxmlformats.org/drawingml/2006/main" xmlns:p="http://schemas.openxmlformats.org/presentationml/2006/main" xmlns:r="http://schemas.openxmlformats.org/officeDocument/2006/relationships" xmlns:p14="http://schemas.microsoft.com/office/powerpoint/2010/main" xmlns:p15="http://schemas.microsoft.com/office/powerpoint/2012/main" xmlns:mc="http://schemas.openxmlformats.org/markup-compatibility/2006" type="objOverTx" preserve="1">
+<p:sldLayout xmlns:a="http://schemas.openxmlformats.org/drawingml/2006/main" xmlns:p="http://schemas.openxmlformats.org/presentationml/2006/main" xmlns:r="http://schemas.openxmlformats.org/officeDocument/2006/relationships" type="objOverTx" preserve="1">
   <p:cSld name="Title, Content over Content">
     <p:spTree>
       <p:nvGrpSpPr>
@@ -1740,7 +1300,7 @@
       </p:grpSpPr>
       <p:sp>
         <p:nvSpPr>
-          <p:cNvPr id="61" name="PlaceHolder 1"/>
+          <p:cNvPr id="59" name="PlaceHolder 1"/>
           <p:cNvSpPr>
             <a:spLocks noGrp="1"/>
           </p:cNvSpPr>
@@ -1750,8 +1310,8 @@
         </p:nvSpPr>
         <p:spPr>
           <a:xfrm>
-            <a:off x="457200" y="273600"/>
-            <a:ext cx="8229240" cy="1144800"/>
+            <a:off x="457200" y="219600"/>
+            <a:ext cx="8229240" cy="1253160"/>
           </a:xfrm>
           <a:prstGeom prst="rect">
             <a:avLst/>
@@ -1761,23 +1321,13 @@
           <a:bodyPr lIns="0" rIns="0" tIns="0" bIns="0" anchor="ctr"/>
           <a:p>
             <a:pPr algn="ctr"/>
-            <a:endParaRPr b="0" lang="en-US" sz="4400" spc="-1" strike="noStrike">
-              <a:solidFill>
-                <a:srgbClr val="000000"/>
-              </a:solidFill>
-              <a:uFill>
-                <a:solidFill>
-                  <a:srgbClr val="ffffff"/>
-                </a:solidFill>
-              </a:uFill>
-              <a:latin typeface="Arial"/>
-            </a:endParaRPr>
-          </a:p>
-        </p:txBody>
-      </p:sp>
-      <p:sp>
-        <p:nvSpPr>
-          <p:cNvPr id="62" name="PlaceHolder 2"/>
+            <a:endParaRPr/>
+          </a:p>
+        </p:txBody>
+      </p:sp>
+      <p:sp>
+        <p:nvSpPr>
+          <p:cNvPr id="60" name="PlaceHolder 2"/>
           <p:cNvSpPr>
             <a:spLocks noGrp="1"/>
           </p:cNvSpPr>
@@ -1797,23 +1347,13 @@
         <p:txBody>
           <a:bodyPr lIns="0" rIns="0" tIns="0" bIns="0"/>
           <a:p>
-            <a:endParaRPr b="0" lang="en-US" sz="3200" spc="-1" strike="noStrike">
-              <a:solidFill>
-                <a:srgbClr val="000000"/>
-              </a:solidFill>
-              <a:uFill>
-                <a:solidFill>
-                  <a:srgbClr val="ffffff"/>
-                </a:solidFill>
-              </a:uFill>
-              <a:latin typeface="Arial"/>
-            </a:endParaRPr>
-          </a:p>
-        </p:txBody>
-      </p:sp>
-      <p:sp>
-        <p:nvSpPr>
-          <p:cNvPr id="63" name="PlaceHolder 3"/>
+            <a:endParaRPr/>
+          </a:p>
+        </p:txBody>
+      </p:sp>
+      <p:sp>
+        <p:nvSpPr>
+          <p:cNvPr id="61" name="PlaceHolder 3"/>
           <p:cNvSpPr>
             <a:spLocks noGrp="1"/>
           </p:cNvSpPr>
@@ -1833,17 +1373,7 @@
         <p:txBody>
           <a:bodyPr lIns="0" rIns="0" tIns="0" bIns="0"/>
           <a:p>
-            <a:endParaRPr b="0" lang="en-US" sz="3200" spc="-1" strike="noStrike">
-              <a:solidFill>
-                <a:srgbClr val="000000"/>
-              </a:solidFill>
-              <a:uFill>
-                <a:solidFill>
-                  <a:srgbClr val="ffffff"/>
-                </a:solidFill>
-              </a:uFill>
-              <a:latin typeface="Arial"/>
-            </a:endParaRPr>
+            <a:endParaRPr/>
           </a:p>
         </p:txBody>
       </p:sp>
@@ -1853,7 +1383,7 @@
 </file>
 
 <file path=ppt/slideLayouts/slideLayout23.xml><?xml version="1.0" encoding="utf-8"?>
-<p:sldLayout xmlns:a="http://schemas.openxmlformats.org/drawingml/2006/main" xmlns:p="http://schemas.openxmlformats.org/presentationml/2006/main" xmlns:r="http://schemas.openxmlformats.org/officeDocument/2006/relationships" xmlns:p14="http://schemas.microsoft.com/office/powerpoint/2010/main" xmlns:p15="http://schemas.microsoft.com/office/powerpoint/2012/main" xmlns:mc="http://schemas.openxmlformats.org/markup-compatibility/2006" type="fourObj" preserve="1">
+<p:sldLayout xmlns:a="http://schemas.openxmlformats.org/drawingml/2006/main" xmlns:p="http://schemas.openxmlformats.org/presentationml/2006/main" xmlns:r="http://schemas.openxmlformats.org/officeDocument/2006/relationships" type="fourObj" preserve="1">
   <p:cSld name="Title, 4 Content">
     <p:spTree>
       <p:nvGrpSpPr>
@@ -1871,7 +1401,7 @@
       </p:grpSpPr>
       <p:sp>
         <p:nvSpPr>
-          <p:cNvPr id="64" name="PlaceHolder 1"/>
+          <p:cNvPr id="62" name="PlaceHolder 1"/>
           <p:cNvSpPr>
             <a:spLocks noGrp="1"/>
           </p:cNvSpPr>
@@ -1881,8 +1411,8 @@
         </p:nvSpPr>
         <p:spPr>
           <a:xfrm>
-            <a:off x="457200" y="273600"/>
-            <a:ext cx="8229240" cy="1144800"/>
+            <a:off x="457200" y="219600"/>
+            <a:ext cx="8229240" cy="1253160"/>
           </a:xfrm>
           <a:prstGeom prst="rect">
             <a:avLst/>
@@ -1892,23 +1422,13 @@
           <a:bodyPr lIns="0" rIns="0" tIns="0" bIns="0" anchor="ctr"/>
           <a:p>
             <a:pPr algn="ctr"/>
-            <a:endParaRPr b="0" lang="en-US" sz="4400" spc="-1" strike="noStrike">
-              <a:solidFill>
-                <a:srgbClr val="000000"/>
-              </a:solidFill>
-              <a:uFill>
-                <a:solidFill>
-                  <a:srgbClr val="ffffff"/>
-                </a:solidFill>
-              </a:uFill>
-              <a:latin typeface="Arial"/>
-            </a:endParaRPr>
-          </a:p>
-        </p:txBody>
-      </p:sp>
-      <p:sp>
-        <p:nvSpPr>
-          <p:cNvPr id="65" name="PlaceHolder 2"/>
+            <a:endParaRPr/>
+          </a:p>
+        </p:txBody>
+      </p:sp>
+      <p:sp>
+        <p:nvSpPr>
+          <p:cNvPr id="63" name="PlaceHolder 2"/>
           <p:cNvSpPr>
             <a:spLocks noGrp="1"/>
           </p:cNvSpPr>
@@ -1928,23 +1448,13 @@
         <p:txBody>
           <a:bodyPr lIns="0" rIns="0" tIns="0" bIns="0"/>
           <a:p>
-            <a:endParaRPr b="0" lang="en-US" sz="3200" spc="-1" strike="noStrike">
-              <a:solidFill>
-                <a:srgbClr val="000000"/>
-              </a:solidFill>
-              <a:uFill>
-                <a:solidFill>
-                  <a:srgbClr val="ffffff"/>
-                </a:solidFill>
-              </a:uFill>
-              <a:latin typeface="Arial"/>
-            </a:endParaRPr>
-          </a:p>
-        </p:txBody>
-      </p:sp>
-      <p:sp>
-        <p:nvSpPr>
-          <p:cNvPr id="66" name="PlaceHolder 3"/>
+            <a:endParaRPr/>
+          </a:p>
+        </p:txBody>
+      </p:sp>
+      <p:sp>
+        <p:nvSpPr>
+          <p:cNvPr id="64" name="PlaceHolder 3"/>
           <p:cNvSpPr>
             <a:spLocks noGrp="1"/>
           </p:cNvSpPr>
@@ -1964,23 +1474,13 @@
         <p:txBody>
           <a:bodyPr lIns="0" rIns="0" tIns="0" bIns="0"/>
           <a:p>
-            <a:endParaRPr b="0" lang="en-US" sz="3200" spc="-1" strike="noStrike">
-              <a:solidFill>
-                <a:srgbClr val="000000"/>
-              </a:solidFill>
-              <a:uFill>
-                <a:solidFill>
-                  <a:srgbClr val="ffffff"/>
-                </a:solidFill>
-              </a:uFill>
-              <a:latin typeface="Arial"/>
-            </a:endParaRPr>
-          </a:p>
-        </p:txBody>
-      </p:sp>
-      <p:sp>
-        <p:nvSpPr>
-          <p:cNvPr id="67" name="PlaceHolder 4"/>
+            <a:endParaRPr/>
+          </a:p>
+        </p:txBody>
+      </p:sp>
+      <p:sp>
+        <p:nvSpPr>
+          <p:cNvPr id="65" name="PlaceHolder 4"/>
           <p:cNvSpPr>
             <a:spLocks noGrp="1"/>
           </p:cNvSpPr>
@@ -2000,23 +1500,13 @@
         <p:txBody>
           <a:bodyPr lIns="0" rIns="0" tIns="0" bIns="0"/>
           <a:p>
-            <a:endParaRPr b="0" lang="en-US" sz="3200" spc="-1" strike="noStrike">
-              <a:solidFill>
-                <a:srgbClr val="000000"/>
-              </a:solidFill>
-              <a:uFill>
-                <a:solidFill>
-                  <a:srgbClr val="ffffff"/>
-                </a:solidFill>
-              </a:uFill>
-              <a:latin typeface="Arial"/>
-            </a:endParaRPr>
-          </a:p>
-        </p:txBody>
-      </p:sp>
-      <p:sp>
-        <p:nvSpPr>
-          <p:cNvPr id="68" name="PlaceHolder 5"/>
+            <a:endParaRPr/>
+          </a:p>
+        </p:txBody>
+      </p:sp>
+      <p:sp>
+        <p:nvSpPr>
+          <p:cNvPr id="66" name="PlaceHolder 5"/>
           <p:cNvSpPr>
             <a:spLocks noGrp="1"/>
           </p:cNvSpPr>
@@ -2036,17 +1526,7 @@
         <p:txBody>
           <a:bodyPr lIns="0" rIns="0" tIns="0" bIns="0"/>
           <a:p>
-            <a:endParaRPr b="0" lang="en-US" sz="3200" spc="-1" strike="noStrike">
-              <a:solidFill>
-                <a:srgbClr val="000000"/>
-              </a:solidFill>
-              <a:uFill>
-                <a:solidFill>
-                  <a:srgbClr val="ffffff"/>
-                </a:solidFill>
-              </a:uFill>
-              <a:latin typeface="Arial"/>
-            </a:endParaRPr>
+            <a:endParaRPr/>
           </a:p>
         </p:txBody>
       </p:sp>
@@ -2056,7 +1536,7 @@
 </file>
 
 <file path=ppt/slideLayouts/slideLayout24.xml><?xml version="1.0" encoding="utf-8"?>
-<p:sldLayout xmlns:a="http://schemas.openxmlformats.org/drawingml/2006/main" xmlns:p="http://schemas.openxmlformats.org/presentationml/2006/main" xmlns:r="http://schemas.openxmlformats.org/officeDocument/2006/relationships" xmlns:p14="http://schemas.microsoft.com/office/powerpoint/2010/main" xmlns:p15="http://schemas.microsoft.com/office/powerpoint/2012/main" xmlns:mc="http://schemas.openxmlformats.org/markup-compatibility/2006" type="blank" preserve="1">
+<p:sldLayout xmlns:a="http://schemas.openxmlformats.org/drawingml/2006/main" xmlns:p="http://schemas.openxmlformats.org/presentationml/2006/main" xmlns:r="http://schemas.openxmlformats.org/officeDocument/2006/relationships" type="blank" preserve="1">
   <p:cSld name="Title, 6 Content">
     <p:spTree>
       <p:nvGrpSpPr>
@@ -2074,7 +1554,7 @@
       </p:grpSpPr>
       <p:sp>
         <p:nvSpPr>
-          <p:cNvPr id="69" name="PlaceHolder 1"/>
+          <p:cNvPr id="67" name="PlaceHolder 1"/>
           <p:cNvSpPr>
             <a:spLocks noGrp="1"/>
           </p:cNvSpPr>
@@ -2084,8 +1564,8 @@
         </p:nvSpPr>
         <p:spPr>
           <a:xfrm>
-            <a:off x="457200" y="273600"/>
-            <a:ext cx="8229240" cy="1144800"/>
+            <a:off x="457200" y="219600"/>
+            <a:ext cx="8229240" cy="1253160"/>
           </a:xfrm>
           <a:prstGeom prst="rect">
             <a:avLst/>
@@ -2095,23 +1575,13 @@
           <a:bodyPr lIns="0" rIns="0" tIns="0" bIns="0" anchor="ctr"/>
           <a:p>
             <a:pPr algn="ctr"/>
-            <a:endParaRPr b="0" lang="en-US" sz="4400" spc="-1" strike="noStrike">
-              <a:solidFill>
-                <a:srgbClr val="000000"/>
-              </a:solidFill>
-              <a:uFill>
-                <a:solidFill>
-                  <a:srgbClr val="ffffff"/>
-                </a:solidFill>
-              </a:uFill>
-              <a:latin typeface="Arial"/>
-            </a:endParaRPr>
-          </a:p>
-        </p:txBody>
-      </p:sp>
-      <p:sp>
-        <p:nvSpPr>
-          <p:cNvPr id="70" name="PlaceHolder 2"/>
+            <a:endParaRPr/>
+          </a:p>
+        </p:txBody>
+      </p:sp>
+      <p:sp>
+        <p:nvSpPr>
+          <p:cNvPr id="68" name="PlaceHolder 2"/>
           <p:cNvSpPr>
             <a:spLocks noGrp="1"/>
           </p:cNvSpPr>
@@ -2122,7 +1592,7 @@
         <p:spPr>
           <a:xfrm>
             <a:off x="457200" y="1604520"/>
-            <a:ext cx="2649600" cy="1896840"/>
+            <a:ext cx="8229240" cy="3977280"/>
           </a:xfrm>
           <a:prstGeom prst="rect">
             <a:avLst/>
@@ -2131,23 +1601,13 @@
         <p:txBody>
           <a:bodyPr lIns="0" rIns="0" tIns="0" bIns="0"/>
           <a:p>
-            <a:endParaRPr b="0" lang="en-US" sz="3200" spc="-1" strike="noStrike">
-              <a:solidFill>
-                <a:srgbClr val="000000"/>
-              </a:solidFill>
-              <a:uFill>
-                <a:solidFill>
-                  <a:srgbClr val="ffffff"/>
-                </a:solidFill>
-              </a:uFill>
-              <a:latin typeface="Arial"/>
-            </a:endParaRPr>
-          </a:p>
-        </p:txBody>
-      </p:sp>
-      <p:sp>
-        <p:nvSpPr>
-          <p:cNvPr id="71" name="PlaceHolder 3"/>
+            <a:endParaRPr/>
+          </a:p>
+        </p:txBody>
+      </p:sp>
+      <p:sp>
+        <p:nvSpPr>
+          <p:cNvPr id="69" name="PlaceHolder 3"/>
           <p:cNvSpPr>
             <a:spLocks noGrp="1"/>
           </p:cNvSpPr>
@@ -2157,8 +1617,8 @@
         </p:nvSpPr>
         <p:spPr>
           <a:xfrm>
-            <a:off x="3239640" y="1604520"/>
-            <a:ext cx="2649600" cy="1896840"/>
+            <a:off x="457200" y="1604520"/>
+            <a:ext cx="8229240" cy="3977280"/>
           </a:xfrm>
           <a:prstGeom prst="rect">
             <a:avLst/>
@@ -2167,171 +1627,67 @@
         <p:txBody>
           <a:bodyPr lIns="0" rIns="0" tIns="0" bIns="0"/>
           <a:p>
-            <a:endParaRPr b="0" lang="en-US" sz="3200" spc="-1" strike="noStrike">
-              <a:solidFill>
-                <a:srgbClr val="000000"/>
-              </a:solidFill>
-              <a:uFill>
-                <a:solidFill>
-                  <a:srgbClr val="ffffff"/>
-                </a:solidFill>
-              </a:uFill>
-              <a:latin typeface="Arial"/>
-            </a:endParaRPr>
-          </a:p>
-        </p:txBody>
-      </p:sp>
-      <p:sp>
-        <p:nvSpPr>
-          <p:cNvPr id="72" name="PlaceHolder 4"/>
-          <p:cNvSpPr>
-            <a:spLocks noGrp="1"/>
-          </p:cNvSpPr>
-          <p:nvPr>
-            <p:ph type="body"/>
-          </p:nvPr>
-        </p:nvSpPr>
-        <p:spPr>
-          <a:xfrm>
-            <a:off x="6022080" y="1604520"/>
-            <a:ext cx="2649600" cy="1896840"/>
-          </a:xfrm>
-          <a:prstGeom prst="rect">
-            <a:avLst/>
-          </a:prstGeom>
-        </p:spPr>
-        <p:txBody>
-          <a:bodyPr lIns="0" rIns="0" tIns="0" bIns="0"/>
-          <a:p>
-            <a:endParaRPr b="0" lang="en-US" sz="3200" spc="-1" strike="noStrike">
-              <a:solidFill>
-                <a:srgbClr val="000000"/>
-              </a:solidFill>
-              <a:uFill>
-                <a:solidFill>
-                  <a:srgbClr val="ffffff"/>
-                </a:solidFill>
-              </a:uFill>
-              <a:latin typeface="Arial"/>
-            </a:endParaRPr>
-          </a:p>
-        </p:txBody>
-      </p:sp>
-      <p:sp>
-        <p:nvSpPr>
-          <p:cNvPr id="73" name="PlaceHolder 5"/>
-          <p:cNvSpPr>
-            <a:spLocks noGrp="1"/>
-          </p:cNvSpPr>
-          <p:nvPr>
-            <p:ph type="body"/>
-          </p:nvPr>
-        </p:nvSpPr>
-        <p:spPr>
-          <a:xfrm>
-            <a:off x="6022080" y="3682080"/>
-            <a:ext cx="2649600" cy="1896840"/>
-          </a:xfrm>
-          <a:prstGeom prst="rect">
-            <a:avLst/>
-          </a:prstGeom>
-        </p:spPr>
-        <p:txBody>
-          <a:bodyPr lIns="0" rIns="0" tIns="0" bIns="0"/>
-          <a:p>
-            <a:endParaRPr b="0" lang="en-US" sz="3200" spc="-1" strike="noStrike">
-              <a:solidFill>
-                <a:srgbClr val="000000"/>
-              </a:solidFill>
-              <a:uFill>
-                <a:solidFill>
-                  <a:srgbClr val="ffffff"/>
-                </a:solidFill>
-              </a:uFill>
-              <a:latin typeface="Arial"/>
-            </a:endParaRPr>
-          </a:p>
-        </p:txBody>
-      </p:sp>
-      <p:sp>
-        <p:nvSpPr>
-          <p:cNvPr id="74" name="PlaceHolder 6"/>
-          <p:cNvSpPr>
-            <a:spLocks noGrp="1"/>
-          </p:cNvSpPr>
-          <p:nvPr>
-            <p:ph type="body"/>
-          </p:nvPr>
-        </p:nvSpPr>
-        <p:spPr>
-          <a:xfrm>
-            <a:off x="3239640" y="3682080"/>
-            <a:ext cx="2649600" cy="1896840"/>
-          </a:xfrm>
-          <a:prstGeom prst="rect">
-            <a:avLst/>
-          </a:prstGeom>
-        </p:spPr>
-        <p:txBody>
-          <a:bodyPr lIns="0" rIns="0" tIns="0" bIns="0"/>
-          <a:p>
-            <a:endParaRPr b="0" lang="en-US" sz="3200" spc="-1" strike="noStrike">
-              <a:solidFill>
-                <a:srgbClr val="000000"/>
-              </a:solidFill>
-              <a:uFill>
-                <a:solidFill>
-                  <a:srgbClr val="ffffff"/>
-                </a:solidFill>
-              </a:uFill>
-              <a:latin typeface="Arial"/>
-            </a:endParaRPr>
-          </a:p>
-        </p:txBody>
-      </p:sp>
-      <p:sp>
-        <p:nvSpPr>
-          <p:cNvPr id="75" name="PlaceHolder 7"/>
-          <p:cNvSpPr>
-            <a:spLocks noGrp="1"/>
-          </p:cNvSpPr>
-          <p:nvPr>
-            <p:ph type="body"/>
-          </p:nvPr>
-        </p:nvSpPr>
-        <p:spPr>
-          <a:xfrm>
-            <a:off x="457200" y="3682080"/>
-            <a:ext cx="2649600" cy="1896840"/>
-          </a:xfrm>
-          <a:prstGeom prst="rect">
-            <a:avLst/>
-          </a:prstGeom>
-        </p:spPr>
-        <p:txBody>
-          <a:bodyPr lIns="0" rIns="0" tIns="0" bIns="0"/>
-          <a:p>
-            <a:endParaRPr b="0" lang="en-US" sz="3200" spc="-1" strike="noStrike">
-              <a:solidFill>
-                <a:srgbClr val="000000"/>
-              </a:solidFill>
-              <a:uFill>
-                <a:solidFill>
-                  <a:srgbClr val="ffffff"/>
-                </a:solidFill>
-              </a:uFill>
-              <a:latin typeface="Arial"/>
-            </a:endParaRPr>
-          </a:p>
-        </p:txBody>
-      </p:sp>
+            <a:endParaRPr/>
+          </a:p>
+        </p:txBody>
+      </p:sp>
+      <p:pic>
+        <p:nvPicPr>
+          <p:cNvPr id="70" name="" descr=""/>
+          <p:cNvPicPr/>
+          <p:nvPr/>
+        </p:nvPicPr>
+        <p:blipFill>
+          <a:blip r:embed="rId2"/>
+          <a:stretch>
+            <a:fillRect/>
+          </a:stretch>
+        </p:blipFill>
+        <p:spPr>
+          <a:xfrm>
+            <a:off x="2079000" y="1604520"/>
+            <a:ext cx="4984920" cy="3977280"/>
+          </a:xfrm>
+          <a:prstGeom prst="rect">
+            <a:avLst/>
+          </a:prstGeom>
+          <a:ln>
+            <a:noFill/>
+          </a:ln>
+        </p:spPr>
+      </p:pic>
+      <p:pic>
+        <p:nvPicPr>
+          <p:cNvPr id="71" name="" descr=""/>
+          <p:cNvPicPr/>
+          <p:nvPr/>
+        </p:nvPicPr>
+        <p:blipFill>
+          <a:blip r:embed="rId3"/>
+          <a:stretch>
+            <a:fillRect/>
+          </a:stretch>
+        </p:blipFill>
+        <p:spPr>
+          <a:xfrm>
+            <a:off x="2079000" y="1604520"/>
+            <a:ext cx="4984920" cy="3977280"/>
+          </a:xfrm>
+          <a:prstGeom prst="rect">
+            <a:avLst/>
+          </a:prstGeom>
+          <a:ln>
+            <a:noFill/>
+          </a:ln>
+        </p:spPr>
+      </p:pic>
     </p:spTree>
   </p:cSld>
 </p:sldLayout>
 </file>
 
 <file path=ppt/slideLayouts/slideLayout25.xml><?xml version="1.0" encoding="utf-8"?>
-<p:sldLayout xmlns:a="http://schemas.openxmlformats.org/drawingml/2006/main" xmlns:p="http://schemas.openxmlformats.org/presentationml/2006/main" xmlns:r="http://schemas.openxmlformats.org/officeDocument/2006/relationships" xmlns:p14="http://schemas.microsoft.com/office/powerpoint/2010/main" xmlns:p15="http://schemas.microsoft.com/office/powerpoint/2012/main" xmlns:mc="http://schemas.openxmlformats.org/markup-compatibility/2006" type="blank" preserve="1">
+<p:sldLayout xmlns:a="http://schemas.openxmlformats.org/drawingml/2006/main" xmlns:p="http://schemas.openxmlformats.org/presentationml/2006/main" xmlns:r="http://schemas.openxmlformats.org/officeDocument/2006/relationships" type="blank" preserve="1">
   <p:cSld name="Blank Slide">
     <p:spTree>
       <p:nvGrpSpPr>
@@ -2353,7 +1709,7 @@
 </file>
 
 <file path=ppt/slideLayouts/slideLayout26.xml><?xml version="1.0" encoding="utf-8"?>
-<p:sldLayout xmlns:a="http://schemas.openxmlformats.org/drawingml/2006/main" xmlns:p="http://schemas.openxmlformats.org/presentationml/2006/main" xmlns:r="http://schemas.openxmlformats.org/officeDocument/2006/relationships" xmlns:p14="http://schemas.microsoft.com/office/powerpoint/2010/main" xmlns:p15="http://schemas.microsoft.com/office/powerpoint/2012/main" xmlns:mc="http://schemas.openxmlformats.org/markup-compatibility/2006" type="tx" preserve="1">
+<p:sldLayout xmlns:a="http://schemas.openxmlformats.org/drawingml/2006/main" xmlns:p="http://schemas.openxmlformats.org/presentationml/2006/main" xmlns:r="http://schemas.openxmlformats.org/officeDocument/2006/relationships" type="tx" preserve="1">
   <p:cSld name="Title Slide">
     <p:spTree>
       <p:nvGrpSpPr>
@@ -2371,7 +1727,7 @@
       </p:grpSpPr>
       <p:sp>
         <p:nvSpPr>
-          <p:cNvPr id="78" name="PlaceHolder 1"/>
+          <p:cNvPr id="74" name="PlaceHolder 1"/>
           <p:cNvSpPr>
             <a:spLocks noGrp="1"/>
           </p:cNvSpPr>
@@ -2381,8 +1737,8 @@
         </p:nvSpPr>
         <p:spPr>
           <a:xfrm>
-            <a:off x="457200" y="273600"/>
-            <a:ext cx="8229240" cy="1144800"/>
+            <a:off x="457200" y="219600"/>
+            <a:ext cx="8229240" cy="1253160"/>
           </a:xfrm>
           <a:prstGeom prst="rect">
             <a:avLst/>
@@ -2392,23 +1748,13 @@
           <a:bodyPr lIns="0" rIns="0" tIns="0" bIns="0" anchor="ctr"/>
           <a:p>
             <a:pPr algn="ctr"/>
-            <a:endParaRPr b="0" lang="en-US" sz="4400" spc="-1" strike="noStrike">
-              <a:solidFill>
-                <a:srgbClr val="000000"/>
-              </a:solidFill>
-              <a:uFill>
-                <a:solidFill>
-                  <a:srgbClr val="ffffff"/>
-                </a:solidFill>
-              </a:uFill>
-              <a:latin typeface="Arial"/>
-            </a:endParaRPr>
-          </a:p>
-        </p:txBody>
-      </p:sp>
-      <p:sp>
-        <p:nvSpPr>
-          <p:cNvPr id="79" name="PlaceHolder 2"/>
+            <a:endParaRPr/>
+          </a:p>
+        </p:txBody>
+      </p:sp>
+      <p:sp>
+        <p:nvSpPr>
+          <p:cNvPr id="75" name="PlaceHolder 2"/>
           <p:cNvSpPr>
             <a:spLocks noGrp="1"/>
           </p:cNvSpPr>
@@ -2419,7 +1765,7 @@
         <p:spPr>
           <a:xfrm>
             <a:off x="457200" y="1604520"/>
-            <a:ext cx="8229240" cy="3977280"/>
+            <a:ext cx="8229240" cy="3977640"/>
           </a:xfrm>
           <a:prstGeom prst="rect">
             <a:avLst/>
@@ -2429,17 +1775,7 @@
           <a:bodyPr lIns="0" rIns="0" tIns="0" bIns="0" anchor="ctr"/>
           <a:p>
             <a:pPr algn="ctr"/>
-            <a:endParaRPr b="0" lang="en-US" sz="3200" spc="-1" strike="noStrike">
-              <a:solidFill>
-                <a:srgbClr val="000000"/>
-              </a:solidFill>
-              <a:uFill>
-                <a:solidFill>
-                  <a:srgbClr val="ffffff"/>
-                </a:solidFill>
-              </a:uFill>
-              <a:latin typeface="Arial"/>
-            </a:endParaRPr>
+            <a:endParaRPr/>
           </a:p>
         </p:txBody>
       </p:sp>
@@ -2449,7 +1785,7 @@
 </file>
 
 <file path=ppt/slideLayouts/slideLayout27.xml><?xml version="1.0" encoding="utf-8"?>
-<p:sldLayout xmlns:a="http://schemas.openxmlformats.org/drawingml/2006/main" xmlns:p="http://schemas.openxmlformats.org/presentationml/2006/main" xmlns:r="http://schemas.openxmlformats.org/officeDocument/2006/relationships" xmlns:p14="http://schemas.microsoft.com/office/powerpoint/2010/main" xmlns:p15="http://schemas.microsoft.com/office/powerpoint/2012/main" xmlns:mc="http://schemas.openxmlformats.org/markup-compatibility/2006" type="obj" preserve="1">
+<p:sldLayout xmlns:a="http://schemas.openxmlformats.org/drawingml/2006/main" xmlns:p="http://schemas.openxmlformats.org/presentationml/2006/main" xmlns:r="http://schemas.openxmlformats.org/officeDocument/2006/relationships" type="obj" preserve="1">
   <p:cSld name="Title, Content">
     <p:spTree>
       <p:nvGrpSpPr>
@@ -2467,7 +1803,7 @@
       </p:grpSpPr>
       <p:sp>
         <p:nvSpPr>
-          <p:cNvPr id="80" name="PlaceHolder 1"/>
+          <p:cNvPr id="76" name="PlaceHolder 1"/>
           <p:cNvSpPr>
             <a:spLocks noGrp="1"/>
           </p:cNvSpPr>
@@ -2477,8 +1813,8 @@
         </p:nvSpPr>
         <p:spPr>
           <a:xfrm>
-            <a:off x="457200" y="273600"/>
-            <a:ext cx="8229240" cy="1144800"/>
+            <a:off x="457200" y="219600"/>
+            <a:ext cx="8229240" cy="1253160"/>
           </a:xfrm>
           <a:prstGeom prst="rect">
             <a:avLst/>
@@ -2488,23 +1824,13 @@
           <a:bodyPr lIns="0" rIns="0" tIns="0" bIns="0" anchor="ctr"/>
           <a:p>
             <a:pPr algn="ctr"/>
-            <a:endParaRPr b="0" lang="en-US" sz="4400" spc="-1" strike="noStrike">
-              <a:solidFill>
-                <a:srgbClr val="000000"/>
-              </a:solidFill>
-              <a:uFill>
-                <a:solidFill>
-                  <a:srgbClr val="ffffff"/>
-                </a:solidFill>
-              </a:uFill>
-              <a:latin typeface="Arial"/>
-            </a:endParaRPr>
-          </a:p>
-        </p:txBody>
-      </p:sp>
-      <p:sp>
-        <p:nvSpPr>
-          <p:cNvPr id="81" name="PlaceHolder 2"/>
+            <a:endParaRPr/>
+          </a:p>
+        </p:txBody>
+      </p:sp>
+      <p:sp>
+        <p:nvSpPr>
+          <p:cNvPr id="77" name="PlaceHolder 2"/>
           <p:cNvSpPr>
             <a:spLocks noGrp="1"/>
           </p:cNvSpPr>
@@ -2524,17 +1850,7 @@
         <p:txBody>
           <a:bodyPr lIns="0" rIns="0" tIns="0" bIns="0"/>
           <a:p>
-            <a:endParaRPr b="0" lang="en-US" sz="3200" spc="-1" strike="noStrike">
-              <a:solidFill>
-                <a:srgbClr val="000000"/>
-              </a:solidFill>
-              <a:uFill>
-                <a:solidFill>
-                  <a:srgbClr val="ffffff"/>
-                </a:solidFill>
-              </a:uFill>
-              <a:latin typeface="Arial"/>
-            </a:endParaRPr>
+            <a:endParaRPr/>
           </a:p>
         </p:txBody>
       </p:sp>
@@ -2544,7 +1860,7 @@
 </file>
 
 <file path=ppt/slideLayouts/slideLayout28.xml><?xml version="1.0" encoding="utf-8"?>
-<p:sldLayout xmlns:a="http://schemas.openxmlformats.org/drawingml/2006/main" xmlns:p="http://schemas.openxmlformats.org/presentationml/2006/main" xmlns:r="http://schemas.openxmlformats.org/officeDocument/2006/relationships" xmlns:p14="http://schemas.microsoft.com/office/powerpoint/2010/main" xmlns:p15="http://schemas.microsoft.com/office/powerpoint/2012/main" xmlns:mc="http://schemas.openxmlformats.org/markup-compatibility/2006" type="twoObj" preserve="1">
+<p:sldLayout xmlns:a="http://schemas.openxmlformats.org/drawingml/2006/main" xmlns:p="http://schemas.openxmlformats.org/presentationml/2006/main" xmlns:r="http://schemas.openxmlformats.org/officeDocument/2006/relationships" type="twoObj" preserve="1">
   <p:cSld name="Title, 2 Content">
     <p:spTree>
       <p:nvGrpSpPr>
@@ -2562,7 +1878,7 @@
       </p:grpSpPr>
       <p:sp>
         <p:nvSpPr>
-          <p:cNvPr id="82" name="PlaceHolder 1"/>
+          <p:cNvPr id="78" name="PlaceHolder 1"/>
           <p:cNvSpPr>
             <a:spLocks noGrp="1"/>
           </p:cNvSpPr>
@@ -2572,8 +1888,8 @@
         </p:nvSpPr>
         <p:spPr>
           <a:xfrm>
-            <a:off x="457200" y="273600"/>
-            <a:ext cx="8229240" cy="1144800"/>
+            <a:off x="457200" y="219600"/>
+            <a:ext cx="8229240" cy="1253160"/>
           </a:xfrm>
           <a:prstGeom prst="rect">
             <a:avLst/>
@@ -2583,23 +1899,13 @@
           <a:bodyPr lIns="0" rIns="0" tIns="0" bIns="0" anchor="ctr"/>
           <a:p>
             <a:pPr algn="ctr"/>
-            <a:endParaRPr b="0" lang="en-US" sz="4400" spc="-1" strike="noStrike">
-              <a:solidFill>
-                <a:srgbClr val="000000"/>
-              </a:solidFill>
-              <a:uFill>
-                <a:solidFill>
-                  <a:srgbClr val="ffffff"/>
-                </a:solidFill>
-              </a:uFill>
-              <a:latin typeface="Arial"/>
-            </a:endParaRPr>
-          </a:p>
-        </p:txBody>
-      </p:sp>
-      <p:sp>
-        <p:nvSpPr>
-          <p:cNvPr id="83" name="PlaceHolder 2"/>
+            <a:endParaRPr/>
+          </a:p>
+        </p:txBody>
+      </p:sp>
+      <p:sp>
+        <p:nvSpPr>
+          <p:cNvPr id="79" name="PlaceHolder 2"/>
           <p:cNvSpPr>
             <a:spLocks noGrp="1"/>
           </p:cNvSpPr>
@@ -2619,23 +1925,13 @@
         <p:txBody>
           <a:bodyPr lIns="0" rIns="0" tIns="0" bIns="0"/>
           <a:p>
-            <a:endParaRPr b="0" lang="en-US" sz="3200" spc="-1" strike="noStrike">
-              <a:solidFill>
-                <a:srgbClr val="000000"/>
-              </a:solidFill>
-              <a:uFill>
-                <a:solidFill>
-                  <a:srgbClr val="ffffff"/>
-                </a:solidFill>
-              </a:uFill>
-              <a:latin typeface="Arial"/>
-            </a:endParaRPr>
-          </a:p>
-        </p:txBody>
-      </p:sp>
-      <p:sp>
-        <p:nvSpPr>
-          <p:cNvPr id="84" name="PlaceHolder 3"/>
+            <a:endParaRPr/>
+          </a:p>
+        </p:txBody>
+      </p:sp>
+      <p:sp>
+        <p:nvSpPr>
+          <p:cNvPr id="80" name="PlaceHolder 3"/>
           <p:cNvSpPr>
             <a:spLocks noGrp="1"/>
           </p:cNvSpPr>
@@ -2655,17 +1951,7 @@
         <p:txBody>
           <a:bodyPr lIns="0" rIns="0" tIns="0" bIns="0"/>
           <a:p>
-            <a:endParaRPr b="0" lang="en-US" sz="3200" spc="-1" strike="noStrike">
-              <a:solidFill>
-                <a:srgbClr val="000000"/>
-              </a:solidFill>
-              <a:uFill>
-                <a:solidFill>
-                  <a:srgbClr val="ffffff"/>
-                </a:solidFill>
-              </a:uFill>
-              <a:latin typeface="Arial"/>
-            </a:endParaRPr>
+            <a:endParaRPr/>
           </a:p>
         </p:txBody>
       </p:sp>
@@ -2675,7 +1961,7 @@
 </file>
 
 <file path=ppt/slideLayouts/slideLayout29.xml><?xml version="1.0" encoding="utf-8"?>
-<p:sldLayout xmlns:a="http://schemas.openxmlformats.org/drawingml/2006/main" xmlns:p="http://schemas.openxmlformats.org/presentationml/2006/main" xmlns:r="http://schemas.openxmlformats.org/officeDocument/2006/relationships" xmlns:p14="http://schemas.microsoft.com/office/powerpoint/2010/main" xmlns:p15="http://schemas.microsoft.com/office/powerpoint/2012/main" xmlns:mc="http://schemas.openxmlformats.org/markup-compatibility/2006" type="titleOnly" preserve="1">
+<p:sldLayout xmlns:a="http://schemas.openxmlformats.org/drawingml/2006/main" xmlns:p="http://schemas.openxmlformats.org/presentationml/2006/main" xmlns:r="http://schemas.openxmlformats.org/officeDocument/2006/relationships" type="titleOnly" preserve="1">
   <p:cSld name="Title Only">
     <p:spTree>
       <p:nvGrpSpPr>
@@ -2693,7 +1979,7 @@
       </p:grpSpPr>
       <p:sp>
         <p:nvSpPr>
-          <p:cNvPr id="85" name="PlaceHolder 1"/>
+          <p:cNvPr id="81" name="PlaceHolder 1"/>
           <p:cNvSpPr>
             <a:spLocks noGrp="1"/>
           </p:cNvSpPr>
@@ -2703,8 +1989,8 @@
         </p:nvSpPr>
         <p:spPr>
           <a:xfrm>
-            <a:off x="457200" y="273600"/>
-            <a:ext cx="8229240" cy="1144800"/>
+            <a:off x="457200" y="219600"/>
+            <a:ext cx="8229240" cy="1253160"/>
           </a:xfrm>
           <a:prstGeom prst="rect">
             <a:avLst/>
@@ -2714,17 +2000,7 @@
           <a:bodyPr lIns="0" rIns="0" tIns="0" bIns="0" anchor="ctr"/>
           <a:p>
             <a:pPr algn="ctr"/>
-            <a:endParaRPr b="0" lang="en-US" sz="4400" spc="-1" strike="noStrike">
-              <a:solidFill>
-                <a:srgbClr val="000000"/>
-              </a:solidFill>
-              <a:uFill>
-                <a:solidFill>
-                  <a:srgbClr val="ffffff"/>
-                </a:solidFill>
-              </a:uFill>
-              <a:latin typeface="Arial"/>
-            </a:endParaRPr>
+            <a:endParaRPr/>
           </a:p>
         </p:txBody>
       </p:sp>
@@ -2734,7 +2010,7 @@
 </file>
 
 <file path=ppt/slideLayouts/slideLayout3.xml><?xml version="1.0" encoding="utf-8"?>
-<p:sldLayout xmlns:a="http://schemas.openxmlformats.org/drawingml/2006/main" xmlns:p="http://schemas.openxmlformats.org/presentationml/2006/main" xmlns:r="http://schemas.openxmlformats.org/officeDocument/2006/relationships" xmlns:p14="http://schemas.microsoft.com/office/powerpoint/2010/main" xmlns:p15="http://schemas.microsoft.com/office/powerpoint/2012/main" xmlns:mc="http://schemas.openxmlformats.org/markup-compatibility/2006" type="obj" preserve="1">
+<p:sldLayout xmlns:a="http://schemas.openxmlformats.org/drawingml/2006/main" xmlns:p="http://schemas.openxmlformats.org/presentationml/2006/main" xmlns:r="http://schemas.openxmlformats.org/officeDocument/2006/relationships" type="obj" preserve="1">
   <p:cSld name="Title, Content">
     <p:spTree>
       <p:nvGrpSpPr>
@@ -2762,8 +2038,8 @@
         </p:nvSpPr>
         <p:spPr>
           <a:xfrm>
-            <a:off x="457200" y="273600"/>
-            <a:ext cx="8229240" cy="1144800"/>
+            <a:off x="457200" y="219600"/>
+            <a:ext cx="8229240" cy="1253160"/>
           </a:xfrm>
           <a:prstGeom prst="rect">
             <a:avLst/>
@@ -2773,17 +2049,7 @@
           <a:bodyPr lIns="0" rIns="0" tIns="0" bIns="0" anchor="ctr"/>
           <a:p>
             <a:pPr algn="ctr"/>
-            <a:endParaRPr b="0" lang="en-US" sz="4400" spc="-1" strike="noStrike">
-              <a:solidFill>
-                <a:srgbClr val="000000"/>
-              </a:solidFill>
-              <a:uFill>
-                <a:solidFill>
-                  <a:srgbClr val="ffffff"/>
-                </a:solidFill>
-              </a:uFill>
-              <a:latin typeface="Arial"/>
-            </a:endParaRPr>
+            <a:endParaRPr/>
           </a:p>
         </p:txBody>
       </p:sp>
@@ -2809,17 +2075,7 @@
         <p:txBody>
           <a:bodyPr lIns="0" rIns="0" tIns="0" bIns="0"/>
           <a:p>
-            <a:endParaRPr b="0" lang="en-US" sz="3200" spc="-1" strike="noStrike">
-              <a:solidFill>
-                <a:srgbClr val="000000"/>
-              </a:solidFill>
-              <a:uFill>
-                <a:solidFill>
-                  <a:srgbClr val="ffffff"/>
-                </a:solidFill>
-              </a:uFill>
-              <a:latin typeface="Arial"/>
-            </a:endParaRPr>
+            <a:endParaRPr/>
           </a:p>
         </p:txBody>
       </p:sp>
@@ -2829,7 +2085,7 @@
 </file>
 
 <file path=ppt/slideLayouts/slideLayout30.xml><?xml version="1.0" encoding="utf-8"?>
-<p:sldLayout xmlns:a="http://schemas.openxmlformats.org/drawingml/2006/main" xmlns:p="http://schemas.openxmlformats.org/presentationml/2006/main" xmlns:r="http://schemas.openxmlformats.org/officeDocument/2006/relationships" xmlns:p14="http://schemas.microsoft.com/office/powerpoint/2010/main" xmlns:p15="http://schemas.microsoft.com/office/powerpoint/2012/main" xmlns:mc="http://schemas.openxmlformats.org/markup-compatibility/2006" type="objOnly" preserve="1">
+<p:sldLayout xmlns:a="http://schemas.openxmlformats.org/drawingml/2006/main" xmlns:p="http://schemas.openxmlformats.org/presentationml/2006/main" xmlns:r="http://schemas.openxmlformats.org/officeDocument/2006/relationships" type="objOnly" preserve="1">
   <p:cSld name="Centered Text">
     <p:spTree>
       <p:nvGrpSpPr>
@@ -2847,7 +2103,7 @@
       </p:grpSpPr>
       <p:sp>
         <p:nvSpPr>
-          <p:cNvPr id="86" name="PlaceHolder 1"/>
+          <p:cNvPr id="82" name="PlaceHolder 1"/>
           <p:cNvSpPr>
             <a:spLocks noGrp="1"/>
           </p:cNvSpPr>
@@ -2858,7 +2114,7 @@
         <p:spPr>
           <a:xfrm>
             <a:off x="457200" y="273600"/>
-            <a:ext cx="8229240" cy="5307840"/>
+            <a:ext cx="8229240" cy="5308200"/>
           </a:xfrm>
           <a:prstGeom prst="rect">
             <a:avLst/>
@@ -2868,17 +2124,7 @@
           <a:bodyPr lIns="0" rIns="0" tIns="0" bIns="0" anchor="ctr"/>
           <a:p>
             <a:pPr algn="ctr"/>
-            <a:endParaRPr b="0" lang="en-US" sz="3200" spc="-1" strike="noStrike">
-              <a:solidFill>
-                <a:srgbClr val="000000"/>
-              </a:solidFill>
-              <a:uFill>
-                <a:solidFill>
-                  <a:srgbClr val="ffffff"/>
-                </a:solidFill>
-              </a:uFill>
-              <a:latin typeface="Arial"/>
-            </a:endParaRPr>
+            <a:endParaRPr/>
           </a:p>
         </p:txBody>
       </p:sp>
@@ -2888,7 +2134,7 @@
 </file>
 
 <file path=ppt/slideLayouts/slideLayout31.xml><?xml version="1.0" encoding="utf-8"?>
-<p:sldLayout xmlns:a="http://schemas.openxmlformats.org/drawingml/2006/main" xmlns:p="http://schemas.openxmlformats.org/presentationml/2006/main" xmlns:r="http://schemas.openxmlformats.org/officeDocument/2006/relationships" xmlns:p14="http://schemas.microsoft.com/office/powerpoint/2010/main" xmlns:p15="http://schemas.microsoft.com/office/powerpoint/2012/main" xmlns:mc="http://schemas.openxmlformats.org/markup-compatibility/2006" type="twoObjAndObj" preserve="1">
+<p:sldLayout xmlns:a="http://schemas.openxmlformats.org/drawingml/2006/main" xmlns:p="http://schemas.openxmlformats.org/presentationml/2006/main" xmlns:r="http://schemas.openxmlformats.org/officeDocument/2006/relationships" type="twoObjAndObj" preserve="1">
   <p:cSld name="Title, 2 Content and Content">
     <p:spTree>
       <p:nvGrpSpPr>
@@ -2906,7 +2152,7 @@
       </p:grpSpPr>
       <p:sp>
         <p:nvSpPr>
-          <p:cNvPr id="87" name="PlaceHolder 1"/>
+          <p:cNvPr id="83" name="PlaceHolder 1"/>
           <p:cNvSpPr>
             <a:spLocks noGrp="1"/>
           </p:cNvSpPr>
@@ -2916,8 +2162,8 @@
         </p:nvSpPr>
         <p:spPr>
           <a:xfrm>
-            <a:off x="457200" y="273600"/>
-            <a:ext cx="8229240" cy="1144800"/>
+            <a:off x="457200" y="219600"/>
+            <a:ext cx="8229240" cy="1253160"/>
           </a:xfrm>
           <a:prstGeom prst="rect">
             <a:avLst/>
@@ -2927,23 +2173,13 @@
           <a:bodyPr lIns="0" rIns="0" tIns="0" bIns="0" anchor="ctr"/>
           <a:p>
             <a:pPr algn="ctr"/>
-            <a:endParaRPr b="0" lang="en-US" sz="4400" spc="-1" strike="noStrike">
-              <a:solidFill>
-                <a:srgbClr val="000000"/>
-              </a:solidFill>
-              <a:uFill>
-                <a:solidFill>
-                  <a:srgbClr val="ffffff"/>
-                </a:solidFill>
-              </a:uFill>
-              <a:latin typeface="Arial"/>
-            </a:endParaRPr>
-          </a:p>
-        </p:txBody>
-      </p:sp>
-      <p:sp>
-        <p:nvSpPr>
-          <p:cNvPr id="88" name="PlaceHolder 2"/>
+            <a:endParaRPr/>
+          </a:p>
+        </p:txBody>
+      </p:sp>
+      <p:sp>
+        <p:nvSpPr>
+          <p:cNvPr id="84" name="PlaceHolder 2"/>
           <p:cNvSpPr>
             <a:spLocks noGrp="1"/>
           </p:cNvSpPr>
@@ -2963,23 +2199,13 @@
         <p:txBody>
           <a:bodyPr lIns="0" rIns="0" tIns="0" bIns="0"/>
           <a:p>
-            <a:endParaRPr b="0" lang="en-US" sz="3200" spc="-1" strike="noStrike">
-              <a:solidFill>
-                <a:srgbClr val="000000"/>
-              </a:solidFill>
-              <a:uFill>
-                <a:solidFill>
-                  <a:srgbClr val="ffffff"/>
-                </a:solidFill>
-              </a:uFill>
-              <a:latin typeface="Arial"/>
-            </a:endParaRPr>
-          </a:p>
-        </p:txBody>
-      </p:sp>
-      <p:sp>
-        <p:nvSpPr>
-          <p:cNvPr id="89" name="PlaceHolder 3"/>
+            <a:endParaRPr/>
+          </a:p>
+        </p:txBody>
+      </p:sp>
+      <p:sp>
+        <p:nvSpPr>
+          <p:cNvPr id="85" name="PlaceHolder 3"/>
           <p:cNvSpPr>
             <a:spLocks noGrp="1"/>
           </p:cNvSpPr>
@@ -2999,23 +2225,13 @@
         <p:txBody>
           <a:bodyPr lIns="0" rIns="0" tIns="0" bIns="0"/>
           <a:p>
-            <a:endParaRPr b="0" lang="en-US" sz="3200" spc="-1" strike="noStrike">
-              <a:solidFill>
-                <a:srgbClr val="000000"/>
-              </a:solidFill>
-              <a:uFill>
-                <a:solidFill>
-                  <a:srgbClr val="ffffff"/>
-                </a:solidFill>
-              </a:uFill>
-              <a:latin typeface="Arial"/>
-            </a:endParaRPr>
-          </a:p>
-        </p:txBody>
-      </p:sp>
-      <p:sp>
-        <p:nvSpPr>
-          <p:cNvPr id="90" name="PlaceHolder 4"/>
+            <a:endParaRPr/>
+          </a:p>
+        </p:txBody>
+      </p:sp>
+      <p:sp>
+        <p:nvSpPr>
+          <p:cNvPr id="86" name="PlaceHolder 4"/>
           <p:cNvSpPr>
             <a:spLocks noGrp="1"/>
           </p:cNvSpPr>
@@ -3035,17 +2251,7 @@
         <p:txBody>
           <a:bodyPr lIns="0" rIns="0" tIns="0" bIns="0"/>
           <a:p>
-            <a:endParaRPr b="0" lang="en-US" sz="3200" spc="-1" strike="noStrike">
-              <a:solidFill>
-                <a:srgbClr val="000000"/>
-              </a:solidFill>
-              <a:uFill>
-                <a:solidFill>
-                  <a:srgbClr val="ffffff"/>
-                </a:solidFill>
-              </a:uFill>
-              <a:latin typeface="Arial"/>
-            </a:endParaRPr>
+            <a:endParaRPr/>
           </a:p>
         </p:txBody>
       </p:sp>
@@ -3055,7 +2261,7 @@
 </file>
 
 <file path=ppt/slideLayouts/slideLayout32.xml><?xml version="1.0" encoding="utf-8"?>
-<p:sldLayout xmlns:a="http://schemas.openxmlformats.org/drawingml/2006/main" xmlns:p="http://schemas.openxmlformats.org/presentationml/2006/main" xmlns:r="http://schemas.openxmlformats.org/officeDocument/2006/relationships" xmlns:p14="http://schemas.microsoft.com/office/powerpoint/2010/main" xmlns:p15="http://schemas.microsoft.com/office/powerpoint/2012/main" xmlns:mc="http://schemas.openxmlformats.org/markup-compatibility/2006" type="objAndTwoObj" preserve="1">
+<p:sldLayout xmlns:a="http://schemas.openxmlformats.org/drawingml/2006/main" xmlns:p="http://schemas.openxmlformats.org/presentationml/2006/main" xmlns:r="http://schemas.openxmlformats.org/officeDocument/2006/relationships" type="objAndTwoObj" preserve="1">
   <p:cSld name="Title Content and 2 Content">
     <p:spTree>
       <p:nvGrpSpPr>
@@ -3073,7 +2279,7 @@
       </p:grpSpPr>
       <p:sp>
         <p:nvSpPr>
-          <p:cNvPr id="91" name="PlaceHolder 1"/>
+          <p:cNvPr id="87" name="PlaceHolder 1"/>
           <p:cNvSpPr>
             <a:spLocks noGrp="1"/>
           </p:cNvSpPr>
@@ -3083,8 +2289,8 @@
         </p:nvSpPr>
         <p:spPr>
           <a:xfrm>
-            <a:off x="457200" y="273600"/>
-            <a:ext cx="8229240" cy="1144800"/>
+            <a:off x="457200" y="219600"/>
+            <a:ext cx="8229240" cy="1253160"/>
           </a:xfrm>
           <a:prstGeom prst="rect">
             <a:avLst/>
@@ -3094,23 +2300,13 @@
           <a:bodyPr lIns="0" rIns="0" tIns="0" bIns="0" anchor="ctr"/>
           <a:p>
             <a:pPr algn="ctr"/>
-            <a:endParaRPr b="0" lang="en-US" sz="4400" spc="-1" strike="noStrike">
-              <a:solidFill>
-                <a:srgbClr val="000000"/>
-              </a:solidFill>
-              <a:uFill>
-                <a:solidFill>
-                  <a:srgbClr val="ffffff"/>
-                </a:solidFill>
-              </a:uFill>
-              <a:latin typeface="Arial"/>
-            </a:endParaRPr>
-          </a:p>
-        </p:txBody>
-      </p:sp>
-      <p:sp>
-        <p:nvSpPr>
-          <p:cNvPr id="92" name="PlaceHolder 2"/>
+            <a:endParaRPr/>
+          </a:p>
+        </p:txBody>
+      </p:sp>
+      <p:sp>
+        <p:nvSpPr>
+          <p:cNvPr id="88" name="PlaceHolder 2"/>
           <p:cNvSpPr>
             <a:spLocks noGrp="1"/>
           </p:cNvSpPr>
@@ -3130,23 +2326,13 @@
         <p:txBody>
           <a:bodyPr lIns="0" rIns="0" tIns="0" bIns="0"/>
           <a:p>
-            <a:endParaRPr b="0" lang="en-US" sz="3200" spc="-1" strike="noStrike">
-              <a:solidFill>
-                <a:srgbClr val="000000"/>
-              </a:solidFill>
-              <a:uFill>
-                <a:solidFill>
-                  <a:srgbClr val="ffffff"/>
-                </a:solidFill>
-              </a:uFill>
-              <a:latin typeface="Arial"/>
-            </a:endParaRPr>
-          </a:p>
-        </p:txBody>
-      </p:sp>
-      <p:sp>
-        <p:nvSpPr>
-          <p:cNvPr id="93" name="PlaceHolder 3"/>
+            <a:endParaRPr/>
+          </a:p>
+        </p:txBody>
+      </p:sp>
+      <p:sp>
+        <p:nvSpPr>
+          <p:cNvPr id="89" name="PlaceHolder 3"/>
           <p:cNvSpPr>
             <a:spLocks noGrp="1"/>
           </p:cNvSpPr>
@@ -3166,23 +2352,13 @@
         <p:txBody>
           <a:bodyPr lIns="0" rIns="0" tIns="0" bIns="0"/>
           <a:p>
-            <a:endParaRPr b="0" lang="en-US" sz="3200" spc="-1" strike="noStrike">
-              <a:solidFill>
-                <a:srgbClr val="000000"/>
-              </a:solidFill>
-              <a:uFill>
-                <a:solidFill>
-                  <a:srgbClr val="ffffff"/>
-                </a:solidFill>
-              </a:uFill>
-              <a:latin typeface="Arial"/>
-            </a:endParaRPr>
-          </a:p>
-        </p:txBody>
-      </p:sp>
-      <p:sp>
-        <p:nvSpPr>
-          <p:cNvPr id="94" name="PlaceHolder 4"/>
+            <a:endParaRPr/>
+          </a:p>
+        </p:txBody>
+      </p:sp>
+      <p:sp>
+        <p:nvSpPr>
+          <p:cNvPr id="90" name="PlaceHolder 4"/>
           <p:cNvSpPr>
             <a:spLocks noGrp="1"/>
           </p:cNvSpPr>
@@ -3202,17 +2378,7 @@
         <p:txBody>
           <a:bodyPr lIns="0" rIns="0" tIns="0" bIns="0"/>
           <a:p>
-            <a:endParaRPr b="0" lang="en-US" sz="3200" spc="-1" strike="noStrike">
-              <a:solidFill>
-                <a:srgbClr val="000000"/>
-              </a:solidFill>
-              <a:uFill>
-                <a:solidFill>
-                  <a:srgbClr val="ffffff"/>
-                </a:solidFill>
-              </a:uFill>
-              <a:latin typeface="Arial"/>
-            </a:endParaRPr>
+            <a:endParaRPr/>
           </a:p>
         </p:txBody>
       </p:sp>
@@ -3222,7 +2388,7 @@
 </file>
 
 <file path=ppt/slideLayouts/slideLayout33.xml><?xml version="1.0" encoding="utf-8"?>
-<p:sldLayout xmlns:a="http://schemas.openxmlformats.org/drawingml/2006/main" xmlns:p="http://schemas.openxmlformats.org/presentationml/2006/main" xmlns:r="http://schemas.openxmlformats.org/officeDocument/2006/relationships" xmlns:p14="http://schemas.microsoft.com/office/powerpoint/2010/main" xmlns:p15="http://schemas.microsoft.com/office/powerpoint/2012/main" xmlns:mc="http://schemas.openxmlformats.org/markup-compatibility/2006" type="twoObjOverTx" preserve="1">
+<p:sldLayout xmlns:a="http://schemas.openxmlformats.org/drawingml/2006/main" xmlns:p="http://schemas.openxmlformats.org/presentationml/2006/main" xmlns:r="http://schemas.openxmlformats.org/officeDocument/2006/relationships" type="twoObjOverTx" preserve="1">
   <p:cSld name="Title, 2 Content over Content">
     <p:spTree>
       <p:nvGrpSpPr>
@@ -3240,7 +2406,7 @@
       </p:grpSpPr>
       <p:sp>
         <p:nvSpPr>
-          <p:cNvPr id="95" name="PlaceHolder 1"/>
+          <p:cNvPr id="91" name="PlaceHolder 1"/>
           <p:cNvSpPr>
             <a:spLocks noGrp="1"/>
           </p:cNvSpPr>
@@ -3250,8 +2416,8 @@
         </p:nvSpPr>
         <p:spPr>
           <a:xfrm>
-            <a:off x="457200" y="273600"/>
-            <a:ext cx="8229240" cy="1144800"/>
+            <a:off x="457200" y="219600"/>
+            <a:ext cx="8229240" cy="1253160"/>
           </a:xfrm>
           <a:prstGeom prst="rect">
             <a:avLst/>
@@ -3261,23 +2427,13 @@
           <a:bodyPr lIns="0" rIns="0" tIns="0" bIns="0" anchor="ctr"/>
           <a:p>
             <a:pPr algn="ctr"/>
-            <a:endParaRPr b="0" lang="en-US" sz="4400" spc="-1" strike="noStrike">
-              <a:solidFill>
-                <a:srgbClr val="000000"/>
-              </a:solidFill>
-              <a:uFill>
-                <a:solidFill>
-                  <a:srgbClr val="ffffff"/>
-                </a:solidFill>
-              </a:uFill>
-              <a:latin typeface="Arial"/>
-            </a:endParaRPr>
-          </a:p>
-        </p:txBody>
-      </p:sp>
-      <p:sp>
-        <p:nvSpPr>
-          <p:cNvPr id="96" name="PlaceHolder 2"/>
+            <a:endParaRPr/>
+          </a:p>
+        </p:txBody>
+      </p:sp>
+      <p:sp>
+        <p:nvSpPr>
+          <p:cNvPr id="92" name="PlaceHolder 2"/>
           <p:cNvSpPr>
             <a:spLocks noGrp="1"/>
           </p:cNvSpPr>
@@ -3297,23 +2453,13 @@
         <p:txBody>
           <a:bodyPr lIns="0" rIns="0" tIns="0" bIns="0"/>
           <a:p>
-            <a:endParaRPr b="0" lang="en-US" sz="3200" spc="-1" strike="noStrike">
-              <a:solidFill>
-                <a:srgbClr val="000000"/>
-              </a:solidFill>
-              <a:uFill>
-                <a:solidFill>
-                  <a:srgbClr val="ffffff"/>
-                </a:solidFill>
-              </a:uFill>
-              <a:latin typeface="Arial"/>
-            </a:endParaRPr>
-          </a:p>
-        </p:txBody>
-      </p:sp>
-      <p:sp>
-        <p:nvSpPr>
-          <p:cNvPr id="97" name="PlaceHolder 3"/>
+            <a:endParaRPr/>
+          </a:p>
+        </p:txBody>
+      </p:sp>
+      <p:sp>
+        <p:nvSpPr>
+          <p:cNvPr id="93" name="PlaceHolder 3"/>
           <p:cNvSpPr>
             <a:spLocks noGrp="1"/>
           </p:cNvSpPr>
@@ -3333,23 +2479,13 @@
         <p:txBody>
           <a:bodyPr lIns="0" rIns="0" tIns="0" bIns="0"/>
           <a:p>
-            <a:endParaRPr b="0" lang="en-US" sz="3200" spc="-1" strike="noStrike">
-              <a:solidFill>
-                <a:srgbClr val="000000"/>
-              </a:solidFill>
-              <a:uFill>
-                <a:solidFill>
-                  <a:srgbClr val="ffffff"/>
-                </a:solidFill>
-              </a:uFill>
-              <a:latin typeface="Arial"/>
-            </a:endParaRPr>
-          </a:p>
-        </p:txBody>
-      </p:sp>
-      <p:sp>
-        <p:nvSpPr>
-          <p:cNvPr id="98" name="PlaceHolder 4"/>
+            <a:endParaRPr/>
+          </a:p>
+        </p:txBody>
+      </p:sp>
+      <p:sp>
+        <p:nvSpPr>
+          <p:cNvPr id="94" name="PlaceHolder 4"/>
           <p:cNvSpPr>
             <a:spLocks noGrp="1"/>
           </p:cNvSpPr>
@@ -3369,17 +2505,7 @@
         <p:txBody>
           <a:bodyPr lIns="0" rIns="0" tIns="0" bIns="0"/>
           <a:p>
-            <a:endParaRPr b="0" lang="en-US" sz="3200" spc="-1" strike="noStrike">
-              <a:solidFill>
-                <a:srgbClr val="000000"/>
-              </a:solidFill>
-              <a:uFill>
-                <a:solidFill>
-                  <a:srgbClr val="ffffff"/>
-                </a:solidFill>
-              </a:uFill>
-              <a:latin typeface="Arial"/>
-            </a:endParaRPr>
+            <a:endParaRPr/>
           </a:p>
         </p:txBody>
       </p:sp>
@@ -3389,7 +2515,7 @@
 </file>
 
 <file path=ppt/slideLayouts/slideLayout34.xml><?xml version="1.0" encoding="utf-8"?>
-<p:sldLayout xmlns:a="http://schemas.openxmlformats.org/drawingml/2006/main" xmlns:p="http://schemas.openxmlformats.org/presentationml/2006/main" xmlns:r="http://schemas.openxmlformats.org/officeDocument/2006/relationships" xmlns:p14="http://schemas.microsoft.com/office/powerpoint/2010/main" xmlns:p15="http://schemas.microsoft.com/office/powerpoint/2012/main" xmlns:mc="http://schemas.openxmlformats.org/markup-compatibility/2006" type="objOverTx" preserve="1">
+<p:sldLayout xmlns:a="http://schemas.openxmlformats.org/drawingml/2006/main" xmlns:p="http://schemas.openxmlformats.org/presentationml/2006/main" xmlns:r="http://schemas.openxmlformats.org/officeDocument/2006/relationships" type="objOverTx" preserve="1">
   <p:cSld name="Title, Content over Content">
     <p:spTree>
       <p:nvGrpSpPr>
@@ -3407,7 +2533,7 @@
       </p:grpSpPr>
       <p:sp>
         <p:nvSpPr>
-          <p:cNvPr id="99" name="PlaceHolder 1"/>
+          <p:cNvPr id="95" name="PlaceHolder 1"/>
           <p:cNvSpPr>
             <a:spLocks noGrp="1"/>
           </p:cNvSpPr>
@@ -3417,8 +2543,8 @@
         </p:nvSpPr>
         <p:spPr>
           <a:xfrm>
-            <a:off x="457200" y="273600"/>
-            <a:ext cx="8229240" cy="1144800"/>
+            <a:off x="457200" y="219600"/>
+            <a:ext cx="8229240" cy="1253160"/>
           </a:xfrm>
           <a:prstGeom prst="rect">
             <a:avLst/>
@@ -3428,23 +2554,13 @@
           <a:bodyPr lIns="0" rIns="0" tIns="0" bIns="0" anchor="ctr"/>
           <a:p>
             <a:pPr algn="ctr"/>
-            <a:endParaRPr b="0" lang="en-US" sz="4400" spc="-1" strike="noStrike">
-              <a:solidFill>
-                <a:srgbClr val="000000"/>
-              </a:solidFill>
-              <a:uFill>
-                <a:solidFill>
-                  <a:srgbClr val="ffffff"/>
-                </a:solidFill>
-              </a:uFill>
-              <a:latin typeface="Arial"/>
-            </a:endParaRPr>
-          </a:p>
-        </p:txBody>
-      </p:sp>
-      <p:sp>
-        <p:nvSpPr>
-          <p:cNvPr id="100" name="PlaceHolder 2"/>
+            <a:endParaRPr/>
+          </a:p>
+        </p:txBody>
+      </p:sp>
+      <p:sp>
+        <p:nvSpPr>
+          <p:cNvPr id="96" name="PlaceHolder 2"/>
           <p:cNvSpPr>
             <a:spLocks noGrp="1"/>
           </p:cNvSpPr>
@@ -3464,23 +2580,13 @@
         <p:txBody>
           <a:bodyPr lIns="0" rIns="0" tIns="0" bIns="0"/>
           <a:p>
-            <a:endParaRPr b="0" lang="en-US" sz="3200" spc="-1" strike="noStrike">
-              <a:solidFill>
-                <a:srgbClr val="000000"/>
-              </a:solidFill>
-              <a:uFill>
-                <a:solidFill>
-                  <a:srgbClr val="ffffff"/>
-                </a:solidFill>
-              </a:uFill>
-              <a:latin typeface="Arial"/>
-            </a:endParaRPr>
-          </a:p>
-        </p:txBody>
-      </p:sp>
-      <p:sp>
-        <p:nvSpPr>
-          <p:cNvPr id="101" name="PlaceHolder 3"/>
+            <a:endParaRPr/>
+          </a:p>
+        </p:txBody>
+      </p:sp>
+      <p:sp>
+        <p:nvSpPr>
+          <p:cNvPr id="97" name="PlaceHolder 3"/>
           <p:cNvSpPr>
             <a:spLocks noGrp="1"/>
           </p:cNvSpPr>
@@ -3500,17 +2606,7 @@
         <p:txBody>
           <a:bodyPr lIns="0" rIns="0" tIns="0" bIns="0"/>
           <a:p>
-            <a:endParaRPr b="0" lang="en-US" sz="3200" spc="-1" strike="noStrike">
-              <a:solidFill>
-                <a:srgbClr val="000000"/>
-              </a:solidFill>
-              <a:uFill>
-                <a:solidFill>
-                  <a:srgbClr val="ffffff"/>
-                </a:solidFill>
-              </a:uFill>
-              <a:latin typeface="Arial"/>
-            </a:endParaRPr>
+            <a:endParaRPr/>
           </a:p>
         </p:txBody>
       </p:sp>
@@ -3520,7 +2616,7 @@
 </file>
 
 <file path=ppt/slideLayouts/slideLayout35.xml><?xml version="1.0" encoding="utf-8"?>
-<p:sldLayout xmlns:a="http://schemas.openxmlformats.org/drawingml/2006/main" xmlns:p="http://schemas.openxmlformats.org/presentationml/2006/main" xmlns:r="http://schemas.openxmlformats.org/officeDocument/2006/relationships" xmlns:p14="http://schemas.microsoft.com/office/powerpoint/2010/main" xmlns:p15="http://schemas.microsoft.com/office/powerpoint/2012/main" xmlns:mc="http://schemas.openxmlformats.org/markup-compatibility/2006" type="fourObj" preserve="1">
+<p:sldLayout xmlns:a="http://schemas.openxmlformats.org/drawingml/2006/main" xmlns:p="http://schemas.openxmlformats.org/presentationml/2006/main" xmlns:r="http://schemas.openxmlformats.org/officeDocument/2006/relationships" type="fourObj" preserve="1">
   <p:cSld name="Title, 4 Content">
     <p:spTree>
       <p:nvGrpSpPr>
@@ -3538,7 +2634,7 @@
       </p:grpSpPr>
       <p:sp>
         <p:nvSpPr>
-          <p:cNvPr id="102" name="PlaceHolder 1"/>
+          <p:cNvPr id="98" name="PlaceHolder 1"/>
           <p:cNvSpPr>
             <a:spLocks noGrp="1"/>
           </p:cNvSpPr>
@@ -3548,8 +2644,8 @@
         </p:nvSpPr>
         <p:spPr>
           <a:xfrm>
-            <a:off x="457200" y="273600"/>
-            <a:ext cx="8229240" cy="1144800"/>
+            <a:off x="457200" y="219600"/>
+            <a:ext cx="8229240" cy="1253160"/>
           </a:xfrm>
           <a:prstGeom prst="rect">
             <a:avLst/>
@@ -3559,23 +2655,13 @@
           <a:bodyPr lIns="0" rIns="0" tIns="0" bIns="0" anchor="ctr"/>
           <a:p>
             <a:pPr algn="ctr"/>
-            <a:endParaRPr b="0" lang="en-US" sz="4400" spc="-1" strike="noStrike">
-              <a:solidFill>
-                <a:srgbClr val="000000"/>
-              </a:solidFill>
-              <a:uFill>
-                <a:solidFill>
-                  <a:srgbClr val="ffffff"/>
-                </a:solidFill>
-              </a:uFill>
-              <a:latin typeface="Arial"/>
-            </a:endParaRPr>
-          </a:p>
-        </p:txBody>
-      </p:sp>
-      <p:sp>
-        <p:nvSpPr>
-          <p:cNvPr id="103" name="PlaceHolder 2"/>
+            <a:endParaRPr/>
+          </a:p>
+        </p:txBody>
+      </p:sp>
+      <p:sp>
+        <p:nvSpPr>
+          <p:cNvPr id="99" name="PlaceHolder 2"/>
           <p:cNvSpPr>
             <a:spLocks noGrp="1"/>
           </p:cNvSpPr>
@@ -3595,23 +2681,13 @@
         <p:txBody>
           <a:bodyPr lIns="0" rIns="0" tIns="0" bIns="0"/>
           <a:p>
-            <a:endParaRPr b="0" lang="en-US" sz="3200" spc="-1" strike="noStrike">
-              <a:solidFill>
-                <a:srgbClr val="000000"/>
-              </a:solidFill>
-              <a:uFill>
-                <a:solidFill>
-                  <a:srgbClr val="ffffff"/>
-                </a:solidFill>
-              </a:uFill>
-              <a:latin typeface="Arial"/>
-            </a:endParaRPr>
-          </a:p>
-        </p:txBody>
-      </p:sp>
-      <p:sp>
-        <p:nvSpPr>
-          <p:cNvPr id="104" name="PlaceHolder 3"/>
+            <a:endParaRPr/>
+          </a:p>
+        </p:txBody>
+      </p:sp>
+      <p:sp>
+        <p:nvSpPr>
+          <p:cNvPr id="100" name="PlaceHolder 3"/>
           <p:cNvSpPr>
             <a:spLocks noGrp="1"/>
           </p:cNvSpPr>
@@ -3631,23 +2707,13 @@
         <p:txBody>
           <a:bodyPr lIns="0" rIns="0" tIns="0" bIns="0"/>
           <a:p>
-            <a:endParaRPr b="0" lang="en-US" sz="3200" spc="-1" strike="noStrike">
-              <a:solidFill>
-                <a:srgbClr val="000000"/>
-              </a:solidFill>
-              <a:uFill>
-                <a:solidFill>
-                  <a:srgbClr val="ffffff"/>
-                </a:solidFill>
-              </a:uFill>
-              <a:latin typeface="Arial"/>
-            </a:endParaRPr>
-          </a:p>
-        </p:txBody>
-      </p:sp>
-      <p:sp>
-        <p:nvSpPr>
-          <p:cNvPr id="105" name="PlaceHolder 4"/>
+            <a:endParaRPr/>
+          </a:p>
+        </p:txBody>
+      </p:sp>
+      <p:sp>
+        <p:nvSpPr>
+          <p:cNvPr id="101" name="PlaceHolder 4"/>
           <p:cNvSpPr>
             <a:spLocks noGrp="1"/>
           </p:cNvSpPr>
@@ -3667,23 +2733,13 @@
         <p:txBody>
           <a:bodyPr lIns="0" rIns="0" tIns="0" bIns="0"/>
           <a:p>
-            <a:endParaRPr b="0" lang="en-US" sz="3200" spc="-1" strike="noStrike">
-              <a:solidFill>
-                <a:srgbClr val="000000"/>
-              </a:solidFill>
-              <a:uFill>
-                <a:solidFill>
-                  <a:srgbClr val="ffffff"/>
-                </a:solidFill>
-              </a:uFill>
-              <a:latin typeface="Arial"/>
-            </a:endParaRPr>
-          </a:p>
-        </p:txBody>
-      </p:sp>
-      <p:sp>
-        <p:nvSpPr>
-          <p:cNvPr id="106" name="PlaceHolder 5"/>
+            <a:endParaRPr/>
+          </a:p>
+        </p:txBody>
+      </p:sp>
+      <p:sp>
+        <p:nvSpPr>
+          <p:cNvPr id="102" name="PlaceHolder 5"/>
           <p:cNvSpPr>
             <a:spLocks noGrp="1"/>
           </p:cNvSpPr>
@@ -3703,17 +2759,7 @@
         <p:txBody>
           <a:bodyPr lIns="0" rIns="0" tIns="0" bIns="0"/>
           <a:p>
-            <a:endParaRPr b="0" lang="en-US" sz="3200" spc="-1" strike="noStrike">
-              <a:solidFill>
-                <a:srgbClr val="000000"/>
-              </a:solidFill>
-              <a:uFill>
-                <a:solidFill>
-                  <a:srgbClr val="ffffff"/>
-                </a:solidFill>
-              </a:uFill>
-              <a:latin typeface="Arial"/>
-            </a:endParaRPr>
+            <a:endParaRPr/>
           </a:p>
         </p:txBody>
       </p:sp>
@@ -3723,7 +2769,7 @@
 </file>
 
 <file path=ppt/slideLayouts/slideLayout36.xml><?xml version="1.0" encoding="utf-8"?>
-<p:sldLayout xmlns:a="http://schemas.openxmlformats.org/drawingml/2006/main" xmlns:p="http://schemas.openxmlformats.org/presentationml/2006/main" xmlns:r="http://schemas.openxmlformats.org/officeDocument/2006/relationships" xmlns:p14="http://schemas.microsoft.com/office/powerpoint/2010/main" xmlns:p15="http://schemas.microsoft.com/office/powerpoint/2012/main" xmlns:mc="http://schemas.openxmlformats.org/markup-compatibility/2006" type="blank" preserve="1">
+<p:sldLayout xmlns:a="http://schemas.openxmlformats.org/drawingml/2006/main" xmlns:p="http://schemas.openxmlformats.org/presentationml/2006/main" xmlns:r="http://schemas.openxmlformats.org/officeDocument/2006/relationships" type="blank" preserve="1">
   <p:cSld name="Title, 6 Content">
     <p:spTree>
       <p:nvGrpSpPr>
@@ -3741,7 +2787,7 @@
       </p:grpSpPr>
       <p:sp>
         <p:nvSpPr>
-          <p:cNvPr id="107" name="PlaceHolder 1"/>
+          <p:cNvPr id="103" name="PlaceHolder 1"/>
           <p:cNvSpPr>
             <a:spLocks noGrp="1"/>
           </p:cNvSpPr>
@@ -3751,8 +2797,8 @@
         </p:nvSpPr>
         <p:spPr>
           <a:xfrm>
-            <a:off x="457200" y="273600"/>
-            <a:ext cx="8229240" cy="1144800"/>
+            <a:off x="457200" y="219600"/>
+            <a:ext cx="8229240" cy="1253160"/>
           </a:xfrm>
           <a:prstGeom prst="rect">
             <a:avLst/>
@@ -3762,23 +2808,13 @@
           <a:bodyPr lIns="0" rIns="0" tIns="0" bIns="0" anchor="ctr"/>
           <a:p>
             <a:pPr algn="ctr"/>
-            <a:endParaRPr b="0" lang="en-US" sz="4400" spc="-1" strike="noStrike">
-              <a:solidFill>
-                <a:srgbClr val="000000"/>
-              </a:solidFill>
-              <a:uFill>
-                <a:solidFill>
-                  <a:srgbClr val="ffffff"/>
-                </a:solidFill>
-              </a:uFill>
-              <a:latin typeface="Arial"/>
-            </a:endParaRPr>
-          </a:p>
-        </p:txBody>
-      </p:sp>
-      <p:sp>
-        <p:nvSpPr>
-          <p:cNvPr id="108" name="PlaceHolder 2"/>
+            <a:endParaRPr/>
+          </a:p>
+        </p:txBody>
+      </p:sp>
+      <p:sp>
+        <p:nvSpPr>
+          <p:cNvPr id="104" name="PlaceHolder 2"/>
           <p:cNvSpPr>
             <a:spLocks noGrp="1"/>
           </p:cNvSpPr>
@@ -3789,7 +2825,7 @@
         <p:spPr>
           <a:xfrm>
             <a:off x="457200" y="1604520"/>
-            <a:ext cx="2649600" cy="1896840"/>
+            <a:ext cx="8229240" cy="3977280"/>
           </a:xfrm>
           <a:prstGeom prst="rect">
             <a:avLst/>
@@ -3798,23 +2834,13 @@
         <p:txBody>
           <a:bodyPr lIns="0" rIns="0" tIns="0" bIns="0"/>
           <a:p>
-            <a:endParaRPr b="0" lang="en-US" sz="3200" spc="-1" strike="noStrike">
-              <a:solidFill>
-                <a:srgbClr val="000000"/>
-              </a:solidFill>
-              <a:uFill>
-                <a:solidFill>
-                  <a:srgbClr val="ffffff"/>
-                </a:solidFill>
-              </a:uFill>
-              <a:latin typeface="Arial"/>
-            </a:endParaRPr>
-          </a:p>
-        </p:txBody>
-      </p:sp>
-      <p:sp>
-        <p:nvSpPr>
-          <p:cNvPr id="109" name="PlaceHolder 3"/>
+            <a:endParaRPr/>
+          </a:p>
+        </p:txBody>
+      </p:sp>
+      <p:sp>
+        <p:nvSpPr>
+          <p:cNvPr id="105" name="PlaceHolder 3"/>
           <p:cNvSpPr>
             <a:spLocks noGrp="1"/>
           </p:cNvSpPr>
@@ -3824,8 +2850,8 @@
         </p:nvSpPr>
         <p:spPr>
           <a:xfrm>
-            <a:off x="3239640" y="1604520"/>
-            <a:ext cx="2649600" cy="1896840"/>
+            <a:off x="457200" y="1604520"/>
+            <a:ext cx="8229240" cy="3977280"/>
           </a:xfrm>
           <a:prstGeom prst="rect">
             <a:avLst/>
@@ -3834,171 +2860,67 @@
         <p:txBody>
           <a:bodyPr lIns="0" rIns="0" tIns="0" bIns="0"/>
           <a:p>
-            <a:endParaRPr b="0" lang="en-US" sz="3200" spc="-1" strike="noStrike">
-              <a:solidFill>
-                <a:srgbClr val="000000"/>
-              </a:solidFill>
-              <a:uFill>
-                <a:solidFill>
-                  <a:srgbClr val="ffffff"/>
-                </a:solidFill>
-              </a:uFill>
-              <a:latin typeface="Arial"/>
-            </a:endParaRPr>
-          </a:p>
-        </p:txBody>
-      </p:sp>
-      <p:sp>
-        <p:nvSpPr>
-          <p:cNvPr id="110" name="PlaceHolder 4"/>
-          <p:cNvSpPr>
-            <a:spLocks noGrp="1"/>
-          </p:cNvSpPr>
-          <p:nvPr>
-            <p:ph type="body"/>
-          </p:nvPr>
-        </p:nvSpPr>
-        <p:spPr>
-          <a:xfrm>
-            <a:off x="6022080" y="1604520"/>
-            <a:ext cx="2649600" cy="1896840"/>
-          </a:xfrm>
-          <a:prstGeom prst="rect">
-            <a:avLst/>
-          </a:prstGeom>
-        </p:spPr>
-        <p:txBody>
-          <a:bodyPr lIns="0" rIns="0" tIns="0" bIns="0"/>
-          <a:p>
-            <a:endParaRPr b="0" lang="en-US" sz="3200" spc="-1" strike="noStrike">
-              <a:solidFill>
-                <a:srgbClr val="000000"/>
-              </a:solidFill>
-              <a:uFill>
-                <a:solidFill>
-                  <a:srgbClr val="ffffff"/>
-                </a:solidFill>
-              </a:uFill>
-              <a:latin typeface="Arial"/>
-            </a:endParaRPr>
-          </a:p>
-        </p:txBody>
-      </p:sp>
-      <p:sp>
-        <p:nvSpPr>
-          <p:cNvPr id="111" name="PlaceHolder 5"/>
-          <p:cNvSpPr>
-            <a:spLocks noGrp="1"/>
-          </p:cNvSpPr>
-          <p:nvPr>
-            <p:ph type="body"/>
-          </p:nvPr>
-        </p:nvSpPr>
-        <p:spPr>
-          <a:xfrm>
-            <a:off x="6022080" y="3682080"/>
-            <a:ext cx="2649600" cy="1896840"/>
-          </a:xfrm>
-          <a:prstGeom prst="rect">
-            <a:avLst/>
-          </a:prstGeom>
-        </p:spPr>
-        <p:txBody>
-          <a:bodyPr lIns="0" rIns="0" tIns="0" bIns="0"/>
-          <a:p>
-            <a:endParaRPr b="0" lang="en-US" sz="3200" spc="-1" strike="noStrike">
-              <a:solidFill>
-                <a:srgbClr val="000000"/>
-              </a:solidFill>
-              <a:uFill>
-                <a:solidFill>
-                  <a:srgbClr val="ffffff"/>
-                </a:solidFill>
-              </a:uFill>
-              <a:latin typeface="Arial"/>
-            </a:endParaRPr>
-          </a:p>
-        </p:txBody>
-      </p:sp>
-      <p:sp>
-        <p:nvSpPr>
-          <p:cNvPr id="112" name="PlaceHolder 6"/>
-          <p:cNvSpPr>
-            <a:spLocks noGrp="1"/>
-          </p:cNvSpPr>
-          <p:nvPr>
-            <p:ph type="body"/>
-          </p:nvPr>
-        </p:nvSpPr>
-        <p:spPr>
-          <a:xfrm>
-            <a:off x="3239640" y="3682080"/>
-            <a:ext cx="2649600" cy="1896840"/>
-          </a:xfrm>
-          <a:prstGeom prst="rect">
-            <a:avLst/>
-          </a:prstGeom>
-        </p:spPr>
-        <p:txBody>
-          <a:bodyPr lIns="0" rIns="0" tIns="0" bIns="0"/>
-          <a:p>
-            <a:endParaRPr b="0" lang="en-US" sz="3200" spc="-1" strike="noStrike">
-              <a:solidFill>
-                <a:srgbClr val="000000"/>
-              </a:solidFill>
-              <a:uFill>
-                <a:solidFill>
-                  <a:srgbClr val="ffffff"/>
-                </a:solidFill>
-              </a:uFill>
-              <a:latin typeface="Arial"/>
-            </a:endParaRPr>
-          </a:p>
-        </p:txBody>
-      </p:sp>
-      <p:sp>
-        <p:nvSpPr>
-          <p:cNvPr id="113" name="PlaceHolder 7"/>
-          <p:cNvSpPr>
-            <a:spLocks noGrp="1"/>
-          </p:cNvSpPr>
-          <p:nvPr>
-            <p:ph type="body"/>
-          </p:nvPr>
-        </p:nvSpPr>
-        <p:spPr>
-          <a:xfrm>
-            <a:off x="457200" y="3682080"/>
-            <a:ext cx="2649600" cy="1896840"/>
-          </a:xfrm>
-          <a:prstGeom prst="rect">
-            <a:avLst/>
-          </a:prstGeom>
-        </p:spPr>
-        <p:txBody>
-          <a:bodyPr lIns="0" rIns="0" tIns="0" bIns="0"/>
-          <a:p>
-            <a:endParaRPr b="0" lang="en-US" sz="3200" spc="-1" strike="noStrike">
-              <a:solidFill>
-                <a:srgbClr val="000000"/>
-              </a:solidFill>
-              <a:uFill>
-                <a:solidFill>
-                  <a:srgbClr val="ffffff"/>
-                </a:solidFill>
-              </a:uFill>
-              <a:latin typeface="Arial"/>
-            </a:endParaRPr>
-          </a:p>
-        </p:txBody>
-      </p:sp>
+            <a:endParaRPr/>
+          </a:p>
+        </p:txBody>
+      </p:sp>
+      <p:pic>
+        <p:nvPicPr>
+          <p:cNvPr id="106" name="" descr=""/>
+          <p:cNvPicPr/>
+          <p:nvPr/>
+        </p:nvPicPr>
+        <p:blipFill>
+          <a:blip r:embed="rId2"/>
+          <a:stretch>
+            <a:fillRect/>
+          </a:stretch>
+        </p:blipFill>
+        <p:spPr>
+          <a:xfrm>
+            <a:off x="2079000" y="1604520"/>
+            <a:ext cx="4984920" cy="3977280"/>
+          </a:xfrm>
+          <a:prstGeom prst="rect">
+            <a:avLst/>
+          </a:prstGeom>
+          <a:ln>
+            <a:noFill/>
+          </a:ln>
+        </p:spPr>
+      </p:pic>
+      <p:pic>
+        <p:nvPicPr>
+          <p:cNvPr id="107" name="" descr=""/>
+          <p:cNvPicPr/>
+          <p:nvPr/>
+        </p:nvPicPr>
+        <p:blipFill>
+          <a:blip r:embed="rId3"/>
+          <a:stretch>
+            <a:fillRect/>
+          </a:stretch>
+        </p:blipFill>
+        <p:spPr>
+          <a:xfrm>
+            <a:off x="2079000" y="1604520"/>
+            <a:ext cx="4984920" cy="3977280"/>
+          </a:xfrm>
+          <a:prstGeom prst="rect">
+            <a:avLst/>
+          </a:prstGeom>
+          <a:ln>
+            <a:noFill/>
+          </a:ln>
+        </p:spPr>
+      </p:pic>
     </p:spTree>
   </p:cSld>
 </p:sldLayout>
 </file>
 
 <file path=ppt/slideLayouts/slideLayout4.xml><?xml version="1.0" encoding="utf-8"?>
-<p:sldLayout xmlns:a="http://schemas.openxmlformats.org/drawingml/2006/main" xmlns:p="http://schemas.openxmlformats.org/presentationml/2006/main" xmlns:r="http://schemas.openxmlformats.org/officeDocument/2006/relationships" xmlns:p14="http://schemas.microsoft.com/office/powerpoint/2010/main" xmlns:p15="http://schemas.microsoft.com/office/powerpoint/2012/main" xmlns:mc="http://schemas.openxmlformats.org/markup-compatibility/2006" type="twoObj" preserve="1">
+<p:sldLayout xmlns:a="http://schemas.openxmlformats.org/drawingml/2006/main" xmlns:p="http://schemas.openxmlformats.org/presentationml/2006/main" xmlns:r="http://schemas.openxmlformats.org/officeDocument/2006/relationships" type="twoObj" preserve="1">
   <p:cSld name="Title, 2 Content">
     <p:spTree>
       <p:nvGrpSpPr>
@@ -4026,8 +2948,8 @@
         </p:nvSpPr>
         <p:spPr>
           <a:xfrm>
-            <a:off x="457200" y="273600"/>
-            <a:ext cx="8229240" cy="1144800"/>
+            <a:off x="457200" y="219600"/>
+            <a:ext cx="8229240" cy="1253160"/>
           </a:xfrm>
           <a:prstGeom prst="rect">
             <a:avLst/>
@@ -4037,17 +2959,7 @@
           <a:bodyPr lIns="0" rIns="0" tIns="0" bIns="0" anchor="ctr"/>
           <a:p>
             <a:pPr algn="ctr"/>
-            <a:endParaRPr b="0" lang="en-US" sz="4400" spc="-1" strike="noStrike">
-              <a:solidFill>
-                <a:srgbClr val="000000"/>
-              </a:solidFill>
-              <a:uFill>
-                <a:solidFill>
-                  <a:srgbClr val="ffffff"/>
-                </a:solidFill>
-              </a:uFill>
-              <a:latin typeface="Arial"/>
-            </a:endParaRPr>
+            <a:endParaRPr/>
           </a:p>
         </p:txBody>
       </p:sp>
@@ -4073,17 +2985,7 @@
         <p:txBody>
           <a:bodyPr lIns="0" rIns="0" tIns="0" bIns="0"/>
           <a:p>
-            <a:endParaRPr b="0" lang="en-US" sz="3200" spc="-1" strike="noStrike">
-              <a:solidFill>
-                <a:srgbClr val="000000"/>
-              </a:solidFill>
-              <a:uFill>
-                <a:solidFill>
-                  <a:srgbClr val="ffffff"/>
-                </a:solidFill>
-              </a:uFill>
-              <a:latin typeface="Arial"/>
-            </a:endParaRPr>
+            <a:endParaRPr/>
           </a:p>
         </p:txBody>
       </p:sp>
@@ -4109,17 +3011,7 @@
         <p:txBody>
           <a:bodyPr lIns="0" rIns="0" tIns="0" bIns="0"/>
           <a:p>
-            <a:endParaRPr b="0" lang="en-US" sz="3200" spc="-1" strike="noStrike">
-              <a:solidFill>
-                <a:srgbClr val="000000"/>
-              </a:solidFill>
-              <a:uFill>
-                <a:solidFill>
-                  <a:srgbClr val="ffffff"/>
-                </a:solidFill>
-              </a:uFill>
-              <a:latin typeface="Arial"/>
-            </a:endParaRPr>
+            <a:endParaRPr/>
           </a:p>
         </p:txBody>
       </p:sp>
@@ -4129,7 +3021,7 @@
 </file>
 
 <file path=ppt/slideLayouts/slideLayout5.xml><?xml version="1.0" encoding="utf-8"?>
-<p:sldLayout xmlns:a="http://schemas.openxmlformats.org/drawingml/2006/main" xmlns:p="http://schemas.openxmlformats.org/presentationml/2006/main" xmlns:r="http://schemas.openxmlformats.org/officeDocument/2006/relationships" xmlns:p14="http://schemas.microsoft.com/office/powerpoint/2010/main" xmlns:p15="http://schemas.microsoft.com/office/powerpoint/2012/main" xmlns:mc="http://schemas.openxmlformats.org/markup-compatibility/2006" type="titleOnly" preserve="1">
+<p:sldLayout xmlns:a="http://schemas.openxmlformats.org/drawingml/2006/main" xmlns:p="http://schemas.openxmlformats.org/presentationml/2006/main" xmlns:r="http://schemas.openxmlformats.org/officeDocument/2006/relationships" type="titleOnly" preserve="1">
   <p:cSld name="Title Only">
     <p:spTree>
       <p:nvGrpSpPr>
@@ -4157,8 +3049,8 @@
         </p:nvSpPr>
         <p:spPr>
           <a:xfrm>
-            <a:off x="457200" y="273600"/>
-            <a:ext cx="8229240" cy="1144800"/>
+            <a:off x="457200" y="219600"/>
+            <a:ext cx="8229240" cy="1253160"/>
           </a:xfrm>
           <a:prstGeom prst="rect">
             <a:avLst/>
@@ -4168,17 +3060,7 @@
           <a:bodyPr lIns="0" rIns="0" tIns="0" bIns="0" anchor="ctr"/>
           <a:p>
             <a:pPr algn="ctr"/>
-            <a:endParaRPr b="0" lang="en-US" sz="4400" spc="-1" strike="noStrike">
-              <a:solidFill>
-                <a:srgbClr val="000000"/>
-              </a:solidFill>
-              <a:uFill>
-                <a:solidFill>
-                  <a:srgbClr val="ffffff"/>
-                </a:solidFill>
-              </a:uFill>
-              <a:latin typeface="Arial"/>
-            </a:endParaRPr>
+            <a:endParaRPr/>
           </a:p>
         </p:txBody>
       </p:sp>
@@ -4188,7 +3070,7 @@
 </file>
 
 <file path=ppt/slideLayouts/slideLayout6.xml><?xml version="1.0" encoding="utf-8"?>
-<p:sldLayout xmlns:a="http://schemas.openxmlformats.org/drawingml/2006/main" xmlns:p="http://schemas.openxmlformats.org/presentationml/2006/main" xmlns:r="http://schemas.openxmlformats.org/officeDocument/2006/relationships" xmlns:p14="http://schemas.microsoft.com/office/powerpoint/2010/main" xmlns:p15="http://schemas.microsoft.com/office/powerpoint/2012/main" xmlns:mc="http://schemas.openxmlformats.org/markup-compatibility/2006" type="objOnly" preserve="1">
+<p:sldLayout xmlns:a="http://schemas.openxmlformats.org/drawingml/2006/main" xmlns:p="http://schemas.openxmlformats.org/presentationml/2006/main" xmlns:r="http://schemas.openxmlformats.org/officeDocument/2006/relationships" type="objOnly" preserve="1">
   <p:cSld name="Centered Text">
     <p:spTree>
       <p:nvGrpSpPr>
@@ -4217,7 +3099,7 @@
         <p:spPr>
           <a:xfrm>
             <a:off x="457200" y="273600"/>
-            <a:ext cx="8229240" cy="5307840"/>
+            <a:ext cx="8229240" cy="5308200"/>
           </a:xfrm>
           <a:prstGeom prst="rect">
             <a:avLst/>
@@ -4227,17 +3109,7 @@
           <a:bodyPr lIns="0" rIns="0" tIns="0" bIns="0" anchor="ctr"/>
           <a:p>
             <a:pPr algn="ctr"/>
-            <a:endParaRPr b="0" lang="en-US" sz="3200" spc="-1" strike="noStrike">
-              <a:solidFill>
-                <a:srgbClr val="000000"/>
-              </a:solidFill>
-              <a:uFill>
-                <a:solidFill>
-                  <a:srgbClr val="ffffff"/>
-                </a:solidFill>
-              </a:uFill>
-              <a:latin typeface="Arial"/>
-            </a:endParaRPr>
+            <a:endParaRPr/>
           </a:p>
         </p:txBody>
       </p:sp>
@@ -4247,7 +3119,7 @@
 </file>
 
 <file path=ppt/slideLayouts/slideLayout7.xml><?xml version="1.0" encoding="utf-8"?>
-<p:sldLayout xmlns:a="http://schemas.openxmlformats.org/drawingml/2006/main" xmlns:p="http://schemas.openxmlformats.org/presentationml/2006/main" xmlns:r="http://schemas.openxmlformats.org/officeDocument/2006/relationships" xmlns:p14="http://schemas.microsoft.com/office/powerpoint/2010/main" xmlns:p15="http://schemas.microsoft.com/office/powerpoint/2012/main" xmlns:mc="http://schemas.openxmlformats.org/markup-compatibility/2006" type="twoObjAndObj" preserve="1">
+<p:sldLayout xmlns:a="http://schemas.openxmlformats.org/drawingml/2006/main" xmlns:p="http://schemas.openxmlformats.org/presentationml/2006/main" xmlns:r="http://schemas.openxmlformats.org/officeDocument/2006/relationships" type="twoObjAndObj" preserve="1">
   <p:cSld name="Title, 2 Content and Content">
     <p:spTree>
       <p:nvGrpSpPr>
@@ -4275,8 +3147,8 @@
         </p:nvSpPr>
         <p:spPr>
           <a:xfrm>
-            <a:off x="457200" y="273600"/>
-            <a:ext cx="8229240" cy="1144800"/>
+            <a:off x="457200" y="219600"/>
+            <a:ext cx="8229240" cy="1253160"/>
           </a:xfrm>
           <a:prstGeom prst="rect">
             <a:avLst/>
@@ -4286,17 +3158,7 @@
           <a:bodyPr lIns="0" rIns="0" tIns="0" bIns="0" anchor="ctr"/>
           <a:p>
             <a:pPr algn="ctr"/>
-            <a:endParaRPr b="0" lang="en-US" sz="4400" spc="-1" strike="noStrike">
-              <a:solidFill>
-                <a:srgbClr val="000000"/>
-              </a:solidFill>
-              <a:uFill>
-                <a:solidFill>
-                  <a:srgbClr val="ffffff"/>
-                </a:solidFill>
-              </a:uFill>
-              <a:latin typeface="Arial"/>
-            </a:endParaRPr>
+            <a:endParaRPr/>
           </a:p>
         </p:txBody>
       </p:sp>
@@ -4322,17 +3184,7 @@
         <p:txBody>
           <a:bodyPr lIns="0" rIns="0" tIns="0" bIns="0"/>
           <a:p>
-            <a:endParaRPr b="0" lang="en-US" sz="3200" spc="-1" strike="noStrike">
-              <a:solidFill>
-                <a:srgbClr val="000000"/>
-              </a:solidFill>
-              <a:uFill>
-                <a:solidFill>
-                  <a:srgbClr val="ffffff"/>
-                </a:solidFill>
-              </a:uFill>
-              <a:latin typeface="Arial"/>
-            </a:endParaRPr>
+            <a:endParaRPr/>
           </a:p>
         </p:txBody>
       </p:sp>
@@ -4358,17 +3210,7 @@
         <p:txBody>
           <a:bodyPr lIns="0" rIns="0" tIns="0" bIns="0"/>
           <a:p>
-            <a:endParaRPr b="0" lang="en-US" sz="3200" spc="-1" strike="noStrike">
-              <a:solidFill>
-                <a:srgbClr val="000000"/>
-              </a:solidFill>
-              <a:uFill>
-                <a:solidFill>
-                  <a:srgbClr val="ffffff"/>
-                </a:solidFill>
-              </a:uFill>
-              <a:latin typeface="Arial"/>
-            </a:endParaRPr>
+            <a:endParaRPr/>
           </a:p>
         </p:txBody>
       </p:sp>
@@ -4394,17 +3236,7 @@
         <p:txBody>
           <a:bodyPr lIns="0" rIns="0" tIns="0" bIns="0"/>
           <a:p>
-            <a:endParaRPr b="0" lang="en-US" sz="3200" spc="-1" strike="noStrike">
-              <a:solidFill>
-                <a:srgbClr val="000000"/>
-              </a:solidFill>
-              <a:uFill>
-                <a:solidFill>
-                  <a:srgbClr val="ffffff"/>
-                </a:solidFill>
-              </a:uFill>
-              <a:latin typeface="Arial"/>
-            </a:endParaRPr>
+            <a:endParaRPr/>
           </a:p>
         </p:txBody>
       </p:sp>
@@ -4414,7 +3246,7 @@
 </file>
 
 <file path=ppt/slideLayouts/slideLayout8.xml><?xml version="1.0" encoding="utf-8"?>
-<p:sldLayout xmlns:a="http://schemas.openxmlformats.org/drawingml/2006/main" xmlns:p="http://schemas.openxmlformats.org/presentationml/2006/main" xmlns:r="http://schemas.openxmlformats.org/officeDocument/2006/relationships" xmlns:p14="http://schemas.microsoft.com/office/powerpoint/2010/main" xmlns:p15="http://schemas.microsoft.com/office/powerpoint/2012/main" xmlns:mc="http://schemas.openxmlformats.org/markup-compatibility/2006" type="objAndTwoObj" preserve="1">
+<p:sldLayout xmlns:a="http://schemas.openxmlformats.org/drawingml/2006/main" xmlns:p="http://schemas.openxmlformats.org/presentationml/2006/main" xmlns:r="http://schemas.openxmlformats.org/officeDocument/2006/relationships" type="objAndTwoObj" preserve="1">
   <p:cSld name="Title Content and 2 Content">
     <p:spTree>
       <p:nvGrpSpPr>
@@ -4442,8 +3274,8 @@
         </p:nvSpPr>
         <p:spPr>
           <a:xfrm>
-            <a:off x="457200" y="273600"/>
-            <a:ext cx="8229240" cy="1144800"/>
+            <a:off x="457200" y="219600"/>
+            <a:ext cx="8229240" cy="1253160"/>
           </a:xfrm>
           <a:prstGeom prst="rect">
             <a:avLst/>
@@ -4453,17 +3285,7 @@
           <a:bodyPr lIns="0" rIns="0" tIns="0" bIns="0" anchor="ctr"/>
           <a:p>
             <a:pPr algn="ctr"/>
-            <a:endParaRPr b="0" lang="en-US" sz="4400" spc="-1" strike="noStrike">
-              <a:solidFill>
-                <a:srgbClr val="000000"/>
-              </a:solidFill>
-              <a:uFill>
-                <a:solidFill>
-                  <a:srgbClr val="ffffff"/>
-                </a:solidFill>
-              </a:uFill>
-              <a:latin typeface="Arial"/>
-            </a:endParaRPr>
+            <a:endParaRPr/>
           </a:p>
         </p:txBody>
       </p:sp>
@@ -4489,17 +3311,7 @@
         <p:txBody>
           <a:bodyPr lIns="0" rIns="0" tIns="0" bIns="0"/>
           <a:p>
-            <a:endParaRPr b="0" lang="en-US" sz="3200" spc="-1" strike="noStrike">
-              <a:solidFill>
-                <a:srgbClr val="000000"/>
-              </a:solidFill>
-              <a:uFill>
-                <a:solidFill>
-                  <a:srgbClr val="ffffff"/>
-                </a:solidFill>
-              </a:uFill>
-              <a:latin typeface="Arial"/>
-            </a:endParaRPr>
+            <a:endParaRPr/>
           </a:p>
         </p:txBody>
       </p:sp>
@@ -4525,17 +3337,7 @@
         <p:txBody>
           <a:bodyPr lIns="0" rIns="0" tIns="0" bIns="0"/>
           <a:p>
-            <a:endParaRPr b="0" lang="en-US" sz="3200" spc="-1" strike="noStrike">
-              <a:solidFill>
-                <a:srgbClr val="000000"/>
-              </a:solidFill>
-              <a:uFill>
-                <a:solidFill>
-                  <a:srgbClr val="ffffff"/>
-                </a:solidFill>
-              </a:uFill>
-              <a:latin typeface="Arial"/>
-            </a:endParaRPr>
+            <a:endParaRPr/>
           </a:p>
         </p:txBody>
       </p:sp>
@@ -4561,17 +3363,7 @@
         <p:txBody>
           <a:bodyPr lIns="0" rIns="0" tIns="0" bIns="0"/>
           <a:p>
-            <a:endParaRPr b="0" lang="en-US" sz="3200" spc="-1" strike="noStrike">
-              <a:solidFill>
-                <a:srgbClr val="000000"/>
-              </a:solidFill>
-              <a:uFill>
-                <a:solidFill>
-                  <a:srgbClr val="ffffff"/>
-                </a:solidFill>
-              </a:uFill>
-              <a:latin typeface="Arial"/>
-            </a:endParaRPr>
+            <a:endParaRPr/>
           </a:p>
         </p:txBody>
       </p:sp>
@@ -4581,7 +3373,7 @@
 </file>
 
 <file path=ppt/slideLayouts/slideLayout9.xml><?xml version="1.0" encoding="utf-8"?>
-<p:sldLayout xmlns:a="http://schemas.openxmlformats.org/drawingml/2006/main" xmlns:p="http://schemas.openxmlformats.org/presentationml/2006/main" xmlns:r="http://schemas.openxmlformats.org/officeDocument/2006/relationships" xmlns:p14="http://schemas.microsoft.com/office/powerpoint/2010/main" xmlns:p15="http://schemas.microsoft.com/office/powerpoint/2012/main" xmlns:mc="http://schemas.openxmlformats.org/markup-compatibility/2006" type="twoObjOverTx" preserve="1">
+<p:sldLayout xmlns:a="http://schemas.openxmlformats.org/drawingml/2006/main" xmlns:p="http://schemas.openxmlformats.org/presentationml/2006/main" xmlns:r="http://schemas.openxmlformats.org/officeDocument/2006/relationships" type="twoObjOverTx" preserve="1">
   <p:cSld name="Title, 2 Content over Content">
     <p:spTree>
       <p:nvGrpSpPr>
@@ -4609,8 +3401,8 @@
         </p:nvSpPr>
         <p:spPr>
           <a:xfrm>
-            <a:off x="457200" y="273600"/>
-            <a:ext cx="8229240" cy="1144800"/>
+            <a:off x="457200" y="219600"/>
+            <a:ext cx="8229240" cy="1253160"/>
           </a:xfrm>
           <a:prstGeom prst="rect">
             <a:avLst/>
@@ -4620,17 +3412,7 @@
           <a:bodyPr lIns="0" rIns="0" tIns="0" bIns="0" anchor="ctr"/>
           <a:p>
             <a:pPr algn="ctr"/>
-            <a:endParaRPr b="0" lang="en-US" sz="4400" spc="-1" strike="noStrike">
-              <a:solidFill>
-                <a:srgbClr val="000000"/>
-              </a:solidFill>
-              <a:uFill>
-                <a:solidFill>
-                  <a:srgbClr val="ffffff"/>
-                </a:solidFill>
-              </a:uFill>
-              <a:latin typeface="Arial"/>
-            </a:endParaRPr>
+            <a:endParaRPr/>
           </a:p>
         </p:txBody>
       </p:sp>
@@ -4656,17 +3438,7 @@
         <p:txBody>
           <a:bodyPr lIns="0" rIns="0" tIns="0" bIns="0"/>
           <a:p>
-            <a:endParaRPr b="0" lang="en-US" sz="3200" spc="-1" strike="noStrike">
-              <a:solidFill>
-                <a:srgbClr val="000000"/>
-              </a:solidFill>
-              <a:uFill>
-                <a:solidFill>
-                  <a:srgbClr val="ffffff"/>
-                </a:solidFill>
-              </a:uFill>
-              <a:latin typeface="Arial"/>
-            </a:endParaRPr>
+            <a:endParaRPr/>
           </a:p>
         </p:txBody>
       </p:sp>
@@ -4692,17 +3464,7 @@
         <p:txBody>
           <a:bodyPr lIns="0" rIns="0" tIns="0" bIns="0"/>
           <a:p>
-            <a:endParaRPr b="0" lang="en-US" sz="3200" spc="-1" strike="noStrike">
-              <a:solidFill>
-                <a:srgbClr val="000000"/>
-              </a:solidFill>
-              <a:uFill>
-                <a:solidFill>
-                  <a:srgbClr val="ffffff"/>
-                </a:solidFill>
-              </a:uFill>
-              <a:latin typeface="Arial"/>
-            </a:endParaRPr>
+            <a:endParaRPr/>
           </a:p>
         </p:txBody>
       </p:sp>
@@ -4728,17 +3490,7 @@
         <p:txBody>
           <a:bodyPr lIns="0" rIns="0" tIns="0" bIns="0"/>
           <a:p>
-            <a:endParaRPr b="0" lang="en-US" sz="3200" spc="-1" strike="noStrike">
-              <a:solidFill>
-                <a:srgbClr val="000000"/>
-              </a:solidFill>
-              <a:uFill>
-                <a:solidFill>
-                  <a:srgbClr val="ffffff"/>
-                </a:solidFill>
-              </a:uFill>
-              <a:latin typeface="Arial"/>
-            </a:endParaRPr>
+            <a:endParaRPr/>
           </a:p>
         </p:txBody>
       </p:sp>
@@ -4748,7 +3500,7 @@
 </file>
 
 <file path=ppt/slideMasters/slideMaster1.xml><?xml version="1.0" encoding="utf-8"?>
-<p:sldMaster xmlns:a="http://schemas.openxmlformats.org/drawingml/2006/main" xmlns:p="http://schemas.openxmlformats.org/presentationml/2006/main" xmlns:r="http://schemas.openxmlformats.org/officeDocument/2006/relationships" xmlns:p14="http://schemas.microsoft.com/office/powerpoint/2010/main" xmlns:p15="http://schemas.microsoft.com/office/powerpoint/2012/main" xmlns:mc="http://schemas.openxmlformats.org/markup-compatibility/2006">
+<p:sldMaster xmlns:a="http://schemas.openxmlformats.org/drawingml/2006/main" xmlns:p="http://schemas.openxmlformats.org/presentationml/2006/main" xmlns:r="http://schemas.openxmlformats.org/officeDocument/2006/relationships">
   <p:cSld>
     <p:spTree>
       <p:nvGrpSpPr>
@@ -4788,30 +3540,12 @@
           <a:p>
             <a:pPr algn="ctr"/>
             <a:r>
-              <a:rPr b="0" lang="en-US" sz="4400" spc="-1" strike="noStrike">
-                <a:solidFill>
-                  <a:srgbClr val="000000"/>
-                </a:solidFill>
-                <a:uFill>
-                  <a:solidFill>
-                    <a:srgbClr val="ffffff"/>
-                  </a:solidFill>
-                </a:uFill>
+              <a:rPr lang="ru-RU" sz="4400">
                 <a:latin typeface="Arial"/>
               </a:rPr>
-              <a:t>Click to edit the title text format</a:t>
+              <a:t>Для правки текста заголовка щелкните мышью</a:t>
             </a:r>
-            <a:endParaRPr b="0" lang="en-US" sz="4400" spc="-1" strike="noStrike">
-              <a:solidFill>
-                <a:srgbClr val="000000"/>
-              </a:solidFill>
-              <a:uFill>
-                <a:solidFill>
-                  <a:srgbClr val="ffffff"/>
-                </a:solidFill>
-              </a:uFill>
-              <a:latin typeface="Arial"/>
-            </a:endParaRPr>
+            <a:endParaRPr/>
           </a:p>
         </p:txBody>
       </p:sp>
@@ -4837,270 +3571,102 @@
         <p:txBody>
           <a:bodyPr lIns="0" rIns="0" tIns="0" bIns="0"/>
           <a:p>
-            <a:pPr marL="432000" indent="-324000">
-              <a:spcBef>
-                <a:spcPts val="1417"/>
-              </a:spcBef>
-              <a:buClr>
-                <a:srgbClr val="000000"/>
-              </a:buClr>
+            <a:pPr>
               <a:buSzPct val="45000"/>
-              <a:buFont typeface="Wingdings" charset="2"/>
+              <a:buFont typeface="StarSymbol"/>
               <a:buChar char=""/>
             </a:pPr>
             <a:r>
-              <a:rPr b="0" lang="en-US" sz="3200" spc="-1" strike="noStrike">
-                <a:solidFill>
-                  <a:srgbClr val="000000"/>
-                </a:solidFill>
-                <a:uFill>
-                  <a:solidFill>
-                    <a:srgbClr val="ffffff"/>
-                  </a:solidFill>
-                </a:uFill>
+              <a:rPr lang="ru-RU" sz="3200">
                 <a:latin typeface="Arial"/>
               </a:rPr>
-              <a:t>Click to edit the outline text format</a:t>
+              <a:t>Для правки структуры щелкните мышью</a:t>
             </a:r>
-            <a:endParaRPr b="0" lang="en-US" sz="3200" spc="-1" strike="noStrike">
-              <a:solidFill>
-                <a:srgbClr val="000000"/>
-              </a:solidFill>
-              <a:uFill>
-                <a:solidFill>
-                  <a:srgbClr val="ffffff"/>
-                </a:solidFill>
-              </a:uFill>
-              <a:latin typeface="Arial"/>
-            </a:endParaRPr>
-          </a:p>
-          <a:p>
-            <a:pPr lvl="1" marL="864000" indent="-324000">
-              <a:spcBef>
-                <a:spcPts val="1134"/>
-              </a:spcBef>
-              <a:buClr>
-                <a:srgbClr val="000000"/>
-              </a:buClr>
+            <a:endParaRPr/>
+          </a:p>
+          <a:p>
+            <a:pPr lvl="1">
               <a:buSzPct val="75000"/>
-              <a:buFont typeface="Symbol" charset="2"/>
+              <a:buFont typeface="StarSymbol"/>
               <a:buChar char=""/>
             </a:pPr>
             <a:r>
-              <a:rPr b="0" lang="en-US" sz="2800" spc="-1" strike="noStrike">
-                <a:solidFill>
-                  <a:srgbClr val="000000"/>
-                </a:solidFill>
-                <a:uFill>
-                  <a:solidFill>
-                    <a:srgbClr val="ffffff"/>
-                  </a:solidFill>
-                </a:uFill>
+              <a:rPr lang="ru-RU" sz="2800">
                 <a:latin typeface="Arial"/>
               </a:rPr>
-              <a:t>Second Outline Level</a:t>
+              <a:t>Второй уровень структуры</a:t>
             </a:r>
-            <a:endParaRPr b="0" lang="en-US" sz="2800" spc="-1" strike="noStrike">
-              <a:solidFill>
-                <a:srgbClr val="000000"/>
-              </a:solidFill>
-              <a:uFill>
-                <a:solidFill>
-                  <a:srgbClr val="ffffff"/>
-                </a:solidFill>
-              </a:uFill>
-              <a:latin typeface="Arial"/>
-            </a:endParaRPr>
-          </a:p>
-          <a:p>
-            <a:pPr lvl="2" marL="1296000" indent="-288000">
-              <a:spcBef>
-                <a:spcPts val="850"/>
-              </a:spcBef>
-              <a:buClr>
-                <a:srgbClr val="000000"/>
-              </a:buClr>
+            <a:endParaRPr/>
+          </a:p>
+          <a:p>
+            <a:pPr lvl="2">
               <a:buSzPct val="45000"/>
-              <a:buFont typeface="Wingdings" charset="2"/>
+              <a:buFont typeface="StarSymbol"/>
               <a:buChar char=""/>
             </a:pPr>
             <a:r>
-              <a:rPr b="0" lang="en-US" sz="2400" spc="-1" strike="noStrike">
-                <a:solidFill>
-                  <a:srgbClr val="000000"/>
-                </a:solidFill>
-                <a:uFill>
-                  <a:solidFill>
-                    <a:srgbClr val="ffffff"/>
-                  </a:solidFill>
-                </a:uFill>
+              <a:rPr lang="ru-RU" sz="2400">
                 <a:latin typeface="Arial"/>
               </a:rPr>
-              <a:t>Third Outline Level</a:t>
+              <a:t>Третий уровень структуры</a:t>
             </a:r>
-            <a:endParaRPr b="0" lang="en-US" sz="2400" spc="-1" strike="noStrike">
-              <a:solidFill>
-                <a:srgbClr val="000000"/>
-              </a:solidFill>
-              <a:uFill>
-                <a:solidFill>
-                  <a:srgbClr val="ffffff"/>
-                </a:solidFill>
-              </a:uFill>
-              <a:latin typeface="Arial"/>
-            </a:endParaRPr>
-          </a:p>
-          <a:p>
-            <a:pPr lvl="3" marL="1728000" indent="-216000">
-              <a:spcBef>
-                <a:spcPts val="567"/>
-              </a:spcBef>
-              <a:buClr>
-                <a:srgbClr val="000000"/>
-              </a:buClr>
+            <a:endParaRPr/>
+          </a:p>
+          <a:p>
+            <a:pPr lvl="3">
               <a:buSzPct val="75000"/>
-              <a:buFont typeface="Symbol" charset="2"/>
+              <a:buFont typeface="StarSymbol"/>
               <a:buChar char=""/>
             </a:pPr>
             <a:r>
-              <a:rPr b="0" lang="en-US" sz="2000" spc="-1" strike="noStrike">
-                <a:solidFill>
-                  <a:srgbClr val="000000"/>
-                </a:solidFill>
-                <a:uFill>
-                  <a:solidFill>
-                    <a:srgbClr val="ffffff"/>
-                  </a:solidFill>
-                </a:uFill>
+              <a:rPr lang="ru-RU" sz="2000">
                 <a:latin typeface="Arial"/>
               </a:rPr>
-              <a:t>Fourth Outline Level</a:t>
+              <a:t>Четвёртый уровень структуры</a:t>
             </a:r>
-            <a:endParaRPr b="0" lang="en-US" sz="2000" spc="-1" strike="noStrike">
-              <a:solidFill>
-                <a:srgbClr val="000000"/>
-              </a:solidFill>
-              <a:uFill>
-                <a:solidFill>
-                  <a:srgbClr val="ffffff"/>
-                </a:solidFill>
-              </a:uFill>
-              <a:latin typeface="Arial"/>
-            </a:endParaRPr>
-          </a:p>
-          <a:p>
-            <a:pPr lvl="4" marL="2160000" indent="-216000">
-              <a:spcBef>
-                <a:spcPts val="283"/>
-              </a:spcBef>
-              <a:buClr>
-                <a:srgbClr val="000000"/>
-              </a:buClr>
+            <a:endParaRPr/>
+          </a:p>
+          <a:p>
+            <a:pPr lvl="4">
               <a:buSzPct val="45000"/>
-              <a:buFont typeface="Wingdings" charset="2"/>
+              <a:buFont typeface="StarSymbol"/>
               <a:buChar char=""/>
             </a:pPr>
             <a:r>
-              <a:rPr b="0" lang="en-US" sz="2000" spc="-1" strike="noStrike">
-                <a:solidFill>
-                  <a:srgbClr val="000000"/>
-                </a:solidFill>
-                <a:uFill>
-                  <a:solidFill>
-                    <a:srgbClr val="ffffff"/>
-                  </a:solidFill>
-                </a:uFill>
+              <a:rPr lang="ru-RU" sz="2000">
                 <a:latin typeface="Arial"/>
               </a:rPr>
-              <a:t>Fifth Outline Level</a:t>
+              <a:t>Пятый уровень структуры</a:t>
             </a:r>
-            <a:endParaRPr b="0" lang="en-US" sz="2000" spc="-1" strike="noStrike">
-              <a:solidFill>
-                <a:srgbClr val="000000"/>
-              </a:solidFill>
-              <a:uFill>
-                <a:solidFill>
-                  <a:srgbClr val="ffffff"/>
-                </a:solidFill>
-              </a:uFill>
-              <a:latin typeface="Arial"/>
-            </a:endParaRPr>
-          </a:p>
-          <a:p>
-            <a:pPr lvl="5" marL="2592000" indent="-216000">
-              <a:spcBef>
-                <a:spcPts val="283"/>
-              </a:spcBef>
-              <a:buClr>
-                <a:srgbClr val="000000"/>
-              </a:buClr>
+            <a:endParaRPr/>
+          </a:p>
+          <a:p>
+            <a:pPr lvl="5">
               <a:buSzPct val="45000"/>
-              <a:buFont typeface="Wingdings" charset="2"/>
+              <a:buFont typeface="StarSymbol"/>
               <a:buChar char=""/>
             </a:pPr>
             <a:r>
-              <a:rPr b="0" lang="en-US" sz="2000" spc="-1" strike="noStrike">
-                <a:solidFill>
-                  <a:srgbClr val="000000"/>
-                </a:solidFill>
-                <a:uFill>
-                  <a:solidFill>
-                    <a:srgbClr val="ffffff"/>
-                  </a:solidFill>
-                </a:uFill>
+              <a:rPr lang="ru-RU" sz="2000">
                 <a:latin typeface="Arial"/>
               </a:rPr>
-              <a:t>Sixth Outline Level</a:t>
+              <a:t>Шестой уровень структуры</a:t>
             </a:r>
-            <a:endParaRPr b="0" lang="en-US" sz="2000" spc="-1" strike="noStrike">
-              <a:solidFill>
-                <a:srgbClr val="000000"/>
-              </a:solidFill>
-              <a:uFill>
-                <a:solidFill>
-                  <a:srgbClr val="ffffff"/>
-                </a:solidFill>
-              </a:uFill>
-              <a:latin typeface="Arial"/>
-            </a:endParaRPr>
-          </a:p>
-          <a:p>
-            <a:pPr lvl="6" marL="3024000" indent="-216000">
-              <a:spcBef>
-                <a:spcPts val="283"/>
-              </a:spcBef>
-              <a:buClr>
-                <a:srgbClr val="000000"/>
-              </a:buClr>
+            <a:endParaRPr/>
+          </a:p>
+          <a:p>
+            <a:pPr lvl="6">
               <a:buSzPct val="45000"/>
-              <a:buFont typeface="Wingdings" charset="2"/>
+              <a:buFont typeface="StarSymbol"/>
               <a:buChar char=""/>
             </a:pPr>
             <a:r>
-              <a:rPr b="0" lang="en-US" sz="2000" spc="-1" strike="noStrike">
-                <a:solidFill>
-                  <a:srgbClr val="000000"/>
-                </a:solidFill>
-                <a:uFill>
-                  <a:solidFill>
-                    <a:srgbClr val="ffffff"/>
-                  </a:solidFill>
-                </a:uFill>
+              <a:rPr lang="ru-RU" sz="2000">
                 <a:latin typeface="Arial"/>
               </a:rPr>
-              <a:t>Seventh Outline Level</a:t>
+              <a:t>Седьмой уровень структуры</a:t>
             </a:r>
-            <a:endParaRPr b="0" lang="en-US" sz="2000" spc="-1" strike="noStrike">
-              <a:solidFill>
-                <a:srgbClr val="000000"/>
-              </a:solidFill>
-              <a:uFill>
-                <a:solidFill>
-                  <a:srgbClr val="ffffff"/>
-                </a:solidFill>
-              </a:uFill>
-              <a:latin typeface="Arial"/>
-            </a:endParaRPr>
+            <a:endParaRPr/>
           </a:p>
         </p:txBody>
       </p:sp>
@@ -5125,7 +3691,7 @@
 </file>
 
 <file path=ppt/slideMasters/slideMaster2.xml><?xml version="1.0" encoding="utf-8"?>
-<p:sldMaster xmlns:a="http://schemas.openxmlformats.org/drawingml/2006/main" xmlns:p="http://schemas.openxmlformats.org/presentationml/2006/main" xmlns:r="http://schemas.openxmlformats.org/officeDocument/2006/relationships" xmlns:p14="http://schemas.microsoft.com/office/powerpoint/2010/main" xmlns:p15="http://schemas.microsoft.com/office/powerpoint/2012/main" xmlns:mc="http://schemas.openxmlformats.org/markup-compatibility/2006">
+<p:sldMaster xmlns:a="http://schemas.openxmlformats.org/drawingml/2006/main" xmlns:p="http://schemas.openxmlformats.org/presentationml/2006/main" xmlns:r="http://schemas.openxmlformats.org/officeDocument/2006/relationships">
   <p:cSld>
     <p:spTree>
       <p:nvGrpSpPr>
@@ -5143,7 +3709,7 @@
       </p:grpSpPr>
       <p:sp>
         <p:nvSpPr>
-          <p:cNvPr id="38" name="PlaceHolder 1"/>
+          <p:cNvPr id="36" name="PlaceHolder 1"/>
           <p:cNvSpPr>
             <a:spLocks noGrp="1"/>
           </p:cNvSpPr>
@@ -5165,36 +3731,18 @@
           <a:p>
             <a:pPr algn="ctr"/>
             <a:r>
-              <a:rPr b="0" lang="en-US" sz="4400" spc="-1" strike="noStrike">
-                <a:solidFill>
-                  <a:srgbClr val="000000"/>
-                </a:solidFill>
-                <a:uFill>
-                  <a:solidFill>
-                    <a:srgbClr val="ffffff"/>
-                  </a:solidFill>
-                </a:uFill>
+              <a:rPr lang="ru-RU" sz="4400">
                 <a:latin typeface="Arial"/>
               </a:rPr>
-              <a:t>Click to edit the title text format</a:t>
+              <a:t>Для правки текста заголовка щелкните мышью</a:t>
             </a:r>
-            <a:endParaRPr b="0" lang="en-US" sz="4400" spc="-1" strike="noStrike">
-              <a:solidFill>
-                <a:srgbClr val="000000"/>
-              </a:solidFill>
-              <a:uFill>
-                <a:solidFill>
-                  <a:srgbClr val="ffffff"/>
-                </a:solidFill>
-              </a:uFill>
-              <a:latin typeface="Arial"/>
-            </a:endParaRPr>
-          </a:p>
-        </p:txBody>
-      </p:sp>
-      <p:sp>
-        <p:nvSpPr>
-          <p:cNvPr id="39" name="PlaceHolder 2"/>
+            <a:endParaRPr/>
+          </a:p>
+        </p:txBody>
+      </p:sp>
+      <p:sp>
+        <p:nvSpPr>
+          <p:cNvPr id="37" name="PlaceHolder 2"/>
           <p:cNvSpPr>
             <a:spLocks noGrp="1"/>
           </p:cNvSpPr>
@@ -5214,270 +3762,102 @@
         <p:txBody>
           <a:bodyPr lIns="0" rIns="0" tIns="0" bIns="0"/>
           <a:p>
-            <a:pPr marL="432000" indent="-324000">
-              <a:spcBef>
-                <a:spcPts val="1417"/>
-              </a:spcBef>
-              <a:buClr>
-                <a:srgbClr val="000000"/>
-              </a:buClr>
+            <a:pPr>
               <a:buSzPct val="45000"/>
-              <a:buFont typeface="Wingdings" charset="2"/>
+              <a:buFont typeface="StarSymbol"/>
               <a:buChar char=""/>
             </a:pPr>
             <a:r>
-              <a:rPr b="0" lang="en-US" sz="3200" spc="-1" strike="noStrike">
-                <a:solidFill>
-                  <a:srgbClr val="000000"/>
-                </a:solidFill>
-                <a:uFill>
-                  <a:solidFill>
-                    <a:srgbClr val="ffffff"/>
-                  </a:solidFill>
-                </a:uFill>
+              <a:rPr lang="ru-RU" sz="3200">
                 <a:latin typeface="Arial"/>
               </a:rPr>
-              <a:t>Click to edit the outline text format</a:t>
+              <a:t>Для правки структуры щелкните мышью</a:t>
             </a:r>
-            <a:endParaRPr b="0" lang="en-US" sz="3200" spc="-1" strike="noStrike">
-              <a:solidFill>
-                <a:srgbClr val="000000"/>
-              </a:solidFill>
-              <a:uFill>
-                <a:solidFill>
-                  <a:srgbClr val="ffffff"/>
-                </a:solidFill>
-              </a:uFill>
-              <a:latin typeface="Arial"/>
-            </a:endParaRPr>
-          </a:p>
-          <a:p>
-            <a:pPr lvl="1" marL="864000" indent="-324000">
-              <a:spcBef>
-                <a:spcPts val="1134"/>
-              </a:spcBef>
-              <a:buClr>
-                <a:srgbClr val="000000"/>
-              </a:buClr>
+            <a:endParaRPr/>
+          </a:p>
+          <a:p>
+            <a:pPr lvl="1">
               <a:buSzPct val="75000"/>
-              <a:buFont typeface="Symbol" charset="2"/>
+              <a:buFont typeface="StarSymbol"/>
               <a:buChar char=""/>
             </a:pPr>
             <a:r>
-              <a:rPr b="0" lang="en-US" sz="2800" spc="-1" strike="noStrike">
-                <a:solidFill>
-                  <a:srgbClr val="000000"/>
-                </a:solidFill>
-                <a:uFill>
-                  <a:solidFill>
-                    <a:srgbClr val="ffffff"/>
-                  </a:solidFill>
-                </a:uFill>
+              <a:rPr lang="ru-RU" sz="2800">
                 <a:latin typeface="Arial"/>
               </a:rPr>
-              <a:t>Second Outline Level</a:t>
+              <a:t>Второй уровень структуры</a:t>
             </a:r>
-            <a:endParaRPr b="0" lang="en-US" sz="2800" spc="-1" strike="noStrike">
-              <a:solidFill>
-                <a:srgbClr val="000000"/>
-              </a:solidFill>
-              <a:uFill>
-                <a:solidFill>
-                  <a:srgbClr val="ffffff"/>
-                </a:solidFill>
-              </a:uFill>
-              <a:latin typeface="Arial"/>
-            </a:endParaRPr>
-          </a:p>
-          <a:p>
-            <a:pPr lvl="2" marL="1296000" indent="-288000">
-              <a:spcBef>
-                <a:spcPts val="850"/>
-              </a:spcBef>
-              <a:buClr>
-                <a:srgbClr val="000000"/>
-              </a:buClr>
+            <a:endParaRPr/>
+          </a:p>
+          <a:p>
+            <a:pPr lvl="2">
               <a:buSzPct val="45000"/>
-              <a:buFont typeface="Wingdings" charset="2"/>
+              <a:buFont typeface="StarSymbol"/>
               <a:buChar char=""/>
             </a:pPr>
             <a:r>
-              <a:rPr b="0" lang="en-US" sz="2400" spc="-1" strike="noStrike">
-                <a:solidFill>
-                  <a:srgbClr val="000000"/>
-                </a:solidFill>
-                <a:uFill>
-                  <a:solidFill>
-                    <a:srgbClr val="ffffff"/>
-                  </a:solidFill>
-                </a:uFill>
+              <a:rPr lang="ru-RU" sz="2400">
                 <a:latin typeface="Arial"/>
               </a:rPr>
-              <a:t>Third Outline Level</a:t>
+              <a:t>Третий уровень структуры</a:t>
             </a:r>
-            <a:endParaRPr b="0" lang="en-US" sz="2400" spc="-1" strike="noStrike">
-              <a:solidFill>
-                <a:srgbClr val="000000"/>
-              </a:solidFill>
-              <a:uFill>
-                <a:solidFill>
-                  <a:srgbClr val="ffffff"/>
-                </a:solidFill>
-              </a:uFill>
-              <a:latin typeface="Arial"/>
-            </a:endParaRPr>
-          </a:p>
-          <a:p>
-            <a:pPr lvl="3" marL="1728000" indent="-216000">
-              <a:spcBef>
-                <a:spcPts val="567"/>
-              </a:spcBef>
-              <a:buClr>
-                <a:srgbClr val="000000"/>
-              </a:buClr>
+            <a:endParaRPr/>
+          </a:p>
+          <a:p>
+            <a:pPr lvl="3">
               <a:buSzPct val="75000"/>
-              <a:buFont typeface="Symbol" charset="2"/>
+              <a:buFont typeface="StarSymbol"/>
               <a:buChar char=""/>
             </a:pPr>
             <a:r>
-              <a:rPr b="0" lang="en-US" sz="2000" spc="-1" strike="noStrike">
-                <a:solidFill>
-                  <a:srgbClr val="000000"/>
-                </a:solidFill>
-                <a:uFill>
-                  <a:solidFill>
-                    <a:srgbClr val="ffffff"/>
-                  </a:solidFill>
-                </a:uFill>
+              <a:rPr lang="ru-RU" sz="2000">
                 <a:latin typeface="Arial"/>
               </a:rPr>
-              <a:t>Fourth Outline Level</a:t>
+              <a:t>Четвёртый уровень структуры</a:t>
             </a:r>
-            <a:endParaRPr b="0" lang="en-US" sz="2000" spc="-1" strike="noStrike">
-              <a:solidFill>
-                <a:srgbClr val="000000"/>
-              </a:solidFill>
-              <a:uFill>
-                <a:solidFill>
-                  <a:srgbClr val="ffffff"/>
-                </a:solidFill>
-              </a:uFill>
-              <a:latin typeface="Arial"/>
-            </a:endParaRPr>
-          </a:p>
-          <a:p>
-            <a:pPr lvl="4" marL="2160000" indent="-216000">
-              <a:spcBef>
-                <a:spcPts val="283"/>
-              </a:spcBef>
-              <a:buClr>
-                <a:srgbClr val="000000"/>
-              </a:buClr>
+            <a:endParaRPr/>
+          </a:p>
+          <a:p>
+            <a:pPr lvl="4">
               <a:buSzPct val="45000"/>
-              <a:buFont typeface="Wingdings" charset="2"/>
+              <a:buFont typeface="StarSymbol"/>
               <a:buChar char=""/>
             </a:pPr>
             <a:r>
-              <a:rPr b="0" lang="en-US" sz="2000" spc="-1" strike="noStrike">
-                <a:solidFill>
-                  <a:srgbClr val="000000"/>
-                </a:solidFill>
-                <a:uFill>
-                  <a:solidFill>
-                    <a:srgbClr val="ffffff"/>
-                  </a:solidFill>
-                </a:uFill>
+              <a:rPr lang="ru-RU" sz="2000">
                 <a:latin typeface="Arial"/>
               </a:rPr>
-              <a:t>Fifth Outline Level</a:t>
+              <a:t>Пятый уровень структуры</a:t>
             </a:r>
-            <a:endParaRPr b="0" lang="en-US" sz="2000" spc="-1" strike="noStrike">
-              <a:solidFill>
-                <a:srgbClr val="000000"/>
-              </a:solidFill>
-              <a:uFill>
-                <a:solidFill>
-                  <a:srgbClr val="ffffff"/>
-                </a:solidFill>
-              </a:uFill>
-              <a:latin typeface="Arial"/>
-            </a:endParaRPr>
-          </a:p>
-          <a:p>
-            <a:pPr lvl="5" marL="2592000" indent="-216000">
-              <a:spcBef>
-                <a:spcPts val="283"/>
-              </a:spcBef>
-              <a:buClr>
-                <a:srgbClr val="000000"/>
-              </a:buClr>
+            <a:endParaRPr/>
+          </a:p>
+          <a:p>
+            <a:pPr lvl="5">
               <a:buSzPct val="45000"/>
-              <a:buFont typeface="Wingdings" charset="2"/>
+              <a:buFont typeface="StarSymbol"/>
               <a:buChar char=""/>
             </a:pPr>
             <a:r>
-              <a:rPr b="0" lang="en-US" sz="2000" spc="-1" strike="noStrike">
-                <a:solidFill>
-                  <a:srgbClr val="000000"/>
-                </a:solidFill>
-                <a:uFill>
-                  <a:solidFill>
-                    <a:srgbClr val="ffffff"/>
-                  </a:solidFill>
-                </a:uFill>
+              <a:rPr lang="ru-RU" sz="2000">
                 <a:latin typeface="Arial"/>
               </a:rPr>
-              <a:t>Sixth Outline Level</a:t>
+              <a:t>Шестой уровень структуры</a:t>
             </a:r>
-            <a:endParaRPr b="0" lang="en-US" sz="2000" spc="-1" strike="noStrike">
-              <a:solidFill>
-                <a:srgbClr val="000000"/>
-              </a:solidFill>
-              <a:uFill>
-                <a:solidFill>
-                  <a:srgbClr val="ffffff"/>
-                </a:solidFill>
-              </a:uFill>
-              <a:latin typeface="Arial"/>
-            </a:endParaRPr>
-          </a:p>
-          <a:p>
-            <a:pPr lvl="6" marL="3024000" indent="-216000">
-              <a:spcBef>
-                <a:spcPts val="283"/>
-              </a:spcBef>
-              <a:buClr>
-                <a:srgbClr val="000000"/>
-              </a:buClr>
+            <a:endParaRPr/>
+          </a:p>
+          <a:p>
+            <a:pPr lvl="6">
               <a:buSzPct val="45000"/>
-              <a:buFont typeface="Wingdings" charset="2"/>
+              <a:buFont typeface="StarSymbol"/>
               <a:buChar char=""/>
             </a:pPr>
             <a:r>
-              <a:rPr b="0" lang="en-US" sz="2000" spc="-1" strike="noStrike">
-                <a:solidFill>
-                  <a:srgbClr val="000000"/>
-                </a:solidFill>
-                <a:uFill>
-                  <a:solidFill>
-                    <a:srgbClr val="ffffff"/>
-                  </a:solidFill>
-                </a:uFill>
+              <a:rPr lang="ru-RU" sz="2000">
                 <a:latin typeface="Arial"/>
               </a:rPr>
-              <a:t>Seventh Outline Level</a:t>
+              <a:t>Седьмой уровень структуры</a:t>
             </a:r>
-            <a:endParaRPr b="0" lang="en-US" sz="2000" spc="-1" strike="noStrike">
-              <a:solidFill>
-                <a:srgbClr val="000000"/>
-              </a:solidFill>
-              <a:uFill>
-                <a:solidFill>
-                  <a:srgbClr val="ffffff"/>
-                </a:solidFill>
-              </a:uFill>
-              <a:latin typeface="Arial"/>
-            </a:endParaRPr>
+            <a:endParaRPr/>
           </a:p>
         </p:txBody>
       </p:sp>
@@ -5502,7 +3882,7 @@
 </file>
 
 <file path=ppt/slideMasters/slideMaster3.xml><?xml version="1.0" encoding="utf-8"?>
-<p:sldMaster xmlns:a="http://schemas.openxmlformats.org/drawingml/2006/main" xmlns:p="http://schemas.openxmlformats.org/presentationml/2006/main" xmlns:r="http://schemas.openxmlformats.org/officeDocument/2006/relationships" xmlns:p14="http://schemas.microsoft.com/office/powerpoint/2010/main" xmlns:p15="http://schemas.microsoft.com/office/powerpoint/2012/main" xmlns:mc="http://schemas.openxmlformats.org/markup-compatibility/2006">
+<p:sldMaster xmlns:a="http://schemas.openxmlformats.org/drawingml/2006/main" xmlns:p="http://schemas.openxmlformats.org/presentationml/2006/main" xmlns:r="http://schemas.openxmlformats.org/officeDocument/2006/relationships">
   <p:cSld>
     <p:spTree>
       <p:nvGrpSpPr>
@@ -5520,7 +3900,7 @@
       </p:grpSpPr>
       <p:sp>
         <p:nvSpPr>
-          <p:cNvPr id="76" name="PlaceHolder 1"/>
+          <p:cNvPr id="72" name="PlaceHolder 1"/>
           <p:cNvSpPr>
             <a:spLocks noGrp="1"/>
           </p:cNvSpPr>
@@ -5530,8 +3910,8 @@
         </p:nvSpPr>
         <p:spPr>
           <a:xfrm>
-            <a:off x="457200" y="219600"/>
-            <a:ext cx="8228880" cy="1252800"/>
+            <a:off x="457200" y="273600"/>
+            <a:ext cx="8228880" cy="1144440"/>
           </a:xfrm>
           <a:prstGeom prst="rect">
             <a:avLst/>
@@ -5541,36 +3921,18 @@
           <a:bodyPr lIns="0" rIns="0" tIns="0" bIns="0" anchor="ctr"/>
           <a:p>
             <a:r>
-              <a:rPr b="0" lang="en-US" sz="1800" spc="-1" strike="noStrike">
-                <a:solidFill>
-                  <a:srgbClr val="000000"/>
-                </a:solidFill>
-                <a:uFill>
-                  <a:solidFill>
-                    <a:srgbClr val="ffffff"/>
-                  </a:solidFill>
-                </a:uFill>
+              <a:rPr lang="ru-RU">
                 <a:latin typeface="Arial"/>
               </a:rPr>
-              <a:t>Click to edit the title text format</a:t>
+              <a:t>Для правки текста заголовка щелкните мышью</a:t>
             </a:r>
-            <a:endParaRPr b="0" lang="en-US" sz="1800" spc="-1" strike="noStrike">
-              <a:solidFill>
-                <a:srgbClr val="000000"/>
-              </a:solidFill>
-              <a:uFill>
-                <a:solidFill>
-                  <a:srgbClr val="ffffff"/>
-                </a:solidFill>
-              </a:uFill>
-              <a:latin typeface="Arial"/>
-            </a:endParaRPr>
-          </a:p>
-        </p:txBody>
-      </p:sp>
-      <p:sp>
-        <p:nvSpPr>
-          <p:cNvPr id="77" name="PlaceHolder 2"/>
+            <a:endParaRPr/>
+          </a:p>
+        </p:txBody>
+      </p:sp>
+      <p:sp>
+        <p:nvSpPr>
+          <p:cNvPr id="73" name="PlaceHolder 2"/>
           <p:cNvSpPr>
             <a:spLocks noGrp="1"/>
           </p:cNvSpPr>
@@ -5590,270 +3952,102 @@
         <p:txBody>
           <a:bodyPr lIns="0" rIns="0" tIns="0" bIns="0"/>
           <a:p>
-            <a:pPr marL="432000" indent="-324000">
-              <a:spcBef>
-                <a:spcPts val="1417"/>
-              </a:spcBef>
-              <a:buClr>
-                <a:srgbClr val="000000"/>
-              </a:buClr>
+            <a:pPr>
               <a:buSzPct val="45000"/>
-              <a:buFont typeface="Wingdings" charset="2"/>
+              <a:buFont typeface="StarSymbol"/>
               <a:buChar char=""/>
             </a:pPr>
             <a:r>
-              <a:rPr b="0" lang="en-US" sz="3200" spc="-1" strike="noStrike">
-                <a:solidFill>
-                  <a:srgbClr val="000000"/>
-                </a:solidFill>
-                <a:uFill>
-                  <a:solidFill>
-                    <a:srgbClr val="ffffff"/>
-                  </a:solidFill>
-                </a:uFill>
+              <a:rPr lang="ru-RU" sz="3200">
                 <a:latin typeface="Arial"/>
               </a:rPr>
-              <a:t>Click to edit the outline text format</a:t>
+              <a:t>Для правки структуры щелкните мышью</a:t>
             </a:r>
-            <a:endParaRPr b="0" lang="en-US" sz="3200" spc="-1" strike="noStrike">
-              <a:solidFill>
-                <a:srgbClr val="000000"/>
-              </a:solidFill>
-              <a:uFill>
-                <a:solidFill>
-                  <a:srgbClr val="ffffff"/>
-                </a:solidFill>
-              </a:uFill>
-              <a:latin typeface="Arial"/>
-            </a:endParaRPr>
-          </a:p>
-          <a:p>
-            <a:pPr lvl="1" marL="864000" indent="-324000">
-              <a:spcBef>
-                <a:spcPts val="1134"/>
-              </a:spcBef>
-              <a:buClr>
-                <a:srgbClr val="000000"/>
-              </a:buClr>
+            <a:endParaRPr/>
+          </a:p>
+          <a:p>
+            <a:pPr lvl="1">
               <a:buSzPct val="75000"/>
-              <a:buFont typeface="Symbol" charset="2"/>
+              <a:buFont typeface="StarSymbol"/>
               <a:buChar char=""/>
             </a:pPr>
             <a:r>
-              <a:rPr b="0" lang="en-US" sz="2800" spc="-1" strike="noStrike">
-                <a:solidFill>
-                  <a:srgbClr val="000000"/>
-                </a:solidFill>
-                <a:uFill>
-                  <a:solidFill>
-                    <a:srgbClr val="ffffff"/>
-                  </a:solidFill>
-                </a:uFill>
+              <a:rPr lang="ru-RU" sz="2800">
                 <a:latin typeface="Arial"/>
               </a:rPr>
-              <a:t>Second Outline Level</a:t>
+              <a:t>Второй уровень структуры</a:t>
             </a:r>
-            <a:endParaRPr b="0" lang="en-US" sz="2800" spc="-1" strike="noStrike">
-              <a:solidFill>
-                <a:srgbClr val="000000"/>
-              </a:solidFill>
-              <a:uFill>
-                <a:solidFill>
-                  <a:srgbClr val="ffffff"/>
-                </a:solidFill>
-              </a:uFill>
-              <a:latin typeface="Arial"/>
-            </a:endParaRPr>
-          </a:p>
-          <a:p>
-            <a:pPr lvl="2" marL="1296000" indent="-288000">
-              <a:spcBef>
-                <a:spcPts val="850"/>
-              </a:spcBef>
-              <a:buClr>
-                <a:srgbClr val="000000"/>
-              </a:buClr>
+            <a:endParaRPr/>
+          </a:p>
+          <a:p>
+            <a:pPr lvl="2">
               <a:buSzPct val="45000"/>
-              <a:buFont typeface="Wingdings" charset="2"/>
+              <a:buFont typeface="StarSymbol"/>
               <a:buChar char=""/>
             </a:pPr>
             <a:r>
-              <a:rPr b="0" lang="en-US" sz="2400" spc="-1" strike="noStrike">
-                <a:solidFill>
-                  <a:srgbClr val="000000"/>
-                </a:solidFill>
-                <a:uFill>
-                  <a:solidFill>
-                    <a:srgbClr val="ffffff"/>
-                  </a:solidFill>
-                </a:uFill>
+              <a:rPr lang="ru-RU" sz="2400">
                 <a:latin typeface="Arial"/>
               </a:rPr>
-              <a:t>Third Outline Level</a:t>
+              <a:t>Третий уровень структуры</a:t>
             </a:r>
-            <a:endParaRPr b="0" lang="en-US" sz="2400" spc="-1" strike="noStrike">
-              <a:solidFill>
-                <a:srgbClr val="000000"/>
-              </a:solidFill>
-              <a:uFill>
-                <a:solidFill>
-                  <a:srgbClr val="ffffff"/>
-                </a:solidFill>
-              </a:uFill>
-              <a:latin typeface="Arial"/>
-            </a:endParaRPr>
-          </a:p>
-          <a:p>
-            <a:pPr lvl="3" marL="1728000" indent="-216000">
-              <a:spcBef>
-                <a:spcPts val="567"/>
-              </a:spcBef>
-              <a:buClr>
-                <a:srgbClr val="000000"/>
-              </a:buClr>
+            <a:endParaRPr/>
+          </a:p>
+          <a:p>
+            <a:pPr lvl="3">
               <a:buSzPct val="75000"/>
-              <a:buFont typeface="Symbol" charset="2"/>
+              <a:buFont typeface="StarSymbol"/>
               <a:buChar char=""/>
             </a:pPr>
             <a:r>
-              <a:rPr b="0" lang="en-US" sz="2000" spc="-1" strike="noStrike">
-                <a:solidFill>
-                  <a:srgbClr val="000000"/>
-                </a:solidFill>
-                <a:uFill>
-                  <a:solidFill>
-                    <a:srgbClr val="ffffff"/>
-                  </a:solidFill>
-                </a:uFill>
+              <a:rPr lang="ru-RU" sz="2000">
                 <a:latin typeface="Arial"/>
               </a:rPr>
-              <a:t>Fourth Outline Level</a:t>
+              <a:t>Четвёртый уровень структуры</a:t>
             </a:r>
-            <a:endParaRPr b="0" lang="en-US" sz="2000" spc="-1" strike="noStrike">
-              <a:solidFill>
-                <a:srgbClr val="000000"/>
-              </a:solidFill>
-              <a:uFill>
-                <a:solidFill>
-                  <a:srgbClr val="ffffff"/>
-                </a:solidFill>
-              </a:uFill>
-              <a:latin typeface="Arial"/>
-            </a:endParaRPr>
-          </a:p>
-          <a:p>
-            <a:pPr lvl="4" marL="2160000" indent="-216000">
-              <a:spcBef>
-                <a:spcPts val="283"/>
-              </a:spcBef>
-              <a:buClr>
-                <a:srgbClr val="000000"/>
-              </a:buClr>
+            <a:endParaRPr/>
+          </a:p>
+          <a:p>
+            <a:pPr lvl="4">
               <a:buSzPct val="45000"/>
-              <a:buFont typeface="Wingdings" charset="2"/>
+              <a:buFont typeface="StarSymbol"/>
               <a:buChar char=""/>
             </a:pPr>
             <a:r>
-              <a:rPr b="0" lang="en-US" sz="2000" spc="-1" strike="noStrike">
-                <a:solidFill>
-                  <a:srgbClr val="000000"/>
-                </a:solidFill>
-                <a:uFill>
-                  <a:solidFill>
-                    <a:srgbClr val="ffffff"/>
-                  </a:solidFill>
-                </a:uFill>
+              <a:rPr lang="ru-RU" sz="2000">
                 <a:latin typeface="Arial"/>
               </a:rPr>
-              <a:t>Fifth Outline Level</a:t>
+              <a:t>Пятый уровень структуры</a:t>
             </a:r>
-            <a:endParaRPr b="0" lang="en-US" sz="2000" spc="-1" strike="noStrike">
-              <a:solidFill>
-                <a:srgbClr val="000000"/>
-              </a:solidFill>
-              <a:uFill>
-                <a:solidFill>
-                  <a:srgbClr val="ffffff"/>
-                </a:solidFill>
-              </a:uFill>
-              <a:latin typeface="Arial"/>
-            </a:endParaRPr>
-          </a:p>
-          <a:p>
-            <a:pPr lvl="5" marL="2592000" indent="-216000">
-              <a:spcBef>
-                <a:spcPts val="283"/>
-              </a:spcBef>
-              <a:buClr>
-                <a:srgbClr val="000000"/>
-              </a:buClr>
+            <a:endParaRPr/>
+          </a:p>
+          <a:p>
+            <a:pPr lvl="5">
               <a:buSzPct val="45000"/>
-              <a:buFont typeface="Wingdings" charset="2"/>
+              <a:buFont typeface="StarSymbol"/>
               <a:buChar char=""/>
             </a:pPr>
             <a:r>
-              <a:rPr b="0" lang="en-US" sz="2000" spc="-1" strike="noStrike">
-                <a:solidFill>
-                  <a:srgbClr val="000000"/>
-                </a:solidFill>
-                <a:uFill>
-                  <a:solidFill>
-                    <a:srgbClr val="ffffff"/>
-                  </a:solidFill>
-                </a:uFill>
+              <a:rPr lang="ru-RU" sz="2000">
                 <a:latin typeface="Arial"/>
               </a:rPr>
-              <a:t>Sixth Outline Level</a:t>
+              <a:t>Шестой уровень структуры</a:t>
             </a:r>
-            <a:endParaRPr b="0" lang="en-US" sz="2000" spc="-1" strike="noStrike">
-              <a:solidFill>
-                <a:srgbClr val="000000"/>
-              </a:solidFill>
-              <a:uFill>
-                <a:solidFill>
-                  <a:srgbClr val="ffffff"/>
-                </a:solidFill>
-              </a:uFill>
-              <a:latin typeface="Arial"/>
-            </a:endParaRPr>
-          </a:p>
-          <a:p>
-            <a:pPr lvl="6" marL="3024000" indent="-216000">
-              <a:spcBef>
-                <a:spcPts val="283"/>
-              </a:spcBef>
-              <a:buClr>
-                <a:srgbClr val="000000"/>
-              </a:buClr>
+            <a:endParaRPr/>
+          </a:p>
+          <a:p>
+            <a:pPr lvl="6">
               <a:buSzPct val="45000"/>
-              <a:buFont typeface="Wingdings" charset="2"/>
+              <a:buFont typeface="StarSymbol"/>
               <a:buChar char=""/>
             </a:pPr>
             <a:r>
-              <a:rPr b="0" lang="en-US" sz="2000" spc="-1" strike="noStrike">
-                <a:solidFill>
-                  <a:srgbClr val="000000"/>
-                </a:solidFill>
-                <a:uFill>
-                  <a:solidFill>
-                    <a:srgbClr val="ffffff"/>
-                  </a:solidFill>
-                </a:uFill>
+              <a:rPr lang="ru-RU" sz="2000">
                 <a:latin typeface="Arial"/>
               </a:rPr>
-              <a:t>Seventh Outline Level</a:t>
+              <a:t>Седьмой уровень структуры</a:t>
             </a:r>
-            <a:endParaRPr b="0" lang="en-US" sz="2000" spc="-1" strike="noStrike">
-              <a:solidFill>
-                <a:srgbClr val="000000"/>
-              </a:solidFill>
-              <a:uFill>
-                <a:solidFill>
-                  <a:srgbClr val="ffffff"/>
-                </a:solidFill>
-              </a:uFill>
-              <a:latin typeface="Arial"/>
-            </a:endParaRPr>
+            <a:endParaRPr/>
           </a:p>
         </p:txBody>
       </p:sp>
@@ -5878,7 +4072,7 @@
 </file>
 
 <file path=ppt/slides/slide1.xml><?xml version="1.0" encoding="utf-8"?>
-<p:sld xmlns:a="http://schemas.openxmlformats.org/drawingml/2006/main" xmlns:p="http://schemas.openxmlformats.org/presentationml/2006/main" xmlns:r="http://schemas.openxmlformats.org/officeDocument/2006/relationships" xmlns:p14="http://schemas.microsoft.com/office/powerpoint/2010/main" xmlns:p15="http://schemas.microsoft.com/office/powerpoint/2012/main" xmlns:mc="http://schemas.openxmlformats.org/markup-compatibility/2006">
+<p:sld xmlns:a="http://schemas.openxmlformats.org/drawingml/2006/main" xmlns:p="http://schemas.openxmlformats.org/presentationml/2006/main" xmlns:r="http://schemas.openxmlformats.org/officeDocument/2006/relationships">
   <p:cSld>
     <p:spTree>
       <p:nvGrpSpPr>
@@ -5896,14 +4090,14 @@
       </p:grpSpPr>
       <p:sp>
         <p:nvSpPr>
-          <p:cNvPr id="114" name="CustomShape 1"/>
+          <p:cNvPr id="108" name="CustomShape 1"/>
           <p:cNvSpPr/>
           <p:nvPr/>
         </p:nvSpPr>
         <p:spPr>
           <a:xfrm>
             <a:off x="0" y="-48240"/>
-            <a:ext cx="9140760" cy="6904080"/>
+            <a:ext cx="9140400" cy="6903720"/>
           </a:xfrm>
           <a:prstGeom prst="rect">
             <a:avLst/>
@@ -5913,12 +4107,6 @@
             <a:noFill/>
           </a:ln>
         </p:spPr>
-        <p:style>
-          <a:lnRef idx="0"/>
-          <a:fillRef idx="0"/>
-          <a:effectRef idx="0"/>
-          <a:fontRef idx="minor"/>
-        </p:style>
         <p:txBody>
           <a:bodyPr lIns="539640" rIns="90000" tIns="45000" bIns="45000" anchor="ctr"/>
           <a:p>
@@ -5927,17 +4115,7 @@
                 <a:spcPct val="100000"/>
               </a:lnSpc>
             </a:pPr>
-            <a:endParaRPr b="0" lang="en-US" sz="1800" spc="-1" strike="noStrike">
-              <a:solidFill>
-                <a:srgbClr val="000000"/>
-              </a:solidFill>
-              <a:uFill>
-                <a:solidFill>
-                  <a:srgbClr val="ffffff"/>
-                </a:solidFill>
-              </a:uFill>
-              <a:latin typeface="Arial"/>
-            </a:endParaRPr>
+            <a:endParaRPr/>
           </a:p>
           <a:p>
             <a:pPr algn="ctr">
@@ -5945,17 +4123,7 @@
                 <a:spcPct val="100000"/>
               </a:lnSpc>
             </a:pPr>
-            <a:endParaRPr b="0" lang="en-US" sz="1800" spc="-1" strike="noStrike">
-              <a:solidFill>
-                <a:srgbClr val="000000"/>
-              </a:solidFill>
-              <a:uFill>
-                <a:solidFill>
-                  <a:srgbClr val="ffffff"/>
-                </a:solidFill>
-              </a:uFill>
-              <a:latin typeface="Arial"/>
-            </a:endParaRPr>
+            <a:endParaRPr/>
           </a:p>
           <a:p>
             <a:pPr algn="ctr">
@@ -5963,17 +4131,7 @@
                 <a:spcPct val="100000"/>
               </a:lnSpc>
             </a:pPr>
-            <a:endParaRPr b="0" lang="en-US" sz="1800" spc="-1" strike="noStrike">
-              <a:solidFill>
-                <a:srgbClr val="000000"/>
-              </a:solidFill>
-              <a:uFill>
-                <a:solidFill>
-                  <a:srgbClr val="ffffff"/>
-                </a:solidFill>
-              </a:uFill>
-              <a:latin typeface="Arial"/>
-            </a:endParaRPr>
+            <a:endParaRPr/>
           </a:p>
           <a:p>
             <a:pPr algn="ctr">
@@ -5981,17 +4139,7 @@
                 <a:spcPct val="100000"/>
               </a:lnSpc>
             </a:pPr>
-            <a:endParaRPr b="0" lang="en-US" sz="1800" spc="-1" strike="noStrike">
-              <a:solidFill>
-                <a:srgbClr val="000000"/>
-              </a:solidFill>
-              <a:uFill>
-                <a:solidFill>
-                  <a:srgbClr val="ffffff"/>
-                </a:solidFill>
-              </a:uFill>
-              <a:latin typeface="Arial"/>
-            </a:endParaRPr>
+            <a:endParaRPr/>
           </a:p>
           <a:p>
             <a:pPr algn="ctr">
@@ -6000,31 +4148,16 @@
               </a:lnSpc>
             </a:pPr>
             <a:r>
-              <a:rPr b="0" lang="en-US" sz="1800" spc="-1" strike="noStrike">
+              <a:rPr lang="ru-RU">
                 <a:solidFill>
                   <a:srgbClr val="000000"/>
                 </a:solidFill>
-                <a:uFill>
-                  <a:solidFill>
-                    <a:srgbClr val="ffffff"/>
-                  </a:solidFill>
-                </a:uFill>
                 <a:latin typeface="Times New Roman"/>
                 <a:ea typeface="Calibri"/>
               </a:rPr>
               <a:t>МИНОБРНАУКИ РОССИИ</a:t>
             </a:r>
-            <a:endParaRPr b="0" lang="en-US" sz="1800" spc="-1" strike="noStrike">
-              <a:solidFill>
-                <a:srgbClr val="000000"/>
-              </a:solidFill>
-              <a:uFill>
-                <a:solidFill>
-                  <a:srgbClr val="ffffff"/>
-                </a:solidFill>
-              </a:uFill>
-              <a:latin typeface="Arial"/>
-            </a:endParaRPr>
+            <a:endParaRPr/>
           </a:p>
           <a:p>
             <a:pPr algn="ctr">
@@ -6033,31 +4166,16 @@
               </a:lnSpc>
             </a:pPr>
             <a:r>
-              <a:rPr b="0" lang="en-US" sz="1800" spc="-1" strike="noStrike">
+              <a:rPr lang="ru-RU">
                 <a:solidFill>
                   <a:srgbClr val="000000"/>
                 </a:solidFill>
-                <a:uFill>
-                  <a:solidFill>
-                    <a:srgbClr val="ffffff"/>
-                  </a:solidFill>
-                </a:uFill>
                 <a:latin typeface="Times New Roman"/>
                 <a:ea typeface="Calibri"/>
               </a:rPr>
               <a:t>федеральное государственное бюджетное образовательное</a:t>
             </a:r>
-            <a:endParaRPr b="0" lang="en-US" sz="1800" spc="-1" strike="noStrike">
-              <a:solidFill>
-                <a:srgbClr val="000000"/>
-              </a:solidFill>
-              <a:uFill>
-                <a:solidFill>
-                  <a:srgbClr val="ffffff"/>
-                </a:solidFill>
-              </a:uFill>
-              <a:latin typeface="Arial"/>
-            </a:endParaRPr>
+            <a:endParaRPr/>
           </a:p>
           <a:p>
             <a:pPr algn="ctr">
@@ -6066,31 +4184,16 @@
               </a:lnSpc>
             </a:pPr>
             <a:r>
-              <a:rPr b="0" lang="en-US" sz="1800" spc="-1" strike="noStrike">
+              <a:rPr lang="ru-RU">
                 <a:solidFill>
                   <a:srgbClr val="000000"/>
                 </a:solidFill>
-                <a:uFill>
-                  <a:solidFill>
-                    <a:srgbClr val="ffffff"/>
-                  </a:solidFill>
-                </a:uFill>
                 <a:latin typeface="Times New Roman"/>
                 <a:ea typeface="Calibri"/>
               </a:rPr>
               <a:t>учреждение высшего образования</a:t>
             </a:r>
-            <a:endParaRPr b="0" lang="en-US" sz="1800" spc="-1" strike="noStrike">
-              <a:solidFill>
-                <a:srgbClr val="000000"/>
-              </a:solidFill>
-              <a:uFill>
-                <a:solidFill>
-                  <a:srgbClr val="ffffff"/>
-                </a:solidFill>
-              </a:uFill>
-              <a:latin typeface="Arial"/>
-            </a:endParaRPr>
+            <a:endParaRPr/>
           </a:p>
           <a:p>
             <a:pPr algn="ctr">
@@ -6099,31 +4202,16 @@
               </a:lnSpc>
             </a:pPr>
             <a:r>
-              <a:rPr b="0" lang="en-US" sz="1800" spc="-1" strike="noStrike">
+              <a:rPr lang="ru-RU">
                 <a:solidFill>
                   <a:srgbClr val="000000"/>
                 </a:solidFill>
-                <a:uFill>
-                  <a:solidFill>
-                    <a:srgbClr val="ffffff"/>
-                  </a:solidFill>
-                </a:uFill>
                 <a:latin typeface="Times New Roman"/>
                 <a:ea typeface="Calibri"/>
               </a:rPr>
               <a:t>«Омский государственный университет им. Ф.М. Достоевского»</a:t>
             </a:r>
-            <a:endParaRPr b="0" lang="en-US" sz="1800" spc="-1" strike="noStrike">
-              <a:solidFill>
-                <a:srgbClr val="000000"/>
-              </a:solidFill>
-              <a:uFill>
-                <a:solidFill>
-                  <a:srgbClr val="ffffff"/>
-                </a:solidFill>
-              </a:uFill>
-              <a:latin typeface="Arial"/>
-            </a:endParaRPr>
+            <a:endParaRPr/>
           </a:p>
           <a:p>
             <a:pPr algn="ctr">
@@ -6132,31 +4220,16 @@
               </a:lnSpc>
             </a:pPr>
             <a:r>
-              <a:rPr b="0" lang="en-US" sz="1800" spc="-1" strike="noStrike">
+              <a:rPr lang="ru-RU">
                 <a:solidFill>
                   <a:srgbClr val="000000"/>
                 </a:solidFill>
-                <a:uFill>
-                  <a:solidFill>
-                    <a:srgbClr val="ffffff"/>
-                  </a:solidFill>
-                </a:uFill>
                 <a:latin typeface="Times New Roman"/>
                 <a:ea typeface="Calibri"/>
               </a:rPr>
               <a:t>Кафедра кибернетики</a:t>
             </a:r>
-            <a:endParaRPr b="0" lang="en-US" sz="1800" spc="-1" strike="noStrike">
-              <a:solidFill>
-                <a:srgbClr val="000000"/>
-              </a:solidFill>
-              <a:uFill>
-                <a:solidFill>
-                  <a:srgbClr val="ffffff"/>
-                </a:solidFill>
-              </a:uFill>
-              <a:latin typeface="Arial"/>
-            </a:endParaRPr>
+            <a:endParaRPr/>
           </a:p>
           <a:p>
             <a:pPr algn="ctr">
@@ -6164,17 +4237,7 @@
                 <a:spcPct val="100000"/>
               </a:lnSpc>
             </a:pPr>
-            <a:endParaRPr b="0" lang="en-US" sz="1800" spc="-1" strike="noStrike">
-              <a:solidFill>
-                <a:srgbClr val="000000"/>
-              </a:solidFill>
-              <a:uFill>
-                <a:solidFill>
-                  <a:srgbClr val="ffffff"/>
-                </a:solidFill>
-              </a:uFill>
-              <a:latin typeface="Arial"/>
-            </a:endParaRPr>
+            <a:endParaRPr/>
           </a:p>
           <a:p>
             <a:pPr>
@@ -6182,17 +4245,7 @@
                 <a:spcPct val="100000"/>
               </a:lnSpc>
             </a:pPr>
-            <a:endParaRPr b="0" lang="en-US" sz="1800" spc="-1" strike="noStrike">
-              <a:solidFill>
-                <a:srgbClr val="000000"/>
-              </a:solidFill>
-              <a:uFill>
-                <a:solidFill>
-                  <a:srgbClr val="ffffff"/>
-                </a:solidFill>
-              </a:uFill>
-              <a:latin typeface="Arial"/>
-            </a:endParaRPr>
+            <a:endParaRPr/>
           </a:p>
           <a:p>
             <a:pPr>
@@ -6200,17 +4253,7 @@
                 <a:spcPct val="100000"/>
               </a:lnSpc>
             </a:pPr>
-            <a:endParaRPr b="0" lang="en-US" sz="1800" spc="-1" strike="noStrike">
-              <a:solidFill>
-                <a:srgbClr val="000000"/>
-              </a:solidFill>
-              <a:uFill>
-                <a:solidFill>
-                  <a:srgbClr val="ffffff"/>
-                </a:solidFill>
-              </a:uFill>
-              <a:latin typeface="Arial"/>
-            </a:endParaRPr>
+            <a:endParaRPr/>
           </a:p>
           <a:p>
             <a:pPr>
@@ -6218,17 +4261,7 @@
                 <a:spcPct val="100000"/>
               </a:lnSpc>
             </a:pPr>
-            <a:endParaRPr b="0" lang="en-US" sz="1800" spc="-1" strike="noStrike">
-              <a:solidFill>
-                <a:srgbClr val="000000"/>
-              </a:solidFill>
-              <a:uFill>
-                <a:solidFill>
-                  <a:srgbClr val="ffffff"/>
-                </a:solidFill>
-              </a:uFill>
-              <a:latin typeface="Arial"/>
-            </a:endParaRPr>
+            <a:endParaRPr/>
           </a:p>
           <a:p>
             <a:pPr algn="ctr">
@@ -6237,31 +4270,16 @@
               </a:lnSpc>
             </a:pPr>
             <a:r>
-              <a:rPr b="0" lang="en-US" sz="2100" spc="-1" strike="noStrike">
+              <a:rPr lang="ru-RU" sz="2100">
                 <a:solidFill>
                   <a:srgbClr val="000000"/>
                 </a:solidFill>
-                <a:uFill>
-                  <a:solidFill>
-                    <a:srgbClr val="ffffff"/>
-                  </a:solidFill>
-                </a:uFill>
                 <a:latin typeface="Times New Roman"/>
                 <a:ea typeface="Calibri"/>
               </a:rPr>
               <a:t>Варфоломеев Владислав Александрович</a:t>
             </a:r>
-            <a:endParaRPr b="0" lang="en-US" sz="1800" spc="-1" strike="noStrike">
-              <a:solidFill>
-                <a:srgbClr val="000000"/>
-              </a:solidFill>
-              <a:uFill>
-                <a:solidFill>
-                  <a:srgbClr val="ffffff"/>
-                </a:solidFill>
-              </a:uFill>
-              <a:latin typeface="Arial"/>
-            </a:endParaRPr>
+            <a:endParaRPr/>
           </a:p>
           <a:p>
             <a:pPr algn="ctr">
@@ -6270,31 +4288,16 @@
               </a:lnSpc>
             </a:pPr>
             <a:r>
-              <a:rPr b="1" lang="en-US" sz="2400" spc="-1" strike="noStrike">
+              <a:rPr b="1" lang="ru-RU" sz="2400">
                 <a:solidFill>
                   <a:srgbClr val="000000"/>
                 </a:solidFill>
-                <a:uFill>
-                  <a:solidFill>
-                    <a:srgbClr val="ffffff"/>
-                  </a:solidFill>
-                </a:uFill>
                 <a:latin typeface="Times New Roman"/>
                 <a:ea typeface="Calibri"/>
               </a:rPr>
               <a:t>«Разработка интернет-магазина мобильных телефонов»</a:t>
             </a:r>
-            <a:endParaRPr b="0" lang="en-US" sz="1800" spc="-1" strike="noStrike">
-              <a:solidFill>
-                <a:srgbClr val="000000"/>
-              </a:solidFill>
-              <a:uFill>
-                <a:solidFill>
-                  <a:srgbClr val="ffffff"/>
-                </a:solidFill>
-              </a:uFill>
-              <a:latin typeface="Arial"/>
-            </a:endParaRPr>
+            <a:endParaRPr/>
           </a:p>
           <a:p>
             <a:pPr algn="ctr">
@@ -6303,31 +4306,16 @@
               </a:lnSpc>
             </a:pPr>
             <a:r>
-              <a:rPr b="0" lang="en-US" sz="2400" spc="-1" strike="noStrike">
+              <a:rPr lang="ru-RU" sz="2400">
                 <a:solidFill>
                   <a:srgbClr val="000000"/>
                 </a:solidFill>
-                <a:uFill>
-                  <a:solidFill>
-                    <a:srgbClr val="ffffff"/>
-                  </a:solidFill>
-                </a:uFill>
                 <a:latin typeface="Calibri"/>
                 <a:ea typeface="Calibri"/>
               </a:rPr>
               <a:t>Выпускная квалификационная работа</a:t>
             </a:r>
-            <a:endParaRPr b="0" lang="en-US" sz="1800" spc="-1" strike="noStrike">
-              <a:solidFill>
-                <a:srgbClr val="000000"/>
-              </a:solidFill>
-              <a:uFill>
-                <a:solidFill>
-                  <a:srgbClr val="ffffff"/>
-                </a:solidFill>
-              </a:uFill>
-              <a:latin typeface="Arial"/>
-            </a:endParaRPr>
+            <a:endParaRPr/>
           </a:p>
           <a:p>
             <a:pPr algn="ctr">
@@ -6336,31 +4324,16 @@
               </a:lnSpc>
             </a:pPr>
             <a:r>
-              <a:rPr b="0" lang="en-US" sz="2100" spc="-1" strike="noStrike">
+              <a:rPr lang="ru-RU" sz="2100">
                 <a:solidFill>
                   <a:srgbClr val="000000"/>
                 </a:solidFill>
-                <a:uFill>
-                  <a:solidFill>
-                    <a:srgbClr val="ffffff"/>
-                  </a:solidFill>
-                </a:uFill>
                 <a:latin typeface="Times New Roman"/>
                 <a:ea typeface="Calibri"/>
               </a:rPr>
               <a:t>cтудента группы СИБ-531-ЗИ-01, 4 курса заочной формы обучения</a:t>
             </a:r>
-            <a:endParaRPr b="0" lang="en-US" sz="1800" spc="-1" strike="noStrike">
-              <a:solidFill>
-                <a:srgbClr val="000000"/>
-              </a:solidFill>
-              <a:uFill>
-                <a:solidFill>
-                  <a:srgbClr val="ffffff"/>
-                </a:solidFill>
-              </a:uFill>
-              <a:latin typeface="Arial"/>
-            </a:endParaRPr>
+            <a:endParaRPr/>
           </a:p>
           <a:p>
             <a:pPr>
@@ -6368,17 +4341,7 @@
                 <a:spcPct val="100000"/>
               </a:lnSpc>
             </a:pPr>
-            <a:endParaRPr b="0" lang="en-US" sz="1800" spc="-1" strike="noStrike">
-              <a:solidFill>
-                <a:srgbClr val="000000"/>
-              </a:solidFill>
-              <a:uFill>
-                <a:solidFill>
-                  <a:srgbClr val="ffffff"/>
-                </a:solidFill>
-              </a:uFill>
-              <a:latin typeface="Arial"/>
-            </a:endParaRPr>
+            <a:endParaRPr/>
           </a:p>
           <a:p>
             <a:pPr>
@@ -6386,17 +4349,7 @@
                 <a:spcPct val="100000"/>
               </a:lnSpc>
             </a:pPr>
-            <a:endParaRPr b="0" lang="en-US" sz="1800" spc="-1" strike="noStrike">
-              <a:solidFill>
-                <a:srgbClr val="000000"/>
-              </a:solidFill>
-              <a:uFill>
-                <a:solidFill>
-                  <a:srgbClr val="ffffff"/>
-                </a:solidFill>
-              </a:uFill>
-              <a:latin typeface="Arial"/>
-            </a:endParaRPr>
+            <a:endParaRPr/>
           </a:p>
           <a:p>
             <a:pPr>
@@ -6404,17 +4357,7 @@
                 <a:spcPct val="100000"/>
               </a:lnSpc>
             </a:pPr>
-            <a:endParaRPr b="0" lang="en-US" sz="1800" spc="-1" strike="noStrike">
-              <a:solidFill>
-                <a:srgbClr val="000000"/>
-              </a:solidFill>
-              <a:uFill>
-                <a:solidFill>
-                  <a:srgbClr val="ffffff"/>
-                </a:solidFill>
-              </a:uFill>
-              <a:latin typeface="Arial"/>
-            </a:endParaRPr>
+            <a:endParaRPr/>
           </a:p>
           <a:p>
             <a:pPr>
@@ -6422,17 +4365,7 @@
                 <a:spcPct val="100000"/>
               </a:lnSpc>
             </a:pPr>
-            <a:endParaRPr b="0" lang="en-US" sz="1800" spc="-1" strike="noStrike">
-              <a:solidFill>
-                <a:srgbClr val="000000"/>
-              </a:solidFill>
-              <a:uFill>
-                <a:solidFill>
-                  <a:srgbClr val="ffffff"/>
-                </a:solidFill>
-              </a:uFill>
-              <a:latin typeface="Arial"/>
-            </a:endParaRPr>
+            <a:endParaRPr/>
           </a:p>
           <a:p>
             <a:pPr>
@@ -6441,31 +4374,16 @@
               </a:lnSpc>
             </a:pPr>
             <a:r>
-              <a:rPr b="0" lang="en-US" sz="1200" spc="-1" strike="noStrike">
+              <a:rPr lang="ru-RU" sz="1200">
                 <a:solidFill>
                   <a:srgbClr val="000000"/>
                 </a:solidFill>
-                <a:uFill>
-                  <a:solidFill>
-                    <a:srgbClr val="ffffff"/>
-                  </a:solidFill>
-                </a:uFill>
                 <a:latin typeface="Times New Roman"/>
                 <a:ea typeface="Calibri"/>
               </a:rPr>
               <a:t> </a:t>
             </a:r>
-            <a:endParaRPr b="0" lang="en-US" sz="1800" spc="-1" strike="noStrike">
-              <a:solidFill>
-                <a:srgbClr val="000000"/>
-              </a:solidFill>
-              <a:uFill>
-                <a:solidFill>
-                  <a:srgbClr val="ffffff"/>
-                </a:solidFill>
-              </a:uFill>
-              <a:latin typeface="Arial"/>
-            </a:endParaRPr>
+            <a:endParaRPr/>
           </a:p>
           <a:p>
             <a:pPr algn="r">
@@ -6474,76 +4392,46 @@
               </a:lnSpc>
             </a:pPr>
             <a:r>
-              <a:rPr b="0" lang="en-US" sz="2100" spc="-1" strike="noStrike">
+              <a:rPr lang="ru-RU" sz="2100">
                 <a:solidFill>
                   <a:srgbClr val="000000"/>
                 </a:solidFill>
-                <a:uFill>
-                  <a:solidFill>
-                    <a:srgbClr val="ffffff"/>
-                  </a:solidFill>
-                </a:uFill>
                 <a:latin typeface="Times New Roman"/>
                 <a:ea typeface="Calibri"/>
               </a:rPr>
               <a:t>	</a:t>
             </a:r>
             <a:r>
-              <a:rPr b="0" lang="en-US" sz="2100" spc="-1" strike="noStrike">
+              <a:rPr lang="ru-RU" sz="2100">
                 <a:solidFill>
                   <a:srgbClr val="000000"/>
                 </a:solidFill>
-                <a:uFill>
-                  <a:solidFill>
-                    <a:srgbClr val="ffffff"/>
-                  </a:solidFill>
-                </a:uFill>
                 <a:latin typeface="Times New Roman"/>
                 <a:ea typeface="Calibri"/>
               </a:rPr>
               <a:t>	</a:t>
             </a:r>
             <a:r>
-              <a:rPr b="0" lang="en-US" sz="2100" spc="-1" strike="noStrike">
+              <a:rPr lang="ru-RU" sz="2100">
                 <a:solidFill>
                   <a:srgbClr val="000000"/>
                 </a:solidFill>
-                <a:uFill>
-                  <a:solidFill>
-                    <a:srgbClr val="ffffff"/>
-                  </a:solidFill>
-                </a:uFill>
                 <a:latin typeface="Times New Roman"/>
                 <a:ea typeface="Calibri"/>
               </a:rPr>
               <a:t>	</a:t>
             </a:r>
             <a:r>
-              <a:rPr b="0" lang="en-US" sz="2100" spc="-1" strike="noStrike">
+              <a:rPr lang="ru-RU" sz="2100">
                 <a:solidFill>
                   <a:srgbClr val="000000"/>
                 </a:solidFill>
-                <a:uFill>
-                  <a:solidFill>
-                    <a:srgbClr val="ffffff"/>
-                  </a:solidFill>
-                </a:uFill>
                 <a:latin typeface="Times New Roman"/>
                 <a:ea typeface="Calibri"/>
               </a:rPr>
               <a:t>Научный руководитель   </a:t>
             </a:r>
-            <a:endParaRPr b="0" lang="en-US" sz="1800" spc="-1" strike="noStrike">
-              <a:solidFill>
-                <a:srgbClr val="000000"/>
-              </a:solidFill>
-              <a:uFill>
-                <a:solidFill>
-                  <a:srgbClr val="ffffff"/>
-                </a:solidFill>
-              </a:uFill>
-              <a:latin typeface="Arial"/>
-            </a:endParaRPr>
+            <a:endParaRPr/>
           </a:p>
           <a:p>
             <a:pPr>
@@ -6551,17 +4439,7 @@
                 <a:spcPct val="100000"/>
               </a:lnSpc>
             </a:pPr>
-            <a:endParaRPr b="0" lang="en-US" sz="1800" spc="-1" strike="noStrike">
-              <a:solidFill>
-                <a:srgbClr val="000000"/>
-              </a:solidFill>
-              <a:uFill>
-                <a:solidFill>
-                  <a:srgbClr val="ffffff"/>
-                </a:solidFill>
-              </a:uFill>
-              <a:latin typeface="Arial"/>
-            </a:endParaRPr>
+            <a:endParaRPr/>
           </a:p>
           <a:p>
             <a:pPr algn="r">
@@ -6570,31 +4448,16 @@
               </a:lnSpc>
             </a:pPr>
             <a:r>
-              <a:rPr b="0" lang="en-US" sz="2100" spc="-1" strike="noStrike">
+              <a:rPr lang="ru-RU" sz="2100">
                 <a:solidFill>
                   <a:srgbClr val="000000"/>
                 </a:solidFill>
-                <a:uFill>
-                  <a:solidFill>
-                    <a:srgbClr val="ffffff"/>
-                  </a:solidFill>
-                </a:uFill>
                 <a:latin typeface="Times New Roman"/>
                 <a:ea typeface="Times New Roman"/>
               </a:rPr>
-              <a:t>д.ф. -м.н. Гуц А. К.  </a:t>
+              <a:t>д.ф. - м.н. Гуц А. К.  </a:t>
             </a:r>
-            <a:endParaRPr b="0" lang="en-US" sz="1800" spc="-1" strike="noStrike">
-              <a:solidFill>
-                <a:srgbClr val="000000"/>
-              </a:solidFill>
-              <a:uFill>
-                <a:solidFill>
-                  <a:srgbClr val="ffffff"/>
-                </a:solidFill>
-              </a:uFill>
-              <a:latin typeface="Arial"/>
-            </a:endParaRPr>
+            <a:endParaRPr/>
           </a:p>
           <a:p>
             <a:pPr>
@@ -6602,17 +4465,7 @@
                 <a:spcPct val="100000"/>
               </a:lnSpc>
             </a:pPr>
-            <a:endParaRPr b="0" lang="en-US" sz="1800" spc="-1" strike="noStrike">
-              <a:solidFill>
-                <a:srgbClr val="000000"/>
-              </a:solidFill>
-              <a:uFill>
-                <a:solidFill>
-                  <a:srgbClr val="ffffff"/>
-                </a:solidFill>
-              </a:uFill>
-              <a:latin typeface="Arial"/>
-            </a:endParaRPr>
+            <a:endParaRPr/>
           </a:p>
           <a:p>
             <a:pPr>
@@ -6620,17 +4473,7 @@
                 <a:spcPct val="100000"/>
               </a:lnSpc>
             </a:pPr>
-            <a:endParaRPr b="0" lang="en-US" sz="1800" spc="-1" strike="noStrike">
-              <a:solidFill>
-                <a:srgbClr val="000000"/>
-              </a:solidFill>
-              <a:uFill>
-                <a:solidFill>
-                  <a:srgbClr val="ffffff"/>
-                </a:solidFill>
-              </a:uFill>
-              <a:latin typeface="Arial"/>
-            </a:endParaRPr>
+            <a:endParaRPr/>
           </a:p>
           <a:p>
             <a:pPr>
@@ -6639,91 +4482,56 @@
               </a:lnSpc>
             </a:pPr>
             <a:r>
-              <a:rPr b="0" lang="en-US" sz="1200" spc="-1" strike="noStrike">
+              <a:rPr lang="ru-RU" sz="1200">
                 <a:solidFill>
                   <a:srgbClr val="000000"/>
                 </a:solidFill>
-                <a:uFill>
-                  <a:solidFill>
-                    <a:srgbClr val="ffffff"/>
-                  </a:solidFill>
-                </a:uFill>
                 <a:latin typeface="Times New Roman"/>
                 <a:ea typeface="Calibri"/>
               </a:rPr>
               <a:t>	</a:t>
             </a:r>
             <a:r>
-              <a:rPr b="0" lang="en-US" sz="1200" spc="-1" strike="noStrike">
+              <a:rPr lang="ru-RU" sz="1200">
                 <a:solidFill>
                   <a:srgbClr val="000000"/>
                 </a:solidFill>
-                <a:uFill>
-                  <a:solidFill>
-                    <a:srgbClr val="ffffff"/>
-                  </a:solidFill>
-                </a:uFill>
                 <a:latin typeface="Times New Roman"/>
                 <a:ea typeface="Calibri"/>
               </a:rPr>
               <a:t>	</a:t>
             </a:r>
             <a:r>
-              <a:rPr b="0" lang="en-US" sz="1200" spc="-1" strike="noStrike">
+              <a:rPr lang="ru-RU" sz="1200">
                 <a:solidFill>
                   <a:srgbClr val="000000"/>
                 </a:solidFill>
-                <a:uFill>
-                  <a:solidFill>
-                    <a:srgbClr val="ffffff"/>
-                  </a:solidFill>
-                </a:uFill>
                 <a:latin typeface="Times New Roman"/>
                 <a:ea typeface="Calibri"/>
               </a:rPr>
               <a:t>	</a:t>
             </a:r>
             <a:r>
-              <a:rPr b="0" lang="en-US" sz="1200" spc="-1" strike="noStrike">
+              <a:rPr lang="ru-RU" sz="1200">
                 <a:solidFill>
                   <a:srgbClr val="000000"/>
                 </a:solidFill>
-                <a:uFill>
-                  <a:solidFill>
-                    <a:srgbClr val="ffffff"/>
-                  </a:solidFill>
-                </a:uFill>
                 <a:latin typeface="Times New Roman"/>
                 <a:ea typeface="Calibri"/>
               </a:rPr>
               <a:t>	</a:t>
             </a:r>
             <a:r>
-              <a:rPr b="0" lang="en-US" sz="1200" spc="-1" strike="noStrike">
+              <a:rPr lang="ru-RU" sz="1200">
                 <a:solidFill>
                   <a:srgbClr val="000000"/>
                 </a:solidFill>
-                <a:uFill>
-                  <a:solidFill>
-                    <a:srgbClr val="ffffff"/>
-                  </a:solidFill>
-                </a:uFill>
                 <a:latin typeface="Times New Roman"/>
                 <a:ea typeface="Calibri"/>
               </a:rPr>
               <a:t>	</a:t>
             </a:r>
-            <a:endParaRPr b="0" lang="en-US" sz="1800" spc="-1" strike="noStrike">
-              <a:solidFill>
-                <a:srgbClr val="000000"/>
-              </a:solidFill>
-              <a:uFill>
-                <a:solidFill>
-                  <a:srgbClr val="ffffff"/>
-                </a:solidFill>
-              </a:uFill>
-              <a:latin typeface="Arial"/>
-            </a:endParaRPr>
+            <a:endParaRPr/>
           </a:p>
           <a:p>
             <a:pPr algn="ctr">
@@ -6732,31 +4540,16 @@
               </a:lnSpc>
             </a:pPr>
             <a:r>
-              <a:rPr b="0" lang="en-US" sz="1200" spc="-1" strike="noStrike">
+              <a:rPr lang="ru-RU" sz="1200">
                 <a:solidFill>
                   <a:srgbClr val="000000"/>
                 </a:solidFill>
-                <a:uFill>
-                  <a:solidFill>
-                    <a:srgbClr val="ffffff"/>
-                  </a:solidFill>
-                </a:uFill>
                 <a:latin typeface="Arial"/>
                 <a:ea typeface="Times New Roman"/>
               </a:rPr>
               <a:t>Омск 2019</a:t>
             </a:r>
-            <a:endParaRPr b="0" lang="en-US" sz="1800" spc="-1" strike="noStrike">
-              <a:solidFill>
-                <a:srgbClr val="000000"/>
-              </a:solidFill>
-              <a:uFill>
-                <a:solidFill>
-                  <a:srgbClr val="ffffff"/>
-                </a:solidFill>
-              </a:uFill>
-              <a:latin typeface="Arial"/>
-            </a:endParaRPr>
+            <a:endParaRPr/>
           </a:p>
           <a:p>
             <a:pPr algn="ctr">
@@ -6764,17 +4557,7 @@
                 <a:spcPct val="100000"/>
               </a:lnSpc>
             </a:pPr>
-            <a:endParaRPr b="0" lang="en-US" sz="1800" spc="-1" strike="noStrike">
-              <a:solidFill>
-                <a:srgbClr val="000000"/>
-              </a:solidFill>
-              <a:uFill>
-                <a:solidFill>
-                  <a:srgbClr val="ffffff"/>
-                </a:solidFill>
-              </a:uFill>
-              <a:latin typeface="Arial"/>
-            </a:endParaRPr>
+            <a:endParaRPr/>
           </a:p>
           <a:p>
             <a:pPr>
@@ -6782,17 +4565,7 @@
                 <a:spcPct val="100000"/>
               </a:lnSpc>
             </a:pPr>
-            <a:endParaRPr b="0" lang="en-US" sz="1800" spc="-1" strike="noStrike">
-              <a:solidFill>
-                <a:srgbClr val="000000"/>
-              </a:solidFill>
-              <a:uFill>
-                <a:solidFill>
-                  <a:srgbClr val="ffffff"/>
-                </a:solidFill>
-              </a:uFill>
-              <a:latin typeface="Arial"/>
-            </a:endParaRPr>
+            <a:endParaRPr/>
           </a:p>
         </p:txBody>
       </p:sp>
@@ -6829,7 +4602,7 @@
 </file>
 
 <file path=ppt/slides/slide10.xml><?xml version="1.0" encoding="utf-8"?>
-<p:sld xmlns:a="http://schemas.openxmlformats.org/drawingml/2006/main" xmlns:p="http://schemas.openxmlformats.org/presentationml/2006/main" xmlns:r="http://schemas.openxmlformats.org/officeDocument/2006/relationships" xmlns:p14="http://schemas.microsoft.com/office/powerpoint/2010/main" xmlns:p15="http://schemas.microsoft.com/office/powerpoint/2012/main" xmlns:mc="http://schemas.openxmlformats.org/markup-compatibility/2006">
+<p:sld xmlns:a="http://schemas.openxmlformats.org/drawingml/2006/main" xmlns:p="http://schemas.openxmlformats.org/presentationml/2006/main" xmlns:r="http://schemas.openxmlformats.org/officeDocument/2006/relationships">
   <p:cSld>
     <p:spTree>
       <p:nvGrpSpPr>
@@ -6845,82 +4618,23 @@
           <a:chExt cx="0" cy="0"/>
         </a:xfrm>
       </p:grpSpPr>
-      <p:sp>
-        <p:nvSpPr>
-          <p:cNvPr id="125" name="CustomShape 1"/>
-          <p:cNvSpPr/>
-          <p:nvPr/>
-        </p:nvSpPr>
-        <p:spPr>
-          <a:xfrm>
-            <a:off x="16560" y="337320"/>
-            <a:ext cx="9141840" cy="1139760"/>
-          </a:xfrm>
-          <a:prstGeom prst="rect">
-            <a:avLst/>
-          </a:prstGeom>
-          <a:noFill/>
-          <a:ln>
-            <a:noFill/>
-          </a:ln>
-        </p:spPr>
-        <p:style>
-          <a:lnRef idx="0"/>
-          <a:fillRef idx="0"/>
-          <a:effectRef idx="0"/>
-          <a:fontRef idx="minor"/>
-        </p:style>
-        <p:txBody>
-          <a:bodyPr lIns="90000" rIns="90000" tIns="45000" bIns="45000" anchor="ctr"/>
-          <a:p>
-            <a:pPr algn="ctr">
-              <a:lnSpc>
-                <a:spcPct val="100000"/>
-              </a:lnSpc>
-            </a:pPr>
-            <a:r>
-              <a:rPr b="0" lang="en-US" sz="3600" spc="-1" strike="noStrike">
-                <a:solidFill>
-                  <a:srgbClr val="000000"/>
-                </a:solidFill>
-                <a:uFill>
-                  <a:solidFill>
-                    <a:srgbClr val="ffffff"/>
-                  </a:solidFill>
-                </a:uFill>
-                <a:latin typeface="Times New Roman"/>
-                <a:ea typeface="DejaVu Sans"/>
-              </a:rPr>
-              <a:t>Используемые технологии</a:t>
-            </a:r>
-            <a:endParaRPr b="0" lang="en-US" sz="3600" spc="-1" strike="noStrike">
-              <a:solidFill>
-                <a:srgbClr val="000000"/>
-              </a:solidFill>
-              <a:uFill>
-                <a:solidFill>
-                  <a:srgbClr val="ffffff"/>
-                </a:solidFill>
-              </a:uFill>
-              <a:latin typeface="Arial"/>
-            </a:endParaRPr>
-          </a:p>
-        </p:txBody>
-      </p:sp>
       <p:pic>
         <p:nvPicPr>
-          <p:cNvPr id="126" name="" descr=""/>
+          <p:cNvPr id="126" name="Содержимое 3" descr=""/>
           <p:cNvPicPr/>
           <p:nvPr/>
         </p:nvPicPr>
         <p:blipFill>
           <a:blip r:embed="rId1"/>
-          <a:stretch/>
+          <a:srcRect l="-820643" t="1267365" r="680353" b="-1003141"/>
+          <a:stretch>
+            <a:fillRect/>
+          </a:stretch>
         </p:blipFill>
         <p:spPr>
           <a:xfrm>
-            <a:off x="1296000" y="1349640"/>
-            <a:ext cx="3165840" cy="1708200"/>
+            <a:off x="1000080" y="1285920"/>
+            <a:ext cx="7283160" cy="5283000"/>
           </a:xfrm>
           <a:prstGeom prst="rect">
             <a:avLst/>
@@ -6938,12 +4652,14 @@
         </p:nvPicPr>
         <p:blipFill>
           <a:blip r:embed="rId2"/>
-          <a:stretch/>
+          <a:stretch>
+            <a:fillRect/>
+          </a:stretch>
         </p:blipFill>
         <p:spPr>
           <a:xfrm>
-            <a:off x="5832000" y="1351080"/>
-            <a:ext cx="1679400" cy="1778760"/>
+            <a:off x="144000" y="222120"/>
+            <a:ext cx="4379040" cy="1359720"/>
           </a:xfrm>
           <a:prstGeom prst="rect">
             <a:avLst/>
@@ -6961,12 +4677,14 @@
         </p:nvPicPr>
         <p:blipFill>
           <a:blip r:embed="rId3"/>
-          <a:stretch/>
+          <a:stretch>
+            <a:fillRect/>
+          </a:stretch>
         </p:blipFill>
         <p:spPr>
           <a:xfrm>
-            <a:off x="1044000" y="3636000"/>
-            <a:ext cx="3237840" cy="1085760"/>
+            <a:off x="288000" y="1285920"/>
+            <a:ext cx="3877560" cy="5119920"/>
           </a:xfrm>
           <a:prstGeom prst="rect">
             <a:avLst/>
@@ -6984,12 +4702,39 @@
         </p:nvPicPr>
         <p:blipFill>
           <a:blip r:embed="rId4"/>
-          <a:stretch/>
+          <a:stretch>
+            <a:fillRect/>
+          </a:stretch>
         </p:blipFill>
         <p:spPr>
           <a:xfrm>
-            <a:off x="4320000" y="3240000"/>
-            <a:ext cx="4461840" cy="1876320"/>
+            <a:off x="4572000" y="1285920"/>
+            <a:ext cx="4283640" cy="5064840"/>
+          </a:xfrm>
+          <a:prstGeom prst="rect">
+            <a:avLst/>
+          </a:prstGeom>
+          <a:ln>
+            <a:noFill/>
+          </a:ln>
+        </p:spPr>
+      </p:pic>
+      <p:pic>
+        <p:nvPicPr>
+          <p:cNvPr id="130" name="" descr=""/>
+          <p:cNvPicPr/>
+          <p:nvPr/>
+        </p:nvPicPr>
+        <p:blipFill>
+          <a:blip r:embed="rId5"/>
+          <a:stretch>
+            <a:fillRect/>
+          </a:stretch>
+        </p:blipFill>
+        <p:spPr>
+          <a:xfrm>
+            <a:off x="6192000" y="288000"/>
+            <a:ext cx="2616840" cy="816480"/>
           </a:xfrm>
           <a:prstGeom prst="rect">
             <a:avLst/>
@@ -7032,7 +4777,7 @@
 </file>
 
 <file path=ppt/slides/slide11.xml><?xml version="1.0" encoding="utf-8"?>
-<p:sld xmlns:a="http://schemas.openxmlformats.org/drawingml/2006/main" xmlns:p="http://schemas.openxmlformats.org/presentationml/2006/main" xmlns:r="http://schemas.openxmlformats.org/officeDocument/2006/relationships" xmlns:p14="http://schemas.microsoft.com/office/powerpoint/2010/main" xmlns:p15="http://schemas.microsoft.com/office/powerpoint/2012/main" xmlns:mc="http://schemas.openxmlformats.org/markup-compatibility/2006">
+<p:sld xmlns:a="http://schemas.openxmlformats.org/drawingml/2006/main" xmlns:p="http://schemas.openxmlformats.org/presentationml/2006/main" xmlns:r="http://schemas.openxmlformats.org/officeDocument/2006/relationships">
   <p:cSld>
     <p:spTree>
       <p:nvGrpSpPr>
@@ -7050,18 +4795,20 @@
       </p:grpSpPr>
       <p:pic>
         <p:nvPicPr>
-          <p:cNvPr id="130" name="" descr=""/>
+          <p:cNvPr id="131" name="" descr=""/>
           <p:cNvPicPr/>
           <p:nvPr/>
         </p:nvPicPr>
         <p:blipFill>
           <a:blip r:embed="rId1"/>
-          <a:stretch/>
+          <a:stretch>
+            <a:fillRect/>
+          </a:stretch>
         </p:blipFill>
         <p:spPr>
           <a:xfrm>
-            <a:off x="144000" y="1223640"/>
-            <a:ext cx="8855280" cy="4549680"/>
+            <a:off x="1419480" y="1400400"/>
+            <a:ext cx="6411960" cy="4105440"/>
           </a:xfrm>
           <a:prstGeom prst="rect">
             <a:avLst/>
@@ -7073,14 +4820,14 @@
       </p:pic>
       <p:sp>
         <p:nvSpPr>
-          <p:cNvPr id="131" name="CustomShape 1"/>
+          <p:cNvPr id="132" name="CustomShape 1"/>
           <p:cNvSpPr/>
           <p:nvPr/>
         </p:nvSpPr>
         <p:spPr>
           <a:xfrm>
-            <a:off x="16560" y="337320"/>
-            <a:ext cx="9141840" cy="1139760"/>
+            <a:off x="31680" y="291240"/>
+            <a:ext cx="9141480" cy="1139400"/>
           </a:xfrm>
           <a:prstGeom prst="rect">
             <a:avLst/>
@@ -7090,12 +4837,6 @@
             <a:noFill/>
           </a:ln>
         </p:spPr>
-        <p:style>
-          <a:lnRef idx="0"/>
-          <a:fillRef idx="0"/>
-          <a:effectRef idx="0"/>
-          <a:fontRef idx="minor"/>
-        </p:style>
         <p:txBody>
           <a:bodyPr lIns="90000" rIns="90000" tIns="45000" bIns="45000" anchor="ctr"/>
           <a:p>
@@ -7105,31 +4846,16 @@
               </a:lnSpc>
             </a:pPr>
             <a:r>
-              <a:rPr b="0" lang="en-US" sz="3600" spc="-1" strike="noStrike">
+              <a:rPr lang="ru-RU" sz="3600">
                 <a:solidFill>
                   <a:srgbClr val="000000"/>
                 </a:solidFill>
-                <a:uFill>
-                  <a:solidFill>
-                    <a:srgbClr val="ffffff"/>
-                  </a:solidFill>
-                </a:uFill>
                 <a:latin typeface="Times New Roman"/>
                 <a:ea typeface="DejaVu Sans"/>
               </a:rPr>
-              <a:t>Интерфейс администратора</a:t>
+              <a:t>Пример письма с заказом</a:t>
             </a:r>
-            <a:endParaRPr b="0" lang="en-US" sz="3600" spc="-1" strike="noStrike">
-              <a:solidFill>
-                <a:srgbClr val="000000"/>
-              </a:solidFill>
-              <a:uFill>
-                <a:solidFill>
-                  <a:srgbClr val="ffffff"/>
-                </a:solidFill>
-              </a:uFill>
-              <a:latin typeface="Arial"/>
-            </a:endParaRPr>
+            <a:endParaRPr/>
           </a:p>
         </p:txBody>
       </p:sp>
@@ -7166,7 +4892,7 @@
 </file>
 
 <file path=ppt/slides/slide12.xml><?xml version="1.0" encoding="utf-8"?>
-<p:sld xmlns:a="http://schemas.openxmlformats.org/drawingml/2006/main" xmlns:p="http://schemas.openxmlformats.org/presentationml/2006/main" xmlns:r="http://schemas.openxmlformats.org/officeDocument/2006/relationships" xmlns:p14="http://schemas.microsoft.com/office/powerpoint/2010/main" xmlns:p15="http://schemas.microsoft.com/office/powerpoint/2012/main" xmlns:mc="http://schemas.openxmlformats.org/markup-compatibility/2006">
+<p:sld xmlns:a="http://schemas.openxmlformats.org/drawingml/2006/main" xmlns:p="http://schemas.openxmlformats.org/presentationml/2006/main" xmlns:r="http://schemas.openxmlformats.org/officeDocument/2006/relationships">
   <p:cSld>
     <p:spTree>
       <p:nvGrpSpPr>
@@ -7182,29 +4908,130 @@
           <a:chExt cx="0" cy="0"/>
         </a:xfrm>
       </p:grpSpPr>
-      <p:pic>
-        <p:nvPicPr>
-          <p:cNvPr id="132" name="" descr=""/>
-          <p:cNvPicPr/>
+      <p:sp>
+        <p:nvSpPr>
+          <p:cNvPr id="133" name="CustomShape 1"/>
+          <p:cNvSpPr/>
           <p:nvPr/>
-        </p:nvPicPr>
-        <p:blipFill>
-          <a:blip r:embed="rId1"/>
-          <a:stretch/>
-        </p:blipFill>
-        <p:spPr>
-          <a:xfrm>
-            <a:off x="1271520" y="36000"/>
-            <a:ext cx="6600600" cy="6783840"/>
-          </a:xfrm>
-          <a:prstGeom prst="rect">
-            <a:avLst/>
-          </a:prstGeom>
+        </p:nvSpPr>
+        <p:spPr>
+          <a:xfrm>
+            <a:off x="40320" y="354960"/>
+            <a:ext cx="9141480" cy="1139400"/>
+          </a:xfrm>
+          <a:prstGeom prst="rect">
+            <a:avLst/>
+          </a:prstGeom>
+          <a:noFill/>
           <a:ln>
             <a:noFill/>
           </a:ln>
         </p:spPr>
-      </p:pic>
+        <p:txBody>
+          <a:bodyPr lIns="90000" rIns="90000" tIns="45000" bIns="45000" anchor="ctr"/>
+          <a:p>
+            <a:pPr algn="ctr">
+              <a:lnSpc>
+                <a:spcPct val="100000"/>
+              </a:lnSpc>
+            </a:pPr>
+            <a:r>
+              <a:rPr lang="ru-RU" sz="3600">
+                <a:solidFill>
+                  <a:srgbClr val="000000"/>
+                </a:solidFill>
+                <a:latin typeface="Times New Roman"/>
+                <a:ea typeface="DejaVu Sans"/>
+              </a:rPr>
+              <a:t>Итоги работы</a:t>
+            </a:r>
+            <a:endParaRPr/>
+          </a:p>
+        </p:txBody>
+      </p:sp>
+      <p:sp>
+        <p:nvSpPr>
+          <p:cNvPr id="134" name="CustomShape 2"/>
+          <p:cNvSpPr/>
+          <p:nvPr/>
+        </p:nvSpPr>
+        <p:spPr>
+          <a:xfrm>
+            <a:off x="40320" y="1230840"/>
+            <a:ext cx="9103320" cy="3615120"/>
+          </a:xfrm>
+          <a:prstGeom prst="rect">
+            <a:avLst/>
+          </a:prstGeom>
+          <a:noFill/>
+          <a:ln>
+            <a:noFill/>
+          </a:ln>
+        </p:spPr>
+        <p:txBody>
+          <a:bodyPr lIns="90000" rIns="90000" tIns="45000" bIns="45000"/>
+          <a:p>
+            <a:r>
+              <a:rPr lang="ru-RU" sz="2800">
+                <a:solidFill>
+                  <a:srgbClr val="000000"/>
+                </a:solidFill>
+                <a:latin typeface="Times New Roman"/>
+              </a:rPr>
+              <a:t>- Разработал web-интерфейс интернет-магазина</a:t>
+            </a:r>
+            <a:endParaRPr/>
+          </a:p>
+          <a:p>
+            <a:r>
+              <a:rPr lang="ru-RU" sz="2800">
+                <a:solidFill>
+                  <a:srgbClr val="000000"/>
+                </a:solidFill>
+                <a:latin typeface="Times New Roman"/>
+              </a:rPr>
+              <a:t>- Изучил особенности принципы построения Интернет-магазинов;</a:t>
+            </a:r>
+            <a:endParaRPr/>
+          </a:p>
+          <a:p>
+            <a:r>
+              <a:rPr lang="ru-RU" sz="2800">
+                <a:solidFill>
+                  <a:srgbClr val="000000"/>
+                </a:solidFill>
+                <a:latin typeface="Times New Roman"/>
+              </a:rPr>
+              <a:t>- Проанализировал рынок существующих электронных площадок;</a:t>
+            </a:r>
+            <a:endParaRPr/>
+          </a:p>
+          <a:p>
+            <a:r>
+              <a:rPr lang="ru-RU" sz="2800">
+                <a:solidFill>
+                  <a:srgbClr val="000000"/>
+                </a:solidFill>
+                <a:latin typeface="Times New Roman"/>
+              </a:rPr>
+              <a:t>- Выявил наиболее подходящие технологии и инструменты для создания своего интернет-магазина;</a:t>
+            </a:r>
+            <a:endParaRPr/>
+          </a:p>
+          <a:p>
+            <a:r>
+              <a:rPr lang="ru-RU" sz="2800">
+                <a:solidFill>
+                  <a:srgbClr val="000000"/>
+                </a:solidFill>
+                <a:latin typeface="Times New Roman"/>
+              </a:rPr>
+              <a:t>- Получил общее представление о работе и интеграции платёжных систем.</a:t>
+            </a:r>
+            <a:endParaRPr/>
+          </a:p>
+        </p:txBody>
+      </p:sp>
     </p:spTree>
   </p:cSld>
   <p:timing>
@@ -7237,8 +5064,8 @@
 </p:sld>
 </file>
 
-<file path=ppt/slides/slide13.xml><?xml version="1.0" encoding="utf-8"?>
-<p:sld xmlns:a="http://schemas.openxmlformats.org/drawingml/2006/main" xmlns:p="http://schemas.openxmlformats.org/presentationml/2006/main" xmlns:r="http://schemas.openxmlformats.org/officeDocument/2006/relationships" xmlns:p14="http://schemas.microsoft.com/office/powerpoint/2010/main" xmlns:p15="http://schemas.microsoft.com/office/powerpoint/2012/main" xmlns:mc="http://schemas.openxmlformats.org/markup-compatibility/2006">
+<file path=ppt/slides/slide2.xml><?xml version="1.0" encoding="utf-8"?>
+<p:sld xmlns:a="http://schemas.openxmlformats.org/drawingml/2006/main" xmlns:p="http://schemas.openxmlformats.org/presentationml/2006/main" xmlns:r="http://schemas.openxmlformats.org/officeDocument/2006/relationships">
   <p:cSld>
     <p:spTree>
       <p:nvGrpSpPr>
@@ -7254,184 +5081,16 @@
           <a:chExt cx="0" cy="0"/>
         </a:xfrm>
       </p:grpSpPr>
-      <p:pic>
-        <p:nvPicPr>
-          <p:cNvPr id="133" name="Содержимое 3" descr=""/>
-          <p:cNvPicPr/>
-          <p:nvPr/>
-        </p:nvPicPr>
-        <p:blipFill>
-          <a:blip r:embed="rId1">
-            <a:lum contrast="20000"/>
-          </a:blip>
-          <a:srcRect l="31836" t="-2385898" r="-10434" b="-1972729"/>
-          <a:stretch/>
-        </p:blipFill>
-        <p:spPr>
-          <a:xfrm>
-            <a:off x="1386720" y="1600200"/>
-            <a:ext cx="6367680" cy="4522680"/>
-          </a:xfrm>
-          <a:prstGeom prst="rect">
-            <a:avLst/>
-          </a:prstGeom>
-          <a:ln>
-            <a:noFill/>
-          </a:ln>
-        </p:spPr>
-      </p:pic>
-      <p:pic>
-        <p:nvPicPr>
-          <p:cNvPr id="134" name="" descr=""/>
-          <p:cNvPicPr/>
-          <p:nvPr/>
-        </p:nvPicPr>
-        <p:blipFill>
-          <a:blip r:embed="rId2"/>
-          <a:stretch/>
-        </p:blipFill>
-        <p:spPr>
-          <a:xfrm>
-            <a:off x="5256000" y="3596400"/>
-            <a:ext cx="2864880" cy="2521800"/>
-          </a:xfrm>
-          <a:prstGeom prst="rect">
-            <a:avLst/>
-          </a:prstGeom>
-          <a:ln>
-            <a:noFill/>
-          </a:ln>
-        </p:spPr>
-      </p:pic>
-      <p:pic>
-        <p:nvPicPr>
-          <p:cNvPr id="135" name="" descr=""/>
-          <p:cNvPicPr/>
-          <p:nvPr/>
-        </p:nvPicPr>
-        <p:blipFill>
-          <a:blip r:embed="rId3"/>
-          <a:stretch/>
-        </p:blipFill>
-        <p:spPr>
-          <a:xfrm>
-            <a:off x="307800" y="154440"/>
-            <a:ext cx="5162400" cy="3488400"/>
-          </a:xfrm>
-          <a:prstGeom prst="rect">
-            <a:avLst/>
-          </a:prstGeom>
-          <a:ln>
-            <a:noFill/>
-          </a:ln>
-        </p:spPr>
-      </p:pic>
-    </p:spTree>
-  </p:cSld>
-  <p:timing>
-    <p:tnLst>
-      <p:par>
-        <p:cTn id="25" dur="indefinite" restart="never" nodeType="tmRoot">
-          <p:childTnLst>
-            <p:seq>
-              <p:cTn id="26" nodeType="mainSeq"/>
-              <p:prevCondLst>
-                <p:cond delay="0" evt="onPrev">
-                  <p:tgtEl>
-                    <p:sldTgt/>
-                  </p:tgtEl>
-                </p:cond>
-              </p:prevCondLst>
-              <p:nextCondLst>
-                <p:cond delay="0" evt="onNext">
-                  <p:tgtEl>
-                    <p:sldTgt/>
-                  </p:tgtEl>
-                </p:cond>
-              </p:nextCondLst>
-            </p:seq>
-          </p:childTnLst>
-        </p:cTn>
-      </p:par>
-    </p:tnLst>
-  </p:timing>
-</p:sld>
-</file>
-
-<file path=ppt/slides/slide14.xml><?xml version="1.0" encoding="utf-8"?>
-<p:sld xmlns:a="http://schemas.openxmlformats.org/drawingml/2006/main" xmlns:p="http://schemas.openxmlformats.org/presentationml/2006/main" xmlns:r="http://schemas.openxmlformats.org/officeDocument/2006/relationships" xmlns:p14="http://schemas.microsoft.com/office/powerpoint/2010/main" xmlns:p15="http://schemas.microsoft.com/office/powerpoint/2012/main" xmlns:mc="http://schemas.openxmlformats.org/markup-compatibility/2006">
-  <p:cSld>
-    <p:spTree>
-      <p:nvGrpSpPr>
-        <p:cNvPr id="1" name=""/>
-        <p:cNvGrpSpPr/>
-        <p:nvPr/>
-      </p:nvGrpSpPr>
-      <p:grpSpPr>
-        <a:xfrm>
-          <a:off x="0" y="0"/>
-          <a:ext cx="0" cy="0"/>
-          <a:chOff x="0" y="0"/>
-          <a:chExt cx="0" cy="0"/>
-        </a:xfrm>
-      </p:grpSpPr>
-      <p:pic>
-        <p:nvPicPr>
-          <p:cNvPr id="136" name="Содержимое 3" descr=""/>
-          <p:cNvPicPr/>
-          <p:nvPr/>
-        </p:nvPicPr>
-        <p:blipFill>
-          <a:blip r:embed="rId1"/>
-          <a:srcRect l="495524" t="491139" r="-674136" b="-683278"/>
-          <a:stretch/>
-        </p:blipFill>
-        <p:spPr>
-          <a:xfrm>
-            <a:off x="1143000" y="928800"/>
-            <a:ext cx="7068960" cy="5666760"/>
-          </a:xfrm>
-          <a:prstGeom prst="rect">
-            <a:avLst/>
-          </a:prstGeom>
-          <a:ln>
-            <a:noFill/>
-          </a:ln>
-        </p:spPr>
-      </p:pic>
-      <p:pic>
-        <p:nvPicPr>
-          <p:cNvPr id="137" name="" descr=""/>
-          <p:cNvPicPr/>
-          <p:nvPr/>
-        </p:nvPicPr>
-        <p:blipFill>
-          <a:blip r:embed="rId2"/>
-          <a:stretch/>
-        </p:blipFill>
-        <p:spPr>
-          <a:xfrm>
-            <a:off x="0" y="1215000"/>
-            <a:ext cx="9141840" cy="4425840"/>
-          </a:xfrm>
-          <a:prstGeom prst="rect">
-            <a:avLst/>
-          </a:prstGeom>
-          <a:ln>
-            <a:noFill/>
-          </a:ln>
-        </p:spPr>
-      </p:pic>
-      <p:sp>
-        <p:nvSpPr>
-          <p:cNvPr id="138" name="CustomShape 1"/>
+      <p:sp>
+        <p:nvSpPr>
+          <p:cNvPr id="109" name="CustomShape 1"/>
           <p:cNvSpPr/>
           <p:nvPr/>
         </p:nvSpPr>
         <p:spPr>
           <a:xfrm>
-            <a:off x="40320" y="354960"/>
-            <a:ext cx="9141840" cy="1139760"/>
+            <a:off x="266760" y="648000"/>
+            <a:ext cx="8226000" cy="4522320"/>
           </a:xfrm>
           <a:prstGeom prst="rect">
             <a:avLst/>
@@ -7441,775 +5100,27 @@
             <a:noFill/>
           </a:ln>
         </p:spPr>
-        <p:style>
-          <a:lnRef idx="0"/>
-          <a:fillRef idx="0"/>
-          <a:effectRef idx="0"/>
-          <a:fontRef idx="minor"/>
-        </p:style>
-        <p:txBody>
-          <a:bodyPr lIns="90000" rIns="90000" tIns="45000" bIns="45000" anchor="ctr"/>
-          <a:p>
-            <a:pPr algn="ctr">
+        <p:txBody>
+          <a:bodyPr lIns="90000" rIns="90000" tIns="45000" bIns="45000"/>
+          <a:p>
+            <a:pPr>
               <a:lnSpc>
                 <a:spcPct val="100000"/>
               </a:lnSpc>
-            </a:pPr>
-            <a:r>
-              <a:rPr b="0" lang="en-US" sz="3600" spc="-1" strike="noStrike">
-                <a:solidFill>
-                  <a:srgbClr val="000000"/>
-                </a:solidFill>
-                <a:uFill>
-                  <a:solidFill>
-                    <a:srgbClr val="ffffff"/>
-                  </a:solidFill>
-                </a:uFill>
-                <a:latin typeface="Times New Roman"/>
-                <a:ea typeface="DejaVu Sans"/>
-              </a:rPr>
-              <a:t>Страница с описанием товара</a:t>
-            </a:r>
-            <a:endParaRPr b="0" lang="en-US" sz="3600" spc="-1" strike="noStrike">
-              <a:solidFill>
-                <a:srgbClr val="000000"/>
-              </a:solidFill>
-              <a:uFill>
-                <a:solidFill>
-                  <a:srgbClr val="ffffff"/>
-                </a:solidFill>
-              </a:uFill>
-              <a:latin typeface="Arial"/>
-            </a:endParaRPr>
-          </a:p>
-        </p:txBody>
-      </p:sp>
-    </p:spTree>
-  </p:cSld>
-  <p:timing>
-    <p:tnLst>
-      <p:par>
-        <p:cTn id="27" dur="indefinite" restart="never" nodeType="tmRoot">
-          <p:childTnLst>
-            <p:seq>
-              <p:cTn id="28" nodeType="mainSeq"/>
-              <p:prevCondLst>
-                <p:cond delay="0" evt="onPrev">
-                  <p:tgtEl>
-                    <p:sldTgt/>
-                  </p:tgtEl>
-                </p:cond>
-              </p:prevCondLst>
-              <p:nextCondLst>
-                <p:cond delay="0" evt="onNext">
-                  <p:tgtEl>
-                    <p:sldTgt/>
-                  </p:tgtEl>
-                </p:cond>
-              </p:nextCondLst>
-            </p:seq>
-          </p:childTnLst>
-        </p:cTn>
-      </p:par>
-    </p:tnLst>
-  </p:timing>
-</p:sld>
-</file>
-
-<file path=ppt/slides/slide15.xml><?xml version="1.0" encoding="utf-8"?>
-<p:sld xmlns:a="http://schemas.openxmlformats.org/drawingml/2006/main" xmlns:p="http://schemas.openxmlformats.org/presentationml/2006/main" xmlns:r="http://schemas.openxmlformats.org/officeDocument/2006/relationships" xmlns:p14="http://schemas.microsoft.com/office/powerpoint/2010/main" xmlns:p15="http://schemas.microsoft.com/office/powerpoint/2012/main" xmlns:mc="http://schemas.openxmlformats.org/markup-compatibility/2006">
-  <p:cSld>
-    <p:spTree>
-      <p:nvGrpSpPr>
-        <p:cNvPr id="1" name=""/>
-        <p:cNvGrpSpPr/>
-        <p:nvPr/>
-      </p:nvGrpSpPr>
-      <p:grpSpPr>
-        <a:xfrm>
-          <a:off x="0" y="0"/>
-          <a:ext cx="0" cy="0"/>
-          <a:chOff x="0" y="0"/>
-          <a:chExt cx="0" cy="0"/>
-        </a:xfrm>
-      </p:grpSpPr>
-      <p:pic>
-        <p:nvPicPr>
-          <p:cNvPr id="139" name="" descr=""/>
-          <p:cNvPicPr/>
-          <p:nvPr/>
-        </p:nvPicPr>
-        <p:blipFill>
-          <a:blip r:embed="rId1"/>
-          <a:stretch/>
-        </p:blipFill>
-        <p:spPr>
-          <a:xfrm>
-            <a:off x="180000" y="247680"/>
-            <a:ext cx="8857440" cy="6302520"/>
-          </a:xfrm>
-          <a:prstGeom prst="rect">
-            <a:avLst/>
-          </a:prstGeom>
-          <a:ln>
-            <a:noFill/>
-          </a:ln>
-        </p:spPr>
-      </p:pic>
-    </p:spTree>
-  </p:cSld>
-  <p:timing>
-    <p:tnLst>
-      <p:par>
-        <p:cTn id="29" dur="indefinite" restart="never" nodeType="tmRoot">
-          <p:childTnLst>
-            <p:seq>
-              <p:cTn id="30" nodeType="mainSeq"/>
-              <p:prevCondLst>
-                <p:cond delay="0" evt="onPrev">
-                  <p:tgtEl>
-                    <p:sldTgt/>
-                  </p:tgtEl>
-                </p:cond>
-              </p:prevCondLst>
-              <p:nextCondLst>
-                <p:cond delay="0" evt="onNext">
-                  <p:tgtEl>
-                    <p:sldTgt/>
-                  </p:tgtEl>
-                </p:cond>
-              </p:nextCondLst>
-            </p:seq>
-          </p:childTnLst>
-        </p:cTn>
-      </p:par>
-    </p:tnLst>
-  </p:timing>
-</p:sld>
-</file>
-
-<file path=ppt/slides/slide16.xml><?xml version="1.0" encoding="utf-8"?>
-<p:sld xmlns:a="http://schemas.openxmlformats.org/drawingml/2006/main" xmlns:p="http://schemas.openxmlformats.org/presentationml/2006/main" xmlns:r="http://schemas.openxmlformats.org/officeDocument/2006/relationships" xmlns:p14="http://schemas.microsoft.com/office/powerpoint/2010/main" xmlns:p15="http://schemas.microsoft.com/office/powerpoint/2012/main" xmlns:mc="http://schemas.openxmlformats.org/markup-compatibility/2006">
-  <p:cSld>
-    <p:spTree>
-      <p:nvGrpSpPr>
-        <p:cNvPr id="1" name=""/>
-        <p:cNvGrpSpPr/>
-        <p:nvPr/>
-      </p:nvGrpSpPr>
-      <p:grpSpPr>
-        <a:xfrm>
-          <a:off x="0" y="0"/>
-          <a:ext cx="0" cy="0"/>
-          <a:chOff x="0" y="0"/>
-          <a:chExt cx="0" cy="0"/>
-        </a:xfrm>
-      </p:grpSpPr>
-      <p:pic>
-        <p:nvPicPr>
-          <p:cNvPr id="140" name="Содержимое 3" descr=""/>
-          <p:cNvPicPr/>
-          <p:nvPr/>
-        </p:nvPicPr>
-        <p:blipFill>
-          <a:blip r:embed="rId1"/>
-          <a:srcRect l="-741110" t="1310272" r="228597" b="-1841305"/>
-          <a:stretch/>
-        </p:blipFill>
-        <p:spPr>
-          <a:xfrm>
-            <a:off x="1000080" y="1285920"/>
-            <a:ext cx="7283520" cy="5283360"/>
-          </a:xfrm>
-          <a:prstGeom prst="rect">
-            <a:avLst/>
-          </a:prstGeom>
-          <a:ln>
-            <a:noFill/>
-          </a:ln>
-        </p:spPr>
-      </p:pic>
-      <p:pic>
-        <p:nvPicPr>
-          <p:cNvPr id="141" name="" descr=""/>
-          <p:cNvPicPr/>
-          <p:nvPr/>
-        </p:nvPicPr>
-        <p:blipFill>
-          <a:blip r:embed="rId2"/>
-          <a:stretch/>
-        </p:blipFill>
-        <p:spPr>
-          <a:xfrm>
-            <a:off x="144000" y="222120"/>
-            <a:ext cx="4379400" cy="1360080"/>
-          </a:xfrm>
-          <a:prstGeom prst="rect">
-            <a:avLst/>
-          </a:prstGeom>
-          <a:ln>
-            <a:noFill/>
-          </a:ln>
-        </p:spPr>
-      </p:pic>
-      <p:pic>
-        <p:nvPicPr>
-          <p:cNvPr id="142" name="" descr=""/>
-          <p:cNvPicPr/>
-          <p:nvPr/>
-        </p:nvPicPr>
-        <p:blipFill>
-          <a:blip r:embed="rId3"/>
-          <a:stretch/>
-        </p:blipFill>
-        <p:spPr>
-          <a:xfrm>
-            <a:off x="288000" y="1285920"/>
-            <a:ext cx="3877920" cy="5120280"/>
-          </a:xfrm>
-          <a:prstGeom prst="rect">
-            <a:avLst/>
-          </a:prstGeom>
-          <a:ln>
-            <a:noFill/>
-          </a:ln>
-        </p:spPr>
-      </p:pic>
-      <p:pic>
-        <p:nvPicPr>
-          <p:cNvPr id="143" name="" descr=""/>
-          <p:cNvPicPr/>
-          <p:nvPr/>
-        </p:nvPicPr>
-        <p:blipFill>
-          <a:blip r:embed="rId4"/>
-          <a:stretch/>
-        </p:blipFill>
-        <p:spPr>
-          <a:xfrm>
-            <a:off x="4572000" y="1285920"/>
-            <a:ext cx="4284000" cy="5065200"/>
-          </a:xfrm>
-          <a:prstGeom prst="rect">
-            <a:avLst/>
-          </a:prstGeom>
-          <a:ln>
-            <a:noFill/>
-          </a:ln>
-        </p:spPr>
-      </p:pic>
-      <p:pic>
-        <p:nvPicPr>
-          <p:cNvPr id="144" name="" descr=""/>
-          <p:cNvPicPr/>
-          <p:nvPr/>
-        </p:nvPicPr>
-        <p:blipFill>
-          <a:blip r:embed="rId5"/>
-          <a:stretch/>
-        </p:blipFill>
-        <p:spPr>
-          <a:xfrm>
-            <a:off x="6192000" y="288000"/>
-            <a:ext cx="2617200" cy="816840"/>
-          </a:xfrm>
-          <a:prstGeom prst="rect">
-            <a:avLst/>
-          </a:prstGeom>
-          <a:ln>
-            <a:noFill/>
-          </a:ln>
-        </p:spPr>
-      </p:pic>
-    </p:spTree>
-  </p:cSld>
-  <p:timing>
-    <p:tnLst>
-      <p:par>
-        <p:cTn id="31" dur="indefinite" restart="never" nodeType="tmRoot">
-          <p:childTnLst>
-            <p:seq>
-              <p:cTn id="32" nodeType="mainSeq"/>
-              <p:prevCondLst>
-                <p:cond delay="0" evt="onPrev">
-                  <p:tgtEl>
-                    <p:sldTgt/>
-                  </p:tgtEl>
-                </p:cond>
-              </p:prevCondLst>
-              <p:nextCondLst>
-                <p:cond delay="0" evt="onNext">
-                  <p:tgtEl>
-                    <p:sldTgt/>
-                  </p:tgtEl>
-                </p:cond>
-              </p:nextCondLst>
-            </p:seq>
-          </p:childTnLst>
-        </p:cTn>
-      </p:par>
-    </p:tnLst>
-  </p:timing>
-</p:sld>
-</file>
-
-<file path=ppt/slides/slide17.xml><?xml version="1.0" encoding="utf-8"?>
-<p:sld xmlns:a="http://schemas.openxmlformats.org/drawingml/2006/main" xmlns:p="http://schemas.openxmlformats.org/presentationml/2006/main" xmlns:r="http://schemas.openxmlformats.org/officeDocument/2006/relationships" xmlns:p14="http://schemas.microsoft.com/office/powerpoint/2010/main" xmlns:p15="http://schemas.microsoft.com/office/powerpoint/2012/main" xmlns:mc="http://schemas.openxmlformats.org/markup-compatibility/2006">
-  <p:cSld>
-    <p:spTree>
-      <p:nvGrpSpPr>
-        <p:cNvPr id="1" name=""/>
-        <p:cNvGrpSpPr/>
-        <p:nvPr/>
-      </p:nvGrpSpPr>
-      <p:grpSpPr>
-        <a:xfrm>
-          <a:off x="0" y="0"/>
-          <a:ext cx="0" cy="0"/>
-          <a:chOff x="0" y="0"/>
-          <a:chExt cx="0" cy="0"/>
-        </a:xfrm>
-      </p:grpSpPr>
-      <p:pic>
-        <p:nvPicPr>
-          <p:cNvPr id="145" name="" descr=""/>
-          <p:cNvPicPr/>
-          <p:nvPr/>
-        </p:nvPicPr>
-        <p:blipFill>
-          <a:blip r:embed="rId1"/>
-          <a:stretch/>
-        </p:blipFill>
-        <p:spPr>
-          <a:xfrm>
-            <a:off x="1419480" y="1400400"/>
-            <a:ext cx="6412320" cy="4105800"/>
-          </a:xfrm>
-          <a:prstGeom prst="rect">
-            <a:avLst/>
-          </a:prstGeom>
-          <a:ln>
-            <a:noFill/>
-          </a:ln>
-        </p:spPr>
-      </p:pic>
-      <p:sp>
-        <p:nvSpPr>
-          <p:cNvPr id="146" name="CustomShape 1"/>
-          <p:cNvSpPr/>
-          <p:nvPr/>
-        </p:nvSpPr>
-        <p:spPr>
-          <a:xfrm>
-            <a:off x="31680" y="291240"/>
-            <a:ext cx="9141840" cy="1139760"/>
-          </a:xfrm>
-          <a:prstGeom prst="rect">
-            <a:avLst/>
-          </a:prstGeom>
-          <a:noFill/>
-          <a:ln>
-            <a:noFill/>
-          </a:ln>
-        </p:spPr>
-        <p:style>
-          <a:lnRef idx="0"/>
-          <a:fillRef idx="0"/>
-          <a:effectRef idx="0"/>
-          <a:fontRef idx="minor"/>
-        </p:style>
-        <p:txBody>
-          <a:bodyPr lIns="90000" rIns="90000" tIns="45000" bIns="45000" anchor="ctr"/>
-          <a:p>
-            <a:pPr algn="ctr">
-              <a:lnSpc>
-                <a:spcPct val="100000"/>
-              </a:lnSpc>
-            </a:pPr>
-            <a:r>
-              <a:rPr b="0" lang="en-US" sz="3600" spc="-1" strike="noStrike">
-                <a:solidFill>
-                  <a:srgbClr val="000000"/>
-                </a:solidFill>
-                <a:uFill>
-                  <a:solidFill>
-                    <a:srgbClr val="ffffff"/>
-                  </a:solidFill>
-                </a:uFill>
-                <a:latin typeface="Times New Roman"/>
-                <a:ea typeface="DejaVu Sans"/>
-              </a:rPr>
-              <a:t>Пример письма с заказом</a:t>
-            </a:r>
-            <a:endParaRPr b="0" lang="en-US" sz="3600" spc="-1" strike="noStrike">
-              <a:solidFill>
-                <a:srgbClr val="000000"/>
-              </a:solidFill>
-              <a:uFill>
-                <a:solidFill>
-                  <a:srgbClr val="ffffff"/>
-                </a:solidFill>
-              </a:uFill>
-              <a:latin typeface="Arial"/>
-            </a:endParaRPr>
-          </a:p>
-        </p:txBody>
-      </p:sp>
-    </p:spTree>
-  </p:cSld>
-  <p:timing>
-    <p:tnLst>
-      <p:par>
-        <p:cTn id="33" dur="indefinite" restart="never" nodeType="tmRoot">
-          <p:childTnLst>
-            <p:seq>
-              <p:cTn id="34" nodeType="mainSeq"/>
-              <p:prevCondLst>
-                <p:cond delay="0" evt="onPrev">
-                  <p:tgtEl>
-                    <p:sldTgt/>
-                  </p:tgtEl>
-                </p:cond>
-              </p:prevCondLst>
-              <p:nextCondLst>
-                <p:cond delay="0" evt="onNext">
-                  <p:tgtEl>
-                    <p:sldTgt/>
-                  </p:tgtEl>
-                </p:cond>
-              </p:nextCondLst>
-            </p:seq>
-          </p:childTnLst>
-        </p:cTn>
-      </p:par>
-    </p:tnLst>
-  </p:timing>
-</p:sld>
-</file>
-
-<file path=ppt/slides/slide18.xml><?xml version="1.0" encoding="utf-8"?>
-<p:sld xmlns:a="http://schemas.openxmlformats.org/drawingml/2006/main" xmlns:p="http://schemas.openxmlformats.org/presentationml/2006/main" xmlns:r="http://schemas.openxmlformats.org/officeDocument/2006/relationships" xmlns:p14="http://schemas.microsoft.com/office/powerpoint/2010/main" xmlns:p15="http://schemas.microsoft.com/office/powerpoint/2012/main" xmlns:mc="http://schemas.openxmlformats.org/markup-compatibility/2006">
-  <p:cSld>
-    <p:spTree>
-      <p:nvGrpSpPr>
-        <p:cNvPr id="1" name=""/>
-        <p:cNvGrpSpPr/>
-        <p:nvPr/>
-      </p:nvGrpSpPr>
-      <p:grpSpPr>
-        <a:xfrm>
-          <a:off x="0" y="0"/>
-          <a:ext cx="0" cy="0"/>
-          <a:chOff x="0" y="0"/>
-          <a:chExt cx="0" cy="0"/>
-        </a:xfrm>
-      </p:grpSpPr>
-      <p:sp>
-        <p:nvSpPr>
-          <p:cNvPr id="147" name="CustomShape 1"/>
-          <p:cNvSpPr/>
-          <p:nvPr/>
-        </p:nvSpPr>
-        <p:spPr>
-          <a:xfrm>
-            <a:off x="40320" y="354960"/>
-            <a:ext cx="9141840" cy="1139760"/>
-          </a:xfrm>
-          <a:prstGeom prst="rect">
-            <a:avLst/>
-          </a:prstGeom>
-          <a:noFill/>
-          <a:ln>
-            <a:noFill/>
-          </a:ln>
-        </p:spPr>
-        <p:style>
-          <a:lnRef idx="0"/>
-          <a:fillRef idx="0"/>
-          <a:effectRef idx="0"/>
-          <a:fontRef idx="minor"/>
-        </p:style>
-        <p:txBody>
-          <a:bodyPr lIns="90000" rIns="90000" tIns="45000" bIns="45000" anchor="ctr"/>
-          <a:p>
-            <a:pPr algn="ctr">
-              <a:lnSpc>
-                <a:spcPct val="100000"/>
-              </a:lnSpc>
-            </a:pPr>
-            <a:r>
-              <a:rPr b="0" lang="en-US" sz="3600" spc="-1" strike="noStrike">
-                <a:solidFill>
-                  <a:srgbClr val="000000"/>
-                </a:solidFill>
-                <a:uFill>
-                  <a:solidFill>
-                    <a:srgbClr val="ffffff"/>
-                  </a:solidFill>
-                </a:uFill>
-                <a:latin typeface="Times New Roman"/>
-                <a:ea typeface="DejaVu Sans"/>
-              </a:rPr>
-              <a:t>Итоги работы</a:t>
-            </a:r>
-            <a:endParaRPr b="0" lang="en-US" sz="3600" spc="-1" strike="noStrike">
-              <a:solidFill>
-                <a:srgbClr val="000000"/>
-              </a:solidFill>
-              <a:uFill>
-                <a:solidFill>
-                  <a:srgbClr val="ffffff"/>
-                </a:solidFill>
-              </a:uFill>
-              <a:latin typeface="Arial"/>
-            </a:endParaRPr>
-          </a:p>
-        </p:txBody>
-      </p:sp>
-      <p:sp>
-        <p:nvSpPr>
-          <p:cNvPr id="148" name="TextShape 2"/>
-          <p:cNvSpPr txBox="1"/>
-          <p:nvPr/>
-        </p:nvSpPr>
-        <p:spPr>
-          <a:xfrm>
-            <a:off x="40320" y="1230840"/>
-            <a:ext cx="9103680" cy="3615480"/>
-          </a:xfrm>
-          <a:prstGeom prst="rect">
-            <a:avLst/>
-          </a:prstGeom>
-          <a:noFill/>
-          <a:ln>
-            <a:noFill/>
-          </a:ln>
-        </p:spPr>
-        <p:txBody>
-          <a:bodyPr lIns="90000" rIns="90000" tIns="45000" bIns="45000"/>
-          <a:p>
-            <a:r>
-              <a:rPr b="0" lang="en-US" sz="2800" spc="-1" strike="noStrike">
-                <a:solidFill>
-                  <a:srgbClr val="000000"/>
-                </a:solidFill>
-                <a:uFill>
-                  <a:solidFill>
-                    <a:srgbClr val="ffffff"/>
-                  </a:solidFill>
-                </a:uFill>
-                <a:latin typeface="Times New Roman"/>
-              </a:rPr>
-              <a:t>- Изучил особенности принципы построения Интернет-магазинов;</a:t>
-            </a:r>
-            <a:endParaRPr b="0" lang="en-US" sz="2800" spc="-1" strike="noStrike">
-              <a:solidFill>
-                <a:srgbClr val="000000"/>
-              </a:solidFill>
-              <a:uFill>
-                <a:solidFill>
-                  <a:srgbClr val="ffffff"/>
-                </a:solidFill>
-              </a:uFill>
-              <a:latin typeface="Times New Roman"/>
-            </a:endParaRPr>
-          </a:p>
-          <a:p>
-            <a:r>
-              <a:rPr b="0" lang="en-US" sz="2800" spc="-1" strike="noStrike">
-                <a:solidFill>
-                  <a:srgbClr val="000000"/>
-                </a:solidFill>
-                <a:uFill>
-                  <a:solidFill>
-                    <a:srgbClr val="ffffff"/>
-                  </a:solidFill>
-                </a:uFill>
-                <a:latin typeface="Times New Roman"/>
-              </a:rPr>
-              <a:t>- Проанализировал рынок существующих электронных площадок;</a:t>
-            </a:r>
-            <a:endParaRPr b="0" lang="en-US" sz="2800" spc="-1" strike="noStrike">
-              <a:solidFill>
-                <a:srgbClr val="000000"/>
-              </a:solidFill>
-              <a:uFill>
-                <a:solidFill>
-                  <a:srgbClr val="ffffff"/>
-                </a:solidFill>
-              </a:uFill>
-              <a:latin typeface="Times New Roman"/>
-            </a:endParaRPr>
-          </a:p>
-          <a:p>
-            <a:r>
-              <a:rPr b="0" lang="en-US" sz="2800" spc="-1" strike="noStrike">
-                <a:solidFill>
-                  <a:srgbClr val="000000"/>
-                </a:solidFill>
-                <a:uFill>
-                  <a:solidFill>
-                    <a:srgbClr val="ffffff"/>
-                  </a:solidFill>
-                </a:uFill>
-                <a:latin typeface="Times New Roman"/>
-              </a:rPr>
-              <a:t>- Выявил наиболее подходящие технологии и инструменты для создания своего интернет-магазина;</a:t>
-            </a:r>
-            <a:endParaRPr b="0" lang="en-US" sz="2800" spc="-1" strike="noStrike">
-              <a:solidFill>
-                <a:srgbClr val="000000"/>
-              </a:solidFill>
-              <a:uFill>
-                <a:solidFill>
-                  <a:srgbClr val="ffffff"/>
-                </a:solidFill>
-              </a:uFill>
-              <a:latin typeface="Times New Roman"/>
-            </a:endParaRPr>
-          </a:p>
-          <a:p>
-            <a:r>
-              <a:rPr b="0" lang="en-US" sz="2800" spc="-1" strike="noStrike">
-                <a:solidFill>
-                  <a:srgbClr val="000000"/>
-                </a:solidFill>
-                <a:uFill>
-                  <a:solidFill>
-                    <a:srgbClr val="ffffff"/>
-                  </a:solidFill>
-                </a:uFill>
-                <a:latin typeface="Times New Roman"/>
-              </a:rPr>
-              <a:t>- Получил общее представление о работе и интеграции платёжных систем.</a:t>
-            </a:r>
-            <a:endParaRPr b="0" lang="en-US" sz="2800" spc="-1" strike="noStrike">
-              <a:solidFill>
-                <a:srgbClr val="000000"/>
-              </a:solidFill>
-              <a:uFill>
-                <a:solidFill>
-                  <a:srgbClr val="ffffff"/>
-                </a:solidFill>
-              </a:uFill>
-              <a:latin typeface="Times New Roman"/>
-            </a:endParaRPr>
-          </a:p>
-        </p:txBody>
-      </p:sp>
-    </p:spTree>
-  </p:cSld>
-  <p:timing>
-    <p:tnLst>
-      <p:par>
-        <p:cTn id="35" dur="indefinite" restart="never" nodeType="tmRoot">
-          <p:childTnLst>
-            <p:seq>
-              <p:cTn id="36" nodeType="mainSeq"/>
-              <p:prevCondLst>
-                <p:cond delay="0" evt="onPrev">
-                  <p:tgtEl>
-                    <p:sldTgt/>
-                  </p:tgtEl>
-                </p:cond>
-              </p:prevCondLst>
-              <p:nextCondLst>
-                <p:cond delay="0" evt="onNext">
-                  <p:tgtEl>
-                    <p:sldTgt/>
-                  </p:tgtEl>
-                </p:cond>
-              </p:nextCondLst>
-            </p:seq>
-          </p:childTnLst>
-        </p:cTn>
-      </p:par>
-    </p:tnLst>
-  </p:timing>
-</p:sld>
-</file>
-
-<file path=ppt/slides/slide2.xml><?xml version="1.0" encoding="utf-8"?>
-<p:sld xmlns:a="http://schemas.openxmlformats.org/drawingml/2006/main" xmlns:p="http://schemas.openxmlformats.org/presentationml/2006/main" xmlns:r="http://schemas.openxmlformats.org/officeDocument/2006/relationships" xmlns:p14="http://schemas.microsoft.com/office/powerpoint/2010/main" xmlns:p15="http://schemas.microsoft.com/office/powerpoint/2012/main" xmlns:mc="http://schemas.openxmlformats.org/markup-compatibility/2006">
-  <p:cSld>
-    <p:spTree>
-      <p:nvGrpSpPr>
-        <p:cNvPr id="1" name=""/>
-        <p:cNvGrpSpPr/>
-        <p:nvPr/>
-      </p:nvGrpSpPr>
-      <p:grpSpPr>
-        <a:xfrm>
-          <a:off x="0" y="0"/>
-          <a:ext cx="0" cy="0"/>
-          <a:chOff x="0" y="0"/>
-          <a:chExt cx="0" cy="0"/>
-        </a:xfrm>
-      </p:grpSpPr>
-      <p:sp>
-        <p:nvSpPr>
-          <p:cNvPr id="115" name="CustomShape 1"/>
-          <p:cNvSpPr/>
-          <p:nvPr/>
-        </p:nvSpPr>
-        <p:spPr>
-          <a:xfrm>
-            <a:off x="266760" y="648000"/>
-            <a:ext cx="8226360" cy="4522680"/>
-          </a:xfrm>
-          <a:prstGeom prst="rect">
-            <a:avLst/>
-          </a:prstGeom>
-          <a:noFill/>
-          <a:ln>
-            <a:noFill/>
-          </a:ln>
-        </p:spPr>
-        <p:style>
-          <a:lnRef idx="0"/>
-          <a:fillRef idx="0"/>
-          <a:effectRef idx="0"/>
-          <a:fontRef idx="minor"/>
-        </p:style>
-        <p:txBody>
-          <a:bodyPr lIns="90000" rIns="90000" tIns="45000" bIns="45000"/>
-          <a:p>
-            <a:pPr marL="216000" indent="-216000">
-              <a:lnSpc>
-                <a:spcPct val="100000"/>
-              </a:lnSpc>
-              <a:buClr>
-                <a:srgbClr val="000000"/>
-              </a:buClr>
               <a:buFont typeface="Arial"/>
               <a:buChar char="•"/>
             </a:pPr>
             <a:r>
-              <a:rPr b="0" lang="en-US" sz="3200" spc="-1" strike="noStrike">
+              <a:rPr lang="ru-RU" sz="3200">
                 <a:solidFill>
                   <a:srgbClr val="000000"/>
                 </a:solidFill>
-                <a:uFill>
-                  <a:solidFill>
-                    <a:srgbClr val="ffffff"/>
-                  </a:solidFill>
-                </a:uFill>
                 <a:latin typeface="Times New Roman"/>
                 <a:ea typeface="DejaVu Sans"/>
               </a:rPr>
               <a:t>Целью данной  дипломной работы является разработка web-сайта Интернет-магазина по продаже мобильных телефонов.</a:t>
             </a:r>
-            <a:endParaRPr b="0" lang="en-US" sz="1800" spc="-1" strike="noStrike">
-              <a:solidFill>
-                <a:srgbClr val="000000"/>
-              </a:solidFill>
-              <a:uFill>
-                <a:solidFill>
-                  <a:srgbClr val="ffffff"/>
-                </a:solidFill>
-              </a:uFill>
-              <a:latin typeface="Arial"/>
-            </a:endParaRPr>
+            <a:endParaRPr/>
           </a:p>
         </p:txBody>
       </p:sp>
@@ -8246,7 +5157,7 @@
 </file>
 
 <file path=ppt/slides/slide3.xml><?xml version="1.0" encoding="utf-8"?>
-<p:sld xmlns:a="http://schemas.openxmlformats.org/drawingml/2006/main" xmlns:p="http://schemas.openxmlformats.org/presentationml/2006/main" xmlns:r="http://schemas.openxmlformats.org/officeDocument/2006/relationships" xmlns:p14="http://schemas.microsoft.com/office/powerpoint/2010/main" xmlns:p15="http://schemas.microsoft.com/office/powerpoint/2012/main" xmlns:mc="http://schemas.openxmlformats.org/markup-compatibility/2006">
+<p:sld xmlns:a="http://schemas.openxmlformats.org/drawingml/2006/main" xmlns:p="http://schemas.openxmlformats.org/presentationml/2006/main" xmlns:r="http://schemas.openxmlformats.org/officeDocument/2006/relationships">
   <p:cSld>
     <p:spTree>
       <p:nvGrpSpPr>
@@ -8264,14 +5175,14 @@
       </p:grpSpPr>
       <p:sp>
         <p:nvSpPr>
-          <p:cNvPr id="116" name="CustomShape 1"/>
+          <p:cNvPr id="110" name="CustomShape 1"/>
           <p:cNvSpPr/>
           <p:nvPr/>
         </p:nvSpPr>
         <p:spPr>
           <a:xfrm>
             <a:off x="357120" y="214200"/>
-            <a:ext cx="8569440" cy="6068880"/>
+            <a:ext cx="8569080" cy="6068520"/>
           </a:xfrm>
           <a:prstGeom prst="rect">
             <a:avLst/>
@@ -8281,168 +5192,82 @@
             <a:noFill/>
           </a:ln>
         </p:spPr>
-        <p:style>
-          <a:lnRef idx="0"/>
-          <a:fillRef idx="0"/>
-          <a:effectRef idx="0"/>
-          <a:fontRef idx="minor"/>
-        </p:style>
         <p:txBody>
           <a:bodyPr lIns="90000" rIns="90000" tIns="45000" bIns="45000" anchor="ctr"/>
           <a:p>
             <a:r>
-              <a:rPr b="0" lang="en-US" sz="2700" spc="-1" strike="noStrike">
+              <a:rPr lang="ru-RU" sz="2700">
                 <a:solidFill>
                   <a:srgbClr val="000000"/>
                 </a:solidFill>
-                <a:uFill>
-                  <a:solidFill>
-                    <a:srgbClr val="ffffff"/>
-                  </a:solidFill>
-                </a:uFill>
                 <a:latin typeface="Calibri"/>
                 <a:ea typeface="DejaVu Sans"/>
               </a:rPr>
               <a:t>	</a:t>
             </a:r>
             <a:r>
-              <a:rPr b="0" lang="en-US" sz="2700" spc="-1" strike="noStrike">
+              <a:rPr lang="ru-RU" sz="2700">
                 <a:solidFill>
                   <a:srgbClr val="000000"/>
                 </a:solidFill>
-                <a:uFill>
-                  <a:solidFill>
-                    <a:srgbClr val="ffffff"/>
-                  </a:solidFill>
-                </a:uFill>
                 <a:latin typeface="Times New Roman"/>
                 <a:ea typeface="DejaVu Sans"/>
               </a:rPr>
               <a:t>Для достижения поставленной цели необходимо решить следующие задачи:</a:t>
             </a:r>
-            <a:endParaRPr b="0" lang="en-US" sz="1800" spc="-1" strike="noStrike">
-              <a:solidFill>
-                <a:srgbClr val="000000"/>
-              </a:solidFill>
-              <a:uFill>
-                <a:solidFill>
-                  <a:srgbClr val="ffffff"/>
-                </a:solidFill>
-              </a:uFill>
-              <a:latin typeface="Arial"/>
-            </a:endParaRPr>
+            <a:endParaRPr/>
           </a:p>
           <a:p>
             <a:r>
-              <a:rPr b="0" lang="en-US" sz="2700" spc="-1" strike="noStrike">
+              <a:rPr lang="ru-RU" sz="2700">
                 <a:solidFill>
                   <a:srgbClr val="000000"/>
                 </a:solidFill>
-                <a:uFill>
-                  <a:solidFill>
-                    <a:srgbClr val="ffffff"/>
-                  </a:solidFill>
-                </a:uFill>
                 <a:latin typeface="Times New Roman"/>
                 <a:ea typeface="DejaVu Sans"/>
               </a:rPr>
               <a:t>- изучить принципы построения Интернет-магазинов и особенности тех, которые специализируются по продаже электроники;</a:t>
             </a:r>
-            <a:endParaRPr b="0" lang="en-US" sz="1800" spc="-1" strike="noStrike">
-              <a:solidFill>
-                <a:srgbClr val="000000"/>
-              </a:solidFill>
-              <a:uFill>
-                <a:solidFill>
-                  <a:srgbClr val="ffffff"/>
-                </a:solidFill>
-              </a:uFill>
-              <a:latin typeface="Arial"/>
-            </a:endParaRPr>
+            <a:endParaRPr/>
           </a:p>
           <a:p>
             <a:r>
-              <a:rPr b="0" lang="en-US" sz="2700" spc="-1" strike="noStrike">
+              <a:rPr lang="ru-RU" sz="2700">
                 <a:solidFill>
                   <a:srgbClr val="000000"/>
                 </a:solidFill>
-                <a:uFill>
-                  <a:solidFill>
-                    <a:srgbClr val="ffffff"/>
-                  </a:solidFill>
-                </a:uFill>
                 <a:latin typeface="Times New Roman"/>
                 <a:ea typeface="DejaVu Sans"/>
               </a:rPr>
               <a:t>- исследовать структуру интернет-магазинов;</a:t>
             </a:r>
-            <a:endParaRPr b="0" lang="en-US" sz="1800" spc="-1" strike="noStrike">
-              <a:solidFill>
-                <a:srgbClr val="000000"/>
-              </a:solidFill>
-              <a:uFill>
-                <a:solidFill>
-                  <a:srgbClr val="ffffff"/>
-                </a:solidFill>
-              </a:uFill>
-              <a:latin typeface="Arial"/>
-            </a:endParaRPr>
+            <a:endParaRPr/>
           </a:p>
           <a:p>
             <a:r>
-              <a:rPr b="0" lang="en-US" sz="2700" spc="-1" strike="noStrike">
+              <a:rPr lang="ru-RU" sz="2700">
                 <a:solidFill>
                   <a:srgbClr val="000000"/>
                 </a:solidFill>
-                <a:uFill>
-                  <a:solidFill>
-                    <a:srgbClr val="ffffff"/>
-                  </a:solidFill>
-                </a:uFill>
                 <a:latin typeface="Times New Roman"/>
                 <a:ea typeface="DejaVu Sans"/>
               </a:rPr>
               <a:t>- выполнить сравнительный анализ программных средств создания web-сайтов;</a:t>
             </a:r>
-            <a:endParaRPr b="0" lang="en-US" sz="1800" spc="-1" strike="noStrike">
-              <a:solidFill>
-                <a:srgbClr val="000000"/>
-              </a:solidFill>
-              <a:uFill>
-                <a:solidFill>
-                  <a:srgbClr val="ffffff"/>
-                </a:solidFill>
-              </a:uFill>
-              <a:latin typeface="Arial"/>
-            </a:endParaRPr>
+            <a:endParaRPr/>
           </a:p>
           <a:p>
             <a:r>
-              <a:rPr b="0" lang="en-US" sz="2700" spc="-1" strike="noStrike">
+              <a:rPr lang="ru-RU" sz="2700">
                 <a:solidFill>
                   <a:srgbClr val="000000"/>
                 </a:solidFill>
-                <a:uFill>
-                  <a:solidFill>
-                    <a:srgbClr val="ffffff"/>
-                  </a:solidFill>
-                </a:uFill>
                 <a:latin typeface="Times New Roman"/>
                 <a:ea typeface="DejaVu Sans"/>
               </a:rPr>
               <a:t>- разработать основные функции интернет-магазина</a:t>
             </a:r>
-            <a:endParaRPr b="0" lang="en-US" sz="1800" spc="-1" strike="noStrike">
-              <a:solidFill>
-                <a:srgbClr val="000000"/>
-              </a:solidFill>
-              <a:uFill>
-                <a:solidFill>
-                  <a:srgbClr val="ffffff"/>
-                </a:solidFill>
-              </a:uFill>
-              <a:latin typeface="Arial"/>
-            </a:endParaRPr>
+            <a:endParaRPr/>
           </a:p>
           <a:p>
             <a:pPr>
@@ -8450,17 +5275,7 @@
                 <a:spcPct val="100000"/>
               </a:lnSpc>
             </a:pPr>
-            <a:endParaRPr b="0" lang="en-US" sz="1800" spc="-1" strike="noStrike">
-              <a:solidFill>
-                <a:srgbClr val="000000"/>
-              </a:solidFill>
-              <a:uFill>
-                <a:solidFill>
-                  <a:srgbClr val="ffffff"/>
-                </a:solidFill>
-              </a:uFill>
-              <a:latin typeface="Arial"/>
-            </a:endParaRPr>
+            <a:endParaRPr/>
           </a:p>
         </p:txBody>
       </p:sp>
@@ -8497,7 +5312,7 @@
 </file>
 
 <file path=ppt/slides/slide4.xml><?xml version="1.0" encoding="utf-8"?>
-<p:sld xmlns:a="http://schemas.openxmlformats.org/drawingml/2006/main" xmlns:p="http://schemas.openxmlformats.org/presentationml/2006/main" xmlns:r="http://schemas.openxmlformats.org/officeDocument/2006/relationships" xmlns:p14="http://schemas.microsoft.com/office/powerpoint/2010/main" xmlns:p15="http://schemas.microsoft.com/office/powerpoint/2012/main" xmlns:mc="http://schemas.openxmlformats.org/markup-compatibility/2006">
+<p:sld xmlns:a="http://schemas.openxmlformats.org/drawingml/2006/main" xmlns:p="http://schemas.openxmlformats.org/presentationml/2006/main" xmlns:r="http://schemas.openxmlformats.org/officeDocument/2006/relationships">
   <p:cSld>
     <p:spTree>
       <p:nvGrpSpPr>
@@ -8515,14 +5330,14 @@
       </p:grpSpPr>
       <p:sp>
         <p:nvSpPr>
-          <p:cNvPr id="117" name="CustomShape 1"/>
+          <p:cNvPr id="111" name="CustomShape 1"/>
           <p:cNvSpPr/>
           <p:nvPr/>
         </p:nvSpPr>
         <p:spPr>
           <a:xfrm>
-            <a:off x="216000" y="936000"/>
-            <a:ext cx="8640720" cy="4068720"/>
+            <a:off x="16560" y="337320"/>
+            <a:ext cx="9141480" cy="1139400"/>
           </a:xfrm>
           <a:prstGeom prst="rect">
             <a:avLst/>
@@ -8532,131 +5347,128 @@
             <a:noFill/>
           </a:ln>
         </p:spPr>
-        <p:style>
-          <a:lnRef idx="0"/>
-          <a:fillRef idx="0"/>
-          <a:effectRef idx="0"/>
-          <a:fontRef idx="minor"/>
-        </p:style>
         <p:txBody>
           <a:bodyPr lIns="90000" rIns="90000" tIns="45000" bIns="45000" anchor="ctr"/>
           <a:p>
-            <a:endParaRPr b="0" lang="en-US" sz="1800" spc="-1" strike="noStrike">
-              <a:solidFill>
-                <a:srgbClr val="000000"/>
-              </a:solidFill>
-              <a:uFill>
-                <a:solidFill>
-                  <a:srgbClr val="ffffff"/>
-                </a:solidFill>
-              </a:uFill>
-              <a:latin typeface="Arial"/>
-            </a:endParaRPr>
-          </a:p>
-          <a:p>
-            <a:r>
-              <a:rPr b="0" lang="en-US" sz="2800" spc="-1" strike="noStrike">
-                <a:solidFill>
-                  <a:srgbClr val="000000"/>
-                </a:solidFill>
-                <a:uFill>
-                  <a:solidFill>
-                    <a:srgbClr val="ffffff"/>
-                  </a:solidFill>
-                </a:uFill>
-                <a:latin typeface="Times New Roman"/>
-                <a:ea typeface="DejaVu Sans"/>
-              </a:rPr>
-              <a:t>В ходе исследования первоначально был проведен анализ  рынка электронной торговли и более детально анализ моделей электронных магазинов с целью выявления их основных функций и используемых информационных технологий.</a:t>
-            </a:r>
-            <a:endParaRPr b="0" lang="en-US" sz="1800" spc="-1" strike="noStrike">
-              <a:solidFill>
-                <a:srgbClr val="000000"/>
-              </a:solidFill>
-              <a:uFill>
-                <a:solidFill>
-                  <a:srgbClr val="ffffff"/>
-                </a:solidFill>
-              </a:uFill>
-              <a:latin typeface="Arial"/>
-            </a:endParaRPr>
-          </a:p>
-          <a:p>
-            <a:endParaRPr b="0" lang="en-US" sz="1800" spc="-1" strike="noStrike">
-              <a:solidFill>
-                <a:srgbClr val="000000"/>
-              </a:solidFill>
-              <a:uFill>
-                <a:solidFill>
-                  <a:srgbClr val="ffffff"/>
-                </a:solidFill>
-              </a:uFill>
-              <a:latin typeface="Arial"/>
-            </a:endParaRPr>
-          </a:p>
-          <a:p>
-            <a:r>
-              <a:rPr b="0" lang="en-US" sz="2800" spc="-1" strike="noStrike">
-                <a:solidFill>
-                  <a:srgbClr val="000000"/>
-                </a:solidFill>
-                <a:uFill>
-                  <a:solidFill>
-                    <a:srgbClr val="ffffff"/>
-                  </a:solidFill>
-                </a:uFill>
-                <a:latin typeface="Times New Roman"/>
-                <a:ea typeface="DejaVu Sans"/>
-              </a:rPr>
-              <a:t> </a:t>
-            </a:r>
-            <a:r>
-              <a:rPr b="0" lang="en-US" sz="2800" spc="-1" strike="noStrike">
-                <a:solidFill>
-                  <a:srgbClr val="000000"/>
-                </a:solidFill>
-                <a:uFill>
-                  <a:solidFill>
-                    <a:srgbClr val="ffffff"/>
-                  </a:solidFill>
-                </a:uFill>
-                <a:latin typeface="Times New Roman"/>
-                <a:ea typeface="DejaVu Sans"/>
-              </a:rPr>
-              <a:t>Электронный магазин - это  специализированный Web-сайт, предлагающий своим посетителям приобрести какие-либо товары непосредственно в режиме онлайн.</a:t>
-            </a:r>
-            <a:endParaRPr b="0" lang="en-US" sz="1800" spc="-1" strike="noStrike">
-              <a:solidFill>
-                <a:srgbClr val="000000"/>
-              </a:solidFill>
-              <a:uFill>
-                <a:solidFill>
-                  <a:srgbClr val="ffffff"/>
-                </a:solidFill>
-              </a:uFill>
-              <a:latin typeface="Arial"/>
-            </a:endParaRPr>
-          </a:p>
-          <a:p>
-            <a:pPr>
+            <a:pPr algn="ctr">
               <a:lnSpc>
                 <a:spcPct val="100000"/>
               </a:lnSpc>
             </a:pPr>
-            <a:endParaRPr b="0" lang="en-US" sz="1800" spc="-1" strike="noStrike">
-              <a:solidFill>
-                <a:srgbClr val="000000"/>
-              </a:solidFill>
-              <a:uFill>
+            <a:r>
+              <a:rPr lang="ru-RU" sz="3600">
                 <a:solidFill>
-                  <a:srgbClr val="ffffff"/>
+                  <a:srgbClr val="000000"/>
                 </a:solidFill>
-              </a:uFill>
-              <a:latin typeface="Arial"/>
-            </a:endParaRPr>
-          </a:p>
-        </p:txBody>
-      </p:sp>
+                <a:latin typeface="Times New Roman"/>
+                <a:ea typeface="DejaVu Sans"/>
+              </a:rPr>
+              <a:t>Используемые технологии</a:t>
+            </a:r>
+            <a:endParaRPr/>
+          </a:p>
+        </p:txBody>
+      </p:sp>
+      <p:pic>
+        <p:nvPicPr>
+          <p:cNvPr id="112" name="" descr=""/>
+          <p:cNvPicPr/>
+          <p:nvPr/>
+        </p:nvPicPr>
+        <p:blipFill>
+          <a:blip r:embed="rId1"/>
+          <a:stretch>
+            <a:fillRect/>
+          </a:stretch>
+        </p:blipFill>
+        <p:spPr>
+          <a:xfrm>
+            <a:off x="1296000" y="1349640"/>
+            <a:ext cx="3165480" cy="1707840"/>
+          </a:xfrm>
+          <a:prstGeom prst="rect">
+            <a:avLst/>
+          </a:prstGeom>
+          <a:ln>
+            <a:noFill/>
+          </a:ln>
+        </p:spPr>
+      </p:pic>
+      <p:pic>
+        <p:nvPicPr>
+          <p:cNvPr id="113" name="" descr=""/>
+          <p:cNvPicPr/>
+          <p:nvPr/>
+        </p:nvPicPr>
+        <p:blipFill>
+          <a:blip r:embed="rId2"/>
+          <a:stretch>
+            <a:fillRect/>
+          </a:stretch>
+        </p:blipFill>
+        <p:spPr>
+          <a:xfrm>
+            <a:off x="5832000" y="1351080"/>
+            <a:ext cx="1679040" cy="1778400"/>
+          </a:xfrm>
+          <a:prstGeom prst="rect">
+            <a:avLst/>
+          </a:prstGeom>
+          <a:ln>
+            <a:noFill/>
+          </a:ln>
+        </p:spPr>
+      </p:pic>
+      <p:pic>
+        <p:nvPicPr>
+          <p:cNvPr id="114" name="" descr=""/>
+          <p:cNvPicPr/>
+          <p:nvPr/>
+        </p:nvPicPr>
+        <p:blipFill>
+          <a:blip r:embed="rId3"/>
+          <a:stretch>
+            <a:fillRect/>
+          </a:stretch>
+        </p:blipFill>
+        <p:spPr>
+          <a:xfrm>
+            <a:off x="1044000" y="3636000"/>
+            <a:ext cx="3237480" cy="1085400"/>
+          </a:xfrm>
+          <a:prstGeom prst="rect">
+            <a:avLst/>
+          </a:prstGeom>
+          <a:ln>
+            <a:noFill/>
+          </a:ln>
+        </p:spPr>
+      </p:pic>
+      <p:pic>
+        <p:nvPicPr>
+          <p:cNvPr id="115" name="" descr=""/>
+          <p:cNvPicPr/>
+          <p:nvPr/>
+        </p:nvPicPr>
+        <p:blipFill>
+          <a:blip r:embed="rId4"/>
+          <a:stretch>
+            <a:fillRect/>
+          </a:stretch>
+        </p:blipFill>
+        <p:spPr>
+          <a:xfrm>
+            <a:off x="4320000" y="3240000"/>
+            <a:ext cx="4461480" cy="1875960"/>
+          </a:xfrm>
+          <a:prstGeom prst="rect">
+            <a:avLst/>
+          </a:prstGeom>
+          <a:ln>
+            <a:noFill/>
+          </a:ln>
+        </p:spPr>
+      </p:pic>
     </p:spTree>
   </p:cSld>
   <p:timing>
@@ -8690,7 +5502,7 @@
 </file>
 
 <file path=ppt/slides/slide5.xml><?xml version="1.0" encoding="utf-8"?>
-<p:sld xmlns:a="http://schemas.openxmlformats.org/drawingml/2006/main" xmlns:p="http://schemas.openxmlformats.org/presentationml/2006/main" xmlns:r="http://schemas.openxmlformats.org/officeDocument/2006/relationships" xmlns:p14="http://schemas.microsoft.com/office/powerpoint/2010/main" xmlns:p15="http://schemas.microsoft.com/office/powerpoint/2012/main" xmlns:mc="http://schemas.openxmlformats.org/markup-compatibility/2006">
+<p:sld xmlns:a="http://schemas.openxmlformats.org/drawingml/2006/main" xmlns:p="http://schemas.openxmlformats.org/presentationml/2006/main" xmlns:r="http://schemas.openxmlformats.org/officeDocument/2006/relationships">
   <p:cSld>
     <p:spTree>
       <p:nvGrpSpPr>
@@ -8708,18 +5520,20 @@
       </p:grpSpPr>
       <p:pic>
         <p:nvPicPr>
-          <p:cNvPr id="118" name="" descr=""/>
+          <p:cNvPr id="116" name="" descr=""/>
           <p:cNvPicPr/>
           <p:nvPr/>
         </p:nvPicPr>
         <p:blipFill>
           <a:blip r:embed="rId1"/>
-          <a:stretch/>
+          <a:stretch>
+            <a:fillRect/>
+          </a:stretch>
         </p:blipFill>
         <p:spPr>
           <a:xfrm>
-            <a:off x="822960" y="914400"/>
-            <a:ext cx="7752600" cy="4479120"/>
+            <a:off x="144000" y="1223640"/>
+            <a:ext cx="8854920" cy="4549320"/>
           </a:xfrm>
           <a:prstGeom prst="rect">
             <a:avLst/>
@@ -8729,6 +5543,47 @@
           </a:ln>
         </p:spPr>
       </p:pic>
+      <p:sp>
+        <p:nvSpPr>
+          <p:cNvPr id="117" name="CustomShape 1"/>
+          <p:cNvSpPr/>
+          <p:nvPr/>
+        </p:nvSpPr>
+        <p:spPr>
+          <a:xfrm>
+            <a:off x="16560" y="337320"/>
+            <a:ext cx="9141480" cy="1139400"/>
+          </a:xfrm>
+          <a:prstGeom prst="rect">
+            <a:avLst/>
+          </a:prstGeom>
+          <a:noFill/>
+          <a:ln>
+            <a:noFill/>
+          </a:ln>
+        </p:spPr>
+        <p:txBody>
+          <a:bodyPr lIns="90000" rIns="90000" tIns="45000" bIns="45000" anchor="ctr"/>
+          <a:p>
+            <a:pPr algn="ctr">
+              <a:lnSpc>
+                <a:spcPct val="100000"/>
+              </a:lnSpc>
+            </a:pPr>
+            <a:r>
+              <a:rPr lang="ru-RU" sz="3600">
+                <a:solidFill>
+                  <a:srgbClr val="000000"/>
+                </a:solidFill>
+                <a:latin typeface="Times New Roman"/>
+                <a:ea typeface="DejaVu Sans"/>
+              </a:rPr>
+              <a:t>Интерфейс администратора</a:t>
+            </a:r>
+            <a:endParaRPr/>
+          </a:p>
+        </p:txBody>
+      </p:sp>
     </p:spTree>
   </p:cSld>
   <p:timing>
@@ -8762,7 +5617,7 @@
 </file>
 
 <file path=ppt/slides/slide6.xml><?xml version="1.0" encoding="utf-8"?>
-<p:sld xmlns:a="http://schemas.openxmlformats.org/drawingml/2006/main" xmlns:p="http://schemas.openxmlformats.org/presentationml/2006/main" xmlns:r="http://schemas.openxmlformats.org/officeDocument/2006/relationships" xmlns:p14="http://schemas.microsoft.com/office/powerpoint/2010/main" xmlns:p15="http://schemas.microsoft.com/office/powerpoint/2012/main" xmlns:mc="http://schemas.openxmlformats.org/markup-compatibility/2006">
+<p:sld xmlns:a="http://schemas.openxmlformats.org/drawingml/2006/main" xmlns:p="http://schemas.openxmlformats.org/presentationml/2006/main" xmlns:r="http://schemas.openxmlformats.org/officeDocument/2006/relationships">
   <p:cSld>
     <p:spTree>
       <p:nvGrpSpPr>
@@ -8780,18 +5635,20 @@
       </p:grpSpPr>
       <p:pic>
         <p:nvPicPr>
-          <p:cNvPr id="119" name="" descr=""/>
+          <p:cNvPr id="118" name="" descr=""/>
           <p:cNvPicPr/>
           <p:nvPr/>
         </p:nvPicPr>
         <p:blipFill>
           <a:blip r:embed="rId1"/>
-          <a:stretch/>
+          <a:stretch>
+            <a:fillRect/>
+          </a:stretch>
         </p:blipFill>
         <p:spPr>
           <a:xfrm>
-            <a:off x="216000" y="878760"/>
-            <a:ext cx="8676720" cy="5060880"/>
+            <a:off x="1271520" y="36000"/>
+            <a:ext cx="6600240" cy="6783480"/>
           </a:xfrm>
           <a:prstGeom prst="rect">
             <a:avLst/>
@@ -8834,7 +5691,7 @@
 </file>
 
 <file path=ppt/slides/slide7.xml><?xml version="1.0" encoding="utf-8"?>
-<p:sld xmlns:a="http://schemas.openxmlformats.org/drawingml/2006/main" xmlns:p="http://schemas.openxmlformats.org/presentationml/2006/main" xmlns:r="http://schemas.openxmlformats.org/officeDocument/2006/relationships" xmlns:p14="http://schemas.microsoft.com/office/powerpoint/2010/main" xmlns:p15="http://schemas.microsoft.com/office/powerpoint/2012/main" xmlns:mc="http://schemas.openxmlformats.org/markup-compatibility/2006">
+<p:sld xmlns:a="http://schemas.openxmlformats.org/drawingml/2006/main" xmlns:p="http://schemas.openxmlformats.org/presentationml/2006/main" xmlns:r="http://schemas.openxmlformats.org/officeDocument/2006/relationships">
   <p:cSld>
     <p:spTree>
       <p:nvGrpSpPr>
@@ -8852,18 +5709,73 @@
       </p:grpSpPr>
       <p:pic>
         <p:nvPicPr>
+          <p:cNvPr id="119" name="Содержимое 3" descr=""/>
+          <p:cNvPicPr/>
+          <p:nvPr/>
+        </p:nvPicPr>
+        <p:blipFill>
+          <a:blip r:embed="rId1">
+            <a:lum contrast="20000"/>
+          </a:blip>
+          <a:srcRect l="842437" t="-1097694" r="-276062" b="291266"/>
+          <a:stretch>
+            <a:fillRect/>
+          </a:stretch>
+        </p:blipFill>
+        <p:spPr>
+          <a:xfrm>
+            <a:off x="1386720" y="1600200"/>
+            <a:ext cx="6367320" cy="4522320"/>
+          </a:xfrm>
+          <a:prstGeom prst="rect">
+            <a:avLst/>
+          </a:prstGeom>
+          <a:ln>
+            <a:noFill/>
+          </a:ln>
+        </p:spPr>
+      </p:pic>
+      <p:pic>
+        <p:nvPicPr>
           <p:cNvPr id="120" name="" descr=""/>
           <p:cNvPicPr/>
           <p:nvPr/>
         </p:nvPicPr>
         <p:blipFill>
-          <a:blip r:embed="rId1"/>
-          <a:stretch/>
+          <a:blip r:embed="rId2"/>
+          <a:stretch>
+            <a:fillRect/>
+          </a:stretch>
         </p:blipFill>
         <p:spPr>
           <a:xfrm>
-            <a:off x="279720" y="736560"/>
-            <a:ext cx="8611920" cy="5023080"/>
+            <a:off x="5256000" y="3596400"/>
+            <a:ext cx="2864520" cy="2521440"/>
+          </a:xfrm>
+          <a:prstGeom prst="rect">
+            <a:avLst/>
+          </a:prstGeom>
+          <a:ln>
+            <a:noFill/>
+          </a:ln>
+        </p:spPr>
+      </p:pic>
+      <p:pic>
+        <p:nvPicPr>
+          <p:cNvPr id="121" name="" descr=""/>
+          <p:cNvPicPr/>
+          <p:nvPr/>
+        </p:nvPicPr>
+        <p:blipFill>
+          <a:blip r:embed="rId3"/>
+          <a:stretch>
+            <a:fillRect/>
+          </a:stretch>
+        </p:blipFill>
+        <p:spPr>
+          <a:xfrm>
+            <a:off x="307800" y="154440"/>
+            <a:ext cx="5162040" cy="3488040"/>
           </a:xfrm>
           <a:prstGeom prst="rect">
             <a:avLst/>
@@ -8906,7 +5818,7 @@
 </file>
 
 <file path=ppt/slides/slide8.xml><?xml version="1.0" encoding="utf-8"?>
-<p:sld xmlns:a="http://schemas.openxmlformats.org/drawingml/2006/main" xmlns:p="http://schemas.openxmlformats.org/presentationml/2006/main" xmlns:r="http://schemas.openxmlformats.org/officeDocument/2006/relationships" xmlns:p14="http://schemas.microsoft.com/office/powerpoint/2010/main" xmlns:p15="http://schemas.microsoft.com/office/powerpoint/2012/main" xmlns:mc="http://schemas.openxmlformats.org/markup-compatibility/2006">
+<p:sld xmlns:a="http://schemas.openxmlformats.org/drawingml/2006/main" xmlns:p="http://schemas.openxmlformats.org/presentationml/2006/main" xmlns:r="http://schemas.openxmlformats.org/officeDocument/2006/relationships">
   <p:cSld>
     <p:spTree>
       <p:nvGrpSpPr>
@@ -8922,16 +5834,67 @@
           <a:chExt cx="0" cy="0"/>
         </a:xfrm>
       </p:grpSpPr>
-      <p:sp>
-        <p:nvSpPr>
-          <p:cNvPr id="121" name="CustomShape 1"/>
+      <p:pic>
+        <p:nvPicPr>
+          <p:cNvPr id="122" name="Содержимое 3" descr=""/>
+          <p:cNvPicPr/>
+          <p:nvPr/>
+        </p:nvPicPr>
+        <p:blipFill>
+          <a:blip r:embed="rId1"/>
+          <a:srcRect l="-309335" t="-1320002" r="951606" b="1007743"/>
+          <a:stretch>
+            <a:fillRect/>
+          </a:stretch>
+        </p:blipFill>
+        <p:spPr>
+          <a:xfrm>
+            <a:off x="1143000" y="928800"/>
+            <a:ext cx="7068600" cy="5666400"/>
+          </a:xfrm>
+          <a:prstGeom prst="rect">
+            <a:avLst/>
+          </a:prstGeom>
+          <a:ln>
+            <a:noFill/>
+          </a:ln>
+        </p:spPr>
+      </p:pic>
+      <p:pic>
+        <p:nvPicPr>
+          <p:cNvPr id="123" name="" descr=""/>
+          <p:cNvPicPr/>
+          <p:nvPr/>
+        </p:nvPicPr>
+        <p:blipFill>
+          <a:blip r:embed="rId2"/>
+          <a:stretch>
+            <a:fillRect/>
+          </a:stretch>
+        </p:blipFill>
+        <p:spPr>
+          <a:xfrm>
+            <a:off x="0" y="1215000"/>
+            <a:ext cx="9141480" cy="4425480"/>
+          </a:xfrm>
+          <a:prstGeom prst="rect">
+            <a:avLst/>
+          </a:prstGeom>
+          <a:ln>
+            <a:noFill/>
+          </a:ln>
+        </p:spPr>
+      </p:pic>
+      <p:sp>
+        <p:nvSpPr>
+          <p:cNvPr id="124" name="CustomShape 1"/>
           <p:cNvSpPr/>
           <p:nvPr/>
         </p:nvSpPr>
         <p:spPr>
           <a:xfrm>
-            <a:off x="16560" y="336960"/>
-            <a:ext cx="9141840" cy="1139760"/>
+            <a:off x="40320" y="354960"/>
+            <a:ext cx="9141480" cy="1139400"/>
           </a:xfrm>
           <a:prstGeom prst="rect">
             <a:avLst/>
@@ -8941,12 +5904,6 @@
             <a:noFill/>
           </a:ln>
         </p:spPr>
-        <p:style>
-          <a:lnRef idx="0"/>
-          <a:fillRef idx="0"/>
-          <a:effectRef idx="0"/>
-          <a:fontRef idx="minor"/>
-        </p:style>
         <p:txBody>
           <a:bodyPr lIns="90000" rIns="90000" tIns="45000" bIns="45000" anchor="ctr"/>
           <a:p>
@@ -8956,57 +5913,19 @@
               </a:lnSpc>
             </a:pPr>
             <a:r>
-              <a:rPr b="0" lang="en-US" sz="3600" spc="-1" strike="noStrike">
+              <a:rPr lang="ru-RU" sz="3600">
                 <a:solidFill>
                   <a:srgbClr val="000000"/>
                 </a:solidFill>
-                <a:uFill>
-                  <a:solidFill>
-                    <a:srgbClr val="ffffff"/>
-                  </a:solidFill>
-                </a:uFill>
                 <a:latin typeface="Times New Roman"/>
                 <a:ea typeface="DejaVu Sans"/>
               </a:rPr>
-              <a:t>Система в представлении клиента</a:t>
+              <a:t>Страница с описанием товара</a:t>
             </a:r>
-            <a:endParaRPr b="0" lang="en-US" sz="3600" spc="-1" strike="noStrike">
-              <a:solidFill>
-                <a:srgbClr val="000000"/>
-              </a:solidFill>
-              <a:uFill>
-                <a:solidFill>
-                  <a:srgbClr val="ffffff"/>
-                </a:solidFill>
-              </a:uFill>
-              <a:latin typeface="Arial"/>
-            </a:endParaRPr>
-          </a:p>
-        </p:txBody>
-      </p:sp>
-      <p:pic>
-        <p:nvPicPr>
-          <p:cNvPr id="122" name="" descr=""/>
-          <p:cNvPicPr/>
-          <p:nvPr/>
-        </p:nvPicPr>
-        <p:blipFill>
-          <a:blip r:embed="rId1"/>
-          <a:stretch/>
-        </p:blipFill>
-        <p:spPr>
-          <a:xfrm>
-            <a:off x="450000" y="1860120"/>
-            <a:ext cx="8404200" cy="3295080"/>
-          </a:xfrm>
-          <a:prstGeom prst="rect">
-            <a:avLst/>
-          </a:prstGeom>
-          <a:ln>
-            <a:noFill/>
-          </a:ln>
-        </p:spPr>
-      </p:pic>
+            <a:endParaRPr/>
+          </a:p>
+        </p:txBody>
+      </p:sp>
     </p:spTree>
   </p:cSld>
   <p:timing>
@@ -9040,7 +5959,7 @@
 </file>
 
 <file path=ppt/slides/slide9.xml><?xml version="1.0" encoding="utf-8"?>
-<p:sld xmlns:a="http://schemas.openxmlformats.org/drawingml/2006/main" xmlns:p="http://schemas.openxmlformats.org/presentationml/2006/main" xmlns:r="http://schemas.openxmlformats.org/officeDocument/2006/relationships" xmlns:p14="http://schemas.microsoft.com/office/powerpoint/2010/main" xmlns:p15="http://schemas.microsoft.com/office/powerpoint/2012/main" xmlns:mc="http://schemas.openxmlformats.org/markup-compatibility/2006">
+<p:sld xmlns:a="http://schemas.openxmlformats.org/drawingml/2006/main" xmlns:p="http://schemas.openxmlformats.org/presentationml/2006/main" xmlns:r="http://schemas.openxmlformats.org/officeDocument/2006/relationships">
   <p:cSld>
     <p:spTree>
       <p:nvGrpSpPr>
@@ -9056,82 +5975,22 @@
           <a:chExt cx="0" cy="0"/>
         </a:xfrm>
       </p:grpSpPr>
-      <p:sp>
-        <p:nvSpPr>
-          <p:cNvPr id="123" name="CustomShape 1"/>
-          <p:cNvSpPr/>
-          <p:nvPr/>
-        </p:nvSpPr>
-        <p:spPr>
-          <a:xfrm>
-            <a:off x="0" y="274680"/>
-            <a:ext cx="9141840" cy="1139760"/>
-          </a:xfrm>
-          <a:prstGeom prst="rect">
-            <a:avLst/>
-          </a:prstGeom>
-          <a:noFill/>
-          <a:ln>
-            <a:noFill/>
-          </a:ln>
-        </p:spPr>
-        <p:style>
-          <a:lnRef idx="0"/>
-          <a:fillRef idx="0"/>
-          <a:effectRef idx="0"/>
-          <a:fontRef idx="minor"/>
-        </p:style>
-        <p:txBody>
-          <a:bodyPr lIns="90000" rIns="90000" tIns="45000" bIns="45000" anchor="ctr"/>
-          <a:p>
-            <a:pPr algn="ctr">
-              <a:lnSpc>
-                <a:spcPct val="100000"/>
-              </a:lnSpc>
-            </a:pPr>
-            <a:r>
-              <a:rPr b="0" lang="en-US" sz="3600" spc="-1" strike="noStrike">
-                <a:solidFill>
-                  <a:srgbClr val="000000"/>
-                </a:solidFill>
-                <a:uFill>
-                  <a:solidFill>
-                    <a:srgbClr val="ffffff"/>
-                  </a:solidFill>
-                </a:uFill>
-                <a:latin typeface="Times New Roman"/>
-                <a:ea typeface="DejaVu Sans"/>
-              </a:rPr>
-              <a:t>Система в представлении администратора</a:t>
-            </a:r>
-            <a:endParaRPr b="0" lang="en-US" sz="3600" spc="-1" strike="noStrike">
-              <a:solidFill>
-                <a:srgbClr val="000000"/>
-              </a:solidFill>
-              <a:uFill>
-                <a:solidFill>
-                  <a:srgbClr val="ffffff"/>
-                </a:solidFill>
-              </a:uFill>
-              <a:latin typeface="Arial"/>
-            </a:endParaRPr>
-          </a:p>
-        </p:txBody>
-      </p:sp>
       <p:pic>
         <p:nvPicPr>
-          <p:cNvPr id="124" name="" descr=""/>
+          <p:cNvPr id="125" name="" descr=""/>
           <p:cNvPicPr/>
           <p:nvPr/>
         </p:nvPicPr>
         <p:blipFill>
           <a:blip r:embed="rId1"/>
-          <a:stretch/>
+          <a:stretch>
+            <a:fillRect/>
+          </a:stretch>
         </p:blipFill>
         <p:spPr>
           <a:xfrm>
-            <a:off x="457200" y="1828800"/>
-            <a:ext cx="8322480" cy="2396160"/>
+            <a:off x="180000" y="247680"/>
+            <a:ext cx="8857080" cy="6302160"/>
           </a:xfrm>
           <a:prstGeom prst="rect">
             <a:avLst/>

--- a/react-shopping-cart/public/work.pptx
+++ b/react-shopping-cart/public/work.pptx
@@ -19,6 +19,7 @@
     <p:sldId id="265" r:id="rId14"/>
     <p:sldId id="266" r:id="rId15"/>
     <p:sldId id="267" r:id="rId16"/>
+    <p:sldId id="268" r:id="rId17"/>
   </p:sldIdLst>
   <p:sldSz cx="9144000" cy="6858000"/>
   <p:notesSz cx="7559675" cy="10691812"/>
@@ -3910,8 +3911,8 @@
         </p:nvSpPr>
         <p:spPr>
           <a:xfrm>
-            <a:off x="457200" y="273600"/>
-            <a:ext cx="8228880" cy="1144440"/>
+            <a:off x="457200" y="219600"/>
+            <a:ext cx="8228880" cy="1252800"/>
           </a:xfrm>
           <a:prstGeom prst="rect">
             <a:avLst/>
@@ -4097,7 +4098,7 @@
         <p:spPr>
           <a:xfrm>
             <a:off x="0" y="-48240"/>
-            <a:ext cx="9140400" cy="6903720"/>
+            <a:ext cx="9139320" cy="6167520"/>
           </a:xfrm>
           <a:prstGeom prst="rect">
             <a:avLst/>
@@ -4429,16 +4430,8 @@
                 <a:latin typeface="Times New Roman"/>
                 <a:ea typeface="Calibri"/>
               </a:rPr>
-              <a:t>Научный руководитель   </a:t>
+              <a:t>Научный руководитель</a:t>
             </a:r>
-            <a:endParaRPr/>
-          </a:p>
-          <a:p>
-            <a:pPr>
-              <a:lnSpc>
-                <a:spcPct val="100000"/>
-              </a:lnSpc>
-            </a:pPr>
             <a:endParaRPr/>
           </a:p>
           <a:p>
@@ -4455,12 +4448,12 @@
                 <a:latin typeface="Times New Roman"/>
                 <a:ea typeface="Times New Roman"/>
               </a:rPr>
-              <a:t>д.ф. - м.н. Гуц А. К.  </a:t>
+              <a:t>д.ф. - м.н. Гуц А. К.</a:t>
             </a:r>
             <a:endParaRPr/>
           </a:p>
           <a:p>
-            <a:pPr>
+            <a:pPr algn="ctr">
               <a:lnSpc>
                 <a:spcPct val="100000"/>
               </a:lnSpc>
@@ -4469,72 +4462,6 @@
           </a:p>
           <a:p>
             <a:pPr>
-              <a:lnSpc>
-                <a:spcPct val="100000"/>
-              </a:lnSpc>
-            </a:pPr>
-            <a:endParaRPr/>
-          </a:p>
-          <a:p>
-            <a:pPr>
-              <a:lnSpc>
-                <a:spcPct val="100000"/>
-              </a:lnSpc>
-            </a:pPr>
-            <a:r>
-              <a:rPr lang="ru-RU" sz="1200">
-                <a:solidFill>
-                  <a:srgbClr val="000000"/>
-                </a:solidFill>
-                <a:latin typeface="Times New Roman"/>
-                <a:ea typeface="Calibri"/>
-              </a:rPr>
-              <a:t>	</a:t>
-            </a:r>
-            <a:r>
-              <a:rPr lang="ru-RU" sz="1200">
-                <a:solidFill>
-                  <a:srgbClr val="000000"/>
-                </a:solidFill>
-                <a:latin typeface="Times New Roman"/>
-                <a:ea typeface="Calibri"/>
-              </a:rPr>
-              <a:t>	</a:t>
-            </a:r>
-            <a:r>
-              <a:rPr lang="ru-RU" sz="1200">
-                <a:solidFill>
-                  <a:srgbClr val="000000"/>
-                </a:solidFill>
-                <a:latin typeface="Times New Roman"/>
-                <a:ea typeface="Calibri"/>
-              </a:rPr>
-              <a:t>	</a:t>
-            </a:r>
-            <a:r>
-              <a:rPr lang="ru-RU" sz="1200">
-                <a:solidFill>
-                  <a:srgbClr val="000000"/>
-                </a:solidFill>
-                <a:latin typeface="Times New Roman"/>
-                <a:ea typeface="Calibri"/>
-              </a:rPr>
-              <a:t>	</a:t>
-            </a:r>
-            <a:r>
-              <a:rPr lang="ru-RU" sz="1200">
-                <a:solidFill>
-                  <a:srgbClr val="000000"/>
-                </a:solidFill>
-                <a:latin typeface="Times New Roman"/>
-                <a:ea typeface="Calibri"/>
-              </a:rPr>
-              <a:t>	</a:t>
-            </a:r>
-            <a:endParaRPr/>
-          </a:p>
-          <a:p>
-            <a:pPr algn="ctr">
               <a:lnSpc>
                 <a:spcPct val="100000"/>
               </a:lnSpc>
@@ -4547,24 +4474,40 @@
                 <a:latin typeface="Arial"/>
                 <a:ea typeface="Times New Roman"/>
               </a:rPr>
+              <a:t>`</a:t>
+            </a:r>
+            <a:endParaRPr/>
+          </a:p>
+        </p:txBody>
+      </p:sp>
+      <p:sp>
+        <p:nvSpPr>
+          <p:cNvPr id="109" name="CustomShape 2"/>
+          <p:cNvSpPr/>
+          <p:nvPr/>
+        </p:nvSpPr>
+        <p:spPr>
+          <a:xfrm>
+            <a:off x="3960000" y="6495120"/>
+            <a:ext cx="1217880" cy="344160"/>
+          </a:xfrm>
+          <a:prstGeom prst="rect">
+            <a:avLst/>
+          </a:prstGeom>
+          <a:noFill/>
+          <a:ln>
+            <a:noFill/>
+          </a:ln>
+        </p:spPr>
+        <p:txBody>
+          <a:bodyPr lIns="90000" rIns="90000" tIns="45000" bIns="45000"/>
+          <a:p>
+            <a:r>
+              <a:rPr lang="ru-RU">
+                <a:latin typeface="Times New Roman"/>
+              </a:rPr>
               <a:t>Омск 2019</a:t>
             </a:r>
-            <a:endParaRPr/>
-          </a:p>
-          <a:p>
-            <a:pPr algn="ctr">
-              <a:lnSpc>
-                <a:spcPct val="100000"/>
-              </a:lnSpc>
-            </a:pPr>
-            <a:endParaRPr/>
-          </a:p>
-          <a:p>
-            <a:pPr>
-              <a:lnSpc>
-                <a:spcPct val="100000"/>
-              </a:lnSpc>
-            </a:pPr>
             <a:endParaRPr/>
           </a:p>
         </p:txBody>
@@ -4620,13 +4563,13 @@
       </p:grpSpPr>
       <p:pic>
         <p:nvPicPr>
-          <p:cNvPr id="126" name="Содержимое 3" descr=""/>
+          <p:cNvPr id="127" name="Содержимое 3" descr=""/>
           <p:cNvPicPr/>
           <p:nvPr/>
         </p:nvPicPr>
         <p:blipFill>
           <a:blip r:embed="rId1"/>
-          <a:srcRect l="-820643" t="1267365" r="680353" b="-1003141"/>
+          <a:srcRect l="-912479" t="-2029779" r="232537" b="-1822034"/>
           <a:stretch>
             <a:fillRect/>
           </a:stretch>
@@ -4634,7 +4577,7 @@
         <p:spPr>
           <a:xfrm>
             <a:off x="1000080" y="1285920"/>
-            <a:ext cx="7283160" cy="5283000"/>
+            <a:ext cx="7282080" cy="5281920"/>
           </a:xfrm>
           <a:prstGeom prst="rect">
             <a:avLst/>
@@ -4646,7 +4589,7 @@
       </p:pic>
       <p:pic>
         <p:nvPicPr>
-          <p:cNvPr id="127" name="" descr=""/>
+          <p:cNvPr id="128" name="" descr=""/>
           <p:cNvPicPr/>
           <p:nvPr/>
         </p:nvPicPr>
@@ -4659,7 +4602,7 @@
         <p:spPr>
           <a:xfrm>
             <a:off x="144000" y="222120"/>
-            <a:ext cx="4379040" cy="1359720"/>
+            <a:ext cx="4377960" cy="1358640"/>
           </a:xfrm>
           <a:prstGeom prst="rect">
             <a:avLst/>
@@ -4671,7 +4614,7 @@
       </p:pic>
       <p:pic>
         <p:nvPicPr>
-          <p:cNvPr id="128" name="" descr=""/>
+          <p:cNvPr id="129" name="" descr=""/>
           <p:cNvPicPr/>
           <p:nvPr/>
         </p:nvPicPr>
@@ -4684,7 +4627,7 @@
         <p:spPr>
           <a:xfrm>
             <a:off x="288000" y="1285920"/>
-            <a:ext cx="3877560" cy="5119920"/>
+            <a:ext cx="3876480" cy="5118840"/>
           </a:xfrm>
           <a:prstGeom prst="rect">
             <a:avLst/>
@@ -4696,7 +4639,7 @@
       </p:pic>
       <p:pic>
         <p:nvPicPr>
-          <p:cNvPr id="129" name="" descr=""/>
+          <p:cNvPr id="130" name="" descr=""/>
           <p:cNvPicPr/>
           <p:nvPr/>
         </p:nvPicPr>
@@ -4709,7 +4652,7 @@
         <p:spPr>
           <a:xfrm>
             <a:off x="4572000" y="1285920"/>
-            <a:ext cx="4283640" cy="5064840"/>
+            <a:ext cx="4282560" cy="5063760"/>
           </a:xfrm>
           <a:prstGeom prst="rect">
             <a:avLst/>
@@ -4721,7 +4664,7 @@
       </p:pic>
       <p:pic>
         <p:nvPicPr>
-          <p:cNvPr id="130" name="" descr=""/>
+          <p:cNvPr id="131" name="" descr=""/>
           <p:cNvPicPr/>
           <p:nvPr/>
         </p:nvPicPr>
@@ -4734,7 +4677,7 @@
         <p:spPr>
           <a:xfrm>
             <a:off x="6192000" y="288000"/>
-            <a:ext cx="2616840" cy="816480"/>
+            <a:ext cx="2615760" cy="815400"/>
           </a:xfrm>
           <a:prstGeom prst="rect">
             <a:avLst/>
@@ -4795,7 +4738,7 @@
       </p:grpSpPr>
       <p:pic>
         <p:nvPicPr>
-          <p:cNvPr id="131" name="" descr=""/>
+          <p:cNvPr id="132" name="" descr=""/>
           <p:cNvPicPr/>
           <p:nvPr/>
         </p:nvPicPr>
@@ -4808,7 +4751,7 @@
         <p:spPr>
           <a:xfrm>
             <a:off x="1419480" y="1400400"/>
-            <a:ext cx="6411960" cy="4105440"/>
+            <a:ext cx="6410880" cy="4104360"/>
           </a:xfrm>
           <a:prstGeom prst="rect">
             <a:avLst/>
@@ -4820,14 +4763,14 @@
       </p:pic>
       <p:sp>
         <p:nvSpPr>
-          <p:cNvPr id="132" name="CustomShape 1"/>
+          <p:cNvPr id="133" name="CustomShape 1"/>
           <p:cNvSpPr/>
           <p:nvPr/>
         </p:nvSpPr>
         <p:spPr>
           <a:xfrm>
             <a:off x="31680" y="291240"/>
-            <a:ext cx="9141480" cy="1139400"/>
+            <a:ext cx="9140400" cy="1138320"/>
           </a:xfrm>
           <a:prstGeom prst="rect">
             <a:avLst/>
@@ -4910,14 +4853,14 @@
       </p:grpSpPr>
       <p:sp>
         <p:nvSpPr>
-          <p:cNvPr id="133" name="CustomShape 1"/>
+          <p:cNvPr id="134" name="CustomShape 1"/>
           <p:cNvSpPr/>
           <p:nvPr/>
         </p:nvSpPr>
         <p:spPr>
           <a:xfrm>
             <a:off x="40320" y="354960"/>
-            <a:ext cx="9141480" cy="1139400"/>
+            <a:ext cx="9140400" cy="1138320"/>
           </a:xfrm>
           <a:prstGeom prst="rect">
             <a:avLst/>
@@ -4951,14 +4894,14 @@
       </p:sp>
       <p:sp>
         <p:nvSpPr>
-          <p:cNvPr id="134" name="CustomShape 2"/>
+          <p:cNvPr id="135" name="CustomShape 2"/>
           <p:cNvSpPr/>
           <p:nvPr/>
         </p:nvSpPr>
         <p:spPr>
           <a:xfrm>
             <a:off x="40320" y="1230840"/>
-            <a:ext cx="9103320" cy="3615120"/>
+            <a:ext cx="9102240" cy="4960800"/>
           </a:xfrm>
           <a:prstGeom prst="rect">
             <a:avLst/>
@@ -4978,7 +4921,7 @@
                 </a:solidFill>
                 <a:latin typeface="Times New Roman"/>
               </a:rPr>
-              <a:t>- Разработал web-интерфейс интернет-магазина</a:t>
+              <a:t>- Разработал клиентскую часть приложения с основными функциями для работы интернет-магазина</a:t>
             </a:r>
             <a:endParaRPr/>
           </a:p>
@@ -4990,7 +4933,7 @@
                 </a:solidFill>
                 <a:latin typeface="Times New Roman"/>
               </a:rPr>
-              <a:t>- Изучил особенности принципы построения Интернет-магазинов;</a:t>
+              <a:t>- Изучил особенности и принципы построения Интернет-магазинов;</a:t>
             </a:r>
             <a:endParaRPr/>
           </a:p>
@@ -5026,7 +4969,7 @@
                 </a:solidFill>
                 <a:latin typeface="Times New Roman"/>
               </a:rPr>
-              <a:t>- Получил общее представление о работе и интеграции платёжных систем.</a:t>
+              <a:t>- Получил общее представление о работе и интеграции платёжных систем;</a:t>
             </a:r>
             <a:endParaRPr/>
           </a:p>
@@ -5064,6 +5007,57 @@
 </p:sld>
 </file>
 
+<file path=ppt/slides/slide13.xml><?xml version="1.0" encoding="utf-8"?>
+<p:sld xmlns:a="http://schemas.openxmlformats.org/drawingml/2006/main" xmlns:p="http://schemas.openxmlformats.org/presentationml/2006/main" xmlns:r="http://schemas.openxmlformats.org/officeDocument/2006/relationships">
+  <p:cSld>
+    <p:spTree>
+      <p:nvGrpSpPr>
+        <p:cNvPr id="1" name=""/>
+        <p:cNvGrpSpPr/>
+        <p:nvPr/>
+      </p:nvGrpSpPr>
+      <p:grpSpPr>
+        <a:xfrm>
+          <a:off x="0" y="0"/>
+          <a:ext cx="0" cy="0"/>
+          <a:chOff x="0" y="0"/>
+          <a:chExt cx="0" cy="0"/>
+        </a:xfrm>
+      </p:grpSpPr>
+      <p:sp>
+        <p:nvSpPr>
+          <p:cNvPr id="136" name="TextShape 1"/>
+          <p:cNvSpPr txBox="1"/>
+          <p:nvPr/>
+        </p:nvSpPr>
+        <p:spPr>
+          <a:xfrm>
+            <a:off x="0" y="2700000"/>
+            <a:ext cx="9144000" cy="597960"/>
+          </a:xfrm>
+          <a:prstGeom prst="rect">
+            <a:avLst/>
+          </a:prstGeom>
+        </p:spPr>
+        <p:txBody>
+          <a:bodyPr lIns="90000" rIns="90000" tIns="45000" bIns="45000"/>
+          <a:p>
+            <a:pPr algn="ctr"/>
+            <a:r>
+              <a:rPr lang="ru-RU" sz="3600">
+                <a:latin typeface="Times New Roman"/>
+              </a:rPr>
+              <a:t>Спасибо за внимание</a:t>
+            </a:r>
+            <a:endParaRPr/>
+          </a:p>
+        </p:txBody>
+      </p:sp>
+    </p:spTree>
+  </p:cSld>
+</p:sld>
+</file>
+
 <file path=ppt/slides/slide2.xml><?xml version="1.0" encoding="utf-8"?>
 <p:sld xmlns:a="http://schemas.openxmlformats.org/drawingml/2006/main" xmlns:p="http://schemas.openxmlformats.org/presentationml/2006/main" xmlns:r="http://schemas.openxmlformats.org/officeDocument/2006/relationships">
   <p:cSld>
@@ -5083,14 +5077,14 @@
       </p:grpSpPr>
       <p:sp>
         <p:nvSpPr>
-          <p:cNvPr id="109" name="CustomShape 1"/>
+          <p:cNvPr id="110" name="CustomShape 1"/>
           <p:cNvSpPr/>
           <p:nvPr/>
         </p:nvSpPr>
         <p:spPr>
           <a:xfrm>
             <a:off x="266760" y="648000"/>
-            <a:ext cx="8226000" cy="4522320"/>
+            <a:ext cx="8224920" cy="4521240"/>
           </a:xfrm>
           <a:prstGeom prst="rect">
             <a:avLst/>
@@ -5118,7 +5112,7 @@
                 <a:latin typeface="Times New Roman"/>
                 <a:ea typeface="DejaVu Sans"/>
               </a:rPr>
-              <a:t>Целью данной  дипломной работы является разработка web-сайта Интернет-магазина по продаже мобильных телефонов.</a:t>
+              <a:t>Целью данной  дипломной работы является разработка web-сайта по продаже мобильных телефонов.</a:t>
             </a:r>
             <a:endParaRPr/>
           </a:p>
@@ -5175,14 +5169,14 @@
       </p:grpSpPr>
       <p:sp>
         <p:nvSpPr>
-          <p:cNvPr id="110" name="CustomShape 1"/>
+          <p:cNvPr id="111" name="CustomShape 1"/>
           <p:cNvSpPr/>
           <p:nvPr/>
         </p:nvSpPr>
         <p:spPr>
           <a:xfrm>
             <a:off x="357120" y="214200"/>
-            <a:ext cx="8569080" cy="6068520"/>
+            <a:ext cx="8568000" cy="6067440"/>
           </a:xfrm>
           <a:prstGeom prst="rect">
             <a:avLst/>
@@ -5330,14 +5324,14 @@
       </p:grpSpPr>
       <p:sp>
         <p:nvSpPr>
-          <p:cNvPr id="111" name="CustomShape 1"/>
+          <p:cNvPr id="112" name="CustomShape 1"/>
           <p:cNvSpPr/>
           <p:nvPr/>
         </p:nvSpPr>
         <p:spPr>
           <a:xfrm>
             <a:off x="16560" y="337320"/>
-            <a:ext cx="9141480" cy="1139400"/>
+            <a:ext cx="9140400" cy="1138320"/>
           </a:xfrm>
           <a:prstGeom prst="rect">
             <a:avLst/>
@@ -5371,7 +5365,7 @@
       </p:sp>
       <p:pic>
         <p:nvPicPr>
-          <p:cNvPr id="112" name="" descr=""/>
+          <p:cNvPr id="113" name="" descr=""/>
           <p:cNvPicPr/>
           <p:nvPr/>
         </p:nvPicPr>
@@ -5384,7 +5378,7 @@
         <p:spPr>
           <a:xfrm>
             <a:off x="1296000" y="1349640"/>
-            <a:ext cx="3165480" cy="1707840"/>
+            <a:ext cx="3164400" cy="1706760"/>
           </a:xfrm>
           <a:prstGeom prst="rect">
             <a:avLst/>
@@ -5396,7 +5390,7 @@
       </p:pic>
       <p:pic>
         <p:nvPicPr>
-          <p:cNvPr id="113" name="" descr=""/>
+          <p:cNvPr id="114" name="" descr=""/>
           <p:cNvPicPr/>
           <p:nvPr/>
         </p:nvPicPr>
@@ -5409,7 +5403,7 @@
         <p:spPr>
           <a:xfrm>
             <a:off x="5832000" y="1351080"/>
-            <a:ext cx="1679040" cy="1778400"/>
+            <a:ext cx="1677960" cy="1777320"/>
           </a:xfrm>
           <a:prstGeom prst="rect">
             <a:avLst/>
@@ -5421,7 +5415,7 @@
       </p:pic>
       <p:pic>
         <p:nvPicPr>
-          <p:cNvPr id="114" name="" descr=""/>
+          <p:cNvPr id="115" name="" descr=""/>
           <p:cNvPicPr/>
           <p:nvPr/>
         </p:nvPicPr>
@@ -5434,7 +5428,7 @@
         <p:spPr>
           <a:xfrm>
             <a:off x="1044000" y="3636000"/>
-            <a:ext cx="3237480" cy="1085400"/>
+            <a:ext cx="3236400" cy="1084320"/>
           </a:xfrm>
           <a:prstGeom prst="rect">
             <a:avLst/>
@@ -5446,7 +5440,7 @@
       </p:pic>
       <p:pic>
         <p:nvPicPr>
-          <p:cNvPr id="115" name="" descr=""/>
+          <p:cNvPr id="116" name="" descr=""/>
           <p:cNvPicPr/>
           <p:nvPr/>
         </p:nvPicPr>
@@ -5459,7 +5453,7 @@
         <p:spPr>
           <a:xfrm>
             <a:off x="4320000" y="3240000"/>
-            <a:ext cx="4461480" cy="1875960"/>
+            <a:ext cx="4460400" cy="1874880"/>
           </a:xfrm>
           <a:prstGeom prst="rect">
             <a:avLst/>
@@ -5520,7 +5514,7 @@
       </p:grpSpPr>
       <p:pic>
         <p:nvPicPr>
-          <p:cNvPr id="116" name="" descr=""/>
+          <p:cNvPr id="117" name="" descr=""/>
           <p:cNvPicPr/>
           <p:nvPr/>
         </p:nvPicPr>
@@ -5533,7 +5527,7 @@
         <p:spPr>
           <a:xfrm>
             <a:off x="144000" y="1223640"/>
-            <a:ext cx="8854920" cy="4549320"/>
+            <a:ext cx="8853840" cy="4548240"/>
           </a:xfrm>
           <a:prstGeom prst="rect">
             <a:avLst/>
@@ -5545,14 +5539,14 @@
       </p:pic>
       <p:sp>
         <p:nvSpPr>
-          <p:cNvPr id="117" name="CustomShape 1"/>
+          <p:cNvPr id="118" name="CustomShape 1"/>
           <p:cNvSpPr/>
           <p:nvPr/>
         </p:nvSpPr>
         <p:spPr>
           <a:xfrm>
             <a:off x="16560" y="337320"/>
-            <a:ext cx="9141480" cy="1139400"/>
+            <a:ext cx="9140400" cy="1138320"/>
           </a:xfrm>
           <a:prstGeom prst="rect">
             <a:avLst/>
@@ -5635,7 +5629,7 @@
       </p:grpSpPr>
       <p:pic>
         <p:nvPicPr>
-          <p:cNvPr id="118" name="" descr=""/>
+          <p:cNvPr id="119" name="" descr=""/>
           <p:cNvPicPr/>
           <p:nvPr/>
         </p:nvPicPr>
@@ -5648,7 +5642,7 @@
         <p:spPr>
           <a:xfrm>
             <a:off x="1271520" y="36000"/>
-            <a:ext cx="6600240" cy="6783480"/>
+            <a:ext cx="6599160" cy="6782400"/>
           </a:xfrm>
           <a:prstGeom prst="rect">
             <a:avLst/>
@@ -5709,7 +5703,7 @@
       </p:grpSpPr>
       <p:pic>
         <p:nvPicPr>
-          <p:cNvPr id="119" name="Содержимое 3" descr=""/>
+          <p:cNvPr id="120" name="Содержимое 3" descr=""/>
           <p:cNvPicPr/>
           <p:nvPr/>
         </p:nvPicPr>
@@ -5717,7 +5711,7 @@
           <a:blip r:embed="rId1">
             <a:lum contrast="20000"/>
           </a:blip>
-          <a:srcRect l="842437" t="-1097694" r="-276062" b="291266"/>
+          <a:srcRect l="785561" t="1832549" r="-1280079" b="1448106"/>
           <a:stretch>
             <a:fillRect/>
           </a:stretch>
@@ -5725,7 +5719,7 @@
         <p:spPr>
           <a:xfrm>
             <a:off x="1386720" y="1600200"/>
-            <a:ext cx="6367320" cy="4522320"/>
+            <a:ext cx="6366240" cy="4521240"/>
           </a:xfrm>
           <a:prstGeom prst="rect">
             <a:avLst/>
@@ -5737,7 +5731,7 @@
       </p:pic>
       <p:pic>
         <p:nvPicPr>
-          <p:cNvPr id="120" name="" descr=""/>
+          <p:cNvPr id="121" name="" descr=""/>
           <p:cNvPicPr/>
           <p:nvPr/>
         </p:nvPicPr>
@@ -5750,7 +5744,7 @@
         <p:spPr>
           <a:xfrm>
             <a:off x="5256000" y="3596400"/>
-            <a:ext cx="2864520" cy="2521440"/>
+            <a:ext cx="2863440" cy="2520360"/>
           </a:xfrm>
           <a:prstGeom prst="rect">
             <a:avLst/>
@@ -5762,7 +5756,7 @@
       </p:pic>
       <p:pic>
         <p:nvPicPr>
-          <p:cNvPr id="121" name="" descr=""/>
+          <p:cNvPr id="122" name="" descr=""/>
           <p:cNvPicPr/>
           <p:nvPr/>
         </p:nvPicPr>
@@ -5775,7 +5769,7 @@
         <p:spPr>
           <a:xfrm>
             <a:off x="307800" y="154440"/>
-            <a:ext cx="5162040" cy="3488040"/>
+            <a:ext cx="5160960" cy="3486960"/>
           </a:xfrm>
           <a:prstGeom prst="rect">
             <a:avLst/>
@@ -5836,13 +5830,13 @@
       </p:grpSpPr>
       <p:pic>
         <p:nvPicPr>
-          <p:cNvPr id="122" name="Содержимое 3" descr=""/>
+          <p:cNvPr id="123" name="Содержимое 3" descr=""/>
           <p:cNvPicPr/>
           <p:nvPr/>
         </p:nvPicPr>
         <p:blipFill>
           <a:blip r:embed="rId1"/>
-          <a:srcRect l="-309335" t="-1320002" r="951606" b="1007743"/>
+          <a:srcRect l="1276080" t="-1269658" r="1234349" b="-1653553"/>
           <a:stretch>
             <a:fillRect/>
           </a:stretch>
@@ -5850,7 +5844,7 @@
         <p:spPr>
           <a:xfrm>
             <a:off x="1143000" y="928800"/>
-            <a:ext cx="7068600" cy="5666400"/>
+            <a:ext cx="7067520" cy="5665320"/>
           </a:xfrm>
           <a:prstGeom prst="rect">
             <a:avLst/>
@@ -5862,7 +5856,7 @@
       </p:pic>
       <p:pic>
         <p:nvPicPr>
-          <p:cNvPr id="123" name="" descr=""/>
+          <p:cNvPr id="124" name="" descr=""/>
           <p:cNvPicPr/>
           <p:nvPr/>
         </p:nvPicPr>
@@ -5875,7 +5869,7 @@
         <p:spPr>
           <a:xfrm>
             <a:off x="0" y="1215000"/>
-            <a:ext cx="9141480" cy="4425480"/>
+            <a:ext cx="9140400" cy="4424400"/>
           </a:xfrm>
           <a:prstGeom prst="rect">
             <a:avLst/>
@@ -5887,14 +5881,14 @@
       </p:pic>
       <p:sp>
         <p:nvSpPr>
-          <p:cNvPr id="124" name="CustomShape 1"/>
+          <p:cNvPr id="125" name="CustomShape 1"/>
           <p:cNvSpPr/>
           <p:nvPr/>
         </p:nvSpPr>
         <p:spPr>
           <a:xfrm>
             <a:off x="40320" y="354960"/>
-            <a:ext cx="9141480" cy="1139400"/>
+            <a:ext cx="9140400" cy="1138320"/>
           </a:xfrm>
           <a:prstGeom prst="rect">
             <a:avLst/>
@@ -5977,7 +5971,7 @@
       </p:grpSpPr>
       <p:pic>
         <p:nvPicPr>
-          <p:cNvPr id="125" name="" descr=""/>
+          <p:cNvPr id="126" name="" descr=""/>
           <p:cNvPicPr/>
           <p:nvPr/>
         </p:nvPicPr>
@@ -5990,7 +5984,7 @@
         <p:spPr>
           <a:xfrm>
             <a:off x="180000" y="247680"/>
-            <a:ext cx="8857080" cy="6302160"/>
+            <a:ext cx="8856000" cy="6301080"/>
           </a:xfrm>
           <a:prstGeom prst="rect">
             <a:avLst/>

--- a/react-shopping-cart/public/work.pptx
+++ b/react-shopping-cart/public/work.pptx
@@ -20,6 +20,7 @@
     <p:sldId id="266" r:id="rId15"/>
     <p:sldId id="267" r:id="rId16"/>
     <p:sldId id="268" r:id="rId17"/>
+    <p:sldId id="269" r:id="rId18"/>
   </p:sldIdLst>
   <p:sldSz cx="9144000" cy="6858000"/>
   <p:notesSz cx="7559675" cy="10691812"/>
@@ -4098,7 +4099,7 @@
         <p:spPr>
           <a:xfrm>
             <a:off x="0" y="-48240"/>
-            <a:ext cx="9139320" cy="6167520"/>
+            <a:ext cx="9138960" cy="6167160"/>
           </a:xfrm>
           <a:prstGeom prst="rect">
             <a:avLst/>
@@ -4489,7 +4490,7 @@
         <p:spPr>
           <a:xfrm>
             <a:off x="3960000" y="6495120"/>
-            <a:ext cx="1217880" cy="344160"/>
+            <a:ext cx="1217520" cy="343800"/>
           </a:xfrm>
           <a:prstGeom prst="rect">
             <a:avLst/>
@@ -4563,121 +4564,20 @@
       </p:grpSpPr>
       <p:pic>
         <p:nvPicPr>
-          <p:cNvPr id="127" name="Содержимое 3" descr=""/>
+          <p:cNvPr id="129" name="" descr=""/>
           <p:cNvPicPr/>
           <p:nvPr/>
         </p:nvPicPr>
         <p:blipFill>
           <a:blip r:embed="rId1"/>
-          <a:srcRect l="-912479" t="-2029779" r="232537" b="-1822034"/>
           <a:stretch>
             <a:fillRect/>
           </a:stretch>
         </p:blipFill>
         <p:spPr>
           <a:xfrm>
-            <a:off x="1000080" y="1285920"/>
-            <a:ext cx="7282080" cy="5281920"/>
-          </a:xfrm>
-          <a:prstGeom prst="rect">
-            <a:avLst/>
-          </a:prstGeom>
-          <a:ln>
-            <a:noFill/>
-          </a:ln>
-        </p:spPr>
-      </p:pic>
-      <p:pic>
-        <p:nvPicPr>
-          <p:cNvPr id="128" name="" descr=""/>
-          <p:cNvPicPr/>
-          <p:nvPr/>
-        </p:nvPicPr>
-        <p:blipFill>
-          <a:blip r:embed="rId2"/>
-          <a:stretch>
-            <a:fillRect/>
-          </a:stretch>
-        </p:blipFill>
-        <p:spPr>
-          <a:xfrm>
-            <a:off x="144000" y="222120"/>
-            <a:ext cx="4377960" cy="1358640"/>
-          </a:xfrm>
-          <a:prstGeom prst="rect">
-            <a:avLst/>
-          </a:prstGeom>
-          <a:ln>
-            <a:noFill/>
-          </a:ln>
-        </p:spPr>
-      </p:pic>
-      <p:pic>
-        <p:nvPicPr>
-          <p:cNvPr id="129" name="" descr=""/>
-          <p:cNvPicPr/>
-          <p:nvPr/>
-        </p:nvPicPr>
-        <p:blipFill>
-          <a:blip r:embed="rId3"/>
-          <a:stretch>
-            <a:fillRect/>
-          </a:stretch>
-        </p:blipFill>
-        <p:spPr>
-          <a:xfrm>
-            <a:off x="288000" y="1285920"/>
-            <a:ext cx="3876480" cy="5118840"/>
-          </a:xfrm>
-          <a:prstGeom prst="rect">
-            <a:avLst/>
-          </a:prstGeom>
-          <a:ln>
-            <a:noFill/>
-          </a:ln>
-        </p:spPr>
-      </p:pic>
-      <p:pic>
-        <p:nvPicPr>
-          <p:cNvPr id="130" name="" descr=""/>
-          <p:cNvPicPr/>
-          <p:nvPr/>
-        </p:nvPicPr>
-        <p:blipFill>
-          <a:blip r:embed="rId4"/>
-          <a:stretch>
-            <a:fillRect/>
-          </a:stretch>
-        </p:blipFill>
-        <p:spPr>
-          <a:xfrm>
-            <a:off x="4572000" y="1285920"/>
-            <a:ext cx="4282560" cy="5063760"/>
-          </a:xfrm>
-          <a:prstGeom prst="rect">
-            <a:avLst/>
-          </a:prstGeom>
-          <a:ln>
-            <a:noFill/>
-          </a:ln>
-        </p:spPr>
-      </p:pic>
-      <p:pic>
-        <p:nvPicPr>
-          <p:cNvPr id="131" name="" descr=""/>
-          <p:cNvPicPr/>
-          <p:nvPr/>
-        </p:nvPicPr>
-        <p:blipFill>
-          <a:blip r:embed="rId5"/>
-          <a:stretch>
-            <a:fillRect/>
-          </a:stretch>
-        </p:blipFill>
-        <p:spPr>
-          <a:xfrm>
-            <a:off x="6192000" y="288000"/>
-            <a:ext cx="2615760" cy="815400"/>
+            <a:off x="180000" y="247680"/>
+            <a:ext cx="8855640" cy="6300720"/>
           </a:xfrm>
           <a:prstGeom prst="rect">
             <a:avLst/>
@@ -4738,20 +4638,71 @@
       </p:grpSpPr>
       <p:pic>
         <p:nvPicPr>
+          <p:cNvPr id="130" name="Содержимое 3" descr=""/>
+          <p:cNvPicPr/>
+          <p:nvPr/>
+        </p:nvPicPr>
+        <p:blipFill>
+          <a:blip r:embed="rId1"/>
+          <a:srcRect l="13316" t="-1218399" r="784603" b="-493141"/>
+          <a:stretch>
+            <a:fillRect/>
+          </a:stretch>
+        </p:blipFill>
+        <p:spPr>
+          <a:xfrm>
+            <a:off x="1000080" y="1285920"/>
+            <a:ext cx="7281720" cy="5281560"/>
+          </a:xfrm>
+          <a:prstGeom prst="rect">
+            <a:avLst/>
+          </a:prstGeom>
+          <a:ln>
+            <a:noFill/>
+          </a:ln>
+        </p:spPr>
+      </p:pic>
+      <p:pic>
+        <p:nvPicPr>
+          <p:cNvPr id="131" name="" descr=""/>
+          <p:cNvPicPr/>
+          <p:nvPr/>
+        </p:nvPicPr>
+        <p:blipFill>
+          <a:blip r:embed="rId2"/>
+          <a:stretch>
+            <a:fillRect/>
+          </a:stretch>
+        </p:blipFill>
+        <p:spPr>
+          <a:xfrm>
+            <a:off x="144000" y="222120"/>
+            <a:ext cx="4377600" cy="1358280"/>
+          </a:xfrm>
+          <a:prstGeom prst="rect">
+            <a:avLst/>
+          </a:prstGeom>
+          <a:ln>
+            <a:noFill/>
+          </a:ln>
+        </p:spPr>
+      </p:pic>
+      <p:pic>
+        <p:nvPicPr>
           <p:cNvPr id="132" name="" descr=""/>
           <p:cNvPicPr/>
           <p:nvPr/>
         </p:nvPicPr>
         <p:blipFill>
-          <a:blip r:embed="rId1"/>
+          <a:blip r:embed="rId3"/>
           <a:stretch>
             <a:fillRect/>
           </a:stretch>
         </p:blipFill>
         <p:spPr>
           <a:xfrm>
-            <a:off x="1419480" y="1400400"/>
-            <a:ext cx="6410880" cy="4104360"/>
+            <a:off x="288000" y="1285920"/>
+            <a:ext cx="3876120" cy="5118480"/>
           </a:xfrm>
           <a:prstGeom prst="rect">
             <a:avLst/>
@@ -4761,47 +4712,56 @@
           </a:ln>
         </p:spPr>
       </p:pic>
-      <p:sp>
-        <p:nvSpPr>
-          <p:cNvPr id="133" name="CustomShape 1"/>
-          <p:cNvSpPr/>
+      <p:pic>
+        <p:nvPicPr>
+          <p:cNvPr id="133" name="" descr=""/>
+          <p:cNvPicPr/>
           <p:nvPr/>
-        </p:nvSpPr>
-        <p:spPr>
-          <a:xfrm>
-            <a:off x="31680" y="291240"/>
-            <a:ext cx="9140400" cy="1138320"/>
-          </a:xfrm>
-          <a:prstGeom prst="rect">
-            <a:avLst/>
-          </a:prstGeom>
-          <a:noFill/>
+        </p:nvPicPr>
+        <p:blipFill>
+          <a:blip r:embed="rId4"/>
+          <a:stretch>
+            <a:fillRect/>
+          </a:stretch>
+        </p:blipFill>
+        <p:spPr>
+          <a:xfrm>
+            <a:off x="4572000" y="1285920"/>
+            <a:ext cx="4282200" cy="5063400"/>
+          </a:xfrm>
+          <a:prstGeom prst="rect">
+            <a:avLst/>
+          </a:prstGeom>
           <a:ln>
             <a:noFill/>
           </a:ln>
         </p:spPr>
-        <p:txBody>
-          <a:bodyPr lIns="90000" rIns="90000" tIns="45000" bIns="45000" anchor="ctr"/>
-          <a:p>
-            <a:pPr algn="ctr">
-              <a:lnSpc>
-                <a:spcPct val="100000"/>
-              </a:lnSpc>
-            </a:pPr>
-            <a:r>
-              <a:rPr lang="ru-RU" sz="3600">
-                <a:solidFill>
-                  <a:srgbClr val="000000"/>
-                </a:solidFill>
-                <a:latin typeface="Times New Roman"/>
-                <a:ea typeface="DejaVu Sans"/>
-              </a:rPr>
-              <a:t>Пример письма с заказом</a:t>
-            </a:r>
-            <a:endParaRPr/>
-          </a:p>
-        </p:txBody>
-      </p:sp>
+      </p:pic>
+      <p:pic>
+        <p:nvPicPr>
+          <p:cNvPr id="134" name="" descr=""/>
+          <p:cNvPicPr/>
+          <p:nvPr/>
+        </p:nvPicPr>
+        <p:blipFill>
+          <a:blip r:embed="rId5"/>
+          <a:stretch>
+            <a:fillRect/>
+          </a:stretch>
+        </p:blipFill>
+        <p:spPr>
+          <a:xfrm>
+            <a:off x="6192000" y="288000"/>
+            <a:ext cx="2615400" cy="815040"/>
+          </a:xfrm>
+          <a:prstGeom prst="rect">
+            <a:avLst/>
+          </a:prstGeom>
+          <a:ln>
+            <a:noFill/>
+          </a:ln>
+        </p:spPr>
+      </p:pic>
     </p:spTree>
   </p:cSld>
   <p:timing>
@@ -4851,16 +4811,41 @@
           <a:chExt cx="0" cy="0"/>
         </a:xfrm>
       </p:grpSpPr>
-      <p:sp>
-        <p:nvSpPr>
-          <p:cNvPr id="134" name="CustomShape 1"/>
+      <p:pic>
+        <p:nvPicPr>
+          <p:cNvPr id="135" name="" descr=""/>
+          <p:cNvPicPr/>
+          <p:nvPr/>
+        </p:nvPicPr>
+        <p:blipFill>
+          <a:blip r:embed="rId1"/>
+          <a:stretch>
+            <a:fillRect/>
+          </a:stretch>
+        </p:blipFill>
+        <p:spPr>
+          <a:xfrm>
+            <a:off x="1419480" y="1400400"/>
+            <a:ext cx="6410520" cy="4104000"/>
+          </a:xfrm>
+          <a:prstGeom prst="rect">
+            <a:avLst/>
+          </a:prstGeom>
+          <a:ln>
+            <a:noFill/>
+          </a:ln>
+        </p:spPr>
+      </p:pic>
+      <p:sp>
+        <p:nvSpPr>
+          <p:cNvPr id="136" name="CustomShape 1"/>
           <p:cNvSpPr/>
           <p:nvPr/>
         </p:nvSpPr>
         <p:spPr>
           <a:xfrm>
-            <a:off x="40320" y="354960"/>
-            <a:ext cx="9140400" cy="1138320"/>
+            <a:off x="31680" y="291240"/>
+            <a:ext cx="9140040" cy="1137960"/>
           </a:xfrm>
           <a:prstGeom prst="rect">
             <a:avLst/>
@@ -4886,90 +4871,7 @@
                 <a:latin typeface="Times New Roman"/>
                 <a:ea typeface="DejaVu Sans"/>
               </a:rPr>
-              <a:t>Итоги работы</a:t>
-            </a:r>
-            <a:endParaRPr/>
-          </a:p>
-        </p:txBody>
-      </p:sp>
-      <p:sp>
-        <p:nvSpPr>
-          <p:cNvPr id="135" name="CustomShape 2"/>
-          <p:cNvSpPr/>
-          <p:nvPr/>
-        </p:nvSpPr>
-        <p:spPr>
-          <a:xfrm>
-            <a:off x="40320" y="1230840"/>
-            <a:ext cx="9102240" cy="4960800"/>
-          </a:xfrm>
-          <a:prstGeom prst="rect">
-            <a:avLst/>
-          </a:prstGeom>
-          <a:noFill/>
-          <a:ln>
-            <a:noFill/>
-          </a:ln>
-        </p:spPr>
-        <p:txBody>
-          <a:bodyPr lIns="90000" rIns="90000" tIns="45000" bIns="45000"/>
-          <a:p>
-            <a:r>
-              <a:rPr lang="ru-RU" sz="2800">
-                <a:solidFill>
-                  <a:srgbClr val="000000"/>
-                </a:solidFill>
-                <a:latin typeface="Times New Roman"/>
-              </a:rPr>
-              <a:t>- Разработал клиентскую часть приложения с основными функциями для работы интернет-магазина</a:t>
-            </a:r>
-            <a:endParaRPr/>
-          </a:p>
-          <a:p>
-            <a:r>
-              <a:rPr lang="ru-RU" sz="2800">
-                <a:solidFill>
-                  <a:srgbClr val="000000"/>
-                </a:solidFill>
-                <a:latin typeface="Times New Roman"/>
-              </a:rPr>
-              <a:t>- Изучил особенности и принципы построения Интернет-магазинов;</a:t>
-            </a:r>
-            <a:endParaRPr/>
-          </a:p>
-          <a:p>
-            <a:r>
-              <a:rPr lang="ru-RU" sz="2800">
-                <a:solidFill>
-                  <a:srgbClr val="000000"/>
-                </a:solidFill>
-                <a:latin typeface="Times New Roman"/>
-              </a:rPr>
-              <a:t>- Проанализировал рынок существующих электронных площадок;</a:t>
-            </a:r>
-            <a:endParaRPr/>
-          </a:p>
-          <a:p>
-            <a:r>
-              <a:rPr lang="ru-RU" sz="2800">
-                <a:solidFill>
-                  <a:srgbClr val="000000"/>
-                </a:solidFill>
-                <a:latin typeface="Times New Roman"/>
-              </a:rPr>
-              <a:t>- Выявил наиболее подходящие технологии и инструменты для создания своего интернет-магазина;</a:t>
-            </a:r>
-            <a:endParaRPr/>
-          </a:p>
-          <a:p>
-            <a:r>
-              <a:rPr lang="ru-RU" sz="2800">
-                <a:solidFill>
-                  <a:srgbClr val="000000"/>
-                </a:solidFill>
-                <a:latin typeface="Times New Roman"/>
-              </a:rPr>
-              <a:t>- Получил общее представление о работе и интеграции платёжных систем;</a:t>
+              <a:t>Пример письма с заказом</a:t>
             </a:r>
             <a:endParaRPr/>
           </a:p>
@@ -5026,23 +4928,204 @@
       </p:grpSpPr>
       <p:sp>
         <p:nvSpPr>
-          <p:cNvPr id="136" name="TextShape 1"/>
-          <p:cNvSpPr txBox="1"/>
+          <p:cNvPr id="137" name="CustomShape 1"/>
+          <p:cNvSpPr/>
           <p:nvPr/>
         </p:nvSpPr>
         <p:spPr>
           <a:xfrm>
+            <a:off x="40320" y="354960"/>
+            <a:ext cx="9140040" cy="1137960"/>
+          </a:xfrm>
+          <a:prstGeom prst="rect">
+            <a:avLst/>
+          </a:prstGeom>
+          <a:noFill/>
+          <a:ln>
+            <a:noFill/>
+          </a:ln>
+        </p:spPr>
+        <p:txBody>
+          <a:bodyPr lIns="90000" rIns="90000" tIns="45000" bIns="45000" anchor="ctr"/>
+          <a:p>
+            <a:pPr algn="ctr">
+              <a:lnSpc>
+                <a:spcPct val="100000"/>
+              </a:lnSpc>
+            </a:pPr>
+            <a:r>
+              <a:rPr lang="ru-RU" sz="3600">
+                <a:solidFill>
+                  <a:srgbClr val="000000"/>
+                </a:solidFill>
+                <a:latin typeface="Times New Roman"/>
+                <a:ea typeface="DejaVu Sans"/>
+              </a:rPr>
+              <a:t>Итоги работы</a:t>
+            </a:r>
+            <a:endParaRPr/>
+          </a:p>
+        </p:txBody>
+      </p:sp>
+      <p:sp>
+        <p:nvSpPr>
+          <p:cNvPr id="138" name="CustomShape 2"/>
+          <p:cNvSpPr/>
+          <p:nvPr/>
+        </p:nvSpPr>
+        <p:spPr>
+          <a:xfrm>
+            <a:off x="40320" y="1230840"/>
+            <a:ext cx="9101880" cy="4960440"/>
+          </a:xfrm>
+          <a:prstGeom prst="rect">
+            <a:avLst/>
+          </a:prstGeom>
+          <a:noFill/>
+          <a:ln>
+            <a:noFill/>
+          </a:ln>
+        </p:spPr>
+        <p:txBody>
+          <a:bodyPr lIns="90000" rIns="90000" tIns="45000" bIns="45000"/>
+          <a:p>
+            <a:r>
+              <a:rPr lang="ru-RU" sz="2800">
+                <a:solidFill>
+                  <a:srgbClr val="000000"/>
+                </a:solidFill>
+                <a:latin typeface="Times New Roman"/>
+              </a:rPr>
+              <a:t>- Разработал клиентскую часть приложения с основными функциями для работы интернет-магазина</a:t>
+            </a:r>
+            <a:endParaRPr/>
+          </a:p>
+          <a:p>
+            <a:r>
+              <a:rPr lang="ru-RU" sz="2800">
+                <a:solidFill>
+                  <a:srgbClr val="000000"/>
+                </a:solidFill>
+                <a:latin typeface="Times New Roman"/>
+              </a:rPr>
+              <a:t>- Изучил особенности и принципы построения Интернет-магазинов;</a:t>
+            </a:r>
+            <a:endParaRPr/>
+          </a:p>
+          <a:p>
+            <a:r>
+              <a:rPr lang="ru-RU" sz="2800">
+                <a:solidFill>
+                  <a:srgbClr val="000000"/>
+                </a:solidFill>
+                <a:latin typeface="Times New Roman"/>
+              </a:rPr>
+              <a:t>- Проанализировал рынок существующих электронных площадок;</a:t>
+            </a:r>
+            <a:endParaRPr/>
+          </a:p>
+          <a:p>
+            <a:r>
+              <a:rPr lang="ru-RU" sz="2800">
+                <a:solidFill>
+                  <a:srgbClr val="000000"/>
+                </a:solidFill>
+                <a:latin typeface="Times New Roman"/>
+              </a:rPr>
+              <a:t>- Выявил наиболее подходящие технологии и инструменты для создания своего интернет-магазина;</a:t>
+            </a:r>
+            <a:endParaRPr/>
+          </a:p>
+          <a:p>
+            <a:r>
+              <a:rPr lang="ru-RU" sz="2800">
+                <a:solidFill>
+                  <a:srgbClr val="000000"/>
+                </a:solidFill>
+                <a:latin typeface="Times New Roman"/>
+              </a:rPr>
+              <a:t>- Получил общее представление о работе и интеграции платёжных систем;</a:t>
+            </a:r>
+            <a:endParaRPr/>
+          </a:p>
+        </p:txBody>
+      </p:sp>
+    </p:spTree>
+  </p:cSld>
+  <p:timing>
+    <p:tnLst>
+      <p:par>
+        <p:cTn id="25" dur="indefinite" restart="never" nodeType="tmRoot">
+          <p:childTnLst>
+            <p:seq>
+              <p:cTn id="26" nodeType="mainSeq"/>
+              <p:prevCondLst>
+                <p:cond delay="0" evt="onPrev">
+                  <p:tgtEl>
+                    <p:sldTgt/>
+                  </p:tgtEl>
+                </p:cond>
+              </p:prevCondLst>
+              <p:nextCondLst>
+                <p:cond delay="0" evt="onNext">
+                  <p:tgtEl>
+                    <p:sldTgt/>
+                  </p:tgtEl>
+                </p:cond>
+              </p:nextCondLst>
+            </p:seq>
+          </p:childTnLst>
+        </p:cTn>
+      </p:par>
+    </p:tnLst>
+  </p:timing>
+</p:sld>
+</file>
+
+<file path=ppt/slides/slide14.xml><?xml version="1.0" encoding="utf-8"?>
+<p:sld xmlns:a="http://schemas.openxmlformats.org/drawingml/2006/main" xmlns:p="http://schemas.openxmlformats.org/presentationml/2006/main" xmlns:r="http://schemas.openxmlformats.org/officeDocument/2006/relationships">
+  <p:cSld>
+    <p:spTree>
+      <p:nvGrpSpPr>
+        <p:cNvPr id="1" name=""/>
+        <p:cNvGrpSpPr/>
+        <p:nvPr/>
+      </p:nvGrpSpPr>
+      <p:grpSpPr>
+        <a:xfrm>
+          <a:off x="0" y="0"/>
+          <a:ext cx="0" cy="0"/>
+          <a:chOff x="0" y="0"/>
+          <a:chExt cx="0" cy="0"/>
+        </a:xfrm>
+      </p:grpSpPr>
+      <p:sp>
+        <p:nvSpPr>
+          <p:cNvPr id="139" name="CustomShape 1"/>
+          <p:cNvSpPr/>
+          <p:nvPr/>
+        </p:nvSpPr>
+        <p:spPr>
+          <a:xfrm>
             <a:off x="0" y="2700000"/>
-            <a:ext cx="9144000" cy="597960"/>
-          </a:xfrm>
-          <a:prstGeom prst="rect">
-            <a:avLst/>
-          </a:prstGeom>
+            <a:ext cx="9143640" cy="597600"/>
+          </a:xfrm>
+          <a:prstGeom prst="rect">
+            <a:avLst/>
+          </a:prstGeom>
+          <a:noFill/>
+          <a:ln>
+            <a:noFill/>
+          </a:ln>
         </p:spPr>
         <p:txBody>
           <a:bodyPr lIns="90000" rIns="90000" tIns="45000" bIns="45000"/>
           <a:p>
-            <a:pPr algn="ctr"/>
+            <a:pPr algn="ctr">
+              <a:lnSpc>
+                <a:spcPct val="100000"/>
+              </a:lnSpc>
+            </a:pPr>
             <a:r>
               <a:rPr lang="ru-RU" sz="3600">
                 <a:latin typeface="Times New Roman"/>
@@ -5084,7 +5167,7 @@
         <p:spPr>
           <a:xfrm>
             <a:off x="266760" y="648000"/>
-            <a:ext cx="8224920" cy="4521240"/>
+            <a:ext cx="8224560" cy="4520880"/>
           </a:xfrm>
           <a:prstGeom prst="rect">
             <a:avLst/>
@@ -5176,7 +5259,7 @@
         <p:spPr>
           <a:xfrm>
             <a:off x="357120" y="214200"/>
-            <a:ext cx="8568000" cy="6067440"/>
+            <a:ext cx="8567640" cy="6067080"/>
           </a:xfrm>
           <a:prstGeom prst="rect">
             <a:avLst/>
@@ -5331,7 +5414,7 @@
         <p:spPr>
           <a:xfrm>
             <a:off x="16560" y="337320"/>
-            <a:ext cx="9140400" cy="1138320"/>
+            <a:ext cx="9140040" cy="1137960"/>
           </a:xfrm>
           <a:prstGeom prst="rect">
             <a:avLst/>
@@ -5378,7 +5461,7 @@
         <p:spPr>
           <a:xfrm>
             <a:off x="1296000" y="1349640"/>
-            <a:ext cx="3164400" cy="1706760"/>
+            <a:ext cx="3164040" cy="1706400"/>
           </a:xfrm>
           <a:prstGeom prst="rect">
             <a:avLst/>
@@ -5403,7 +5486,7 @@
         <p:spPr>
           <a:xfrm>
             <a:off x="5832000" y="1351080"/>
-            <a:ext cx="1677960" cy="1777320"/>
+            <a:ext cx="1677600" cy="1776960"/>
           </a:xfrm>
           <a:prstGeom prst="rect">
             <a:avLst/>
@@ -5428,7 +5511,7 @@
         <p:spPr>
           <a:xfrm>
             <a:off x="1044000" y="3636000"/>
-            <a:ext cx="3236400" cy="1084320"/>
+            <a:ext cx="3236040" cy="1083960"/>
           </a:xfrm>
           <a:prstGeom prst="rect">
             <a:avLst/>
@@ -5453,7 +5536,7 @@
         <p:spPr>
           <a:xfrm>
             <a:off x="4320000" y="3240000"/>
-            <a:ext cx="4460400" cy="1874880"/>
+            <a:ext cx="4460040" cy="1874520"/>
           </a:xfrm>
           <a:prstGeom prst="rect">
             <a:avLst/>
@@ -5527,7 +5610,7 @@
         <p:spPr>
           <a:xfrm>
             <a:off x="144000" y="1223640"/>
-            <a:ext cx="8853840" cy="4548240"/>
+            <a:ext cx="8853480" cy="4547880"/>
           </a:xfrm>
           <a:prstGeom prst="rect">
             <a:avLst/>
@@ -5546,7 +5629,7 @@
         <p:spPr>
           <a:xfrm>
             <a:off x="16560" y="337320"/>
-            <a:ext cx="9140400" cy="1138320"/>
+            <a:ext cx="9140040" cy="1137960"/>
           </a:xfrm>
           <a:prstGeom prst="rect">
             <a:avLst/>
@@ -5642,7 +5725,7 @@
         <p:spPr>
           <a:xfrm>
             <a:off x="1271520" y="36000"/>
-            <a:ext cx="6599160" cy="6782400"/>
+            <a:ext cx="6598800" cy="6782040"/>
           </a:xfrm>
           <a:prstGeom prst="rect">
             <a:avLst/>
@@ -5711,7 +5794,7 @@
           <a:blip r:embed="rId1">
             <a:lum contrast="20000"/>
           </a:blip>
-          <a:srcRect l="785561" t="1832549" r="-1280079" b="1448106"/>
+          <a:srcRect l="-687461" t="771363" r="1023359" b="142512"/>
           <a:stretch>
             <a:fillRect/>
           </a:stretch>
@@ -5719,7 +5802,7 @@
         <p:spPr>
           <a:xfrm>
             <a:off x="1386720" y="1600200"/>
-            <a:ext cx="6366240" cy="4521240"/>
+            <a:ext cx="6365880" cy="4520880"/>
           </a:xfrm>
           <a:prstGeom prst="rect">
             <a:avLst/>
@@ -5744,7 +5827,7 @@
         <p:spPr>
           <a:xfrm>
             <a:off x="5256000" y="3596400"/>
-            <a:ext cx="2863440" cy="2520360"/>
+            <a:ext cx="2863080" cy="2520000"/>
           </a:xfrm>
           <a:prstGeom prst="rect">
             <a:avLst/>
@@ -5769,7 +5852,7 @@
         <p:spPr>
           <a:xfrm>
             <a:off x="307800" y="154440"/>
-            <a:ext cx="5160960" cy="3486960"/>
+            <a:ext cx="5160600" cy="3486600"/>
           </a:xfrm>
           <a:prstGeom prst="rect">
             <a:avLst/>
@@ -5836,7 +5919,7 @@
         </p:nvPicPr>
         <p:blipFill>
           <a:blip r:embed="rId1"/>
-          <a:srcRect l="1276080" t="-1269658" r="1234349" b="-1653553"/>
+          <a:srcRect l="-1129171" t="-192587" r="450932" b="-806993"/>
           <a:stretch>
             <a:fillRect/>
           </a:stretch>
@@ -5844,7 +5927,7 @@
         <p:spPr>
           <a:xfrm>
             <a:off x="1143000" y="928800"/>
-            <a:ext cx="7067520" cy="5665320"/>
+            <a:ext cx="7067160" cy="5664960"/>
           </a:xfrm>
           <a:prstGeom prst="rect">
             <a:avLst/>
@@ -5869,7 +5952,7 @@
         <p:spPr>
           <a:xfrm>
             <a:off x="0" y="1215000"/>
-            <a:ext cx="9140400" cy="4424400"/>
+            <a:ext cx="9140040" cy="4424040"/>
           </a:xfrm>
           <a:prstGeom prst="rect">
             <a:avLst/>
@@ -5888,7 +5971,7 @@
         <p:spPr>
           <a:xfrm>
             <a:off x="40320" y="354960"/>
-            <a:ext cx="9140400" cy="1138320"/>
+            <a:ext cx="9140040" cy="1137960"/>
           </a:xfrm>
           <a:prstGeom prst="rect">
             <a:avLst/>
@@ -5969,31 +6052,398 @@
           <a:chExt cx="0" cy="0"/>
         </a:xfrm>
       </p:grpSpPr>
-      <p:pic>
-        <p:nvPicPr>
-          <p:cNvPr id="126" name="" descr=""/>
-          <p:cNvPicPr/>
+      <p:sp>
+        <p:nvSpPr>
+          <p:cNvPr id="126" name="TextShape 1"/>
+          <p:cNvSpPr txBox="1"/>
           <p:nvPr/>
-        </p:nvPicPr>
-        <p:blipFill>
-          <a:blip r:embed="rId1"/>
-          <a:stretch>
-            <a:fillRect/>
-          </a:stretch>
-        </p:blipFill>
-        <p:spPr>
-          <a:xfrm>
-            <a:off x="180000" y="247680"/>
-            <a:ext cx="8856000" cy="6301080"/>
-          </a:xfrm>
-          <a:prstGeom prst="rect">
+        </p:nvSpPr>
+        <p:spPr>
+          <a:xfrm>
+            <a:off x="432000" y="288000"/>
+            <a:ext cx="8352000" cy="2743560"/>
+          </a:xfrm>
+          <a:prstGeom prst="rect">
+            <a:avLst/>
+          </a:prstGeom>
+        </p:spPr>
+        <p:txBody>
+          <a:bodyPr lIns="90000" rIns="90000" tIns="45000" bIns="45000"/>
+          <a:p>
+            <a:r>
+              <a:rPr lang="ru-RU">
+                <a:latin typeface="Courier 10 Pitch"/>
+              </a:rPr>
+              <a:t>componentWillMount() {</a:t>
+            </a:r>
+            <a:r>
+              <a:rPr lang="ru-RU">
+                <a:latin typeface="Courier 10 Pitch"/>
+              </a:rPr>
+              <a:t>	</a:t>
+            </a:r>
+            <a:r>
+              <a:rPr lang="ru-RU">
+                <a:latin typeface="Courier 10 Pitch"/>
+              </a:rPr>
+              <a:t>	</a:t>
+            </a:r>
+            <a:endParaRPr/>
+          </a:p>
+          <a:p>
+            <a:r>
+              <a:rPr lang="ru-RU">
+                <a:latin typeface="Courier 10 Pitch"/>
+              </a:rPr>
+              <a:t>	</a:t>
+            </a:r>
+            <a:r>
+              <a:rPr lang="ru-RU">
+                <a:latin typeface="Courier 10 Pitch"/>
+              </a:rPr>
+              <a:t>	</a:t>
+            </a:r>
+            <a:r>
+              <a:rPr lang="ru-RU">
+                <a:latin typeface="Courier 10 Pitch"/>
+              </a:rPr>
+              <a:t>const { productId, setProduct } = this.props</a:t>
+            </a:r>
+            <a:endParaRPr/>
+          </a:p>
+          <a:p>
+            <a:r>
+              <a:rPr lang="ru-RU">
+                <a:latin typeface="Courier 10 Pitch"/>
+              </a:rPr>
+              <a:t>	</a:t>
+            </a:r>
+            <a:r>
+              <a:rPr lang="ru-RU">
+                <a:latin typeface="Courier 10 Pitch"/>
+              </a:rPr>
+              <a:t>    </a:t>
+            </a:r>
+            <a:r>
+              <a:rPr lang="ru-RU">
+                <a:latin typeface="Courier 10 Pitch"/>
+              </a:rPr>
+              <a:t>axios.get('https://socio.paktcompany.com/wp-json/wp/v2/posts/' + productId).then( ({ data }) =&gt; {</a:t>
+            </a:r>
+            <a:endParaRPr/>
+          </a:p>
+          <a:p>
+            <a:r>
+              <a:rPr lang="ru-RU">
+                <a:latin typeface="Courier 10 Pitch"/>
+              </a:rPr>
+              <a:t>	</a:t>
+            </a:r>
+            <a:r>
+              <a:rPr lang="ru-RU">
+                <a:latin typeface="Courier 10 Pitch"/>
+              </a:rPr>
+              <a:t>      </a:t>
+            </a:r>
+            <a:r>
+              <a:rPr lang="ru-RU">
+                <a:latin typeface="Courier 10 Pitch"/>
+              </a:rPr>
+              <a:t>this.setState({</a:t>
+            </a:r>
+            <a:endParaRPr/>
+          </a:p>
+          <a:p>
+            <a:r>
+              <a:rPr lang="ru-RU">
+                <a:latin typeface="Courier 10 Pitch"/>
+              </a:rPr>
+              <a:t>	</a:t>
+            </a:r>
+            <a:r>
+              <a:rPr lang="ru-RU">
+                <a:latin typeface="Courier 10 Pitch"/>
+              </a:rPr>
+              <a:t>      </a:t>
+            </a:r>
+            <a:r>
+              <a:rPr lang="ru-RU">
+                <a:latin typeface="Courier 10 Pitch"/>
+              </a:rPr>
+              <a:t>	</a:t>
+            </a:r>
+            <a:r>
+              <a:rPr lang="ru-RU">
+                <a:latin typeface="Courier 10 Pitch"/>
+              </a:rPr>
+              <a:t>isReady: true,</a:t>
+            </a:r>
+            <a:endParaRPr/>
+          </a:p>
+          <a:p>
+            <a:r>
+              <a:rPr lang="ru-RU">
+                <a:latin typeface="Courier 10 Pitch"/>
+              </a:rPr>
+              <a:t>	</a:t>
+            </a:r>
+            <a:r>
+              <a:rPr lang="ru-RU">
+                <a:latin typeface="Courier 10 Pitch"/>
+              </a:rPr>
+              <a:t>      </a:t>
+            </a:r>
+            <a:r>
+              <a:rPr lang="ru-RU">
+                <a:latin typeface="Courier 10 Pitch"/>
+              </a:rPr>
+              <a:t>	</a:t>
+            </a:r>
+            <a:r>
+              <a:rPr lang="ru-RU">
+                <a:latin typeface="Courier 10 Pitch"/>
+              </a:rPr>
+              <a:t>product: data</a:t>
+            </a:r>
+            <a:endParaRPr/>
+          </a:p>
+          <a:p>
+            <a:r>
+              <a:rPr lang="ru-RU">
+                <a:latin typeface="Courier 10 Pitch"/>
+              </a:rPr>
+              <a:t>	</a:t>
+            </a:r>
+            <a:r>
+              <a:rPr lang="ru-RU">
+                <a:latin typeface="Courier 10 Pitch"/>
+              </a:rPr>
+              <a:t>      </a:t>
+            </a:r>
+            <a:r>
+              <a:rPr lang="ru-RU">
+                <a:latin typeface="Courier 10 Pitch"/>
+              </a:rPr>
+              <a:t>})</a:t>
+            </a:r>
+            <a:r>
+              <a:rPr lang="ru-RU">
+                <a:latin typeface="Courier 10 Pitch"/>
+              </a:rPr>
+              <a:t>	</a:t>
+            </a:r>
+            <a:r>
+              <a:rPr lang="ru-RU">
+                <a:latin typeface="Courier 10 Pitch"/>
+              </a:rPr>
+              <a:t>      </a:t>
+            </a:r>
+            <a:endParaRPr/>
+          </a:p>
+          <a:p>
+            <a:r>
+              <a:rPr lang="ru-RU">
+                <a:latin typeface="Courier 10 Pitch"/>
+              </a:rPr>
+              <a:t>	</a:t>
+            </a:r>
+            <a:r>
+              <a:rPr lang="ru-RU">
+                <a:latin typeface="Courier 10 Pitch"/>
+              </a:rPr>
+              <a:t>    </a:t>
+            </a:r>
+            <a:r>
+              <a:rPr lang="ru-RU">
+                <a:latin typeface="Courier 10 Pitch"/>
+              </a:rPr>
+              <a:t>});</a:t>
+            </a:r>
+            <a:r>
+              <a:rPr lang="ru-RU">
+                <a:latin typeface="Courier 10 Pitch"/>
+              </a:rPr>
+              <a:t>	</a:t>
+            </a:r>
+            <a:r>
+              <a:rPr lang="ru-RU">
+                <a:latin typeface="Courier 10 Pitch"/>
+              </a:rPr>
+              <a:t>    </a:t>
+            </a:r>
+            <a:endParaRPr/>
+          </a:p>
+          <a:p>
+            <a:r>
+              <a:rPr lang="ru-RU">
+                <a:latin typeface="Courier 10 Pitch"/>
+              </a:rPr>
+              <a:t>  </a:t>
+            </a:r>
+            <a:r>
+              <a:rPr lang="ru-RU">
+                <a:latin typeface="Courier 10 Pitch"/>
+              </a:rPr>
+              <a:t>	</a:t>
+            </a:r>
+            <a:r>
+              <a:rPr lang="ru-RU">
+                <a:latin typeface="Courier 10 Pitch"/>
+              </a:rPr>
+              <a:t>}</a:t>
+            </a:r>
+            <a:endParaRPr/>
+          </a:p>
+        </p:txBody>
+      </p:sp>
+      <p:sp>
+        <p:nvSpPr>
+          <p:cNvPr id="127" name="TextShape 2"/>
+          <p:cNvSpPr txBox="1"/>
+          <p:nvPr/>
+        </p:nvSpPr>
+        <p:spPr>
+          <a:xfrm>
+            <a:off x="648000" y="3240000"/>
+            <a:ext cx="7704000" cy="3200760"/>
+          </a:xfrm>
+          <a:prstGeom prst="rect">
+            <a:avLst/>
+          </a:prstGeom>
+        </p:spPr>
+        <p:txBody>
+          <a:bodyPr lIns="90000" rIns="90000" tIns="45000" bIns="45000"/>
+          <a:p>
+            <a:r>
+              <a:rPr lang="ru-RU" sz="1400">
+                <a:latin typeface="Courier 10 Pitch"/>
+              </a:rPr>
+              <a:t>{</a:t>
+            </a:r>
+            <a:endParaRPr/>
+          </a:p>
+          <a:p>
+            <a:r>
+              <a:rPr lang="ru-RU" sz="1400">
+                <a:latin typeface="Courier 10 Pitch"/>
+              </a:rPr>
+              <a:t>	</a:t>
+            </a:r>
+            <a:r>
+              <a:rPr lang="ru-RU" sz="1400">
+                <a:latin typeface="Courier 10 Pitch"/>
+              </a:rPr>
+              <a:t>description: "&lt;p&gt;Смартфон Sony XZ – узнаваемый дизайн, влагонепроницаемый корпус из матового металла, сглаженные края, мощный процессор и 23-х МП камера с сенсором IMX300.&lt;/p&gt;↵&lt;p&gt;&lt;strong&gt;Дизайн&lt;/strong&gt;&lt;/p&gt;↵&lt;p&gt;Удобный корпус, большой, яркий 5,2 дюймовым дисплей с разрешением 1920х1080. С обратной стороны расположены основная камера, вспышка, 2 дополнительных сенсора...&lt;/p&gt;",</a:t>
+            </a:r>
+            <a:endParaRPr/>
+          </a:p>
+          <a:p>
+            <a:r>
+              <a:rPr lang="ru-RU" sz="1400">
+                <a:latin typeface="Courier 10 Pitch"/>
+              </a:rPr>
+              <a:t>	</a:t>
+            </a:r>
+            <a:r>
+              <a:rPr lang="ru-RU" sz="1400">
+                <a:latin typeface="Courier 10 Pitch"/>
+              </a:rPr>
+              <a:t>id: "6",</a:t>
+            </a:r>
+            <a:endParaRPr/>
+          </a:p>
+          <a:p>
+            <a:r>
+              <a:rPr lang="ru-RU" sz="1400">
+                <a:latin typeface="Courier 10 Pitch"/>
+              </a:rPr>
+              <a:t>	</a:t>
+            </a:r>
+            <a:r>
+              <a:rPr lang="ru-RU" sz="1400">
+                <a:latin typeface="Courier 10 Pitch"/>
+              </a:rPr>
+              <a:t>image: {ID: 57, id: 57, title: "200x220", filename: "200x220-5.jpg", filesize: 6345,…}</a:t>
+            </a:r>
+            <a:endParaRPr/>
+          </a:p>
+          <a:p>
+            <a:r>
+              <a:rPr lang="ru-RU" sz="1400">
+                <a:latin typeface="Courier 10 Pitch"/>
+              </a:rPr>
+              <a:t>	</a:t>
+            </a:r>
+            <a:r>
+              <a:rPr lang="ru-RU" sz="1400">
+                <a:latin typeface="Courier 10 Pitch"/>
+              </a:rPr>
+              <a:t>model: "Sony",</a:t>
+            </a:r>
+            <a:endParaRPr/>
+          </a:p>
+          <a:p>
+            <a:r>
+              <a:rPr lang="ru-RU" sz="1400">
+                <a:latin typeface="Courier 10 Pitch"/>
+              </a:rPr>
+              <a:t>	</a:t>
+            </a:r>
+            <a:r>
+              <a:rPr lang="ru-RU" sz="1400">
+                <a:latin typeface="Courier 10 Pitch"/>
+              </a:rPr>
+              <a:t>price: "29875",</a:t>
+            </a:r>
+            <a:endParaRPr/>
+          </a:p>
+          <a:p>
+            <a:r>
+              <a:rPr lang="ru-RU" sz="1400">
+                <a:latin typeface="Courier 10 Pitch"/>
+              </a:rPr>
+              <a:t>	</a:t>
+            </a:r>
+            <a:r>
+              <a:rPr lang="ru-RU" sz="1400">
+                <a:latin typeface="Courier 10 Pitch"/>
+              </a:rPr>
+              <a:t>title: "Sony XZ"</a:t>
+            </a:r>
+            <a:endParaRPr/>
+          </a:p>
+          <a:p>
+            <a:r>
+              <a:rPr lang="ru-RU" sz="1400">
+                <a:latin typeface="Courier 10 Pitch"/>
+              </a:rPr>
+              <a:t>}</a:t>
+            </a:r>
+            <a:endParaRPr/>
+          </a:p>
+        </p:txBody>
+      </p:sp>
+      <p:sp>
+        <p:nvSpPr>
+          <p:cNvPr id="128" name="Line 3"/>
+          <p:cNvSpPr/>
+          <p:nvPr/>
+        </p:nvSpPr>
+        <p:spPr>
+          <a:xfrm>
+            <a:off x="216000" y="3096000"/>
+            <a:ext cx="8784000" cy="0"/>
+          </a:xfrm>
+          <a:prstGeom prst="line">
             <a:avLst/>
           </a:prstGeom>
           <a:ln>
-            <a:noFill/>
+            <a:solidFill>
+              <a:srgbClr val="000000"/>
+            </a:solidFill>
           </a:ln>
         </p:spPr>
-      </p:pic>
+      </p:sp>
     </p:spTree>
   </p:cSld>
   <p:timing>
